--- a/project_2/ppt/project_hes.pptx
+++ b/project_2/ppt/project_hes.pptx
@@ -6,11 +6,23 @@
   </p:sldMasterIdLst>
   <p:sldIdLst>
     <p:sldId id="257" r:id="rId2"/>
-    <p:sldId id="258" r:id="rId3"/>
-    <p:sldId id="259" r:id="rId4"/>
-    <p:sldId id="260" r:id="rId5"/>
-    <p:sldId id="261" r:id="rId6"/>
-    <p:sldId id="256" r:id="rId7"/>
+    <p:sldId id="267" r:id="rId3"/>
+    <p:sldId id="258" r:id="rId4"/>
+    <p:sldId id="268" r:id="rId5"/>
+    <p:sldId id="271" r:id="rId6"/>
+    <p:sldId id="266" r:id="rId7"/>
+    <p:sldId id="269" r:id="rId8"/>
+    <p:sldId id="270" r:id="rId9"/>
+    <p:sldId id="259" r:id="rId10"/>
+    <p:sldId id="262" r:id="rId11"/>
+    <p:sldId id="263" r:id="rId12"/>
+    <p:sldId id="265" r:id="rId13"/>
+    <p:sldId id="272" r:id="rId14"/>
+    <p:sldId id="260" r:id="rId15"/>
+    <p:sldId id="273" r:id="rId16"/>
+    <p:sldId id="274" r:id="rId17"/>
+    <p:sldId id="275" r:id="rId18"/>
+    <p:sldId id="261" r:id="rId19"/>
   </p:sldIdLst>
   <p:sldSz cx="9144000" cy="6858000" type="screen4x3"/>
   <p:notesSz cx="6858000" cy="9144000"/>
@@ -243,7 +255,7 @@
           <a:p>
             <a:fld id="{0BC0D2BD-574B-4AA1-AA71-746D41872FD6}" type="datetimeFigureOut">
               <a:rPr lang="ko-KR" altLang="en-US" smtClean="0"/>
-              <a:t>2018-07-30</a:t>
+              <a:t>2018-07-31</a:t>
             </a:fld>
             <a:endParaRPr lang="ko-KR" altLang="en-US"/>
           </a:p>
@@ -413,7 +425,7 @@
           <a:p>
             <a:fld id="{0BC0D2BD-574B-4AA1-AA71-746D41872FD6}" type="datetimeFigureOut">
               <a:rPr lang="ko-KR" altLang="en-US" smtClean="0"/>
-              <a:t>2018-07-30</a:t>
+              <a:t>2018-07-31</a:t>
             </a:fld>
             <a:endParaRPr lang="ko-KR" altLang="en-US"/>
           </a:p>
@@ -593,7 +605,7 @@
           <a:p>
             <a:fld id="{0BC0D2BD-574B-4AA1-AA71-746D41872FD6}" type="datetimeFigureOut">
               <a:rPr lang="ko-KR" altLang="en-US" smtClean="0"/>
-              <a:t>2018-07-30</a:t>
+              <a:t>2018-07-31</a:t>
             </a:fld>
             <a:endParaRPr lang="ko-KR" altLang="en-US"/>
           </a:p>
@@ -763,7 +775,7 @@
           <a:p>
             <a:fld id="{0BC0D2BD-574B-4AA1-AA71-746D41872FD6}" type="datetimeFigureOut">
               <a:rPr lang="ko-KR" altLang="en-US" smtClean="0"/>
-              <a:t>2018-07-30</a:t>
+              <a:t>2018-07-31</a:t>
             </a:fld>
             <a:endParaRPr lang="ko-KR" altLang="en-US"/>
           </a:p>
@@ -1007,7 +1019,7 @@
           <a:p>
             <a:fld id="{0BC0D2BD-574B-4AA1-AA71-746D41872FD6}" type="datetimeFigureOut">
               <a:rPr lang="ko-KR" altLang="en-US" smtClean="0"/>
-              <a:t>2018-07-30</a:t>
+              <a:t>2018-07-31</a:t>
             </a:fld>
             <a:endParaRPr lang="ko-KR" altLang="en-US"/>
           </a:p>
@@ -1239,7 +1251,7 @@
           <a:p>
             <a:fld id="{0BC0D2BD-574B-4AA1-AA71-746D41872FD6}" type="datetimeFigureOut">
               <a:rPr lang="ko-KR" altLang="en-US" smtClean="0"/>
-              <a:t>2018-07-30</a:t>
+              <a:t>2018-07-31</a:t>
             </a:fld>
             <a:endParaRPr lang="ko-KR" altLang="en-US"/>
           </a:p>
@@ -1606,7 +1618,7 @@
           <a:p>
             <a:fld id="{0BC0D2BD-574B-4AA1-AA71-746D41872FD6}" type="datetimeFigureOut">
               <a:rPr lang="ko-KR" altLang="en-US" smtClean="0"/>
-              <a:t>2018-07-30</a:t>
+              <a:t>2018-07-31</a:t>
             </a:fld>
             <a:endParaRPr lang="ko-KR" altLang="en-US"/>
           </a:p>
@@ -1724,7 +1736,7 @@
           <a:p>
             <a:fld id="{0BC0D2BD-574B-4AA1-AA71-746D41872FD6}" type="datetimeFigureOut">
               <a:rPr lang="ko-KR" altLang="en-US" smtClean="0"/>
-              <a:t>2018-07-30</a:t>
+              <a:t>2018-07-31</a:t>
             </a:fld>
             <a:endParaRPr lang="ko-KR" altLang="en-US"/>
           </a:p>
@@ -1819,7 +1831,7 @@
           <a:p>
             <a:fld id="{0BC0D2BD-574B-4AA1-AA71-746D41872FD6}" type="datetimeFigureOut">
               <a:rPr lang="ko-KR" altLang="en-US" smtClean="0"/>
-              <a:t>2018-07-30</a:t>
+              <a:t>2018-07-31</a:t>
             </a:fld>
             <a:endParaRPr lang="ko-KR" altLang="en-US"/>
           </a:p>
@@ -2096,7 +2108,7 @@
           <a:p>
             <a:fld id="{0BC0D2BD-574B-4AA1-AA71-746D41872FD6}" type="datetimeFigureOut">
               <a:rPr lang="ko-KR" altLang="en-US" smtClean="0"/>
-              <a:t>2018-07-30</a:t>
+              <a:t>2018-07-31</a:t>
             </a:fld>
             <a:endParaRPr lang="ko-KR" altLang="en-US"/>
           </a:p>
@@ -2353,7 +2365,7 @@
           <a:p>
             <a:fld id="{0BC0D2BD-574B-4AA1-AA71-746D41872FD6}" type="datetimeFigureOut">
               <a:rPr lang="ko-KR" altLang="en-US" smtClean="0"/>
-              <a:t>2018-07-30</a:t>
+              <a:t>2018-07-31</a:t>
             </a:fld>
             <a:endParaRPr lang="ko-KR" altLang="en-US"/>
           </a:p>
@@ -2566,7 +2578,7 @@
           <a:p>
             <a:fld id="{0BC0D2BD-574B-4AA1-AA71-746D41872FD6}" type="datetimeFigureOut">
               <a:rPr lang="ko-KR" altLang="en-US" smtClean="0"/>
-              <a:t>2018-07-30</a:t>
+              <a:t>2018-07-31</a:t>
             </a:fld>
             <a:endParaRPr lang="ko-KR" altLang="en-US"/>
           </a:p>
@@ -2971,47 +2983,36 @@
           <a:chExt cx="0" cy="0"/>
         </a:xfrm>
       </p:grpSpPr>
-      <p:sp>
-        <p:nvSpPr>
-          <p:cNvPr id="3" name="내용 개체 틀 2"/>
-          <p:cNvSpPr>
-            <a:spLocks noGrp="1"/>
-          </p:cNvSpPr>
-          <p:nvPr>
-            <p:ph idx="1"/>
-          </p:nvPr>
-        </p:nvSpPr>
-        <p:spPr/>
-        <p:txBody>
-          <a:bodyPr/>
-          <a:lstStyle/>
-          <a:p>
-            <a:r>
-              <a:rPr lang="ko-KR" altLang="en-US" u="sng" dirty="0" smtClean="0">
-                <a:hlinkClick r:id="rId2"/>
-              </a:rPr>
-              <a:t>一</a:t>
-            </a:r>
-            <a:r>
-              <a:rPr lang="ko-KR" altLang="en-US" dirty="0" smtClean="0">
-                <a:hlinkClick r:id="rId3"/>
-              </a:rPr>
-              <a:t>石</a:t>
-            </a:r>
-            <a:r>
-              <a:rPr lang="ko-KR" altLang="en-US" dirty="0" smtClean="0"/>
-              <a:t>四</a:t>
-            </a:r>
-            <a:r>
-              <a:rPr lang="ko-KR" altLang="en-US" dirty="0" smtClean="0">
-                <a:hlinkClick r:id="rId4"/>
-              </a:rPr>
-              <a:t>鳥</a:t>
-            </a:r>
-            <a:endParaRPr lang="ko-KR" altLang="en-US" dirty="0"/>
-          </a:p>
-        </p:txBody>
-      </p:sp>
+      <p:pic>
+        <p:nvPicPr>
+          <p:cNvPr id="4" name="그림 3"/>
+          <p:cNvPicPr>
+            <a:picLocks noChangeAspect="1"/>
+          </p:cNvPicPr>
+          <p:nvPr/>
+        </p:nvPicPr>
+        <p:blipFill>
+          <a:blip r:embed="rId2">
+            <a:extLst>
+              <a:ext uri="{28A0092B-C50C-407E-A947-70E740481C1C}">
+                <a14:useLocalDpi xmlns:a14="http://schemas.microsoft.com/office/drawing/2010/main" val="0"/>
+              </a:ext>
+            </a:extLst>
+          </a:blip>
+          <a:stretch>
+            <a:fillRect/>
+          </a:stretch>
+        </p:blipFill>
+        <p:spPr>
+          <a:xfrm>
+            <a:off x="-33868" y="0"/>
+            <a:ext cx="9144000" cy="6858000"/>
+          </a:xfrm>
+          <a:prstGeom prst="rect">
+            <a:avLst/>
+          </a:prstGeom>
+        </p:spPr>
+      </p:pic>
     </p:spTree>
     <p:extLst>
       <p:ext uri="{BB962C8B-B14F-4D97-AF65-F5344CB8AC3E}">
@@ -3032,7 +3033,3809 @@
 </p:sld>
 </file>
 
+<file path=ppt/slides/slide10.xml><?xml version="1.0" encoding="utf-8"?>
+<p:sld xmlns:a="http://schemas.openxmlformats.org/drawingml/2006/main" xmlns:r="http://schemas.openxmlformats.org/officeDocument/2006/relationships" xmlns:p="http://schemas.openxmlformats.org/presentationml/2006/main">
+  <p:cSld>
+    <p:spTree>
+      <p:nvGrpSpPr>
+        <p:cNvPr id="1" name=""/>
+        <p:cNvGrpSpPr/>
+        <p:nvPr/>
+      </p:nvGrpSpPr>
+      <p:grpSpPr>
+        <a:xfrm>
+          <a:off x="0" y="0"/>
+          <a:ext cx="0" cy="0"/>
+          <a:chOff x="0" y="0"/>
+          <a:chExt cx="0" cy="0"/>
+        </a:xfrm>
+      </p:grpSpPr>
+      <p:pic>
+        <p:nvPicPr>
+          <p:cNvPr id="4" name="그림 3"/>
+          <p:cNvPicPr>
+            <a:picLocks noChangeAspect="1"/>
+          </p:cNvPicPr>
+          <p:nvPr/>
+        </p:nvPicPr>
+        <p:blipFill>
+          <a:blip r:embed="rId2">
+            <a:extLst>
+              <a:ext uri="{28A0092B-C50C-407E-A947-70E740481C1C}">
+                <a14:useLocalDpi xmlns:a14="http://schemas.microsoft.com/office/drawing/2010/main" val="0"/>
+              </a:ext>
+            </a:extLst>
+          </a:blip>
+          <a:stretch>
+            <a:fillRect/>
+          </a:stretch>
+        </p:blipFill>
+        <p:spPr>
+          <a:xfrm>
+            <a:off x="0" y="0"/>
+            <a:ext cx="9144000" cy="6858000"/>
+          </a:xfrm>
+          <a:prstGeom prst="rect">
+            <a:avLst/>
+          </a:prstGeom>
+        </p:spPr>
+      </p:pic>
+      <p:pic>
+        <p:nvPicPr>
+          <p:cNvPr id="1026" name="Picture 2"/>
+          <p:cNvPicPr>
+            <a:picLocks noChangeAspect="1" noChangeArrowheads="1"/>
+          </p:cNvPicPr>
+          <p:nvPr/>
+        </p:nvPicPr>
+        <p:blipFill>
+          <a:blip r:embed="rId3">
+            <a:extLst>
+              <a:ext uri="{28A0092B-C50C-407E-A947-70E740481C1C}">
+                <a14:useLocalDpi xmlns:a14="http://schemas.microsoft.com/office/drawing/2010/main" val="0"/>
+              </a:ext>
+            </a:extLst>
+          </a:blip>
+          <a:srcRect/>
+          <a:stretch>
+            <a:fillRect/>
+          </a:stretch>
+        </p:blipFill>
+        <p:spPr bwMode="auto">
+          <a:xfrm>
+            <a:off x="716285" y="1570430"/>
+            <a:ext cx="2047875" cy="3646487"/>
+          </a:xfrm>
+          <a:prstGeom prst="rect">
+            <a:avLst/>
+          </a:prstGeom>
+          <a:noFill/>
+          <a:ln>
+            <a:noFill/>
+          </a:ln>
+          <a:effectLst/>
+          <a:extLst>
+            <a:ext uri="{909E8E84-426E-40DD-AFC4-6F175D3DCCD1}">
+              <a14:hiddenFill xmlns:a14="http://schemas.microsoft.com/office/drawing/2010/main">
+                <a:solidFill>
+                  <a:schemeClr val="accent1"/>
+                </a:solidFill>
+              </a14:hiddenFill>
+            </a:ext>
+            <a:ext uri="{91240B29-F687-4F45-9708-019B960494DF}">
+              <a14:hiddenLine xmlns:a14="http://schemas.microsoft.com/office/drawing/2010/main" w="9525">
+                <a:solidFill>
+                  <a:schemeClr val="tx1"/>
+                </a:solidFill>
+                <a:miter lim="800000"/>
+                <a:headEnd/>
+                <a:tailEnd/>
+              </a14:hiddenLine>
+            </a:ext>
+            <a:ext uri="{AF507438-7753-43E0-B8FC-AC1667EBCBE1}">
+              <a14:hiddenEffects xmlns:a14="http://schemas.microsoft.com/office/drawing/2010/main">
+                <a:effectLst>
+                  <a:outerShdw dist="35921" dir="2700000" algn="ctr" rotWithShape="0">
+                    <a:schemeClr val="bg2"/>
+                  </a:outerShdw>
+                </a:effectLst>
+              </a14:hiddenEffects>
+            </a:ext>
+          </a:extLst>
+        </p:spPr>
+      </p:pic>
+      <p:sp>
+        <p:nvSpPr>
+          <p:cNvPr id="6" name="TextBox 5"/>
+          <p:cNvSpPr txBox="1"/>
+          <p:nvPr/>
+        </p:nvSpPr>
+        <p:spPr>
+          <a:xfrm>
+            <a:off x="1089483" y="5199786"/>
+            <a:ext cx="1604029" cy="707886"/>
+          </a:xfrm>
+          <a:prstGeom prst="rect">
+            <a:avLst/>
+          </a:prstGeom>
+          <a:noFill/>
+        </p:spPr>
+        <p:txBody>
+          <a:bodyPr wrap="none" rtlCol="0">
+            <a:spAutoFit/>
+          </a:bodyPr>
+          <a:lstStyle/>
+          <a:p>
+            <a:r>
+              <a:rPr lang="en-US" altLang="ko-KR" sz="4000" b="1" smtClean="0">
+                <a:solidFill>
+                  <a:schemeClr val="bg1"/>
+                </a:solidFill>
+              </a:rPr>
+              <a:t>icolor </a:t>
+            </a:r>
+            <a:r>
+              <a:rPr lang="en-US" altLang="ko-KR" sz="3600" b="1" smtClean="0">
+                <a:solidFill>
+                  <a:schemeClr val="bg1"/>
+                </a:solidFill>
+              </a:rPr>
+              <a:t> </a:t>
+            </a:r>
+            <a:endParaRPr lang="ko-KR" altLang="en-US" sz="3600" b="1">
+              <a:solidFill>
+                <a:schemeClr val="bg1"/>
+              </a:solidFill>
+            </a:endParaRPr>
+          </a:p>
+        </p:txBody>
+      </p:sp>
+      <p:sp>
+        <p:nvSpPr>
+          <p:cNvPr id="9" name="TextBox 8"/>
+          <p:cNvSpPr txBox="1"/>
+          <p:nvPr/>
+        </p:nvSpPr>
+        <p:spPr>
+          <a:xfrm>
+            <a:off x="624611" y="5676839"/>
+            <a:ext cx="2533771" cy="461665"/>
+          </a:xfrm>
+          <a:prstGeom prst="rect">
+            <a:avLst/>
+          </a:prstGeom>
+          <a:noFill/>
+        </p:spPr>
+        <p:txBody>
+          <a:bodyPr wrap="none" rtlCol="0">
+            <a:spAutoFit/>
+          </a:bodyPr>
+          <a:lstStyle/>
+          <a:p>
+            <a:r>
+              <a:rPr lang="en-US" altLang="ko-KR" sz="2400" smtClean="0">
+                <a:solidFill>
+                  <a:schemeClr val="bg1"/>
+                </a:solidFill>
+              </a:rPr>
+              <a:t>Ver. mobile &amp; web </a:t>
+            </a:r>
+            <a:endParaRPr lang="ko-KR" altLang="en-US" sz="2400">
+              <a:solidFill>
+                <a:schemeClr val="bg1"/>
+              </a:solidFill>
+            </a:endParaRPr>
+          </a:p>
+        </p:txBody>
+      </p:sp>
+      <p:cxnSp>
+        <p:nvCxnSpPr>
+          <p:cNvPr id="10" name="직선 연결선 9"/>
+          <p:cNvCxnSpPr/>
+          <p:nvPr/>
+        </p:nvCxnSpPr>
+        <p:spPr>
+          <a:xfrm>
+            <a:off x="1049874" y="6211616"/>
+            <a:ext cx="1447800" cy="0"/>
+          </a:xfrm>
+          <a:prstGeom prst="line">
+            <a:avLst/>
+          </a:prstGeom>
+          <a:ln w="12700">
+            <a:solidFill>
+              <a:schemeClr val="bg1"/>
+            </a:solidFill>
+          </a:ln>
+        </p:spPr>
+        <p:style>
+          <a:lnRef idx="1">
+            <a:schemeClr val="accent1"/>
+          </a:lnRef>
+          <a:fillRef idx="0">
+            <a:schemeClr val="accent1"/>
+          </a:fillRef>
+          <a:effectRef idx="0">
+            <a:schemeClr val="accent1"/>
+          </a:effectRef>
+          <a:fontRef idx="minor">
+            <a:schemeClr val="tx1"/>
+          </a:fontRef>
+        </p:style>
+      </p:cxnSp>
+      <p:sp>
+        <p:nvSpPr>
+          <p:cNvPr id="12" name="TextBox 11"/>
+          <p:cNvSpPr txBox="1"/>
+          <p:nvPr/>
+        </p:nvSpPr>
+        <p:spPr>
+          <a:xfrm>
+            <a:off x="928919" y="6211616"/>
+            <a:ext cx="2237930" cy="307777"/>
+          </a:xfrm>
+          <a:prstGeom prst="rect">
+            <a:avLst/>
+          </a:prstGeom>
+          <a:noFill/>
+        </p:spPr>
+        <p:txBody>
+          <a:bodyPr wrap="square" rtlCol="0">
+            <a:spAutoFit/>
+          </a:bodyPr>
+          <a:lstStyle/>
+          <a:p>
+            <a:r>
+              <a:rPr lang="en-US" altLang="ko-KR" sz="1400" smtClean="0">
+                <a:solidFill>
+                  <a:schemeClr val="bg1"/>
+                </a:solidFill>
+              </a:rPr>
+              <a:t>http</a:t>
+            </a:r>
+            <a:r>
+              <a:rPr lang="en-US" altLang="ko-KR" sz="1400">
+                <a:solidFill>
+                  <a:schemeClr val="bg1"/>
+                </a:solidFill>
+              </a:rPr>
+              <a:t>://www.icolor.io</a:t>
+            </a:r>
+            <a:r>
+              <a:rPr lang="en-US" altLang="ko-KR" sz="1400" smtClean="0">
+                <a:solidFill>
+                  <a:schemeClr val="bg1"/>
+                </a:solidFill>
+              </a:rPr>
+              <a:t>/</a:t>
+            </a:r>
+            <a:endParaRPr lang="ko-KR" altLang="en-US" sz="1400">
+              <a:solidFill>
+                <a:schemeClr val="bg1"/>
+              </a:solidFill>
+            </a:endParaRPr>
+          </a:p>
+        </p:txBody>
+      </p:sp>
+      <p:sp>
+        <p:nvSpPr>
+          <p:cNvPr id="16" name="내용 개체 틀 2"/>
+          <p:cNvSpPr txBox="1">
+            <a:spLocks/>
+          </p:cNvSpPr>
+          <p:nvPr/>
+        </p:nvSpPr>
+        <p:spPr>
+          <a:xfrm>
+            <a:off x="3653884" y="911363"/>
+            <a:ext cx="5380049" cy="2036182"/>
+          </a:xfrm>
+          <a:prstGeom prst="rect">
+            <a:avLst/>
+          </a:prstGeom>
+        </p:spPr>
+        <p:txBody>
+          <a:bodyPr vert="horz" lIns="91440" tIns="45720" rIns="91440" bIns="45720" rtlCol="0">
+            <a:normAutofit fontScale="40000" lnSpcReduction="20000"/>
+          </a:bodyPr>
+          <a:lstStyle/>
+          <a:p>
+            <a:pPr marL="342900" marR="0" lvl="0" indent="-342900" algn="l" defTabSz="914400" rtl="0" eaLnBrk="1" fontAlgn="auto" latinLnBrk="1" hangingPunct="1">
+              <a:lnSpc>
+                <a:spcPct val="100000"/>
+              </a:lnSpc>
+              <a:spcBef>
+                <a:spcPct val="20000"/>
+              </a:spcBef>
+              <a:spcAft>
+                <a:spcPts val="0"/>
+              </a:spcAft>
+              <a:buClrTx/>
+              <a:buSzTx/>
+              <a:buFont typeface="Arial" pitchFamily="34" charset="0"/>
+              <a:buNone/>
+              <a:tabLst/>
+              <a:defRPr/>
+            </a:pPr>
+            <a:r>
+              <a:rPr lang="en-US" altLang="ko-KR" sz="9000" b="1" smtClean="0">
+                <a:solidFill>
+                  <a:srgbClr val="EBBEC0"/>
+                </a:solidFill>
+              </a:rPr>
+              <a:t>*</a:t>
+            </a:r>
+          </a:p>
+          <a:p>
+            <a:pPr marR="0" lvl="0" algn="l" defTabSz="914400" rtl="0" eaLnBrk="1" fontAlgn="auto" latinLnBrk="1" hangingPunct="1">
+              <a:lnSpc>
+                <a:spcPct val="170000"/>
+              </a:lnSpc>
+              <a:spcBef>
+                <a:spcPct val="20000"/>
+              </a:spcBef>
+              <a:spcAft>
+                <a:spcPts val="0"/>
+              </a:spcAft>
+              <a:buClrTx/>
+              <a:buSzTx/>
+              <a:buFont typeface="Arial" pitchFamily="34" charset="0"/>
+              <a:buNone/>
+              <a:tabLst/>
+              <a:defRPr/>
+            </a:pPr>
+            <a:r>
+              <a:rPr lang="en-US" altLang="ko-KR" sz="4000" smtClean="0">
+                <a:solidFill>
+                  <a:schemeClr val="tx1">
+                    <a:lumMod val="75000"/>
+                    <a:lumOff val="25000"/>
+                  </a:schemeClr>
+                </a:solidFill>
+                <a:latin typeface="Noto Sans CJK KR Medium" pitchFamily="34" charset="-127"/>
+                <a:ea typeface="Noto Sans CJK KR Medium" pitchFamily="34" charset="-127"/>
+              </a:rPr>
+              <a:t>- </a:t>
+            </a:r>
+            <a:r>
+              <a:rPr lang="ko-KR" altLang="en-US" sz="4000" smtClean="0">
+                <a:solidFill>
+                  <a:schemeClr val="tx1">
+                    <a:lumMod val="75000"/>
+                    <a:lumOff val="25000"/>
+                  </a:schemeClr>
+                </a:solidFill>
+                <a:latin typeface="Noto Sans CJK KR Medium" pitchFamily="34" charset="-127"/>
+                <a:ea typeface="Noto Sans CJK KR Medium" pitchFamily="34" charset="-127"/>
+              </a:rPr>
+              <a:t>오프라인으로 </a:t>
+            </a:r>
+            <a:r>
+              <a:rPr lang="ko-KR" altLang="en-US" sz="4000" smtClean="0">
+                <a:solidFill>
+                  <a:schemeClr val="tx1">
+                    <a:lumMod val="75000"/>
+                    <a:lumOff val="25000"/>
+                  </a:schemeClr>
+                </a:solidFill>
+                <a:latin typeface="Noto Sans CJK KR Medium" pitchFamily="34" charset="-127"/>
+                <a:ea typeface="Noto Sans CJK KR Medium" pitchFamily="34" charset="-127"/>
+              </a:rPr>
+              <a:t>퍼스널 컬러진단이 </a:t>
+            </a:r>
+            <a:r>
+              <a:rPr lang="ko-KR" altLang="en-US" sz="4000" smtClean="0">
+                <a:solidFill>
+                  <a:schemeClr val="tx1">
+                    <a:lumMod val="75000"/>
+                    <a:lumOff val="25000"/>
+                  </a:schemeClr>
+                </a:solidFill>
+                <a:latin typeface="Noto Sans CJK KR Medium" pitchFamily="34" charset="-127"/>
+                <a:ea typeface="Noto Sans CJK KR Medium" pitchFamily="34" charset="-127"/>
+              </a:rPr>
+              <a:t>가능하다</a:t>
+            </a:r>
+            <a:r>
+              <a:rPr lang="en-US" altLang="ko-KR" sz="4000" smtClean="0">
+                <a:solidFill>
+                  <a:schemeClr val="tx1">
+                    <a:lumMod val="75000"/>
+                    <a:lumOff val="25000"/>
+                  </a:schemeClr>
+                </a:solidFill>
+                <a:latin typeface="Noto Sans CJK KR Medium" pitchFamily="34" charset="-127"/>
+                <a:ea typeface="Noto Sans CJK KR Medium" pitchFamily="34" charset="-127"/>
+              </a:rPr>
+              <a:t>.</a:t>
+            </a:r>
+            <a:endParaRPr lang="en-US" altLang="ko-KR" sz="4000" smtClean="0">
+              <a:solidFill>
+                <a:schemeClr val="tx1">
+                  <a:lumMod val="75000"/>
+                  <a:lumOff val="25000"/>
+                </a:schemeClr>
+              </a:solidFill>
+              <a:latin typeface="Noto Sans CJK KR Medium" pitchFamily="34" charset="-127"/>
+              <a:ea typeface="Noto Sans CJK KR Medium" pitchFamily="34" charset="-127"/>
+            </a:endParaRPr>
+          </a:p>
+          <a:p>
+            <a:pPr marR="0" lvl="0" algn="l" defTabSz="914400" rtl="0" eaLnBrk="1" fontAlgn="auto" latinLnBrk="1" hangingPunct="1">
+              <a:lnSpc>
+                <a:spcPct val="170000"/>
+              </a:lnSpc>
+              <a:spcBef>
+                <a:spcPct val="20000"/>
+              </a:spcBef>
+              <a:spcAft>
+                <a:spcPts val="0"/>
+              </a:spcAft>
+              <a:buClrTx/>
+              <a:buSzTx/>
+              <a:buFont typeface="Arial" pitchFamily="34" charset="0"/>
+              <a:buNone/>
+              <a:tabLst/>
+              <a:defRPr/>
+            </a:pPr>
+            <a:r>
+              <a:rPr lang="en-US" altLang="ko-KR" sz="4000" smtClean="0">
+                <a:solidFill>
+                  <a:schemeClr val="tx1">
+                    <a:lumMod val="75000"/>
+                    <a:lumOff val="25000"/>
+                  </a:schemeClr>
+                </a:solidFill>
+                <a:latin typeface="Noto Sans CJK KR Medium" pitchFamily="34" charset="-127"/>
+                <a:ea typeface="Noto Sans CJK KR Medium" pitchFamily="34" charset="-127"/>
+              </a:rPr>
+              <a:t>- </a:t>
+            </a:r>
+            <a:r>
+              <a:rPr lang="ko-KR" altLang="en-US" sz="4000" smtClean="0">
+                <a:solidFill>
+                  <a:schemeClr val="tx1">
+                    <a:lumMod val="75000"/>
+                    <a:lumOff val="25000"/>
+                  </a:schemeClr>
+                </a:solidFill>
+                <a:latin typeface="Noto Sans CJK KR Medium" pitchFamily="34" charset="-127"/>
+                <a:ea typeface="Noto Sans CJK KR Medium" pitchFamily="34" charset="-127"/>
+              </a:rPr>
+              <a:t>진단 결과에 </a:t>
+            </a:r>
+            <a:r>
+              <a:rPr lang="ko-KR" altLang="en-US" sz="4000" smtClean="0">
+                <a:solidFill>
+                  <a:schemeClr val="tx1">
+                    <a:lumMod val="75000"/>
+                    <a:lumOff val="25000"/>
+                  </a:schemeClr>
+                </a:solidFill>
+                <a:latin typeface="Noto Sans CJK KR Medium" pitchFamily="34" charset="-127"/>
+                <a:ea typeface="Noto Sans CJK KR Medium" pitchFamily="34" charset="-127"/>
+              </a:rPr>
+              <a:t>따른 헤어</a:t>
+            </a:r>
+            <a:r>
+              <a:rPr lang="en-US" altLang="ko-KR" sz="4000" smtClean="0">
+                <a:solidFill>
+                  <a:schemeClr val="tx1">
+                    <a:lumMod val="75000"/>
+                    <a:lumOff val="25000"/>
+                  </a:schemeClr>
+                </a:solidFill>
+                <a:latin typeface="Noto Sans CJK KR Medium" pitchFamily="34" charset="-127"/>
+                <a:ea typeface="Noto Sans CJK KR Medium" pitchFamily="34" charset="-127"/>
+              </a:rPr>
+              <a:t>, </a:t>
+            </a:r>
+            <a:r>
+              <a:rPr lang="ko-KR" altLang="en-US" sz="4000" smtClean="0">
+                <a:solidFill>
+                  <a:schemeClr val="tx1">
+                    <a:lumMod val="75000"/>
+                    <a:lumOff val="25000"/>
+                  </a:schemeClr>
+                </a:solidFill>
+                <a:latin typeface="Noto Sans CJK KR Medium" pitchFamily="34" charset="-127"/>
+                <a:ea typeface="Noto Sans CJK KR Medium" pitchFamily="34" charset="-127"/>
+              </a:rPr>
+              <a:t>메이크업</a:t>
+            </a:r>
+            <a:r>
+              <a:rPr lang="en-US" altLang="ko-KR" sz="4000" smtClean="0">
+                <a:solidFill>
+                  <a:schemeClr val="tx1">
+                    <a:lumMod val="75000"/>
+                    <a:lumOff val="25000"/>
+                  </a:schemeClr>
+                </a:solidFill>
+                <a:latin typeface="Noto Sans CJK KR Medium" pitchFamily="34" charset="-127"/>
+                <a:ea typeface="Noto Sans CJK KR Medium" pitchFamily="34" charset="-127"/>
+              </a:rPr>
+              <a:t>, </a:t>
+            </a:r>
+            <a:r>
+              <a:rPr lang="ko-KR" altLang="en-US" sz="4000" smtClean="0">
+                <a:solidFill>
+                  <a:schemeClr val="tx1">
+                    <a:lumMod val="75000"/>
+                    <a:lumOff val="25000"/>
+                  </a:schemeClr>
+                </a:solidFill>
+                <a:latin typeface="Noto Sans CJK KR Medium" pitchFamily="34" charset="-127"/>
+                <a:ea typeface="Noto Sans CJK KR Medium" pitchFamily="34" charset="-127"/>
+              </a:rPr>
+              <a:t>코디 등을 </a:t>
+            </a:r>
+            <a:r>
+              <a:rPr lang="ko-KR" altLang="en-US" sz="4000" smtClean="0">
+                <a:solidFill>
+                  <a:schemeClr val="tx1">
+                    <a:lumMod val="75000"/>
+                    <a:lumOff val="25000"/>
+                  </a:schemeClr>
+                </a:solidFill>
+                <a:latin typeface="Noto Sans CJK KR Medium" pitchFamily="34" charset="-127"/>
+                <a:ea typeface="Noto Sans CJK KR Medium" pitchFamily="34" charset="-127"/>
+              </a:rPr>
+              <a:t>추천해준다</a:t>
+            </a:r>
+            <a:r>
+              <a:rPr lang="en-US" altLang="ko-KR" sz="4000" smtClean="0">
+                <a:solidFill>
+                  <a:schemeClr val="tx1">
+                    <a:lumMod val="75000"/>
+                    <a:lumOff val="25000"/>
+                  </a:schemeClr>
+                </a:solidFill>
+                <a:latin typeface="Noto Sans CJK KR Medium" pitchFamily="34" charset="-127"/>
+                <a:ea typeface="Noto Sans CJK KR Medium" pitchFamily="34" charset="-127"/>
+              </a:rPr>
+              <a:t>.</a:t>
+            </a:r>
+            <a:endParaRPr lang="en-US" altLang="ko-KR" sz="4000" smtClean="0">
+              <a:solidFill>
+                <a:schemeClr val="tx1">
+                  <a:lumMod val="75000"/>
+                  <a:lumOff val="25000"/>
+                </a:schemeClr>
+              </a:solidFill>
+              <a:latin typeface="Noto Sans CJK KR Medium" pitchFamily="34" charset="-127"/>
+              <a:ea typeface="Noto Sans CJK KR Medium" pitchFamily="34" charset="-127"/>
+            </a:endParaRPr>
+          </a:p>
+          <a:p>
+            <a:pPr marR="0" lvl="0" algn="l" defTabSz="914400" rtl="0" eaLnBrk="1" fontAlgn="auto" latinLnBrk="1" hangingPunct="1">
+              <a:lnSpc>
+                <a:spcPct val="170000"/>
+              </a:lnSpc>
+              <a:spcBef>
+                <a:spcPct val="20000"/>
+              </a:spcBef>
+              <a:spcAft>
+                <a:spcPts val="0"/>
+              </a:spcAft>
+              <a:buClrTx/>
+              <a:buSzTx/>
+              <a:buFont typeface="Arial" pitchFamily="34" charset="0"/>
+              <a:buNone/>
+              <a:tabLst/>
+              <a:defRPr/>
+            </a:pPr>
+            <a:r>
+              <a:rPr lang="en-US" altLang="ko-KR" sz="4000" smtClean="0">
+                <a:solidFill>
+                  <a:schemeClr val="tx1">
+                    <a:lumMod val="75000"/>
+                    <a:lumOff val="25000"/>
+                  </a:schemeClr>
+                </a:solidFill>
+                <a:latin typeface="Noto Sans CJK KR Medium" pitchFamily="34" charset="-127"/>
+                <a:ea typeface="Noto Sans CJK KR Medium" pitchFamily="34" charset="-127"/>
+              </a:rPr>
+              <a:t>- </a:t>
+            </a:r>
+            <a:r>
+              <a:rPr lang="ko-KR" altLang="en-US" sz="4000" smtClean="0">
+                <a:solidFill>
+                  <a:schemeClr val="tx1">
+                    <a:lumMod val="75000"/>
+                    <a:lumOff val="25000"/>
+                  </a:schemeClr>
+                </a:solidFill>
+                <a:latin typeface="Noto Sans CJK KR Medium" pitchFamily="34" charset="-127"/>
+                <a:ea typeface="Noto Sans CJK KR Medium" pitchFamily="34" charset="-127"/>
+              </a:rPr>
+              <a:t>카메라 </a:t>
+            </a:r>
+            <a:r>
+              <a:rPr lang="ko-KR" altLang="en-US" sz="4000" smtClean="0">
+                <a:solidFill>
+                  <a:schemeClr val="tx1">
+                    <a:lumMod val="75000"/>
+                    <a:lumOff val="25000"/>
+                  </a:schemeClr>
+                </a:solidFill>
+                <a:latin typeface="Noto Sans CJK KR Medium" pitchFamily="34" charset="-127"/>
+                <a:ea typeface="Noto Sans CJK KR Medium" pitchFamily="34" charset="-127"/>
+              </a:rPr>
+              <a:t>기능을 사용해 자신과 어울리는 색을 알아볼 수 있다</a:t>
+            </a:r>
+            <a:r>
+              <a:rPr lang="en-US" altLang="ko-KR" sz="4000" smtClean="0">
+                <a:solidFill>
+                  <a:schemeClr val="tx1">
+                    <a:lumMod val="75000"/>
+                    <a:lumOff val="25000"/>
+                  </a:schemeClr>
+                </a:solidFill>
+                <a:latin typeface="Noto Sans CJK KR Medium" pitchFamily="34" charset="-127"/>
+                <a:ea typeface="Noto Sans CJK KR Medium" pitchFamily="34" charset="-127"/>
+              </a:rPr>
+              <a:t>.</a:t>
+            </a:r>
+            <a:endParaRPr kumimoji="0" lang="ko-KR" altLang="en-US" sz="4000" i="0" u="none" strike="noStrike" kern="1200" cap="none" spc="0" normalizeH="0" baseline="0" noProof="0" smtClean="0">
+              <a:ln>
+                <a:noFill/>
+              </a:ln>
+              <a:solidFill>
+                <a:schemeClr val="tx1">
+                  <a:lumMod val="75000"/>
+                  <a:lumOff val="25000"/>
+                </a:schemeClr>
+              </a:solidFill>
+              <a:effectLst/>
+              <a:uLnTx/>
+              <a:uFillTx/>
+              <a:latin typeface="Noto Sans CJK KR Medium" pitchFamily="34" charset="-127"/>
+              <a:ea typeface="Noto Sans CJK KR Medium" pitchFamily="34" charset="-127"/>
+            </a:endParaRPr>
+          </a:p>
+        </p:txBody>
+      </p:sp>
+      <p:sp>
+        <p:nvSpPr>
+          <p:cNvPr id="2" name="직사각형 1"/>
+          <p:cNvSpPr/>
+          <p:nvPr/>
+        </p:nvSpPr>
+        <p:spPr>
+          <a:xfrm>
+            <a:off x="4747475" y="5138376"/>
+            <a:ext cx="3665753" cy="676698"/>
+          </a:xfrm>
+          <a:prstGeom prst="rect">
+            <a:avLst/>
+          </a:prstGeom>
+        </p:spPr>
+        <p:style>
+          <a:lnRef idx="2">
+            <a:schemeClr val="accent3"/>
+          </a:lnRef>
+          <a:fillRef idx="1">
+            <a:schemeClr val="lt1"/>
+          </a:fillRef>
+          <a:effectRef idx="0">
+            <a:schemeClr val="accent3"/>
+          </a:effectRef>
+          <a:fontRef idx="minor">
+            <a:schemeClr val="dk1"/>
+          </a:fontRef>
+        </p:style>
+        <p:txBody>
+          <a:bodyPr rtlCol="0" anchor="ctr"/>
+          <a:lstStyle/>
+          <a:p>
+            <a:pPr algn="ctr"/>
+            <a:endParaRPr lang="ko-KR" altLang="en-US"/>
+          </a:p>
+        </p:txBody>
+      </p:sp>
+      <p:pic>
+        <p:nvPicPr>
+          <p:cNvPr id="17" name="그림 16"/>
+          <p:cNvPicPr>
+            <a:picLocks noChangeAspect="1"/>
+          </p:cNvPicPr>
+          <p:nvPr/>
+        </p:nvPicPr>
+        <p:blipFill>
+          <a:blip r:embed="rId4" cstate="print">
+            <a:extLst>
+              <a:ext uri="{28A0092B-C50C-407E-A947-70E740481C1C}">
+                <a14:useLocalDpi xmlns:a14="http://schemas.microsoft.com/office/drawing/2010/main" val="0"/>
+              </a:ext>
+            </a:extLst>
+          </a:blip>
+          <a:stretch>
+            <a:fillRect/>
+          </a:stretch>
+        </p:blipFill>
+        <p:spPr>
+          <a:xfrm>
+            <a:off x="5613400" y="3996293"/>
+            <a:ext cx="2116667" cy="1955799"/>
+          </a:xfrm>
+          <a:prstGeom prst="rect">
+            <a:avLst/>
+          </a:prstGeom>
+        </p:spPr>
+      </p:pic>
+      <p:pic>
+        <p:nvPicPr>
+          <p:cNvPr id="14" name="그림 13" descr="icolor_Q.jpg"/>
+          <p:cNvPicPr>
+            <a:picLocks noChangeAspect="1"/>
+          </p:cNvPicPr>
+          <p:nvPr/>
+        </p:nvPicPr>
+        <p:blipFill>
+          <a:blip r:embed="rId5" cstate="print"/>
+          <a:stretch>
+            <a:fillRect/>
+          </a:stretch>
+        </p:blipFill>
+        <p:spPr>
+          <a:xfrm>
+            <a:off x="4775095" y="5203876"/>
+            <a:ext cx="3600897" cy="570724"/>
+          </a:xfrm>
+          <a:prstGeom prst="rect">
+            <a:avLst/>
+          </a:prstGeom>
+        </p:spPr>
+      </p:pic>
+      <p:cxnSp>
+        <p:nvCxnSpPr>
+          <p:cNvPr id="23" name="직선 화살표 연결선 22"/>
+          <p:cNvCxnSpPr/>
+          <p:nvPr/>
+        </p:nvCxnSpPr>
+        <p:spPr>
+          <a:xfrm>
+            <a:off x="6649433" y="4961018"/>
+            <a:ext cx="76205" cy="161183"/>
+          </a:xfrm>
+          <a:prstGeom prst="straightConnector1">
+            <a:avLst/>
+          </a:prstGeom>
+          <a:ln w="28575">
+            <a:solidFill>
+              <a:srgbClr val="F5AC83"/>
+            </a:solidFill>
+            <a:tailEnd type="arrow"/>
+          </a:ln>
+        </p:spPr>
+        <p:style>
+          <a:lnRef idx="1">
+            <a:schemeClr val="accent1"/>
+          </a:lnRef>
+          <a:fillRef idx="0">
+            <a:schemeClr val="accent1"/>
+          </a:fillRef>
+          <a:effectRef idx="0">
+            <a:schemeClr val="accent1"/>
+          </a:effectRef>
+          <a:fontRef idx="minor">
+            <a:schemeClr val="tx1"/>
+          </a:fontRef>
+        </p:style>
+      </p:cxnSp>
+      <p:sp>
+        <p:nvSpPr>
+          <p:cNvPr id="27" name="내용 개체 틀 2"/>
+          <p:cNvSpPr txBox="1">
+            <a:spLocks/>
+          </p:cNvSpPr>
+          <p:nvPr/>
+        </p:nvSpPr>
+        <p:spPr>
+          <a:xfrm>
+            <a:off x="3653884" y="2947545"/>
+            <a:ext cx="5124775" cy="2318116"/>
+          </a:xfrm>
+          <a:prstGeom prst="rect">
+            <a:avLst/>
+          </a:prstGeom>
+        </p:spPr>
+        <p:txBody>
+          <a:bodyPr vert="horz" lIns="91440" tIns="45720" rIns="91440" bIns="45720" rtlCol="0">
+            <a:normAutofit/>
+          </a:bodyPr>
+          <a:lstStyle/>
+          <a:p>
+            <a:pPr marL="342900" marR="0" lvl="0" indent="-342900" algn="l" defTabSz="914400" rtl="0" eaLnBrk="1" fontAlgn="auto" latinLnBrk="1" hangingPunct="1">
+              <a:lnSpc>
+                <a:spcPct val="100000"/>
+              </a:lnSpc>
+              <a:spcBef>
+                <a:spcPct val="20000"/>
+              </a:spcBef>
+              <a:spcAft>
+                <a:spcPts val="0"/>
+              </a:spcAft>
+              <a:buClrTx/>
+              <a:buSzTx/>
+              <a:buFont typeface="Arial" pitchFamily="34" charset="0"/>
+              <a:buNone/>
+              <a:tabLst/>
+              <a:defRPr/>
+            </a:pPr>
+            <a:r>
+              <a:rPr lang="en-US" altLang="ko-KR" sz="4100" b="1" smtClean="0">
+                <a:solidFill>
+                  <a:srgbClr val="EBBEC0"/>
+                </a:solidFill>
+              </a:rPr>
+              <a:t>merit</a:t>
+            </a:r>
+          </a:p>
+          <a:p>
+            <a:pPr marR="0" lvl="0" algn="l" defTabSz="914400" rtl="0" eaLnBrk="1" fontAlgn="auto" latinLnBrk="1" hangingPunct="1">
+              <a:lnSpc>
+                <a:spcPct val="120000"/>
+              </a:lnSpc>
+              <a:spcBef>
+                <a:spcPct val="20000"/>
+              </a:spcBef>
+              <a:spcAft>
+                <a:spcPts val="0"/>
+              </a:spcAft>
+              <a:buClrTx/>
+              <a:buSzTx/>
+              <a:tabLst/>
+              <a:defRPr/>
+            </a:pPr>
+            <a:r>
+              <a:rPr lang="en-US" altLang="ko-KR" sz="1600" smtClean="0">
+                <a:solidFill>
+                  <a:schemeClr val="tx1">
+                    <a:lumMod val="75000"/>
+                    <a:lumOff val="25000"/>
+                  </a:schemeClr>
+                </a:solidFill>
+                <a:latin typeface="Noto Sans CJK KR Medium" pitchFamily="34" charset="-127"/>
+                <a:ea typeface="Noto Sans CJK KR Medium" pitchFamily="34" charset="-127"/>
+              </a:rPr>
+              <a:t>- </a:t>
+            </a:r>
+            <a:r>
+              <a:rPr lang="ko-KR" altLang="en-US" sz="1600" smtClean="0">
+                <a:solidFill>
+                  <a:schemeClr val="tx1">
+                    <a:lumMod val="75000"/>
+                    <a:lumOff val="25000"/>
+                  </a:schemeClr>
+                </a:solidFill>
+                <a:latin typeface="Noto Sans CJK KR Medium" pitchFamily="34" charset="-127"/>
+                <a:ea typeface="Noto Sans CJK KR Medium" pitchFamily="34" charset="-127"/>
+              </a:rPr>
+              <a:t>다양한 컨텐츠로 이루어져 있다</a:t>
+            </a:r>
+            <a:r>
+              <a:rPr lang="en-US" altLang="ko-KR" sz="1600" smtClean="0">
+                <a:solidFill>
+                  <a:schemeClr val="tx1">
+                    <a:lumMod val="75000"/>
+                    <a:lumOff val="25000"/>
+                  </a:schemeClr>
+                </a:solidFill>
+                <a:latin typeface="Noto Sans CJK KR Medium" pitchFamily="34" charset="-127"/>
+                <a:ea typeface="Noto Sans CJK KR Medium" pitchFamily="34" charset="-127"/>
+              </a:rPr>
+              <a:t>.</a:t>
+            </a:r>
+          </a:p>
+          <a:p>
+            <a:pPr marR="0" lvl="0" algn="l" defTabSz="914400" rtl="0" eaLnBrk="1" fontAlgn="auto" latinLnBrk="1" hangingPunct="1">
+              <a:lnSpc>
+                <a:spcPct val="120000"/>
+              </a:lnSpc>
+              <a:spcBef>
+                <a:spcPct val="20000"/>
+              </a:spcBef>
+              <a:spcAft>
+                <a:spcPts val="0"/>
+              </a:spcAft>
+              <a:buClrTx/>
+              <a:buSzTx/>
+              <a:tabLst/>
+              <a:defRPr/>
+            </a:pPr>
+            <a:r>
+              <a:rPr lang="en-US" altLang="ko-KR" sz="1600" smtClean="0">
+                <a:solidFill>
+                  <a:schemeClr val="tx1">
+                    <a:lumMod val="75000"/>
+                    <a:lumOff val="25000"/>
+                  </a:schemeClr>
+                </a:solidFill>
+                <a:latin typeface="Noto Sans CJK KR Medium" pitchFamily="34" charset="-127"/>
+                <a:ea typeface="Noto Sans CJK KR Medium" pitchFamily="34" charset="-127"/>
+              </a:rPr>
+              <a:t>- </a:t>
+            </a:r>
+            <a:r>
+              <a:rPr lang="ko-KR" altLang="en-US" sz="1600" smtClean="0">
+                <a:solidFill>
+                  <a:schemeClr val="tx1">
+                    <a:lumMod val="75000"/>
+                    <a:lumOff val="25000"/>
+                  </a:schemeClr>
+                </a:solidFill>
+                <a:latin typeface="Noto Sans CJK KR Medium" pitchFamily="34" charset="-127"/>
+                <a:ea typeface="Noto Sans CJK KR Medium" pitchFamily="34" charset="-127"/>
+              </a:rPr>
+              <a:t>키워드 검색을 통해 원하는 정보를 쉽게 찾을 수 있다</a:t>
+            </a:r>
+            <a:r>
+              <a:rPr lang="en-US" altLang="ko-KR" sz="1600" smtClean="0">
+                <a:solidFill>
+                  <a:schemeClr val="tx1">
+                    <a:lumMod val="75000"/>
+                    <a:lumOff val="25000"/>
+                  </a:schemeClr>
+                </a:solidFill>
+                <a:latin typeface="Noto Sans CJK KR Medium" pitchFamily="34" charset="-127"/>
+                <a:ea typeface="Noto Sans CJK KR Medium" pitchFamily="34" charset="-127"/>
+              </a:rPr>
+              <a:t>.</a:t>
+            </a:r>
+          </a:p>
+          <a:p>
+            <a:pPr marR="0" lvl="0" algn="l" defTabSz="914400" rtl="0" eaLnBrk="1" fontAlgn="auto" latinLnBrk="1" hangingPunct="1">
+              <a:lnSpc>
+                <a:spcPct val="120000"/>
+              </a:lnSpc>
+              <a:spcBef>
+                <a:spcPct val="20000"/>
+              </a:spcBef>
+              <a:spcAft>
+                <a:spcPts val="0"/>
+              </a:spcAft>
+              <a:buClrTx/>
+              <a:buSzTx/>
+              <a:tabLst/>
+              <a:defRPr/>
+            </a:pPr>
+            <a:r>
+              <a:rPr lang="en-US" altLang="ko-KR" sz="1600" smtClean="0">
+                <a:solidFill>
+                  <a:schemeClr val="tx1">
+                    <a:lumMod val="75000"/>
+                    <a:lumOff val="25000"/>
+                  </a:schemeClr>
+                </a:solidFill>
+                <a:latin typeface="Noto Sans CJK KR Medium" pitchFamily="34" charset="-127"/>
+                <a:ea typeface="Noto Sans CJK KR Medium" pitchFamily="34" charset="-127"/>
+              </a:rPr>
+              <a:t>- </a:t>
+            </a:r>
+            <a:r>
+              <a:rPr lang="ko-KR" altLang="en-US" sz="1600" smtClean="0">
+                <a:solidFill>
+                  <a:schemeClr val="tx1">
+                    <a:lumMod val="75000"/>
+                    <a:lumOff val="25000"/>
+                  </a:schemeClr>
+                </a:solidFill>
+                <a:latin typeface="Noto Sans CJK KR Medium" pitchFamily="34" charset="-127"/>
+                <a:ea typeface="Noto Sans CJK KR Medium" pitchFamily="34" charset="-127"/>
+              </a:rPr>
+              <a:t>전문가의 자료를 근거로 하여</a:t>
+            </a:r>
+            <a:r>
+              <a:rPr lang="en-US" altLang="ko-KR" sz="1600" smtClean="0">
+                <a:solidFill>
+                  <a:schemeClr val="tx1">
+                    <a:lumMod val="75000"/>
+                    <a:lumOff val="25000"/>
+                  </a:schemeClr>
+                </a:solidFill>
+                <a:latin typeface="Noto Sans CJK KR Medium" pitchFamily="34" charset="-127"/>
+                <a:ea typeface="Noto Sans CJK KR Medium" pitchFamily="34" charset="-127"/>
+              </a:rPr>
+              <a:t>, </a:t>
+            </a:r>
+            <a:r>
+              <a:rPr lang="ko-KR" altLang="en-US" sz="1600" smtClean="0">
+                <a:solidFill>
+                  <a:schemeClr val="tx1">
+                    <a:lumMod val="75000"/>
+                    <a:lumOff val="25000"/>
+                  </a:schemeClr>
+                </a:solidFill>
+                <a:latin typeface="Noto Sans CJK KR Medium" pitchFamily="34" charset="-127"/>
+                <a:ea typeface="Noto Sans CJK KR Medium" pitchFamily="34" charset="-127"/>
+              </a:rPr>
+              <a:t>신뢰도가 높아보인다</a:t>
+            </a:r>
+            <a:r>
+              <a:rPr lang="en-US" altLang="ko-KR" sz="1600" smtClean="0">
+                <a:solidFill>
+                  <a:schemeClr val="tx1">
+                    <a:lumMod val="75000"/>
+                    <a:lumOff val="25000"/>
+                  </a:schemeClr>
+                </a:solidFill>
+                <a:latin typeface="Noto Sans CJK KR Medium" pitchFamily="34" charset="-127"/>
+                <a:ea typeface="Noto Sans CJK KR Medium" pitchFamily="34" charset="-127"/>
+              </a:rPr>
+              <a:t>.</a:t>
+            </a:r>
+            <a:endParaRPr lang="en-US" altLang="ko-KR" sz="1600" smtClean="0">
+              <a:solidFill>
+                <a:schemeClr val="tx1">
+                  <a:lumMod val="75000"/>
+                  <a:lumOff val="25000"/>
+                </a:schemeClr>
+              </a:solidFill>
+              <a:latin typeface="Noto Sans CJK KR Medium" pitchFamily="34" charset="-127"/>
+              <a:ea typeface="Noto Sans CJK KR Medium" pitchFamily="34" charset="-127"/>
+            </a:endParaRPr>
+          </a:p>
+          <a:p>
+            <a:pPr marR="0" lvl="0" algn="l" defTabSz="914400" rtl="0" eaLnBrk="1" fontAlgn="auto" latinLnBrk="1" hangingPunct="1">
+              <a:lnSpc>
+                <a:spcPct val="120000"/>
+              </a:lnSpc>
+              <a:spcBef>
+                <a:spcPct val="20000"/>
+              </a:spcBef>
+              <a:spcAft>
+                <a:spcPts val="0"/>
+              </a:spcAft>
+              <a:buClrTx/>
+              <a:buSzTx/>
+              <a:buFont typeface="Arial" pitchFamily="34" charset="0"/>
+              <a:buNone/>
+              <a:tabLst/>
+              <a:defRPr/>
+            </a:pPr>
+            <a:r>
+              <a:rPr lang="en-US" altLang="ko-KR" sz="1600" smtClean="0">
+                <a:solidFill>
+                  <a:schemeClr val="tx1">
+                    <a:lumMod val="75000"/>
+                    <a:lumOff val="25000"/>
+                  </a:schemeClr>
+                </a:solidFill>
+                <a:latin typeface="Noto Sans CJK KR Medium" pitchFamily="34" charset="-127"/>
+                <a:ea typeface="Noto Sans CJK KR Medium" pitchFamily="34" charset="-127"/>
+              </a:rPr>
+              <a:t>- </a:t>
+            </a:r>
+            <a:r>
+              <a:rPr lang="ko-KR" altLang="en-US" sz="1600" smtClean="0">
+                <a:solidFill>
+                  <a:schemeClr val="tx1">
+                    <a:lumMod val="75000"/>
+                    <a:lumOff val="25000"/>
+                  </a:schemeClr>
+                </a:solidFill>
+                <a:latin typeface="Noto Sans CJK KR Medium" pitchFamily="34" charset="-127"/>
+                <a:ea typeface="Noto Sans CJK KR Medium" pitchFamily="34" charset="-127"/>
+              </a:rPr>
+              <a:t>어플과 웹사이트에 대해 </a:t>
+            </a:r>
+            <a:r>
+              <a:rPr lang="ko-KR" altLang="en-US" sz="1600" smtClean="0">
+                <a:solidFill>
+                  <a:schemeClr val="bg1"/>
+                </a:solidFill>
+                <a:latin typeface="Noto Sans CJK KR Medium" pitchFamily="34" charset="-127"/>
+                <a:ea typeface="Noto Sans CJK KR Medium" pitchFamily="34" charset="-127"/>
+              </a:rPr>
+              <a:t>문의할 수 있는 수단</a:t>
+            </a:r>
+            <a:r>
+              <a:rPr lang="ko-KR" altLang="en-US" sz="1600" smtClean="0">
+                <a:solidFill>
+                  <a:schemeClr val="tx1">
+                    <a:lumMod val="75000"/>
+                    <a:lumOff val="25000"/>
+                  </a:schemeClr>
+                </a:solidFill>
+                <a:latin typeface="Noto Sans CJK KR Medium" pitchFamily="34" charset="-127"/>
+                <a:ea typeface="Noto Sans CJK KR Medium" pitchFamily="34" charset="-127"/>
+              </a:rPr>
+              <a:t>이</a:t>
+            </a:r>
+            <a:r>
+              <a:rPr lang="ko-KR" altLang="en-US" sz="1600" smtClean="0">
+                <a:solidFill>
+                  <a:schemeClr val="bg1"/>
+                </a:solidFill>
+                <a:latin typeface="Noto Sans CJK KR Medium" pitchFamily="34" charset="-127"/>
+                <a:ea typeface="Noto Sans CJK KR Medium" pitchFamily="34" charset="-127"/>
+              </a:rPr>
+              <a:t> </a:t>
+            </a:r>
+            <a:r>
+              <a:rPr lang="ko-KR" altLang="en-US" sz="1600" smtClean="0">
+                <a:solidFill>
+                  <a:schemeClr val="tx1">
+                    <a:lumMod val="75000"/>
+                    <a:lumOff val="25000"/>
+                  </a:schemeClr>
+                </a:solidFill>
+                <a:latin typeface="Noto Sans CJK KR Medium" pitchFamily="34" charset="-127"/>
+                <a:ea typeface="Noto Sans CJK KR Medium" pitchFamily="34" charset="-127"/>
+              </a:rPr>
+              <a:t>다양하다</a:t>
+            </a:r>
+            <a:r>
+              <a:rPr lang="en-US" altLang="ko-KR" sz="1600" smtClean="0">
+                <a:solidFill>
+                  <a:schemeClr val="tx1">
+                    <a:lumMod val="75000"/>
+                    <a:lumOff val="25000"/>
+                  </a:schemeClr>
+                </a:solidFill>
+                <a:latin typeface="Noto Sans CJK KR Medium" pitchFamily="34" charset="-127"/>
+                <a:ea typeface="Noto Sans CJK KR Medium" pitchFamily="34" charset="-127"/>
+              </a:rPr>
+              <a:t>.</a:t>
+            </a:r>
+            <a:endParaRPr lang="en-US" altLang="ko-KR" sz="1600" smtClean="0">
+              <a:solidFill>
+                <a:schemeClr val="tx1">
+                  <a:lumMod val="75000"/>
+                  <a:lumOff val="25000"/>
+                </a:schemeClr>
+              </a:solidFill>
+              <a:latin typeface="Noto Sans CJK KR Medium" pitchFamily="34" charset="-127"/>
+              <a:ea typeface="Noto Sans CJK KR Medium" pitchFamily="34" charset="-127"/>
+            </a:endParaRPr>
+          </a:p>
+          <a:p>
+            <a:pPr marR="0" lvl="0" algn="l" defTabSz="914400" rtl="0" eaLnBrk="1" fontAlgn="auto" latinLnBrk="1" hangingPunct="1">
+              <a:lnSpc>
+                <a:spcPct val="120000"/>
+              </a:lnSpc>
+              <a:spcBef>
+                <a:spcPct val="20000"/>
+              </a:spcBef>
+              <a:spcAft>
+                <a:spcPts val="0"/>
+              </a:spcAft>
+              <a:buClrTx/>
+              <a:buSzTx/>
+              <a:buFont typeface="Arial" pitchFamily="34" charset="0"/>
+              <a:buNone/>
+              <a:tabLst/>
+              <a:defRPr/>
+            </a:pPr>
+            <a:endParaRPr kumimoji="0" lang="ko-KR" altLang="en-US" sz="2100" i="0" u="none" strike="noStrike" kern="1200" cap="none" spc="0" normalizeH="0" baseline="0" noProof="0" smtClean="0">
+              <a:ln>
+                <a:noFill/>
+              </a:ln>
+              <a:solidFill>
+                <a:schemeClr val="tx1">
+                  <a:lumMod val="75000"/>
+                  <a:lumOff val="25000"/>
+                </a:schemeClr>
+              </a:solidFill>
+              <a:effectLst/>
+              <a:uLnTx/>
+              <a:uFillTx/>
+              <a:latin typeface="Noto Sans CJK KR Medium" pitchFamily="34" charset="-127"/>
+              <a:ea typeface="Noto Sans CJK KR Medium" pitchFamily="34" charset="-127"/>
+            </a:endParaRPr>
+          </a:p>
+        </p:txBody>
+      </p:sp>
+      <p:sp>
+        <p:nvSpPr>
+          <p:cNvPr id="28" name="TextBox 27"/>
+          <p:cNvSpPr txBox="1"/>
+          <p:nvPr/>
+        </p:nvSpPr>
+        <p:spPr>
+          <a:xfrm>
+            <a:off x="5054552" y="5883987"/>
+            <a:ext cx="2978701" cy="246221"/>
+          </a:xfrm>
+          <a:prstGeom prst="rect">
+            <a:avLst/>
+          </a:prstGeom>
+          <a:noFill/>
+        </p:spPr>
+        <p:txBody>
+          <a:bodyPr wrap="none" rtlCol="0">
+            <a:spAutoFit/>
+          </a:bodyPr>
+          <a:lstStyle/>
+          <a:p>
+            <a:r>
+              <a:rPr lang="en-US" altLang="ko-KR" sz="1000" smtClean="0">
+                <a:solidFill>
+                  <a:schemeClr val="tx1">
+                    <a:lumMod val="65000"/>
+                    <a:lumOff val="35000"/>
+                  </a:schemeClr>
+                </a:solidFill>
+              </a:rPr>
+              <a:t>[</a:t>
+            </a:r>
+            <a:r>
+              <a:rPr lang="ko-KR" altLang="en-US" sz="1000" smtClean="0">
+                <a:solidFill>
+                  <a:schemeClr val="tx1">
+                    <a:lumMod val="65000"/>
+                    <a:lumOff val="35000"/>
+                  </a:schemeClr>
+                </a:solidFill>
+              </a:rPr>
+              <a:t>그림</a:t>
+            </a:r>
+            <a:r>
+              <a:rPr lang="en-US" altLang="ko-KR" sz="1000" smtClean="0">
+                <a:solidFill>
+                  <a:schemeClr val="tx1">
+                    <a:lumMod val="65000"/>
+                    <a:lumOff val="35000"/>
+                  </a:schemeClr>
+                </a:solidFill>
+              </a:rPr>
+              <a:t>1. </a:t>
+            </a:r>
+            <a:r>
+              <a:rPr lang="ko-KR" altLang="en-US" sz="1000" smtClean="0">
+                <a:solidFill>
+                  <a:schemeClr val="tx1">
+                    <a:lumMod val="65000"/>
+                    <a:lumOff val="35000"/>
+                  </a:schemeClr>
+                </a:solidFill>
+              </a:rPr>
+              <a:t>아이컬러 모바일 앱 고객지원 탭</a:t>
+            </a:r>
+            <a:r>
+              <a:rPr lang="en-US" altLang="ko-KR" sz="1000" smtClean="0">
+                <a:solidFill>
+                  <a:schemeClr val="tx1">
+                    <a:lumMod val="65000"/>
+                    <a:lumOff val="35000"/>
+                  </a:schemeClr>
+                </a:solidFill>
+              </a:rPr>
+              <a:t>&gt;</a:t>
+            </a:r>
+            <a:r>
+              <a:rPr lang="ko-KR" altLang="en-US" sz="1000" smtClean="0">
+                <a:solidFill>
+                  <a:schemeClr val="tx1">
+                    <a:lumMod val="65000"/>
+                    <a:lumOff val="35000"/>
+                  </a:schemeClr>
+                </a:solidFill>
+              </a:rPr>
+              <a:t>문의수단</a:t>
+            </a:r>
+            <a:r>
+              <a:rPr lang="en-US" altLang="ko-KR" sz="1000" smtClean="0">
+                <a:solidFill>
+                  <a:schemeClr val="tx1">
+                    <a:lumMod val="65000"/>
+                    <a:lumOff val="35000"/>
+                  </a:schemeClr>
+                </a:solidFill>
+              </a:rPr>
+              <a:t>]</a:t>
+            </a:r>
+            <a:endParaRPr lang="ko-KR" altLang="en-US" sz="1000">
+              <a:solidFill>
+                <a:schemeClr val="tx1">
+                  <a:lumMod val="65000"/>
+                  <a:lumOff val="35000"/>
+                </a:schemeClr>
+              </a:solidFill>
+            </a:endParaRPr>
+          </a:p>
+        </p:txBody>
+      </p:sp>
+    </p:spTree>
+    <p:extLst>
+      <p:ext uri="{BB962C8B-B14F-4D97-AF65-F5344CB8AC3E}">
+        <p14:creationId xmlns:p14="http://schemas.microsoft.com/office/powerpoint/2010/main" val="1047720910"/>
+      </p:ext>
+    </p:extLst>
+  </p:cSld>
+  <p:clrMapOvr>
+    <a:masterClrMapping/>
+  </p:clrMapOvr>
+  <p:timing>
+    <p:tnLst>
+      <p:par>
+        <p:cTn id="1" dur="indefinite" restart="never" nodeType="tmRoot"/>
+      </p:par>
+    </p:tnLst>
+  </p:timing>
+</p:sld>
+</file>
+
+<file path=ppt/slides/slide11.xml><?xml version="1.0" encoding="utf-8"?>
+<p:sld xmlns:a="http://schemas.openxmlformats.org/drawingml/2006/main" xmlns:r="http://schemas.openxmlformats.org/officeDocument/2006/relationships" xmlns:p="http://schemas.openxmlformats.org/presentationml/2006/main">
+  <p:cSld>
+    <p:spTree>
+      <p:nvGrpSpPr>
+        <p:cNvPr id="1" name=""/>
+        <p:cNvGrpSpPr/>
+        <p:nvPr/>
+      </p:nvGrpSpPr>
+      <p:grpSpPr>
+        <a:xfrm>
+          <a:off x="0" y="0"/>
+          <a:ext cx="0" cy="0"/>
+          <a:chOff x="0" y="0"/>
+          <a:chExt cx="0" cy="0"/>
+        </a:xfrm>
+      </p:grpSpPr>
+      <p:pic>
+        <p:nvPicPr>
+          <p:cNvPr id="4" name="그림 3"/>
+          <p:cNvPicPr>
+            <a:picLocks noChangeAspect="1"/>
+          </p:cNvPicPr>
+          <p:nvPr/>
+        </p:nvPicPr>
+        <p:blipFill>
+          <a:blip r:embed="rId2">
+            <a:extLst>
+              <a:ext uri="{28A0092B-C50C-407E-A947-70E740481C1C}">
+                <a14:useLocalDpi xmlns:a14="http://schemas.microsoft.com/office/drawing/2010/main" val="0"/>
+              </a:ext>
+            </a:extLst>
+          </a:blip>
+          <a:stretch>
+            <a:fillRect/>
+          </a:stretch>
+        </p:blipFill>
+        <p:spPr>
+          <a:xfrm>
+            <a:off x="0" y="-1459"/>
+            <a:ext cx="9144000" cy="6858000"/>
+          </a:xfrm>
+          <a:prstGeom prst="rect">
+            <a:avLst/>
+          </a:prstGeom>
+        </p:spPr>
+      </p:pic>
+      <p:pic>
+        <p:nvPicPr>
+          <p:cNvPr id="1026" name="Picture 2"/>
+          <p:cNvPicPr>
+            <a:picLocks noChangeAspect="1" noChangeArrowheads="1"/>
+          </p:cNvPicPr>
+          <p:nvPr/>
+        </p:nvPicPr>
+        <p:blipFill>
+          <a:blip r:embed="rId3">
+            <a:extLst>
+              <a:ext uri="{28A0092B-C50C-407E-A947-70E740481C1C}">
+                <a14:useLocalDpi xmlns:a14="http://schemas.microsoft.com/office/drawing/2010/main" val="0"/>
+              </a:ext>
+            </a:extLst>
+          </a:blip>
+          <a:srcRect/>
+          <a:stretch>
+            <a:fillRect/>
+          </a:stretch>
+        </p:blipFill>
+        <p:spPr bwMode="auto">
+          <a:xfrm>
+            <a:off x="716285" y="1570430"/>
+            <a:ext cx="2047875" cy="3646487"/>
+          </a:xfrm>
+          <a:prstGeom prst="rect">
+            <a:avLst/>
+          </a:prstGeom>
+          <a:noFill/>
+          <a:ln>
+            <a:noFill/>
+          </a:ln>
+          <a:effectLst/>
+          <a:extLst>
+            <a:ext uri="{909E8E84-426E-40DD-AFC4-6F175D3DCCD1}">
+              <a14:hiddenFill xmlns:a14="http://schemas.microsoft.com/office/drawing/2010/main">
+                <a:solidFill>
+                  <a:schemeClr val="accent1"/>
+                </a:solidFill>
+              </a14:hiddenFill>
+            </a:ext>
+            <a:ext uri="{91240B29-F687-4F45-9708-019B960494DF}">
+              <a14:hiddenLine xmlns:a14="http://schemas.microsoft.com/office/drawing/2010/main" w="9525">
+                <a:solidFill>
+                  <a:schemeClr val="tx1"/>
+                </a:solidFill>
+                <a:miter lim="800000"/>
+                <a:headEnd/>
+                <a:tailEnd/>
+              </a14:hiddenLine>
+            </a:ext>
+            <a:ext uri="{AF507438-7753-43E0-B8FC-AC1667EBCBE1}">
+              <a14:hiddenEffects xmlns:a14="http://schemas.microsoft.com/office/drawing/2010/main">
+                <a:effectLst>
+                  <a:outerShdw dist="35921" dir="2700000" algn="ctr" rotWithShape="0">
+                    <a:schemeClr val="bg2"/>
+                  </a:outerShdw>
+                </a:effectLst>
+              </a14:hiddenEffects>
+            </a:ext>
+          </a:extLst>
+        </p:spPr>
+      </p:pic>
+      <p:sp>
+        <p:nvSpPr>
+          <p:cNvPr id="6" name="TextBox 5"/>
+          <p:cNvSpPr txBox="1"/>
+          <p:nvPr/>
+        </p:nvSpPr>
+        <p:spPr>
+          <a:xfrm>
+            <a:off x="1089483" y="5199786"/>
+            <a:ext cx="1604029" cy="707886"/>
+          </a:xfrm>
+          <a:prstGeom prst="rect">
+            <a:avLst/>
+          </a:prstGeom>
+          <a:noFill/>
+        </p:spPr>
+        <p:txBody>
+          <a:bodyPr wrap="none" rtlCol="0">
+            <a:spAutoFit/>
+          </a:bodyPr>
+          <a:lstStyle/>
+          <a:p>
+            <a:r>
+              <a:rPr lang="en-US" altLang="ko-KR" sz="4000" b="1" smtClean="0">
+                <a:solidFill>
+                  <a:schemeClr val="bg1"/>
+                </a:solidFill>
+              </a:rPr>
+              <a:t>icolor </a:t>
+            </a:r>
+            <a:r>
+              <a:rPr lang="en-US" altLang="ko-KR" sz="3600" b="1" smtClean="0">
+                <a:solidFill>
+                  <a:schemeClr val="bg1"/>
+                </a:solidFill>
+              </a:rPr>
+              <a:t> </a:t>
+            </a:r>
+            <a:endParaRPr lang="ko-KR" altLang="en-US" sz="3600" b="1">
+              <a:solidFill>
+                <a:schemeClr val="bg1"/>
+              </a:solidFill>
+            </a:endParaRPr>
+          </a:p>
+        </p:txBody>
+      </p:sp>
+      <p:sp>
+        <p:nvSpPr>
+          <p:cNvPr id="9" name="TextBox 8"/>
+          <p:cNvSpPr txBox="1"/>
+          <p:nvPr/>
+        </p:nvSpPr>
+        <p:spPr>
+          <a:xfrm>
+            <a:off x="624611" y="5676839"/>
+            <a:ext cx="2533771" cy="461665"/>
+          </a:xfrm>
+          <a:prstGeom prst="rect">
+            <a:avLst/>
+          </a:prstGeom>
+          <a:noFill/>
+        </p:spPr>
+        <p:txBody>
+          <a:bodyPr wrap="none" rtlCol="0">
+            <a:spAutoFit/>
+          </a:bodyPr>
+          <a:lstStyle/>
+          <a:p>
+            <a:r>
+              <a:rPr lang="en-US" altLang="ko-KR" sz="2400" smtClean="0">
+                <a:solidFill>
+                  <a:schemeClr val="bg1"/>
+                </a:solidFill>
+              </a:rPr>
+              <a:t>Ver. mobile &amp; web </a:t>
+            </a:r>
+            <a:endParaRPr lang="ko-KR" altLang="en-US" sz="2400">
+              <a:solidFill>
+                <a:schemeClr val="bg1"/>
+              </a:solidFill>
+            </a:endParaRPr>
+          </a:p>
+        </p:txBody>
+      </p:sp>
+      <p:cxnSp>
+        <p:nvCxnSpPr>
+          <p:cNvPr id="10" name="직선 연결선 9"/>
+          <p:cNvCxnSpPr/>
+          <p:nvPr/>
+        </p:nvCxnSpPr>
+        <p:spPr>
+          <a:xfrm>
+            <a:off x="1049874" y="6211616"/>
+            <a:ext cx="1447800" cy="0"/>
+          </a:xfrm>
+          <a:prstGeom prst="line">
+            <a:avLst/>
+          </a:prstGeom>
+          <a:ln w="12700">
+            <a:solidFill>
+              <a:schemeClr val="bg1"/>
+            </a:solidFill>
+          </a:ln>
+        </p:spPr>
+        <p:style>
+          <a:lnRef idx="1">
+            <a:schemeClr val="accent1"/>
+          </a:lnRef>
+          <a:fillRef idx="0">
+            <a:schemeClr val="accent1"/>
+          </a:fillRef>
+          <a:effectRef idx="0">
+            <a:schemeClr val="accent1"/>
+          </a:effectRef>
+          <a:fontRef idx="minor">
+            <a:schemeClr val="tx1"/>
+          </a:fontRef>
+        </p:style>
+      </p:cxnSp>
+      <p:sp>
+        <p:nvSpPr>
+          <p:cNvPr id="12" name="TextBox 11"/>
+          <p:cNvSpPr txBox="1"/>
+          <p:nvPr/>
+        </p:nvSpPr>
+        <p:spPr>
+          <a:xfrm>
+            <a:off x="928919" y="6211616"/>
+            <a:ext cx="2237930" cy="307777"/>
+          </a:xfrm>
+          <a:prstGeom prst="rect">
+            <a:avLst/>
+          </a:prstGeom>
+          <a:noFill/>
+        </p:spPr>
+        <p:txBody>
+          <a:bodyPr wrap="square" rtlCol="0">
+            <a:spAutoFit/>
+          </a:bodyPr>
+          <a:lstStyle/>
+          <a:p>
+            <a:r>
+              <a:rPr lang="en-US" altLang="ko-KR" sz="1400" smtClean="0">
+                <a:solidFill>
+                  <a:schemeClr val="bg1"/>
+                </a:solidFill>
+              </a:rPr>
+              <a:t>http</a:t>
+            </a:r>
+            <a:r>
+              <a:rPr lang="en-US" altLang="ko-KR" sz="1400">
+                <a:solidFill>
+                  <a:schemeClr val="bg1"/>
+                </a:solidFill>
+              </a:rPr>
+              <a:t>://www.icolor.io</a:t>
+            </a:r>
+            <a:r>
+              <a:rPr lang="en-US" altLang="ko-KR" sz="1400" smtClean="0">
+                <a:solidFill>
+                  <a:schemeClr val="bg1"/>
+                </a:solidFill>
+              </a:rPr>
+              <a:t>/</a:t>
+            </a:r>
+            <a:endParaRPr lang="ko-KR" altLang="en-US" sz="1400">
+              <a:solidFill>
+                <a:schemeClr val="bg1"/>
+              </a:solidFill>
+            </a:endParaRPr>
+          </a:p>
+        </p:txBody>
+      </p:sp>
+      <p:pic>
+        <p:nvPicPr>
+          <p:cNvPr id="17" name="그림 16"/>
+          <p:cNvPicPr>
+            <a:picLocks noChangeAspect="1"/>
+          </p:cNvPicPr>
+          <p:nvPr/>
+        </p:nvPicPr>
+        <p:blipFill>
+          <a:blip r:embed="rId4" cstate="print">
+            <a:extLst>
+              <a:ext uri="{28A0092B-C50C-407E-A947-70E740481C1C}">
+                <a14:useLocalDpi xmlns:a14="http://schemas.microsoft.com/office/drawing/2010/main" val="0"/>
+              </a:ext>
+            </a:extLst>
+          </a:blip>
+          <a:stretch>
+            <a:fillRect/>
+          </a:stretch>
+        </p:blipFill>
+        <p:spPr>
+          <a:xfrm>
+            <a:off x="3099118" y="2286013"/>
+            <a:ext cx="6239617" cy="2370667"/>
+          </a:xfrm>
+          <a:prstGeom prst="rect">
+            <a:avLst/>
+          </a:prstGeom>
+        </p:spPr>
+      </p:pic>
+      <p:cxnSp>
+        <p:nvCxnSpPr>
+          <p:cNvPr id="21" name="직선 화살표 연결선 20"/>
+          <p:cNvCxnSpPr/>
+          <p:nvPr/>
+        </p:nvCxnSpPr>
+        <p:spPr>
+          <a:xfrm>
+            <a:off x="5952057" y="3488281"/>
+            <a:ext cx="93138" cy="362610"/>
+          </a:xfrm>
+          <a:prstGeom prst="straightConnector1">
+            <a:avLst/>
+          </a:prstGeom>
+          <a:ln w="28575">
+            <a:solidFill>
+              <a:srgbClr val="F5AC83"/>
+            </a:solidFill>
+            <a:tailEnd type="arrow"/>
+          </a:ln>
+        </p:spPr>
+        <p:style>
+          <a:lnRef idx="1">
+            <a:schemeClr val="accent1"/>
+          </a:lnRef>
+          <a:fillRef idx="0">
+            <a:schemeClr val="accent1"/>
+          </a:fillRef>
+          <a:effectRef idx="0">
+            <a:schemeClr val="accent1"/>
+          </a:effectRef>
+          <a:fontRef idx="minor">
+            <a:schemeClr val="tx1"/>
+          </a:fontRef>
+        </p:style>
+      </p:cxnSp>
+      <p:sp>
+        <p:nvSpPr>
+          <p:cNvPr id="24" name="내용 개체 틀 2"/>
+          <p:cNvSpPr txBox="1">
+            <a:spLocks/>
+          </p:cNvSpPr>
+          <p:nvPr/>
+        </p:nvSpPr>
+        <p:spPr>
+          <a:xfrm>
+            <a:off x="3589864" y="1430255"/>
+            <a:ext cx="5588000" cy="3683628"/>
+          </a:xfrm>
+          <a:prstGeom prst="rect">
+            <a:avLst/>
+          </a:prstGeom>
+        </p:spPr>
+        <p:txBody>
+          <a:bodyPr vert="horz" lIns="91440" tIns="45720" rIns="91440" bIns="45720" rtlCol="0">
+            <a:normAutofit/>
+          </a:bodyPr>
+          <a:lstStyle/>
+          <a:p>
+            <a:pPr marL="342900" marR="0" lvl="0" indent="-342900" algn="l" defTabSz="914400" rtl="0" eaLnBrk="1" fontAlgn="auto" latinLnBrk="1" hangingPunct="1">
+              <a:lnSpc>
+                <a:spcPct val="100000"/>
+              </a:lnSpc>
+              <a:spcBef>
+                <a:spcPct val="20000"/>
+              </a:spcBef>
+              <a:spcAft>
+                <a:spcPts val="0"/>
+              </a:spcAft>
+              <a:buClrTx/>
+              <a:buSzTx/>
+              <a:buFont typeface="Arial" pitchFamily="34" charset="0"/>
+              <a:buNone/>
+              <a:tabLst/>
+              <a:defRPr/>
+            </a:pPr>
+            <a:r>
+              <a:rPr lang="en-US" altLang="ko-KR" sz="4100" b="1" smtClean="0">
+                <a:solidFill>
+                  <a:srgbClr val="EBBEC0"/>
+                </a:solidFill>
+              </a:rPr>
+              <a:t>fault</a:t>
+            </a:r>
+          </a:p>
+          <a:p>
+            <a:pPr marR="0" lvl="0" algn="l" defTabSz="914400" rtl="0" eaLnBrk="1" fontAlgn="auto" latinLnBrk="1" hangingPunct="1">
+              <a:lnSpc>
+                <a:spcPct val="120000"/>
+              </a:lnSpc>
+              <a:spcBef>
+                <a:spcPct val="20000"/>
+              </a:spcBef>
+              <a:spcAft>
+                <a:spcPts val="0"/>
+              </a:spcAft>
+              <a:buClrTx/>
+              <a:buSzTx/>
+              <a:tabLst/>
+              <a:defRPr/>
+            </a:pPr>
+            <a:r>
+              <a:rPr lang="en-US" altLang="ko-KR" sz="1600" smtClean="0">
+                <a:solidFill>
+                  <a:schemeClr val="bg2">
+                    <a:lumMod val="10000"/>
+                  </a:schemeClr>
+                </a:solidFill>
+                <a:latin typeface="Noto Sans CJK KR Medium" pitchFamily="34" charset="-127"/>
+                <a:ea typeface="Noto Sans CJK KR Medium" pitchFamily="34" charset="-127"/>
+              </a:rPr>
+              <a:t>- </a:t>
+            </a:r>
+            <a:r>
+              <a:rPr lang="ko-KR" altLang="en-US" sz="1600" smtClean="0">
+                <a:solidFill>
+                  <a:schemeClr val="bg2">
+                    <a:lumMod val="10000"/>
+                  </a:schemeClr>
+                </a:solidFill>
+                <a:latin typeface="Noto Sans CJK KR Medium" pitchFamily="34" charset="-127"/>
+                <a:ea typeface="Noto Sans CJK KR Medium" pitchFamily="34" charset="-127"/>
+              </a:rPr>
+              <a:t>퍼스널컬러를 진단하기 위해 </a:t>
+            </a:r>
+            <a:r>
+              <a:rPr lang="en-US" altLang="ko-KR" sz="1600" smtClean="0">
+                <a:solidFill>
+                  <a:schemeClr val="bg2">
+                    <a:lumMod val="10000"/>
+                  </a:schemeClr>
+                </a:solidFill>
+                <a:latin typeface="Noto Sans CJK KR Medium" pitchFamily="34" charset="-127"/>
+                <a:ea typeface="Noto Sans CJK KR Medium" pitchFamily="34" charset="-127"/>
+              </a:rPr>
+              <a:t>‘</a:t>
+            </a:r>
+            <a:r>
+              <a:rPr lang="ko-KR" altLang="en-US" sz="1600" smtClean="0">
+                <a:solidFill>
+                  <a:schemeClr val="bg2">
+                    <a:lumMod val="10000"/>
+                  </a:schemeClr>
+                </a:solidFill>
+                <a:latin typeface="Noto Sans CJK KR Medium" pitchFamily="34" charset="-127"/>
+                <a:ea typeface="Noto Sans CJK KR Medium" pitchFamily="34" charset="-127"/>
+              </a:rPr>
+              <a:t>컬러카드</a:t>
+            </a:r>
+            <a:r>
+              <a:rPr lang="en-US" altLang="ko-KR" sz="1600" smtClean="0">
+                <a:solidFill>
+                  <a:schemeClr val="bg2">
+                    <a:lumMod val="10000"/>
+                  </a:schemeClr>
+                </a:solidFill>
+                <a:latin typeface="Noto Sans CJK KR Medium" pitchFamily="34" charset="-127"/>
+                <a:ea typeface="Noto Sans CJK KR Medium" pitchFamily="34" charset="-127"/>
+              </a:rPr>
+              <a:t>’</a:t>
+            </a:r>
+            <a:r>
+              <a:rPr lang="ko-KR" altLang="en-US" sz="1600" smtClean="0">
+                <a:solidFill>
+                  <a:schemeClr val="bg2">
+                    <a:lumMod val="10000"/>
+                  </a:schemeClr>
+                </a:solidFill>
+                <a:latin typeface="Noto Sans CJK KR Medium" pitchFamily="34" charset="-127"/>
+                <a:ea typeface="Noto Sans CJK KR Medium" pitchFamily="34" charset="-127"/>
+              </a:rPr>
+              <a:t>를 필수로 소지해야한다</a:t>
+            </a:r>
+            <a:r>
+              <a:rPr lang="en-US" altLang="ko-KR" sz="1600" smtClean="0">
+                <a:solidFill>
+                  <a:schemeClr val="bg2">
+                    <a:lumMod val="10000"/>
+                  </a:schemeClr>
+                </a:solidFill>
+                <a:latin typeface="Noto Sans CJK KR Medium" pitchFamily="34" charset="-127"/>
+                <a:ea typeface="Noto Sans CJK KR Medium" pitchFamily="34" charset="-127"/>
+              </a:rPr>
+              <a:t>.</a:t>
+            </a:r>
+          </a:p>
+          <a:p>
+            <a:pPr marR="0" lvl="0" algn="l" defTabSz="914400" rtl="0" eaLnBrk="1" fontAlgn="auto" latinLnBrk="1" hangingPunct="1">
+              <a:lnSpc>
+                <a:spcPct val="120000"/>
+              </a:lnSpc>
+              <a:spcBef>
+                <a:spcPct val="20000"/>
+              </a:spcBef>
+              <a:spcAft>
+                <a:spcPts val="0"/>
+              </a:spcAft>
+              <a:buClrTx/>
+              <a:buSzTx/>
+              <a:tabLst/>
+              <a:defRPr/>
+            </a:pPr>
+            <a:r>
+              <a:rPr lang="en-US" altLang="ko-KR" sz="1600" smtClean="0">
+                <a:solidFill>
+                  <a:schemeClr val="bg2">
+                    <a:lumMod val="10000"/>
+                  </a:schemeClr>
+                </a:solidFill>
+                <a:latin typeface="Noto Sans CJK KR Medium" pitchFamily="34" charset="-127"/>
+                <a:ea typeface="Noto Sans CJK KR Medium" pitchFamily="34" charset="-127"/>
+              </a:rPr>
+              <a:t>- </a:t>
+            </a:r>
+            <a:r>
+              <a:rPr lang="ko-KR" altLang="en-US" sz="1600" smtClean="0">
+                <a:solidFill>
+                  <a:schemeClr val="bg2">
+                    <a:lumMod val="10000"/>
+                  </a:schemeClr>
+                </a:solidFill>
+                <a:latin typeface="Noto Sans CJK KR Medium" pitchFamily="34" charset="-127"/>
+                <a:ea typeface="Noto Sans CJK KR Medium" pitchFamily="34" charset="-127"/>
+              </a:rPr>
+              <a:t>사진으로 분석하기 때문에</a:t>
+            </a:r>
+            <a:r>
+              <a:rPr lang="en-US" altLang="ko-KR" sz="1600" smtClean="0">
+                <a:solidFill>
+                  <a:schemeClr val="bg2">
+                    <a:lumMod val="10000"/>
+                  </a:schemeClr>
+                </a:solidFill>
+                <a:latin typeface="Noto Sans CJK KR Medium" pitchFamily="34" charset="-127"/>
+                <a:ea typeface="Noto Sans CJK KR Medium" pitchFamily="34" charset="-127"/>
+              </a:rPr>
+              <a:t>, </a:t>
+            </a:r>
+            <a:r>
+              <a:rPr lang="ko-KR" altLang="en-US" sz="1600" smtClean="0">
+                <a:solidFill>
+                  <a:schemeClr val="bg2">
+                    <a:lumMod val="10000"/>
+                  </a:schemeClr>
+                </a:solidFill>
+                <a:latin typeface="Noto Sans CJK KR Medium" pitchFamily="34" charset="-127"/>
+                <a:ea typeface="Noto Sans CJK KR Medium" pitchFamily="34" charset="-127"/>
+              </a:rPr>
+              <a:t>전문가의 현장 진단과 다를 수 있다</a:t>
+            </a:r>
+            <a:r>
+              <a:rPr lang="en-US" altLang="ko-KR" sz="1600" smtClean="0">
+                <a:solidFill>
+                  <a:schemeClr val="bg2">
+                    <a:lumMod val="10000"/>
+                  </a:schemeClr>
+                </a:solidFill>
+                <a:latin typeface="Noto Sans CJK KR Medium" pitchFamily="34" charset="-127"/>
+                <a:ea typeface="Noto Sans CJK KR Medium" pitchFamily="34" charset="-127"/>
+              </a:rPr>
+              <a:t>.</a:t>
+            </a:r>
+          </a:p>
+          <a:p>
+            <a:pPr lvl="0">
+              <a:lnSpc>
+                <a:spcPct val="120000"/>
+              </a:lnSpc>
+              <a:spcBef>
+                <a:spcPct val="20000"/>
+              </a:spcBef>
+              <a:defRPr/>
+            </a:pPr>
+            <a:r>
+              <a:rPr lang="en-US" altLang="ko-KR" sz="1600">
+                <a:solidFill>
+                  <a:schemeClr val="bg2">
+                    <a:lumMod val="10000"/>
+                  </a:schemeClr>
+                </a:solidFill>
+                <a:latin typeface="Noto Sans CJK KR Medium" pitchFamily="34" charset="-127"/>
+                <a:ea typeface="Noto Sans CJK KR Medium" pitchFamily="34" charset="-127"/>
+              </a:rPr>
+              <a:t>- </a:t>
+            </a:r>
+            <a:r>
+              <a:rPr lang="ko-KR" altLang="en-US" sz="1600">
+                <a:solidFill>
+                  <a:schemeClr val="bg2">
+                    <a:lumMod val="10000"/>
+                  </a:schemeClr>
+                </a:solidFill>
+                <a:latin typeface="Noto Sans CJK KR Medium" pitchFamily="34" charset="-127"/>
+                <a:ea typeface="Noto Sans CJK KR Medium" pitchFamily="34" charset="-127"/>
+              </a:rPr>
+              <a:t>컨텐츠를 어플로만 확인 할 수 있다</a:t>
+            </a:r>
+            <a:r>
+              <a:rPr lang="en-US" altLang="ko-KR" sz="1600">
+                <a:solidFill>
+                  <a:schemeClr val="bg2">
+                    <a:lumMod val="10000"/>
+                  </a:schemeClr>
+                </a:solidFill>
+                <a:latin typeface="Noto Sans CJK KR Medium" pitchFamily="34" charset="-127"/>
+                <a:ea typeface="Noto Sans CJK KR Medium" pitchFamily="34" charset="-127"/>
+              </a:rPr>
+              <a:t>.</a:t>
+            </a:r>
+          </a:p>
+          <a:p>
+            <a:pPr lvl="0">
+              <a:lnSpc>
+                <a:spcPct val="120000"/>
+              </a:lnSpc>
+              <a:spcBef>
+                <a:spcPct val="20000"/>
+              </a:spcBef>
+              <a:defRPr/>
+            </a:pPr>
+            <a:r>
+              <a:rPr lang="en-US" altLang="ko-KR" sz="1600">
+                <a:solidFill>
+                  <a:schemeClr val="bg1"/>
+                </a:solidFill>
+                <a:latin typeface="Noto Sans CJK KR Medium" pitchFamily="34" charset="-127"/>
+                <a:ea typeface="Noto Sans CJK KR Medium" pitchFamily="34" charset="-127"/>
+              </a:rPr>
+              <a:t>(</a:t>
+            </a:r>
+            <a:r>
+              <a:rPr lang="ko-KR" altLang="en-US" sz="1600">
+                <a:solidFill>
+                  <a:schemeClr val="bg1"/>
+                </a:solidFill>
+                <a:latin typeface="Noto Sans CJK KR Medium" pitchFamily="34" charset="-127"/>
+                <a:ea typeface="Noto Sans CJK KR Medium" pitchFamily="34" charset="-127"/>
+              </a:rPr>
+              <a:t>웹에는 어플소개</a:t>
+            </a:r>
+            <a:r>
+              <a:rPr lang="en-US" altLang="ko-KR" sz="1600">
+                <a:solidFill>
+                  <a:schemeClr val="bg1"/>
+                </a:solidFill>
+                <a:latin typeface="Noto Sans CJK KR Medium" pitchFamily="34" charset="-127"/>
+                <a:ea typeface="Noto Sans CJK KR Medium" pitchFamily="34" charset="-127"/>
+              </a:rPr>
+              <a:t>, </a:t>
+            </a:r>
+            <a:r>
+              <a:rPr lang="ko-KR" altLang="en-US" sz="1600">
+                <a:solidFill>
+                  <a:schemeClr val="bg1"/>
+                </a:solidFill>
+                <a:latin typeface="Noto Sans CJK KR Medium" pitchFamily="34" charset="-127"/>
+                <a:ea typeface="Noto Sans CJK KR Medium" pitchFamily="34" charset="-127"/>
+              </a:rPr>
+              <a:t>사용방법</a:t>
+            </a:r>
+            <a:r>
+              <a:rPr lang="en-US" altLang="ko-KR" sz="1600">
+                <a:solidFill>
+                  <a:schemeClr val="bg1"/>
+                </a:solidFill>
+                <a:latin typeface="Noto Sans CJK KR Medium" pitchFamily="34" charset="-127"/>
+                <a:ea typeface="Noto Sans CJK KR Medium" pitchFamily="34" charset="-127"/>
+              </a:rPr>
+              <a:t>, </a:t>
+            </a:r>
+            <a:r>
+              <a:rPr lang="ko-KR" altLang="en-US" sz="1600">
+                <a:solidFill>
+                  <a:schemeClr val="bg1"/>
+                </a:solidFill>
+                <a:latin typeface="Noto Sans CJK KR Medium" pitchFamily="34" charset="-127"/>
+                <a:ea typeface="Noto Sans CJK KR Medium" pitchFamily="34" charset="-127"/>
+              </a:rPr>
+              <a:t>다운로드 등에 대한 내용만 포함</a:t>
+            </a:r>
+            <a:r>
+              <a:rPr lang="en-US" altLang="ko-KR" sz="1600">
+                <a:solidFill>
+                  <a:schemeClr val="bg1"/>
+                </a:solidFill>
+                <a:latin typeface="Noto Sans CJK KR Medium" pitchFamily="34" charset="-127"/>
+                <a:ea typeface="Noto Sans CJK KR Medium" pitchFamily="34" charset="-127"/>
+              </a:rPr>
+              <a:t>)</a:t>
+            </a:r>
+          </a:p>
+          <a:p>
+            <a:pPr marL="342900" marR="0" lvl="0" indent="-342900" algn="l" defTabSz="914400" rtl="0" eaLnBrk="1" fontAlgn="auto" latinLnBrk="1" hangingPunct="1">
+              <a:lnSpc>
+                <a:spcPct val="120000"/>
+              </a:lnSpc>
+              <a:spcBef>
+                <a:spcPct val="20000"/>
+              </a:spcBef>
+              <a:spcAft>
+                <a:spcPts val="0"/>
+              </a:spcAft>
+              <a:buClrTx/>
+              <a:buSzTx/>
+              <a:buFontTx/>
+              <a:buChar char="-"/>
+              <a:tabLst/>
+              <a:defRPr/>
+            </a:pPr>
+            <a:endParaRPr kumimoji="0" lang="ko-KR" altLang="en-US" sz="1900" i="0" u="none" strike="noStrike" kern="1200" cap="none" spc="0" normalizeH="0" baseline="0" noProof="0" smtClean="0">
+              <a:ln>
+                <a:noFill/>
+              </a:ln>
+              <a:solidFill>
+                <a:schemeClr val="bg1"/>
+              </a:solidFill>
+              <a:effectLst/>
+              <a:uLnTx/>
+              <a:uFillTx/>
+              <a:latin typeface="Noto Sans CJK KR Medium" pitchFamily="34" charset="-127"/>
+              <a:ea typeface="Noto Sans CJK KR Medium" pitchFamily="34" charset="-127"/>
+            </a:endParaRPr>
+          </a:p>
+        </p:txBody>
+      </p:sp>
+      <p:pic>
+        <p:nvPicPr>
+          <p:cNvPr id="25" name="Picture 2"/>
+          <p:cNvPicPr>
+            <a:picLocks noChangeAspect="1" noChangeArrowheads="1"/>
+          </p:cNvPicPr>
+          <p:nvPr/>
+        </p:nvPicPr>
+        <p:blipFill>
+          <a:blip r:embed="rId5" cstate="print"/>
+          <a:srcRect/>
+          <a:stretch>
+            <a:fillRect/>
+          </a:stretch>
+        </p:blipFill>
+        <p:spPr bwMode="auto">
+          <a:xfrm>
+            <a:off x="4367973" y="3890454"/>
+            <a:ext cx="4299085" cy="994829"/>
+          </a:xfrm>
+          <a:prstGeom prst="rect">
+            <a:avLst/>
+          </a:prstGeom>
+          <a:noFill/>
+          <a:ln w="9525">
+            <a:solidFill>
+              <a:srgbClr val="00B050"/>
+            </a:solidFill>
+            <a:miter lim="800000"/>
+            <a:headEnd/>
+            <a:tailEnd/>
+          </a:ln>
+        </p:spPr>
+      </p:pic>
+      <p:sp>
+        <p:nvSpPr>
+          <p:cNvPr id="7" name="직사각형 6"/>
+          <p:cNvSpPr/>
+          <p:nvPr/>
+        </p:nvSpPr>
+        <p:spPr>
+          <a:xfrm>
+            <a:off x="5336900" y="4929217"/>
+            <a:ext cx="2244525" cy="246221"/>
+          </a:xfrm>
+          <a:prstGeom prst="rect">
+            <a:avLst/>
+          </a:prstGeom>
+        </p:spPr>
+        <p:txBody>
+          <a:bodyPr wrap="none">
+            <a:spAutoFit/>
+          </a:bodyPr>
+          <a:lstStyle/>
+          <a:p>
+            <a:r>
+              <a:rPr lang="en-US" altLang="ko-KR" sz="1000">
+                <a:solidFill>
+                  <a:schemeClr val="tx1">
+                    <a:lumMod val="65000"/>
+                    <a:lumOff val="35000"/>
+                  </a:schemeClr>
+                </a:solidFill>
+              </a:rPr>
+              <a:t>[</a:t>
+            </a:r>
+            <a:r>
+              <a:rPr lang="ko-KR" altLang="en-US" sz="1000" smtClean="0">
+                <a:solidFill>
+                  <a:schemeClr val="tx1">
+                    <a:lumMod val="65000"/>
+                    <a:lumOff val="35000"/>
+                  </a:schemeClr>
+                </a:solidFill>
+              </a:rPr>
+              <a:t>그림</a:t>
+            </a:r>
+            <a:r>
+              <a:rPr lang="en-US" altLang="ko-KR" sz="1000" smtClean="0">
+                <a:solidFill>
+                  <a:schemeClr val="tx1">
+                    <a:lumMod val="65000"/>
+                    <a:lumOff val="35000"/>
+                  </a:schemeClr>
+                </a:solidFill>
+              </a:rPr>
+              <a:t>2. </a:t>
+            </a:r>
+            <a:r>
+              <a:rPr lang="ko-KR" altLang="en-US" sz="1000" smtClean="0">
+                <a:solidFill>
+                  <a:schemeClr val="tx1">
+                    <a:lumMod val="65000"/>
+                    <a:lumOff val="35000"/>
+                  </a:schemeClr>
+                </a:solidFill>
+              </a:rPr>
+              <a:t>아이컬러 웹사이트 카테고리</a:t>
+            </a:r>
+            <a:r>
+              <a:rPr lang="en-US" altLang="ko-KR" sz="1000" smtClean="0">
+                <a:solidFill>
+                  <a:schemeClr val="tx1">
+                    <a:lumMod val="65000"/>
+                    <a:lumOff val="35000"/>
+                  </a:schemeClr>
+                </a:solidFill>
+              </a:rPr>
+              <a:t>]</a:t>
+            </a:r>
+            <a:endParaRPr lang="ko-KR" altLang="en-US" sz="1000">
+              <a:solidFill>
+                <a:schemeClr val="tx1">
+                  <a:lumMod val="65000"/>
+                  <a:lumOff val="35000"/>
+                </a:schemeClr>
+              </a:solidFill>
+            </a:endParaRPr>
+          </a:p>
+        </p:txBody>
+      </p:sp>
+    </p:spTree>
+    <p:extLst>
+      <p:ext uri="{BB962C8B-B14F-4D97-AF65-F5344CB8AC3E}">
+        <p14:creationId xmlns:p14="http://schemas.microsoft.com/office/powerpoint/2010/main" val="1177478111"/>
+      </p:ext>
+    </p:extLst>
+  </p:cSld>
+  <p:clrMapOvr>
+    <a:masterClrMapping/>
+  </p:clrMapOvr>
+  <p:timing>
+    <p:tnLst>
+      <p:par>
+        <p:cTn id="1" dur="indefinite" restart="never" nodeType="tmRoot"/>
+      </p:par>
+    </p:tnLst>
+  </p:timing>
+</p:sld>
+</file>
+
+<file path=ppt/slides/slide12.xml><?xml version="1.0" encoding="utf-8"?>
+<p:sld xmlns:a="http://schemas.openxmlformats.org/drawingml/2006/main" xmlns:r="http://schemas.openxmlformats.org/officeDocument/2006/relationships" xmlns:p="http://schemas.openxmlformats.org/presentationml/2006/main">
+  <p:cSld>
+    <p:spTree>
+      <p:nvGrpSpPr>
+        <p:cNvPr id="1" name=""/>
+        <p:cNvGrpSpPr/>
+        <p:nvPr/>
+      </p:nvGrpSpPr>
+      <p:grpSpPr>
+        <a:xfrm>
+          <a:off x="0" y="0"/>
+          <a:ext cx="0" cy="0"/>
+          <a:chOff x="0" y="0"/>
+          <a:chExt cx="0" cy="0"/>
+        </a:xfrm>
+      </p:grpSpPr>
+      <p:pic>
+        <p:nvPicPr>
+          <p:cNvPr id="4" name="그림 3"/>
+          <p:cNvPicPr>
+            <a:picLocks noChangeAspect="1"/>
+          </p:cNvPicPr>
+          <p:nvPr/>
+        </p:nvPicPr>
+        <p:blipFill>
+          <a:blip r:embed="rId2">
+            <a:extLst>
+              <a:ext uri="{28A0092B-C50C-407E-A947-70E740481C1C}">
+                <a14:useLocalDpi xmlns:a14="http://schemas.microsoft.com/office/drawing/2010/main" val="0"/>
+              </a:ext>
+            </a:extLst>
+          </a:blip>
+          <a:stretch>
+            <a:fillRect/>
+          </a:stretch>
+        </p:blipFill>
+        <p:spPr>
+          <a:xfrm>
+            <a:off x="0" y="-1459"/>
+            <a:ext cx="9144000" cy="6858000"/>
+          </a:xfrm>
+          <a:prstGeom prst="rect">
+            <a:avLst/>
+          </a:prstGeom>
+        </p:spPr>
+      </p:pic>
+      <p:sp>
+        <p:nvSpPr>
+          <p:cNvPr id="6" name="TextBox 5"/>
+          <p:cNvSpPr txBox="1"/>
+          <p:nvPr/>
+        </p:nvSpPr>
+        <p:spPr>
+          <a:xfrm>
+            <a:off x="17254" y="5148685"/>
+            <a:ext cx="3433306" cy="523220"/>
+          </a:xfrm>
+          <a:prstGeom prst="rect">
+            <a:avLst/>
+          </a:prstGeom>
+          <a:noFill/>
+        </p:spPr>
+        <p:txBody>
+          <a:bodyPr wrap="square" rtlCol="0">
+            <a:spAutoFit/>
+          </a:bodyPr>
+          <a:lstStyle/>
+          <a:p>
+            <a:r>
+              <a:rPr lang="en-US" altLang="ko-KR" sz="2800" b="1" smtClean="0">
+                <a:solidFill>
+                  <a:prstClr val="white"/>
+                </a:solidFill>
+              </a:rPr>
+              <a:t>Brand Challenge 2018  </a:t>
+            </a:r>
+            <a:endParaRPr lang="ko-KR" altLang="en-US" sz="2800" b="1">
+              <a:solidFill>
+                <a:prstClr val="white"/>
+              </a:solidFill>
+            </a:endParaRPr>
+          </a:p>
+        </p:txBody>
+      </p:sp>
+      <p:sp>
+        <p:nvSpPr>
+          <p:cNvPr id="9" name="TextBox 8"/>
+          <p:cNvSpPr txBox="1"/>
+          <p:nvPr/>
+        </p:nvSpPr>
+        <p:spPr>
+          <a:xfrm>
+            <a:off x="986924" y="5538815"/>
+            <a:ext cx="2502288" cy="461665"/>
+          </a:xfrm>
+          <a:prstGeom prst="rect">
+            <a:avLst/>
+          </a:prstGeom>
+          <a:noFill/>
+        </p:spPr>
+        <p:txBody>
+          <a:bodyPr wrap="none" rtlCol="0">
+            <a:spAutoFit/>
+          </a:bodyPr>
+          <a:lstStyle/>
+          <a:p>
+            <a:r>
+              <a:rPr lang="en-US" altLang="ko-KR" sz="2400" smtClean="0">
+                <a:solidFill>
+                  <a:prstClr val="white"/>
+                </a:solidFill>
+              </a:rPr>
+              <a:t>Amorepacific web </a:t>
+            </a:r>
+            <a:endParaRPr lang="ko-KR" altLang="en-US" sz="2400">
+              <a:solidFill>
+                <a:prstClr val="white"/>
+              </a:solidFill>
+            </a:endParaRPr>
+          </a:p>
+        </p:txBody>
+      </p:sp>
+      <p:cxnSp>
+        <p:nvCxnSpPr>
+          <p:cNvPr id="10" name="직선 연결선 9"/>
+          <p:cNvCxnSpPr/>
+          <p:nvPr/>
+        </p:nvCxnSpPr>
+        <p:spPr>
+          <a:xfrm>
+            <a:off x="1860765" y="6073592"/>
+            <a:ext cx="1447800" cy="0"/>
+          </a:xfrm>
+          <a:prstGeom prst="line">
+            <a:avLst/>
+          </a:prstGeom>
+          <a:ln w="12700">
+            <a:solidFill>
+              <a:schemeClr val="bg1"/>
+            </a:solidFill>
+          </a:ln>
+        </p:spPr>
+        <p:style>
+          <a:lnRef idx="1">
+            <a:schemeClr val="accent1"/>
+          </a:lnRef>
+          <a:fillRef idx="0">
+            <a:schemeClr val="accent1"/>
+          </a:fillRef>
+          <a:effectRef idx="0">
+            <a:schemeClr val="accent1"/>
+          </a:effectRef>
+          <a:fontRef idx="minor">
+            <a:schemeClr val="tx1"/>
+          </a:fontRef>
+        </p:style>
+      </p:cxnSp>
+      <p:sp>
+        <p:nvSpPr>
+          <p:cNvPr id="12" name="TextBox 11"/>
+          <p:cNvSpPr txBox="1"/>
+          <p:nvPr/>
+        </p:nvSpPr>
+        <p:spPr>
+          <a:xfrm>
+            <a:off x="90404" y="6125948"/>
+            <a:ext cx="3347049" cy="954107"/>
+          </a:xfrm>
+          <a:prstGeom prst="rect">
+            <a:avLst/>
+          </a:prstGeom>
+          <a:noFill/>
+        </p:spPr>
+        <p:txBody>
+          <a:bodyPr wrap="square" rtlCol="0">
+            <a:spAutoFit/>
+          </a:bodyPr>
+          <a:lstStyle/>
+          <a:p>
+            <a:pPr algn="r"/>
+            <a:r>
+              <a:rPr lang="en-US" altLang="ko-KR" sz="1400">
+                <a:solidFill>
+                  <a:schemeClr val="bg1"/>
+                </a:solidFill>
+                <a:hlinkClick r:id="rId3"/>
+              </a:rPr>
+              <a:t>https://</a:t>
+            </a:r>
+            <a:r>
+              <a:rPr lang="en-US" altLang="ko-KR" sz="1400">
+                <a:solidFill>
+                  <a:schemeClr val="bg1"/>
+                </a:solidFill>
+                <a:hlinkClick r:id="rId3"/>
+              </a:rPr>
+              <a:t>brandchallenge.amorepacific.com</a:t>
+            </a:r>
+            <a:r>
+              <a:rPr lang="en-US" altLang="ko-KR" sz="1400" smtClean="0">
+                <a:solidFill>
+                  <a:schemeClr val="bg1"/>
+                </a:solidFill>
+                <a:hlinkClick r:id="rId3"/>
+              </a:rPr>
+              <a:t>/</a:t>
+            </a:r>
+          </a:p>
+          <a:p>
+            <a:pPr algn="r"/>
+            <a:r>
+              <a:rPr lang="en-US" altLang="ko-KR" sz="1400" smtClean="0">
+                <a:solidFill>
+                  <a:schemeClr val="bg1"/>
+                </a:solidFill>
+                <a:hlinkClick r:id="rId3"/>
+              </a:rPr>
+              <a:t>competition/main.jsp</a:t>
+            </a:r>
+            <a:endParaRPr lang="en-US" altLang="ko-KR" sz="1400">
+              <a:solidFill>
+                <a:schemeClr val="bg1"/>
+              </a:solidFill>
+            </a:endParaRPr>
+          </a:p>
+          <a:p>
+            <a:pPr algn="r"/>
+            <a:endParaRPr lang="ko-KR" altLang="en-US" sz="1400"/>
+          </a:p>
+          <a:p>
+            <a:r>
+              <a:rPr lang="en-US" altLang="ko-KR" sz="1400" smtClean="0">
+                <a:solidFill>
+                  <a:prstClr val="white"/>
+                </a:solidFill>
+              </a:rPr>
+              <a:t>/</a:t>
+            </a:r>
+            <a:endParaRPr lang="ko-KR" altLang="en-US" sz="1400">
+              <a:solidFill>
+                <a:prstClr val="white"/>
+              </a:solidFill>
+            </a:endParaRPr>
+          </a:p>
+        </p:txBody>
+      </p:sp>
+      <p:sp>
+        <p:nvSpPr>
+          <p:cNvPr id="2" name="직사각형 1"/>
+          <p:cNvSpPr/>
+          <p:nvPr/>
+        </p:nvSpPr>
+        <p:spPr>
+          <a:xfrm>
+            <a:off x="803047" y="1449238"/>
+            <a:ext cx="5175849" cy="3623094"/>
+          </a:xfrm>
+          <a:prstGeom prst="rect">
+            <a:avLst/>
+          </a:prstGeom>
+          <a:solidFill>
+            <a:schemeClr val="bg1"/>
+          </a:solidFill>
+          <a:ln>
+            <a:noFill/>
+          </a:ln>
+        </p:spPr>
+        <p:style>
+          <a:lnRef idx="2">
+            <a:schemeClr val="accent1">
+              <a:shade val="50000"/>
+            </a:schemeClr>
+          </a:lnRef>
+          <a:fillRef idx="1">
+            <a:schemeClr val="accent1"/>
+          </a:fillRef>
+          <a:effectRef idx="0">
+            <a:schemeClr val="accent1"/>
+          </a:effectRef>
+          <a:fontRef idx="minor">
+            <a:schemeClr val="lt1"/>
+          </a:fontRef>
+        </p:style>
+        <p:txBody>
+          <a:bodyPr rtlCol="0" anchor="ctr"/>
+          <a:lstStyle/>
+          <a:p>
+            <a:pPr algn="ctr"/>
+            <a:endParaRPr lang="ko-KR" altLang="en-US"/>
+          </a:p>
+        </p:txBody>
+      </p:sp>
+      <p:pic>
+        <p:nvPicPr>
+          <p:cNvPr id="13" name="Picture 2"/>
+          <p:cNvPicPr>
+            <a:picLocks noChangeAspect="1" noChangeArrowheads="1"/>
+          </p:cNvPicPr>
+          <p:nvPr/>
+        </p:nvPicPr>
+        <p:blipFill>
+          <a:blip r:embed="rId4" cstate="print">
+            <a:extLst>
+              <a:ext uri="{28A0092B-C50C-407E-A947-70E740481C1C}">
+                <a14:useLocalDpi xmlns:a14="http://schemas.microsoft.com/office/drawing/2010/main" val="0"/>
+              </a:ext>
+            </a:extLst>
+          </a:blip>
+          <a:srcRect/>
+          <a:stretch>
+            <a:fillRect/>
+          </a:stretch>
+        </p:blipFill>
+        <p:spPr bwMode="auto">
+          <a:xfrm>
+            <a:off x="1041638" y="1658177"/>
+            <a:ext cx="4571999" cy="3193278"/>
+          </a:xfrm>
+          <a:prstGeom prst="rect">
+            <a:avLst/>
+          </a:prstGeom>
+          <a:noFill/>
+          <a:ln>
+            <a:noFill/>
+          </a:ln>
+          <a:extLst>
+            <a:ext uri="{909E8E84-426E-40DD-AFC4-6F175D3DCCD1}">
+              <a14:hiddenFill xmlns:a14="http://schemas.microsoft.com/office/drawing/2010/main">
+                <a:solidFill>
+                  <a:schemeClr val="accent1"/>
+                </a:solidFill>
+              </a14:hiddenFill>
+            </a:ext>
+            <a:ext uri="{91240B29-F687-4F45-9708-019B960494DF}">
+              <a14:hiddenLine xmlns:a14="http://schemas.microsoft.com/office/drawing/2010/main" w="9525">
+                <a:solidFill>
+                  <a:schemeClr val="tx1"/>
+                </a:solidFill>
+                <a:miter lim="800000"/>
+                <a:headEnd/>
+                <a:tailEnd/>
+              </a14:hiddenLine>
+            </a:ext>
+          </a:extLst>
+        </p:spPr>
+      </p:pic>
+      <p:sp>
+        <p:nvSpPr>
+          <p:cNvPr id="15" name="내용 개체 틀 2"/>
+          <p:cNvSpPr txBox="1">
+            <a:spLocks/>
+          </p:cNvSpPr>
+          <p:nvPr/>
+        </p:nvSpPr>
+        <p:spPr>
+          <a:xfrm>
+            <a:off x="5596701" y="411826"/>
+            <a:ext cx="3581161" cy="2036182"/>
+          </a:xfrm>
+          <a:prstGeom prst="rect">
+            <a:avLst/>
+          </a:prstGeom>
+        </p:spPr>
+        <p:txBody>
+          <a:bodyPr vert="horz" lIns="91440" tIns="45720" rIns="91440" bIns="45720" rtlCol="0">
+            <a:normAutofit fontScale="47500" lnSpcReduction="20000"/>
+          </a:bodyPr>
+          <a:lstStyle/>
+          <a:p>
+            <a:pPr marL="342900" marR="0" lvl="0" indent="-342900" algn="l" defTabSz="914400" rtl="0" eaLnBrk="1" fontAlgn="auto" latinLnBrk="1" hangingPunct="1">
+              <a:lnSpc>
+                <a:spcPct val="100000"/>
+              </a:lnSpc>
+              <a:spcBef>
+                <a:spcPct val="20000"/>
+              </a:spcBef>
+              <a:spcAft>
+                <a:spcPts val="0"/>
+              </a:spcAft>
+              <a:buClrTx/>
+              <a:buSzTx/>
+              <a:buFont typeface="Arial" pitchFamily="34" charset="0"/>
+              <a:buNone/>
+              <a:tabLst/>
+              <a:defRPr/>
+            </a:pPr>
+            <a:r>
+              <a:rPr lang="en-US" altLang="ko-KR" sz="9000" b="1" smtClean="0">
+                <a:solidFill>
+                  <a:srgbClr val="EBBEC0"/>
+                </a:solidFill>
+              </a:rPr>
+              <a:t>*</a:t>
+            </a:r>
+          </a:p>
+          <a:p>
+            <a:pPr marR="0" lvl="0" algn="l" defTabSz="914400" rtl="0" eaLnBrk="1" fontAlgn="auto" latinLnBrk="1" hangingPunct="1">
+              <a:lnSpc>
+                <a:spcPct val="170000"/>
+              </a:lnSpc>
+              <a:spcBef>
+                <a:spcPct val="20000"/>
+              </a:spcBef>
+              <a:spcAft>
+                <a:spcPts val="0"/>
+              </a:spcAft>
+              <a:buClrTx/>
+              <a:buSzTx/>
+              <a:buFont typeface="Arial" pitchFamily="34" charset="0"/>
+              <a:buNone/>
+              <a:tabLst/>
+              <a:defRPr/>
+            </a:pPr>
+            <a:r>
+              <a:rPr kumimoji="0" lang="en-US" altLang="ko-KR" sz="3400" i="0" u="none" strike="noStrike" kern="1200" cap="none" spc="0" normalizeH="0" baseline="0" noProof="0" smtClean="0">
+                <a:ln>
+                  <a:noFill/>
+                </a:ln>
+                <a:solidFill>
+                  <a:schemeClr val="bg2">
+                    <a:lumMod val="10000"/>
+                  </a:schemeClr>
+                </a:solidFill>
+                <a:effectLst/>
+                <a:uLnTx/>
+                <a:uFillTx/>
+                <a:latin typeface="Noto Sans CJK KR Medium" pitchFamily="34" charset="-127"/>
+                <a:ea typeface="Noto Sans CJK KR Medium" pitchFamily="34" charset="-127"/>
+              </a:rPr>
+              <a:t>- Brand Challenge 2018 </a:t>
+            </a:r>
+            <a:r>
+              <a:rPr kumimoji="0" lang="ko-KR" altLang="en-US" sz="3400" i="0" u="none" strike="noStrike" kern="1200" cap="none" spc="0" normalizeH="0" baseline="0" noProof="0" smtClean="0">
+                <a:ln>
+                  <a:noFill/>
+                </a:ln>
+                <a:solidFill>
+                  <a:schemeClr val="bg2">
+                    <a:lumMod val="10000"/>
+                  </a:schemeClr>
+                </a:solidFill>
+                <a:effectLst/>
+                <a:uLnTx/>
+                <a:uFillTx/>
+                <a:latin typeface="Noto Sans CJK KR Medium" pitchFamily="34" charset="-127"/>
+                <a:ea typeface="Noto Sans CJK KR Medium" pitchFamily="34" charset="-127"/>
+              </a:rPr>
+              <a:t>출품작</a:t>
+            </a:r>
+            <a:endParaRPr kumimoji="0" lang="en-US" altLang="ko-KR" sz="3400" i="0" u="none" strike="noStrike" kern="1200" cap="none" spc="0" normalizeH="0" baseline="0" noProof="0" smtClean="0">
+              <a:ln>
+                <a:noFill/>
+              </a:ln>
+              <a:solidFill>
+                <a:schemeClr val="bg2">
+                  <a:lumMod val="10000"/>
+                </a:schemeClr>
+              </a:solidFill>
+              <a:effectLst/>
+              <a:uLnTx/>
+              <a:uFillTx/>
+              <a:latin typeface="Noto Sans CJK KR Medium" pitchFamily="34" charset="-127"/>
+              <a:ea typeface="Noto Sans CJK KR Medium" pitchFamily="34" charset="-127"/>
+            </a:endParaRPr>
+          </a:p>
+          <a:p>
+            <a:pPr marR="0" lvl="0" algn="l" defTabSz="914400" rtl="0" eaLnBrk="1" fontAlgn="auto" latinLnBrk="1" hangingPunct="1">
+              <a:lnSpc>
+                <a:spcPct val="170000"/>
+              </a:lnSpc>
+              <a:spcBef>
+                <a:spcPct val="20000"/>
+              </a:spcBef>
+              <a:spcAft>
+                <a:spcPts val="0"/>
+              </a:spcAft>
+              <a:buClrTx/>
+              <a:buSzTx/>
+              <a:buFont typeface="Arial" pitchFamily="34" charset="0"/>
+              <a:buNone/>
+              <a:tabLst/>
+              <a:defRPr/>
+            </a:pPr>
+            <a:r>
+              <a:rPr kumimoji="0" lang="en-US" altLang="ko-KR" sz="3400" i="0" u="none" strike="noStrike" kern="1200" cap="none" spc="0" normalizeH="0" baseline="0" noProof="0" smtClean="0">
+                <a:ln>
+                  <a:noFill/>
+                </a:ln>
+                <a:solidFill>
+                  <a:schemeClr val="bg2">
+                    <a:lumMod val="10000"/>
+                  </a:schemeClr>
+                </a:solidFill>
+                <a:effectLst/>
+                <a:uLnTx/>
+                <a:uFillTx/>
+                <a:latin typeface="Noto Sans CJK KR Medium" pitchFamily="34" charset="-127"/>
+                <a:ea typeface="Noto Sans CJK KR Medium" pitchFamily="34" charset="-127"/>
+              </a:rPr>
+              <a:t>-</a:t>
+            </a:r>
+            <a:r>
+              <a:rPr kumimoji="0" lang="ko-KR" altLang="en-US" sz="3400" i="0" u="none" strike="noStrike" kern="1200" cap="none" spc="0" normalizeH="0" baseline="0" noProof="0" smtClean="0">
+                <a:ln>
+                  <a:noFill/>
+                </a:ln>
+                <a:solidFill>
+                  <a:schemeClr val="bg2">
+                    <a:lumMod val="10000"/>
+                  </a:schemeClr>
+                </a:solidFill>
+                <a:effectLst/>
+                <a:uLnTx/>
+                <a:uFillTx/>
+                <a:latin typeface="Noto Sans CJK KR Medium" pitchFamily="34" charset="-127"/>
+                <a:ea typeface="Noto Sans CJK KR Medium" pitchFamily="34" charset="-127"/>
+              </a:rPr>
+              <a:t>브랜드 </a:t>
+            </a:r>
+            <a:r>
+              <a:rPr kumimoji="0" lang="en-US" altLang="ko-KR" sz="3400" i="0" u="none" strike="noStrike" kern="1200" cap="none" spc="0" normalizeH="0" baseline="0" noProof="0" smtClean="0">
+                <a:ln>
+                  <a:noFill/>
+                </a:ln>
+                <a:solidFill>
+                  <a:schemeClr val="bg2">
+                    <a:lumMod val="10000"/>
+                  </a:schemeClr>
+                </a:solidFill>
+                <a:effectLst/>
+                <a:uLnTx/>
+                <a:uFillTx/>
+                <a:latin typeface="Noto Sans CJK KR Medium" pitchFamily="34" charset="-127"/>
+                <a:ea typeface="Noto Sans CJK KR Medium" pitchFamily="34" charset="-127"/>
+              </a:rPr>
+              <a:t>‘</a:t>
+            </a:r>
+            <a:r>
+              <a:rPr kumimoji="0" lang="ko-KR" altLang="en-US" sz="3400" i="0" u="none" strike="noStrike" kern="1200" cap="none" spc="0" normalizeH="0" baseline="0" noProof="0" smtClean="0">
+                <a:ln>
+                  <a:noFill/>
+                </a:ln>
+                <a:solidFill>
+                  <a:schemeClr val="bg2">
+                    <a:lumMod val="10000"/>
+                  </a:schemeClr>
+                </a:solidFill>
+                <a:effectLst/>
+                <a:uLnTx/>
+                <a:uFillTx/>
+                <a:latin typeface="Noto Sans CJK KR Medium" pitchFamily="34" charset="-127"/>
+                <a:ea typeface="Noto Sans CJK KR Medium" pitchFamily="34" charset="-127"/>
+              </a:rPr>
+              <a:t>아모레퍼시픽</a:t>
+            </a:r>
+            <a:r>
+              <a:rPr kumimoji="0" lang="en-US" altLang="ko-KR" sz="3400" i="0" u="none" strike="noStrike" kern="1200" cap="none" spc="0" normalizeH="0" baseline="0" noProof="0" smtClean="0">
+                <a:ln>
+                  <a:noFill/>
+                </a:ln>
+                <a:solidFill>
+                  <a:schemeClr val="bg2">
+                    <a:lumMod val="10000"/>
+                  </a:schemeClr>
+                </a:solidFill>
+                <a:effectLst/>
+                <a:uLnTx/>
+                <a:uFillTx/>
+                <a:latin typeface="Noto Sans CJK KR Medium" pitchFamily="34" charset="-127"/>
+                <a:ea typeface="Noto Sans CJK KR Medium" pitchFamily="34" charset="-127"/>
+              </a:rPr>
+              <a:t>’</a:t>
+            </a:r>
+            <a:r>
+              <a:rPr lang="ko-KR" altLang="en-US" sz="3400" smtClean="0">
+                <a:solidFill>
+                  <a:schemeClr val="bg2">
+                    <a:lumMod val="10000"/>
+                  </a:schemeClr>
+                </a:solidFill>
+                <a:latin typeface="Noto Sans CJK KR Medium" pitchFamily="34" charset="-127"/>
+                <a:ea typeface="Noto Sans CJK KR Medium" pitchFamily="34" charset="-127"/>
+              </a:rPr>
+              <a:t>을 주제로 했다</a:t>
+            </a:r>
+            <a:r>
+              <a:rPr lang="en-US" altLang="ko-KR" sz="3400" smtClean="0">
+                <a:solidFill>
+                  <a:schemeClr val="bg2">
+                    <a:lumMod val="10000"/>
+                  </a:schemeClr>
+                </a:solidFill>
+                <a:latin typeface="Noto Sans CJK KR Medium" pitchFamily="34" charset="-127"/>
+                <a:ea typeface="Noto Sans CJK KR Medium" pitchFamily="34" charset="-127"/>
+              </a:rPr>
+              <a:t>.</a:t>
+            </a:r>
+            <a:endParaRPr kumimoji="0" lang="ko-KR" altLang="en-US" sz="3400" i="0" u="none" strike="noStrike" kern="1200" cap="none" spc="0" normalizeH="0" baseline="0" noProof="0" smtClean="0">
+              <a:ln>
+                <a:noFill/>
+              </a:ln>
+              <a:solidFill>
+                <a:schemeClr val="bg2">
+                  <a:lumMod val="10000"/>
+                </a:schemeClr>
+              </a:solidFill>
+              <a:effectLst/>
+              <a:uLnTx/>
+              <a:uFillTx/>
+              <a:latin typeface="Noto Sans CJK KR Medium" pitchFamily="34" charset="-127"/>
+              <a:ea typeface="Noto Sans CJK KR Medium" pitchFamily="34" charset="-127"/>
+            </a:endParaRPr>
+          </a:p>
+        </p:txBody>
+      </p:sp>
+      <p:pic>
+        <p:nvPicPr>
+          <p:cNvPr id="8" name="그림 7"/>
+          <p:cNvPicPr>
+            <a:picLocks noChangeAspect="1"/>
+          </p:cNvPicPr>
+          <p:nvPr/>
+        </p:nvPicPr>
+        <p:blipFill>
+          <a:blip r:embed="rId5" cstate="print">
+            <a:extLst>
+              <a:ext uri="{28A0092B-C50C-407E-A947-70E740481C1C}">
+                <a14:useLocalDpi xmlns:a14="http://schemas.microsoft.com/office/drawing/2010/main" val="0"/>
+              </a:ext>
+            </a:extLst>
+          </a:blip>
+          <a:stretch>
+            <a:fillRect/>
+          </a:stretch>
+        </p:blipFill>
+        <p:spPr>
+          <a:xfrm>
+            <a:off x="3564485" y="4652428"/>
+            <a:ext cx="3793066" cy="2370666"/>
+          </a:xfrm>
+          <a:prstGeom prst="rect">
+            <a:avLst/>
+          </a:prstGeom>
+        </p:spPr>
+      </p:pic>
+      <p:pic>
+        <p:nvPicPr>
+          <p:cNvPr id="20" name="그림 19"/>
+          <p:cNvPicPr>
+            <a:picLocks noChangeAspect="1"/>
+          </p:cNvPicPr>
+          <p:nvPr/>
+        </p:nvPicPr>
+        <p:blipFill>
+          <a:blip r:embed="rId6" cstate="print">
+            <a:extLst>
+              <a:ext uri="{28A0092B-C50C-407E-A947-70E740481C1C}">
+                <a14:useLocalDpi xmlns:a14="http://schemas.microsoft.com/office/drawing/2010/main" val="0"/>
+              </a:ext>
+            </a:extLst>
+          </a:blip>
+          <a:stretch>
+            <a:fillRect/>
+          </a:stretch>
+        </p:blipFill>
+        <p:spPr>
+          <a:xfrm>
+            <a:off x="5418656" y="3587478"/>
+            <a:ext cx="3940988" cy="2370667"/>
+          </a:xfrm>
+          <a:prstGeom prst="rect">
+            <a:avLst/>
+          </a:prstGeom>
+        </p:spPr>
+      </p:pic>
+      <p:sp>
+        <p:nvSpPr>
+          <p:cNvPr id="16" name="내용 개체 틀 2"/>
+          <p:cNvSpPr txBox="1">
+            <a:spLocks/>
+          </p:cNvSpPr>
+          <p:nvPr/>
+        </p:nvSpPr>
+        <p:spPr>
+          <a:xfrm>
+            <a:off x="5596701" y="2048341"/>
+            <a:ext cx="4238055" cy="2880202"/>
+          </a:xfrm>
+          <a:prstGeom prst="rect">
+            <a:avLst/>
+          </a:prstGeom>
+        </p:spPr>
+        <p:txBody>
+          <a:bodyPr vert="horz" lIns="91440" tIns="45720" rIns="91440" bIns="45720" rtlCol="0">
+            <a:normAutofit fontScale="92500" lnSpcReduction="10000"/>
+          </a:bodyPr>
+          <a:lstStyle/>
+          <a:p>
+            <a:pPr marL="342900" marR="0" lvl="0" indent="-342900" algn="l" defTabSz="914400" rtl="0" eaLnBrk="1" fontAlgn="auto" latinLnBrk="1" hangingPunct="1">
+              <a:lnSpc>
+                <a:spcPct val="100000"/>
+              </a:lnSpc>
+              <a:spcBef>
+                <a:spcPct val="20000"/>
+              </a:spcBef>
+              <a:spcAft>
+                <a:spcPts val="0"/>
+              </a:spcAft>
+              <a:buClrTx/>
+              <a:buSzTx/>
+              <a:buFont typeface="Arial" pitchFamily="34" charset="0"/>
+              <a:buNone/>
+              <a:tabLst/>
+              <a:defRPr/>
+            </a:pPr>
+            <a:r>
+              <a:rPr lang="en-US" altLang="ko-KR" sz="4100" b="1" smtClean="0">
+                <a:solidFill>
+                  <a:srgbClr val="EBBEC0"/>
+                </a:solidFill>
+              </a:rPr>
+              <a:t>merit</a:t>
+            </a:r>
+          </a:p>
+          <a:p>
+            <a:pPr>
+              <a:lnSpc>
+                <a:spcPct val="120000"/>
+              </a:lnSpc>
+            </a:pPr>
+            <a:endParaRPr lang="en-US" altLang="ko-KR" sz="1600" smtClean="0">
+              <a:latin typeface="Noto Sans CJK KR Medium" pitchFamily="34" charset="-127"/>
+              <a:ea typeface="Noto Sans CJK KR Medium" pitchFamily="34" charset="-127"/>
+            </a:endParaRPr>
+          </a:p>
+          <a:p>
+            <a:pPr>
+              <a:lnSpc>
+                <a:spcPct val="120000"/>
+              </a:lnSpc>
+            </a:pPr>
+            <a:r>
+              <a:rPr lang="en-US" altLang="ko-KR" sz="1500" smtClean="0">
+                <a:latin typeface="Noto Sans CJK KR Medium" pitchFamily="34" charset="-127"/>
+                <a:ea typeface="Noto Sans CJK KR Medium" pitchFamily="34" charset="-127"/>
+              </a:rPr>
+              <a:t>- </a:t>
+            </a:r>
+            <a:r>
+              <a:rPr lang="ko-KR" altLang="en-US" sz="1500" smtClean="0">
+                <a:latin typeface="Noto Sans CJK KR Medium" pitchFamily="34" charset="-127"/>
+                <a:ea typeface="Noto Sans CJK KR Medium" pitchFamily="34" charset="-127"/>
+              </a:rPr>
+              <a:t>레이아웃</a:t>
+            </a:r>
+            <a:r>
+              <a:rPr lang="en-US" altLang="ko-KR" sz="1500">
+                <a:latin typeface="Noto Sans CJK KR Medium" pitchFamily="34" charset="-127"/>
+                <a:ea typeface="Noto Sans CJK KR Medium" pitchFamily="34" charset="-127"/>
+              </a:rPr>
+              <a:t>, </a:t>
+            </a:r>
+            <a:r>
+              <a:rPr lang="ko-KR" altLang="en-US" sz="1500">
+                <a:latin typeface="Noto Sans CJK KR Medium" pitchFamily="34" charset="-127"/>
+                <a:ea typeface="Noto Sans CJK KR Medium" pitchFamily="34" charset="-127"/>
+              </a:rPr>
+              <a:t>텍스트 </a:t>
+            </a:r>
+            <a:r>
+              <a:rPr lang="ko-KR" altLang="en-US" sz="1500">
+                <a:latin typeface="Noto Sans CJK KR Medium" pitchFamily="34" charset="-127"/>
+                <a:ea typeface="Noto Sans CJK KR Medium" pitchFamily="34" charset="-127"/>
+              </a:rPr>
+              <a:t>등을 크</a:t>
+            </a:r>
+            <a:r>
+              <a:rPr lang="ko-KR" altLang="en-US" sz="1500" smtClean="0">
+                <a:latin typeface="Noto Sans CJK KR Medium" pitchFamily="34" charset="-127"/>
+                <a:ea typeface="Noto Sans CJK KR Medium" pitchFamily="34" charset="-127"/>
+              </a:rPr>
+              <a:t>게 배치하여 </a:t>
+            </a:r>
+            <a:endParaRPr lang="en-US" altLang="ko-KR" sz="1500" smtClean="0">
+              <a:latin typeface="Noto Sans CJK KR Medium" pitchFamily="34" charset="-127"/>
+              <a:ea typeface="Noto Sans CJK KR Medium" pitchFamily="34" charset="-127"/>
+            </a:endParaRPr>
+          </a:p>
+          <a:p>
+            <a:pPr>
+              <a:lnSpc>
+                <a:spcPct val="120000"/>
+              </a:lnSpc>
+            </a:pPr>
+            <a:r>
+              <a:rPr lang="en-US" altLang="ko-KR" sz="1500">
+                <a:latin typeface="Noto Sans CJK KR Medium" pitchFamily="34" charset="-127"/>
+                <a:ea typeface="Noto Sans CJK KR Medium" pitchFamily="34" charset="-127"/>
+              </a:rPr>
+              <a:t> </a:t>
+            </a:r>
+            <a:r>
+              <a:rPr lang="en-US" altLang="ko-KR" sz="1500" smtClean="0">
+                <a:latin typeface="Noto Sans CJK KR Medium" pitchFamily="34" charset="-127"/>
+                <a:ea typeface="Noto Sans CJK KR Medium" pitchFamily="34" charset="-127"/>
+              </a:rPr>
+              <a:t>  </a:t>
+            </a:r>
+            <a:r>
+              <a:rPr lang="ko-KR" altLang="en-US" sz="1500" smtClean="0">
+                <a:latin typeface="Noto Sans CJK KR Medium" pitchFamily="34" charset="-127"/>
+                <a:ea typeface="Noto Sans CJK KR Medium" pitchFamily="34" charset="-127"/>
+              </a:rPr>
+              <a:t>가독성이 높다</a:t>
+            </a:r>
+            <a:r>
+              <a:rPr lang="en-US" altLang="ko-KR" sz="1500" smtClean="0">
+                <a:latin typeface="Noto Sans CJK KR Medium" pitchFamily="34" charset="-127"/>
+                <a:ea typeface="Noto Sans CJK KR Medium" pitchFamily="34" charset="-127"/>
+              </a:rPr>
+              <a:t>.</a:t>
+            </a:r>
+          </a:p>
+          <a:p>
+            <a:endParaRPr lang="en-US" altLang="ko-KR" sz="1500">
+              <a:latin typeface="Noto Sans CJK KR Medium" pitchFamily="34" charset="-127"/>
+              <a:ea typeface="Noto Sans CJK KR Medium" pitchFamily="34" charset="-127"/>
+            </a:endParaRPr>
+          </a:p>
+          <a:p>
+            <a:r>
+              <a:rPr lang="en-US" altLang="ko-KR" sz="1500" smtClean="0">
+                <a:latin typeface="Noto Sans CJK KR Medium" pitchFamily="34" charset="-127"/>
+                <a:ea typeface="Noto Sans CJK KR Medium" pitchFamily="34" charset="-127"/>
+              </a:rPr>
+              <a:t>- </a:t>
+            </a:r>
+            <a:r>
+              <a:rPr lang="ko-KR" altLang="en-US" sz="1500" smtClean="0">
+                <a:latin typeface="Noto Sans CJK KR Medium" pitchFamily="34" charset="-127"/>
+                <a:ea typeface="Noto Sans CJK KR Medium" pitchFamily="34" charset="-127"/>
+              </a:rPr>
+              <a:t>순차적으로 나오는 배경이 깔끔하다</a:t>
+            </a:r>
+            <a:r>
+              <a:rPr lang="en-US" altLang="ko-KR" sz="1500" smtClean="0">
+                <a:latin typeface="Noto Sans CJK KR Medium" pitchFamily="34" charset="-127"/>
+                <a:ea typeface="Noto Sans CJK KR Medium" pitchFamily="34" charset="-127"/>
+              </a:rPr>
+              <a:t>.</a:t>
+            </a:r>
+          </a:p>
+          <a:p>
+            <a:pPr marL="285750" indent="-285750">
+              <a:buFontTx/>
+              <a:buChar char="-"/>
+            </a:pPr>
+            <a:endParaRPr lang="en-US" altLang="ko-KR" sz="1500" smtClean="0">
+              <a:latin typeface="Noto Sans CJK KR Medium" pitchFamily="34" charset="-127"/>
+              <a:ea typeface="Noto Sans CJK KR Medium" pitchFamily="34" charset="-127"/>
+            </a:endParaRPr>
+          </a:p>
+          <a:p>
+            <a:r>
+              <a:rPr lang="en-US" altLang="ko-KR" sz="1500" smtClean="0">
+                <a:solidFill>
+                  <a:schemeClr val="tx1">
+                    <a:lumMod val="75000"/>
+                    <a:lumOff val="25000"/>
+                  </a:schemeClr>
+                </a:solidFill>
+                <a:latin typeface="Noto Sans CJK KR Medium" pitchFamily="34" charset="-127"/>
+                <a:ea typeface="Noto Sans CJK KR Medium" pitchFamily="34" charset="-127"/>
+              </a:rPr>
+              <a:t>-  </a:t>
+            </a:r>
+            <a:r>
+              <a:rPr lang="ko-KR" altLang="en-US" sz="1500" smtClean="0">
+                <a:latin typeface="Noto Sans CJK KR Medium" pitchFamily="34" charset="-127"/>
+                <a:ea typeface="Noto Sans CJK KR Medium" pitchFamily="34" charset="-127"/>
+              </a:rPr>
+              <a:t>스킨</a:t>
+            </a:r>
+            <a:r>
+              <a:rPr lang="ko-KR" altLang="en-US" sz="1500">
+                <a:latin typeface="Noto Sans CJK KR Medium" pitchFamily="34" charset="-127"/>
+                <a:ea typeface="Noto Sans CJK KR Medium" pitchFamily="34" charset="-127"/>
+              </a:rPr>
+              <a:t>톤</a:t>
+            </a:r>
+            <a:r>
+              <a:rPr lang="ko-KR" altLang="en-US" sz="1500" smtClean="0">
+                <a:latin typeface="Noto Sans CJK KR Medium" pitchFamily="34" charset="-127"/>
+                <a:ea typeface="Noto Sans CJK KR Medium" pitchFamily="34" charset="-127"/>
+              </a:rPr>
+              <a:t>을 </a:t>
+            </a:r>
+            <a:r>
+              <a:rPr lang="ko-KR" altLang="en-US" sz="1500">
+                <a:latin typeface="Noto Sans CJK KR Medium" pitchFamily="34" charset="-127"/>
+                <a:ea typeface="Noto Sans CJK KR Medium" pitchFamily="34" charset="-127"/>
+              </a:rPr>
+              <a:t>메인 컬러로 잡고 디자인하긴 했지만 </a:t>
+            </a:r>
+            <a:endParaRPr lang="en-US" altLang="ko-KR" sz="1500">
+              <a:latin typeface="Noto Sans CJK KR Medium" pitchFamily="34" charset="-127"/>
+              <a:ea typeface="Noto Sans CJK KR Medium" pitchFamily="34" charset="-127"/>
+            </a:endParaRPr>
+          </a:p>
+          <a:p>
+            <a:pPr>
+              <a:lnSpc>
+                <a:spcPct val="120000"/>
+              </a:lnSpc>
+            </a:pPr>
+            <a:r>
+              <a:rPr lang="en-US" altLang="ko-KR" sz="1500">
+                <a:latin typeface="Noto Sans CJK KR Medium" pitchFamily="34" charset="-127"/>
+                <a:ea typeface="Noto Sans CJK KR Medium" pitchFamily="34" charset="-127"/>
+              </a:rPr>
+              <a:t>   </a:t>
+            </a:r>
+            <a:r>
+              <a:rPr lang="ko-KR" altLang="en-US" sz="1500">
+                <a:latin typeface="Noto Sans CJK KR Medium" pitchFamily="34" charset="-127"/>
+                <a:ea typeface="Noto Sans CJK KR Medium" pitchFamily="34" charset="-127"/>
+              </a:rPr>
+              <a:t>여러 채도의 색을 사용함으로 색채감이 </a:t>
+            </a:r>
+            <a:r>
+              <a:rPr lang="ko-KR" altLang="en-US" sz="1500">
+                <a:latin typeface="Noto Sans CJK KR Medium" pitchFamily="34" charset="-127"/>
+                <a:ea typeface="Noto Sans CJK KR Medium" pitchFamily="34" charset="-127"/>
+              </a:rPr>
+              <a:t>있다</a:t>
+            </a:r>
+            <a:r>
+              <a:rPr lang="en-US" altLang="ko-KR" sz="1500" smtClean="0">
+                <a:latin typeface="Noto Sans CJK KR Medium" pitchFamily="34" charset="-127"/>
+                <a:ea typeface="Noto Sans CJK KR Medium" pitchFamily="34" charset="-127"/>
+              </a:rPr>
+              <a:t>.</a:t>
+            </a:r>
+          </a:p>
+          <a:p>
+            <a:r>
+              <a:rPr lang="en-US" altLang="ko-KR" sz="1500" smtClean="0">
+                <a:latin typeface="Noto Sans CJK KR Medium" pitchFamily="34" charset="-127"/>
+                <a:ea typeface="Noto Sans CJK KR Medium" pitchFamily="34" charset="-127"/>
+              </a:rPr>
+              <a:t>    </a:t>
+            </a:r>
+            <a:endParaRPr lang="en-US" altLang="ko-KR" sz="1500">
+              <a:latin typeface="Noto Sans CJK KR Medium" pitchFamily="34" charset="-127"/>
+              <a:ea typeface="Noto Sans CJK KR Medium" pitchFamily="34" charset="-127"/>
+            </a:endParaRPr>
+          </a:p>
+          <a:p>
+            <a:r>
+              <a:rPr lang="en-US" altLang="ko-KR" sz="1500" smtClean="0">
+                <a:solidFill>
+                  <a:schemeClr val="bg1"/>
+                </a:solidFill>
+                <a:latin typeface="Noto Sans CJK KR Medium" pitchFamily="34" charset="-127"/>
+                <a:ea typeface="Noto Sans CJK KR Medium" pitchFamily="34" charset="-127"/>
+              </a:rPr>
+              <a:t>- </a:t>
+            </a:r>
+            <a:r>
+              <a:rPr lang="ko-KR" altLang="en-US" sz="1500">
+                <a:solidFill>
+                  <a:schemeClr val="bg1"/>
+                </a:solidFill>
+                <a:latin typeface="Noto Sans CJK KR Medium" pitchFamily="34" charset="-127"/>
+                <a:ea typeface="Noto Sans CJK KR Medium" pitchFamily="34" charset="-127"/>
+              </a:rPr>
+              <a:t>한 페이지로 엮어두어 한 눈에 알아볼 수 있다</a:t>
+            </a:r>
+            <a:r>
+              <a:rPr lang="en-US" altLang="ko-KR" sz="1500">
+                <a:solidFill>
+                  <a:schemeClr val="bg1"/>
+                </a:solidFill>
+                <a:latin typeface="Noto Sans CJK KR Medium" pitchFamily="34" charset="-127"/>
+                <a:ea typeface="Noto Sans CJK KR Medium" pitchFamily="34" charset="-127"/>
+              </a:rPr>
+              <a:t>.</a:t>
+            </a:r>
+          </a:p>
+          <a:p>
+            <a:pPr marR="0" lvl="0" algn="l" defTabSz="914400" rtl="0" eaLnBrk="1" fontAlgn="auto" latinLnBrk="1" hangingPunct="1">
+              <a:lnSpc>
+                <a:spcPct val="120000"/>
+              </a:lnSpc>
+              <a:spcBef>
+                <a:spcPct val="20000"/>
+              </a:spcBef>
+              <a:spcAft>
+                <a:spcPts val="0"/>
+              </a:spcAft>
+              <a:buClrTx/>
+              <a:buSzTx/>
+              <a:buFont typeface="Arial" pitchFamily="34" charset="0"/>
+              <a:buNone/>
+              <a:tabLst/>
+              <a:defRPr/>
+            </a:pPr>
+            <a:endParaRPr kumimoji="0" lang="ko-KR" altLang="en-US" sz="2100" i="0" u="none" strike="noStrike" kern="1200" cap="none" spc="0" normalizeH="0" baseline="0" noProof="0" smtClean="0">
+              <a:ln>
+                <a:noFill/>
+              </a:ln>
+              <a:solidFill>
+                <a:schemeClr val="tx1">
+                  <a:lumMod val="75000"/>
+                  <a:lumOff val="25000"/>
+                </a:schemeClr>
+              </a:solidFill>
+              <a:effectLst/>
+              <a:uLnTx/>
+              <a:uFillTx/>
+              <a:latin typeface="Noto Sans CJK KR Medium" pitchFamily="34" charset="-127"/>
+              <a:ea typeface="Noto Sans CJK KR Medium" pitchFamily="34" charset="-127"/>
+            </a:endParaRPr>
+          </a:p>
+        </p:txBody>
+      </p:sp>
+      <p:cxnSp>
+        <p:nvCxnSpPr>
+          <p:cNvPr id="22" name="직선 화살표 연결선 21"/>
+          <p:cNvCxnSpPr/>
+          <p:nvPr/>
+        </p:nvCxnSpPr>
+        <p:spPr>
+          <a:xfrm flipH="1">
+            <a:off x="7001937" y="4772811"/>
+            <a:ext cx="203196" cy="299521"/>
+          </a:xfrm>
+          <a:prstGeom prst="straightConnector1">
+            <a:avLst/>
+          </a:prstGeom>
+          <a:ln w="28575">
+            <a:solidFill>
+              <a:srgbClr val="F5AC83"/>
+            </a:solidFill>
+            <a:tailEnd type="arrow"/>
+          </a:ln>
+        </p:spPr>
+        <p:style>
+          <a:lnRef idx="1">
+            <a:schemeClr val="accent1"/>
+          </a:lnRef>
+          <a:fillRef idx="0">
+            <a:schemeClr val="accent1"/>
+          </a:fillRef>
+          <a:effectRef idx="0">
+            <a:schemeClr val="accent1"/>
+          </a:effectRef>
+          <a:fontRef idx="minor">
+            <a:schemeClr val="tx1"/>
+          </a:fontRef>
+        </p:style>
+      </p:cxnSp>
+    </p:spTree>
+    <p:extLst>
+      <p:ext uri="{BB962C8B-B14F-4D97-AF65-F5344CB8AC3E}">
+        <p14:creationId xmlns:p14="http://schemas.microsoft.com/office/powerpoint/2010/main" val="3837785920"/>
+      </p:ext>
+    </p:extLst>
+  </p:cSld>
+  <p:clrMapOvr>
+    <a:masterClrMapping/>
+  </p:clrMapOvr>
+  <p:timing>
+    <p:tnLst>
+      <p:par>
+        <p:cTn id="1" dur="indefinite" restart="never" nodeType="tmRoot"/>
+      </p:par>
+    </p:tnLst>
+  </p:timing>
+</p:sld>
+</file>
+
+<file path=ppt/slides/slide13.xml><?xml version="1.0" encoding="utf-8"?>
+<p:sld xmlns:a="http://schemas.openxmlformats.org/drawingml/2006/main" xmlns:r="http://schemas.openxmlformats.org/officeDocument/2006/relationships" xmlns:p="http://schemas.openxmlformats.org/presentationml/2006/main">
+  <p:cSld>
+    <p:spTree>
+      <p:nvGrpSpPr>
+        <p:cNvPr id="1" name=""/>
+        <p:cNvGrpSpPr/>
+        <p:nvPr/>
+      </p:nvGrpSpPr>
+      <p:grpSpPr>
+        <a:xfrm>
+          <a:off x="0" y="0"/>
+          <a:ext cx="0" cy="0"/>
+          <a:chOff x="0" y="0"/>
+          <a:chExt cx="0" cy="0"/>
+        </a:xfrm>
+      </p:grpSpPr>
+      <p:sp>
+        <p:nvSpPr>
+          <p:cNvPr id="3" name="내용 개체 틀 2"/>
+          <p:cNvSpPr>
+            <a:spLocks noGrp="1"/>
+          </p:cNvSpPr>
+          <p:nvPr>
+            <p:ph idx="1"/>
+          </p:nvPr>
+        </p:nvSpPr>
+        <p:spPr/>
+        <p:txBody>
+          <a:bodyPr/>
+          <a:lstStyle/>
+          <a:p>
+            <a:r>
+              <a:rPr lang="ko-KR" altLang="en-US" smtClean="0"/>
+              <a:t>전 어플에 비해서 우리가 고려하면 좋은 점</a:t>
+            </a:r>
+            <a:endParaRPr lang="ko-KR" altLang="en-US"/>
+          </a:p>
+        </p:txBody>
+      </p:sp>
+    </p:spTree>
+    <p:extLst>
+      <p:ext uri="{BB962C8B-B14F-4D97-AF65-F5344CB8AC3E}">
+        <p14:creationId xmlns:p14="http://schemas.microsoft.com/office/powerpoint/2010/main" val="2877705761"/>
+      </p:ext>
+    </p:extLst>
+  </p:cSld>
+  <p:clrMapOvr>
+    <a:masterClrMapping/>
+  </p:clrMapOvr>
+  <p:timing>
+    <p:tnLst>
+      <p:par>
+        <p:cTn id="1" dur="indefinite" restart="never" nodeType="tmRoot"/>
+      </p:par>
+    </p:tnLst>
+  </p:timing>
+</p:sld>
+</file>
+
+<file path=ppt/slides/slide14.xml><?xml version="1.0" encoding="utf-8"?>
+<p:sld xmlns:a="http://schemas.openxmlformats.org/drawingml/2006/main" xmlns:r="http://schemas.openxmlformats.org/officeDocument/2006/relationships" xmlns:p="http://schemas.openxmlformats.org/presentationml/2006/main">
+  <p:cSld>
+    <p:spTree>
+      <p:nvGrpSpPr>
+        <p:cNvPr id="1" name=""/>
+        <p:cNvGrpSpPr/>
+        <p:nvPr/>
+      </p:nvGrpSpPr>
+      <p:grpSpPr>
+        <a:xfrm>
+          <a:off x="0" y="0"/>
+          <a:ext cx="0" cy="0"/>
+          <a:chOff x="0" y="0"/>
+          <a:chExt cx="0" cy="0"/>
+        </a:xfrm>
+      </p:grpSpPr>
+      <p:pic>
+        <p:nvPicPr>
+          <p:cNvPr id="4" name="그림 3"/>
+          <p:cNvPicPr>
+            <a:picLocks noChangeAspect="1"/>
+          </p:cNvPicPr>
+          <p:nvPr/>
+        </p:nvPicPr>
+        <p:blipFill>
+          <a:blip r:embed="rId2">
+            <a:extLst>
+              <a:ext uri="{28A0092B-C50C-407E-A947-70E740481C1C}">
+                <a14:useLocalDpi xmlns:a14="http://schemas.microsoft.com/office/drawing/2010/main" val="0"/>
+              </a:ext>
+            </a:extLst>
+          </a:blip>
+          <a:stretch>
+            <a:fillRect/>
+          </a:stretch>
+        </p:blipFill>
+        <p:spPr>
+          <a:xfrm>
+            <a:off x="0" y="0"/>
+            <a:ext cx="9144000" cy="6858000"/>
+          </a:xfrm>
+          <a:prstGeom prst="rect">
+            <a:avLst/>
+          </a:prstGeom>
+        </p:spPr>
+      </p:pic>
+    </p:spTree>
+    <p:extLst>
+      <p:ext uri="{BB962C8B-B14F-4D97-AF65-F5344CB8AC3E}">
+        <p14:creationId xmlns:p14="http://schemas.microsoft.com/office/powerpoint/2010/main" val="2328924898"/>
+      </p:ext>
+    </p:extLst>
+  </p:cSld>
+  <p:clrMapOvr>
+    <a:masterClrMapping/>
+  </p:clrMapOvr>
+  <p:timing>
+    <p:tnLst>
+      <p:par>
+        <p:cTn id="1" dur="indefinite" restart="never" nodeType="tmRoot"/>
+      </p:par>
+    </p:tnLst>
+  </p:timing>
+</p:sld>
+</file>
+
+<file path=ppt/slides/slide15.xml><?xml version="1.0" encoding="utf-8"?>
+<p:sld xmlns:a="http://schemas.openxmlformats.org/drawingml/2006/main" xmlns:r="http://schemas.openxmlformats.org/officeDocument/2006/relationships" xmlns:p="http://schemas.openxmlformats.org/presentationml/2006/main">
+  <p:cSld>
+    <p:spTree>
+      <p:nvGrpSpPr>
+        <p:cNvPr id="1" name=""/>
+        <p:cNvGrpSpPr/>
+        <p:nvPr/>
+      </p:nvGrpSpPr>
+      <p:grpSpPr>
+        <a:xfrm>
+          <a:off x="0" y="0"/>
+          <a:ext cx="0" cy="0"/>
+          <a:chOff x="0" y="0"/>
+          <a:chExt cx="0" cy="0"/>
+        </a:xfrm>
+      </p:grpSpPr>
+      <p:sp>
+        <p:nvSpPr>
+          <p:cNvPr id="2" name="제목 1"/>
+          <p:cNvSpPr>
+            <a:spLocks noGrp="1"/>
+          </p:cNvSpPr>
+          <p:nvPr>
+            <p:ph type="title"/>
+          </p:nvPr>
+        </p:nvSpPr>
+        <p:spPr/>
+        <p:txBody>
+          <a:bodyPr/>
+          <a:lstStyle/>
+          <a:p>
+            <a:endParaRPr lang="ko-KR" altLang="en-US"/>
+          </a:p>
+        </p:txBody>
+      </p:sp>
+      <p:sp>
+        <p:nvSpPr>
+          <p:cNvPr id="3" name="내용 개체 틀 2"/>
+          <p:cNvSpPr>
+            <a:spLocks noGrp="1"/>
+          </p:cNvSpPr>
+          <p:nvPr>
+            <p:ph idx="1"/>
+          </p:nvPr>
+        </p:nvSpPr>
+        <p:spPr/>
+        <p:txBody>
+          <a:bodyPr/>
+          <a:lstStyle/>
+          <a:p>
+            <a:r>
+              <a:rPr lang="ko-KR" altLang="en-US" smtClean="0"/>
+              <a:t>정보구조 설계</a:t>
+            </a:r>
+            <a:endParaRPr lang="ko-KR" altLang="en-US"/>
+          </a:p>
+        </p:txBody>
+      </p:sp>
+    </p:spTree>
+    <p:extLst>
+      <p:ext uri="{BB962C8B-B14F-4D97-AF65-F5344CB8AC3E}">
+        <p14:creationId xmlns:p14="http://schemas.microsoft.com/office/powerpoint/2010/main" val="2163129491"/>
+      </p:ext>
+    </p:extLst>
+  </p:cSld>
+  <p:clrMapOvr>
+    <a:masterClrMapping/>
+  </p:clrMapOvr>
+  <p:timing>
+    <p:tnLst>
+      <p:par>
+        <p:cTn id="1" dur="indefinite" restart="never" nodeType="tmRoot"/>
+      </p:par>
+    </p:tnLst>
+  </p:timing>
+</p:sld>
+</file>
+
+<file path=ppt/slides/slide16.xml><?xml version="1.0" encoding="utf-8"?>
+<p:sld xmlns:a="http://schemas.openxmlformats.org/drawingml/2006/main" xmlns:r="http://schemas.openxmlformats.org/officeDocument/2006/relationships" xmlns:p="http://schemas.openxmlformats.org/presentationml/2006/main">
+  <p:cSld>
+    <p:spTree>
+      <p:nvGrpSpPr>
+        <p:cNvPr id="1" name=""/>
+        <p:cNvGrpSpPr/>
+        <p:nvPr/>
+      </p:nvGrpSpPr>
+      <p:grpSpPr>
+        <a:xfrm>
+          <a:off x="0" y="0"/>
+          <a:ext cx="0" cy="0"/>
+          <a:chOff x="0" y="0"/>
+          <a:chExt cx="0" cy="0"/>
+        </a:xfrm>
+      </p:grpSpPr>
+      <p:sp>
+        <p:nvSpPr>
+          <p:cNvPr id="2" name="제목 1"/>
+          <p:cNvSpPr>
+            <a:spLocks noGrp="1"/>
+          </p:cNvSpPr>
+          <p:nvPr>
+            <p:ph type="title"/>
+          </p:nvPr>
+        </p:nvSpPr>
+        <p:spPr/>
+        <p:txBody>
+          <a:bodyPr/>
+          <a:lstStyle/>
+          <a:p>
+            <a:endParaRPr lang="ko-KR" altLang="en-US"/>
+          </a:p>
+        </p:txBody>
+      </p:sp>
+      <p:sp>
+        <p:nvSpPr>
+          <p:cNvPr id="3" name="내용 개체 틀 2"/>
+          <p:cNvSpPr>
+            <a:spLocks noGrp="1"/>
+          </p:cNvSpPr>
+          <p:nvPr>
+            <p:ph idx="1"/>
+          </p:nvPr>
+        </p:nvSpPr>
+        <p:spPr/>
+        <p:txBody>
+          <a:bodyPr/>
+          <a:lstStyle/>
+          <a:p>
+            <a:r>
+              <a:rPr lang="ko-KR" altLang="en-US" smtClean="0"/>
+              <a:t>메뉴별 레이아웃</a:t>
+            </a:r>
+            <a:endParaRPr lang="ko-KR" altLang="en-US"/>
+          </a:p>
+        </p:txBody>
+      </p:sp>
+    </p:spTree>
+    <p:extLst>
+      <p:ext uri="{BB962C8B-B14F-4D97-AF65-F5344CB8AC3E}">
+        <p14:creationId xmlns:p14="http://schemas.microsoft.com/office/powerpoint/2010/main" val="2564208774"/>
+      </p:ext>
+    </p:extLst>
+  </p:cSld>
+  <p:clrMapOvr>
+    <a:masterClrMapping/>
+  </p:clrMapOvr>
+  <p:timing>
+    <p:tnLst>
+      <p:par>
+        <p:cTn id="1" dur="indefinite" restart="never" nodeType="tmRoot"/>
+      </p:par>
+    </p:tnLst>
+  </p:timing>
+</p:sld>
+</file>
+
+<file path=ppt/slides/slide17.xml><?xml version="1.0" encoding="utf-8"?>
+<p:sld xmlns:a="http://schemas.openxmlformats.org/drawingml/2006/main" xmlns:r="http://schemas.openxmlformats.org/officeDocument/2006/relationships" xmlns:p="http://schemas.openxmlformats.org/presentationml/2006/main">
+  <p:cSld>
+    <p:spTree>
+      <p:nvGrpSpPr>
+        <p:cNvPr id="1" name=""/>
+        <p:cNvGrpSpPr/>
+        <p:nvPr/>
+      </p:nvGrpSpPr>
+      <p:grpSpPr>
+        <a:xfrm>
+          <a:off x="0" y="0"/>
+          <a:ext cx="0" cy="0"/>
+          <a:chOff x="0" y="0"/>
+          <a:chExt cx="0" cy="0"/>
+        </a:xfrm>
+      </p:grpSpPr>
+      <p:sp>
+        <p:nvSpPr>
+          <p:cNvPr id="2" name="제목 1"/>
+          <p:cNvSpPr>
+            <a:spLocks noGrp="1"/>
+          </p:cNvSpPr>
+          <p:nvPr>
+            <p:ph type="title"/>
+          </p:nvPr>
+        </p:nvSpPr>
+        <p:spPr/>
+        <p:txBody>
+          <a:bodyPr/>
+          <a:lstStyle/>
+          <a:p>
+            <a:endParaRPr lang="ko-KR" altLang="en-US"/>
+          </a:p>
+        </p:txBody>
+      </p:sp>
+      <p:sp>
+        <p:nvSpPr>
+          <p:cNvPr id="3" name="내용 개체 틀 2"/>
+          <p:cNvSpPr>
+            <a:spLocks noGrp="1"/>
+          </p:cNvSpPr>
+          <p:nvPr>
+            <p:ph idx="1"/>
+          </p:nvPr>
+        </p:nvSpPr>
+        <p:spPr/>
+        <p:txBody>
+          <a:bodyPr/>
+          <a:lstStyle/>
+          <a:p>
+            <a:r>
+              <a:rPr lang="ko-KR" altLang="en-US" smtClean="0"/>
+              <a:t>흐름도</a:t>
+            </a:r>
+            <a:endParaRPr lang="ko-KR" altLang="en-US"/>
+          </a:p>
+        </p:txBody>
+      </p:sp>
+    </p:spTree>
+    <p:extLst>
+      <p:ext uri="{BB962C8B-B14F-4D97-AF65-F5344CB8AC3E}">
+        <p14:creationId xmlns:p14="http://schemas.microsoft.com/office/powerpoint/2010/main" val="2467898658"/>
+      </p:ext>
+    </p:extLst>
+  </p:cSld>
+  <p:clrMapOvr>
+    <a:masterClrMapping/>
+  </p:clrMapOvr>
+  <p:timing>
+    <p:tnLst>
+      <p:par>
+        <p:cTn id="1" dur="indefinite" restart="never" nodeType="tmRoot"/>
+      </p:par>
+    </p:tnLst>
+  </p:timing>
+</p:sld>
+</file>
+
+<file path=ppt/slides/slide18.xml><?xml version="1.0" encoding="utf-8"?>
+<p:sld xmlns:a="http://schemas.openxmlformats.org/drawingml/2006/main" xmlns:r="http://schemas.openxmlformats.org/officeDocument/2006/relationships" xmlns:p="http://schemas.openxmlformats.org/presentationml/2006/main">
+  <p:cSld>
+    <p:spTree>
+      <p:nvGrpSpPr>
+        <p:cNvPr id="1" name=""/>
+        <p:cNvGrpSpPr/>
+        <p:nvPr/>
+      </p:nvGrpSpPr>
+      <p:grpSpPr>
+        <a:xfrm>
+          <a:off x="0" y="0"/>
+          <a:ext cx="0" cy="0"/>
+          <a:chOff x="0" y="0"/>
+          <a:chExt cx="0" cy="0"/>
+        </a:xfrm>
+      </p:grpSpPr>
+      <p:pic>
+        <p:nvPicPr>
+          <p:cNvPr id="4" name="그림 3"/>
+          <p:cNvPicPr>
+            <a:picLocks noChangeAspect="1"/>
+          </p:cNvPicPr>
+          <p:nvPr/>
+        </p:nvPicPr>
+        <p:blipFill>
+          <a:blip r:embed="rId2">
+            <a:extLst>
+              <a:ext uri="{28A0092B-C50C-407E-A947-70E740481C1C}">
+                <a14:useLocalDpi xmlns:a14="http://schemas.microsoft.com/office/drawing/2010/main" val="0"/>
+              </a:ext>
+            </a:extLst>
+          </a:blip>
+          <a:stretch>
+            <a:fillRect/>
+          </a:stretch>
+        </p:blipFill>
+        <p:spPr>
+          <a:xfrm>
+            <a:off x="0" y="0"/>
+            <a:ext cx="9144000" cy="6858000"/>
+          </a:xfrm>
+          <a:prstGeom prst="rect">
+            <a:avLst/>
+          </a:prstGeom>
+        </p:spPr>
+      </p:pic>
+    </p:spTree>
+    <p:extLst>
+      <p:ext uri="{BB962C8B-B14F-4D97-AF65-F5344CB8AC3E}">
+        <p14:creationId xmlns:p14="http://schemas.microsoft.com/office/powerpoint/2010/main" val="2120961085"/>
+      </p:ext>
+    </p:extLst>
+  </p:cSld>
+  <p:clrMapOvr>
+    <a:masterClrMapping/>
+  </p:clrMapOvr>
+  <p:timing>
+    <p:tnLst>
+      <p:par>
+        <p:cTn id="1" dur="indefinite" restart="never" nodeType="tmRoot"/>
+      </p:par>
+    </p:tnLst>
+  </p:timing>
+</p:sld>
+</file>
+
 <file path=ppt/slides/slide2.xml><?xml version="1.0" encoding="utf-8"?>
+<p:sld xmlns:a="http://schemas.openxmlformats.org/drawingml/2006/main" xmlns:r="http://schemas.openxmlformats.org/officeDocument/2006/relationships" xmlns:p="http://schemas.openxmlformats.org/presentationml/2006/main">
+  <p:cSld>
+    <p:spTree>
+      <p:nvGrpSpPr>
+        <p:cNvPr id="1" name=""/>
+        <p:cNvGrpSpPr/>
+        <p:nvPr/>
+      </p:nvGrpSpPr>
+      <p:grpSpPr>
+        <a:xfrm>
+          <a:off x="0" y="0"/>
+          <a:ext cx="0" cy="0"/>
+          <a:chOff x="0" y="0"/>
+          <a:chExt cx="0" cy="0"/>
+        </a:xfrm>
+      </p:grpSpPr>
+      <p:sp>
+        <p:nvSpPr>
+          <p:cNvPr id="2" name="제목 1"/>
+          <p:cNvSpPr>
+            <a:spLocks noGrp="1"/>
+          </p:cNvSpPr>
+          <p:nvPr>
+            <p:ph type="title"/>
+          </p:nvPr>
+        </p:nvSpPr>
+        <p:spPr/>
+        <p:txBody>
+          <a:bodyPr/>
+          <a:lstStyle/>
+          <a:p>
+            <a:endParaRPr lang="ko-KR" altLang="en-US"/>
+          </a:p>
+        </p:txBody>
+      </p:sp>
+      <p:sp>
+        <p:nvSpPr>
+          <p:cNvPr id="3" name="내용 개체 틀 2"/>
+          <p:cNvSpPr>
+            <a:spLocks noGrp="1"/>
+          </p:cNvSpPr>
+          <p:nvPr>
+            <p:ph idx="1"/>
+          </p:nvPr>
+        </p:nvSpPr>
+        <p:spPr/>
+        <p:txBody>
+          <a:bodyPr>
+            <a:normAutofit/>
+          </a:bodyPr>
+          <a:lstStyle/>
+          <a:p>
+            <a:pPr marL="0" indent="0">
+              <a:buNone/>
+            </a:pPr>
+            <a:r>
+              <a:rPr lang="ko-KR" altLang="en-US" sz="6000" smtClean="0"/>
+              <a:t>목차</a:t>
+            </a:r>
+            <a:endParaRPr lang="ko-KR" altLang="en-US" sz="6000"/>
+          </a:p>
+        </p:txBody>
+      </p:sp>
+    </p:spTree>
+    <p:extLst>
+      <p:ext uri="{BB962C8B-B14F-4D97-AF65-F5344CB8AC3E}">
+        <p14:creationId xmlns:p14="http://schemas.microsoft.com/office/powerpoint/2010/main" val="1966736627"/>
+      </p:ext>
+    </p:extLst>
+  </p:cSld>
+  <p:clrMapOvr>
+    <a:masterClrMapping/>
+  </p:clrMapOvr>
+  <p:timing>
+    <p:tnLst>
+      <p:par>
+        <p:cTn id="1" dur="indefinite" restart="never" nodeType="tmRoot"/>
+      </p:par>
+    </p:tnLst>
+  </p:timing>
+</p:sld>
+</file>
+
+<file path=ppt/slides/slide3.xml><?xml version="1.0" encoding="utf-8"?>
 <p:sld xmlns:a="http://schemas.openxmlformats.org/drawingml/2006/main" xmlns:r="http://schemas.openxmlformats.org/officeDocument/2006/relationships" xmlns:p="http://schemas.openxmlformats.org/presentationml/2006/main">
   <p:cSld>
     <p:spTree>
@@ -3099,7 +6902,439 @@
 </p:sld>
 </file>
 
-<file path=ppt/slides/slide3.xml><?xml version="1.0" encoding="utf-8"?>
+<file path=ppt/slides/slide4.xml><?xml version="1.0" encoding="utf-8"?>
+<p:sld xmlns:a="http://schemas.openxmlformats.org/drawingml/2006/main" xmlns:r="http://schemas.openxmlformats.org/officeDocument/2006/relationships" xmlns:p="http://schemas.openxmlformats.org/presentationml/2006/main">
+  <p:cSld>
+    <p:spTree>
+      <p:nvGrpSpPr>
+        <p:cNvPr id="1" name=""/>
+        <p:cNvGrpSpPr/>
+        <p:nvPr/>
+      </p:nvGrpSpPr>
+      <p:grpSpPr>
+        <a:xfrm>
+          <a:off x="0" y="0"/>
+          <a:ext cx="0" cy="0"/>
+          <a:chOff x="0" y="0"/>
+          <a:chExt cx="0" cy="0"/>
+        </a:xfrm>
+      </p:grpSpPr>
+      <p:sp>
+        <p:nvSpPr>
+          <p:cNvPr id="2" name="제목 1"/>
+          <p:cNvSpPr>
+            <a:spLocks noGrp="1"/>
+          </p:cNvSpPr>
+          <p:nvPr>
+            <p:ph type="title"/>
+          </p:nvPr>
+        </p:nvSpPr>
+        <p:spPr/>
+        <p:txBody>
+          <a:bodyPr/>
+          <a:lstStyle/>
+          <a:p>
+            <a:endParaRPr lang="ko-KR" altLang="en-US"/>
+          </a:p>
+        </p:txBody>
+      </p:sp>
+      <p:sp>
+        <p:nvSpPr>
+          <p:cNvPr id="3" name="내용 개체 틀 2"/>
+          <p:cNvSpPr>
+            <a:spLocks noGrp="1"/>
+          </p:cNvSpPr>
+          <p:nvPr>
+            <p:ph idx="1"/>
+          </p:nvPr>
+        </p:nvSpPr>
+        <p:spPr/>
+        <p:txBody>
+          <a:bodyPr/>
+          <a:lstStyle/>
+          <a:p>
+            <a:r>
+              <a:rPr lang="ko-KR" altLang="en-US" smtClean="0"/>
+              <a:t>기획의도 및 컨셉</a:t>
+            </a:r>
+            <a:endParaRPr lang="en-US" altLang="ko-KR" smtClean="0"/>
+          </a:p>
+          <a:p>
+            <a:endParaRPr lang="en-US" altLang="ko-KR"/>
+          </a:p>
+          <a:p>
+            <a:pPr marL="0" indent="0">
+              <a:buNone/>
+            </a:pPr>
+            <a:r>
+              <a:rPr lang="en-US" altLang="ko-KR" smtClean="0"/>
+              <a:t>(</a:t>
+            </a:r>
+            <a:r>
+              <a:rPr lang="ko-KR" altLang="en-US" smtClean="0"/>
+              <a:t>모바일 샷</a:t>
+            </a:r>
+            <a:r>
+              <a:rPr lang="en-US" altLang="ko-KR" smtClean="0"/>
+              <a:t>, </a:t>
+            </a:r>
+            <a:r>
+              <a:rPr lang="ko-KR" altLang="en-US" smtClean="0"/>
+              <a:t>웹 샷 두개 같이 </a:t>
+            </a:r>
+            <a:r>
+              <a:rPr lang="en-US" altLang="ko-KR" smtClean="0"/>
+              <a:t>)</a:t>
+            </a:r>
+            <a:endParaRPr lang="ko-KR" altLang="en-US"/>
+          </a:p>
+        </p:txBody>
+      </p:sp>
+    </p:spTree>
+    <p:extLst>
+      <p:ext uri="{BB962C8B-B14F-4D97-AF65-F5344CB8AC3E}">
+        <p14:creationId xmlns:p14="http://schemas.microsoft.com/office/powerpoint/2010/main" val="1999708046"/>
+      </p:ext>
+    </p:extLst>
+  </p:cSld>
+  <p:clrMapOvr>
+    <a:masterClrMapping/>
+  </p:clrMapOvr>
+  <p:timing>
+    <p:tnLst>
+      <p:par>
+        <p:cTn id="1" dur="indefinite" restart="never" nodeType="tmRoot"/>
+      </p:par>
+    </p:tnLst>
+  </p:timing>
+</p:sld>
+</file>
+
+<file path=ppt/slides/slide5.xml><?xml version="1.0" encoding="utf-8"?>
+<p:sld xmlns:a="http://schemas.openxmlformats.org/drawingml/2006/main" xmlns:r="http://schemas.openxmlformats.org/officeDocument/2006/relationships" xmlns:p="http://schemas.openxmlformats.org/presentationml/2006/main">
+  <p:cSld>
+    <p:spTree>
+      <p:nvGrpSpPr>
+        <p:cNvPr id="1" name=""/>
+        <p:cNvGrpSpPr/>
+        <p:nvPr/>
+      </p:nvGrpSpPr>
+      <p:grpSpPr>
+        <a:xfrm>
+          <a:off x="0" y="0"/>
+          <a:ext cx="0" cy="0"/>
+          <a:chOff x="0" y="0"/>
+          <a:chExt cx="0" cy="0"/>
+        </a:xfrm>
+      </p:grpSpPr>
+      <p:sp>
+        <p:nvSpPr>
+          <p:cNvPr id="2" name="제목 1"/>
+          <p:cNvSpPr>
+            <a:spLocks noGrp="1"/>
+          </p:cNvSpPr>
+          <p:nvPr>
+            <p:ph type="title"/>
+          </p:nvPr>
+        </p:nvSpPr>
+        <p:spPr/>
+        <p:txBody>
+          <a:bodyPr/>
+          <a:lstStyle/>
+          <a:p>
+            <a:endParaRPr lang="ko-KR" altLang="en-US"/>
+          </a:p>
+        </p:txBody>
+      </p:sp>
+      <p:sp>
+        <p:nvSpPr>
+          <p:cNvPr id="3" name="내용 개체 틀 2"/>
+          <p:cNvSpPr>
+            <a:spLocks noGrp="1"/>
+          </p:cNvSpPr>
+          <p:nvPr>
+            <p:ph idx="1"/>
+          </p:nvPr>
+        </p:nvSpPr>
+        <p:spPr/>
+        <p:txBody>
+          <a:bodyPr/>
+          <a:lstStyle/>
+          <a:p>
+            <a:r>
+              <a:rPr lang="ko-KR" altLang="en-US" smtClean="0"/>
+              <a:t>페르소나</a:t>
+            </a:r>
+            <a:endParaRPr lang="ko-KR" altLang="en-US"/>
+          </a:p>
+        </p:txBody>
+      </p:sp>
+    </p:spTree>
+    <p:extLst>
+      <p:ext uri="{BB962C8B-B14F-4D97-AF65-F5344CB8AC3E}">
+        <p14:creationId xmlns:p14="http://schemas.microsoft.com/office/powerpoint/2010/main" val="2408449676"/>
+      </p:ext>
+    </p:extLst>
+  </p:cSld>
+  <p:clrMapOvr>
+    <a:masterClrMapping/>
+  </p:clrMapOvr>
+  <p:timing>
+    <p:tnLst>
+      <p:par>
+        <p:cTn id="1" dur="indefinite" restart="never" nodeType="tmRoot"/>
+      </p:par>
+    </p:tnLst>
+  </p:timing>
+</p:sld>
+</file>
+
+<file path=ppt/slides/slide6.xml><?xml version="1.0" encoding="utf-8"?>
+<p:sld xmlns:a="http://schemas.openxmlformats.org/drawingml/2006/main" xmlns:r="http://schemas.openxmlformats.org/officeDocument/2006/relationships" xmlns:p="http://schemas.openxmlformats.org/presentationml/2006/main">
+  <p:cSld>
+    <p:spTree>
+      <p:nvGrpSpPr>
+        <p:cNvPr id="1" name=""/>
+        <p:cNvGrpSpPr/>
+        <p:nvPr/>
+      </p:nvGrpSpPr>
+      <p:grpSpPr>
+        <a:xfrm>
+          <a:off x="0" y="0"/>
+          <a:ext cx="0" cy="0"/>
+          <a:chOff x="0" y="0"/>
+          <a:chExt cx="0" cy="0"/>
+        </a:xfrm>
+      </p:grpSpPr>
+      <p:sp>
+        <p:nvSpPr>
+          <p:cNvPr id="4" name="TextBox 3"/>
+          <p:cNvSpPr txBox="1"/>
+          <p:nvPr/>
+        </p:nvSpPr>
+        <p:spPr>
+          <a:xfrm>
+            <a:off x="2937933" y="2980267"/>
+            <a:ext cx="4142481" cy="923330"/>
+          </a:xfrm>
+          <a:prstGeom prst="rect">
+            <a:avLst/>
+          </a:prstGeom>
+          <a:noFill/>
+        </p:spPr>
+        <p:txBody>
+          <a:bodyPr wrap="none" rtlCol="0">
+            <a:spAutoFit/>
+          </a:bodyPr>
+          <a:lstStyle/>
+          <a:p>
+            <a:r>
+              <a:rPr lang="ko-KR" altLang="en-US" smtClean="0"/>
+              <a:t>퍼스널 컬러란</a:t>
+            </a:r>
+            <a:r>
+              <a:rPr lang="en-US" altLang="ko-KR" smtClean="0"/>
+              <a:t>?</a:t>
+            </a:r>
+          </a:p>
+          <a:p>
+            <a:endParaRPr lang="en-US" altLang="ko-KR"/>
+          </a:p>
+          <a:p>
+            <a:r>
+              <a:rPr lang="ko-KR" altLang="en-US"/>
+              <a:t>이에 대한 사람들의 관심이 커짐을 시사</a:t>
+            </a:r>
+          </a:p>
+        </p:txBody>
+      </p:sp>
+    </p:spTree>
+    <p:extLst>
+      <p:ext uri="{BB962C8B-B14F-4D97-AF65-F5344CB8AC3E}">
+        <p14:creationId xmlns:p14="http://schemas.microsoft.com/office/powerpoint/2010/main" val="1778162791"/>
+      </p:ext>
+    </p:extLst>
+  </p:cSld>
+  <p:clrMapOvr>
+    <a:masterClrMapping/>
+  </p:clrMapOvr>
+  <p:timing>
+    <p:tnLst>
+      <p:par>
+        <p:cTn id="1" dur="indefinite" restart="never" nodeType="tmRoot"/>
+      </p:par>
+    </p:tnLst>
+  </p:timing>
+</p:sld>
+</file>
+
+<file path=ppt/slides/slide7.xml><?xml version="1.0" encoding="utf-8"?>
+<p:sld xmlns:a="http://schemas.openxmlformats.org/drawingml/2006/main" xmlns:r="http://schemas.openxmlformats.org/officeDocument/2006/relationships" xmlns:p="http://schemas.openxmlformats.org/presentationml/2006/main">
+  <p:cSld>
+    <p:spTree>
+      <p:nvGrpSpPr>
+        <p:cNvPr id="1" name=""/>
+        <p:cNvGrpSpPr/>
+        <p:nvPr/>
+      </p:nvGrpSpPr>
+      <p:grpSpPr>
+        <a:xfrm>
+          <a:off x="0" y="0"/>
+          <a:ext cx="0" cy="0"/>
+          <a:chOff x="0" y="0"/>
+          <a:chExt cx="0" cy="0"/>
+        </a:xfrm>
+      </p:grpSpPr>
+      <p:sp>
+        <p:nvSpPr>
+          <p:cNvPr id="3" name="TextBox 2"/>
+          <p:cNvSpPr txBox="1"/>
+          <p:nvPr/>
+        </p:nvSpPr>
+        <p:spPr>
+          <a:xfrm>
+            <a:off x="2870200" y="1862667"/>
+            <a:ext cx="2188420" cy="369332"/>
+          </a:xfrm>
+          <a:prstGeom prst="rect">
+            <a:avLst/>
+          </a:prstGeom>
+          <a:noFill/>
+        </p:spPr>
+        <p:txBody>
+          <a:bodyPr wrap="none" rtlCol="0">
+            <a:spAutoFit/>
+          </a:bodyPr>
+          <a:lstStyle/>
+          <a:p>
+            <a:r>
+              <a:rPr lang="en-US" altLang="ko-KR"/>
+              <a:t>- </a:t>
+            </a:r>
+            <a:r>
+              <a:rPr lang="ko-KR" altLang="en-US"/>
+              <a:t>주요특징 </a:t>
+            </a:r>
+            <a:r>
+              <a:rPr lang="en-US" altLang="ko-KR"/>
+              <a:t>(</a:t>
+            </a:r>
+            <a:r>
+              <a:rPr lang="ko-KR" altLang="en-US" smtClean="0"/>
+              <a:t>모바일</a:t>
+            </a:r>
+            <a:r>
+              <a:rPr lang="en-US" altLang="ko-KR" smtClean="0"/>
+              <a:t>)</a:t>
+            </a:r>
+            <a:endParaRPr lang="ko-KR" altLang="en-US"/>
+          </a:p>
+        </p:txBody>
+      </p:sp>
+    </p:spTree>
+    <p:extLst>
+      <p:ext uri="{BB962C8B-B14F-4D97-AF65-F5344CB8AC3E}">
+        <p14:creationId xmlns:p14="http://schemas.microsoft.com/office/powerpoint/2010/main" val="2803932066"/>
+      </p:ext>
+    </p:extLst>
+  </p:cSld>
+  <p:clrMapOvr>
+    <a:masterClrMapping/>
+  </p:clrMapOvr>
+  <p:timing>
+    <p:tnLst>
+      <p:par>
+        <p:cTn id="1" dur="indefinite" restart="never" nodeType="tmRoot"/>
+      </p:par>
+    </p:tnLst>
+  </p:timing>
+</p:sld>
+</file>
+
+<file path=ppt/slides/slide8.xml><?xml version="1.0" encoding="utf-8"?>
+<p:sld xmlns:a="http://schemas.openxmlformats.org/drawingml/2006/main" xmlns:r="http://schemas.openxmlformats.org/officeDocument/2006/relationships" xmlns:p="http://schemas.openxmlformats.org/presentationml/2006/main">
+  <p:cSld>
+    <p:spTree>
+      <p:nvGrpSpPr>
+        <p:cNvPr id="1" name=""/>
+        <p:cNvGrpSpPr/>
+        <p:nvPr/>
+      </p:nvGrpSpPr>
+      <p:grpSpPr>
+        <a:xfrm>
+          <a:off x="0" y="0"/>
+          <a:ext cx="0" cy="0"/>
+          <a:chOff x="0" y="0"/>
+          <a:chExt cx="0" cy="0"/>
+        </a:xfrm>
+      </p:grpSpPr>
+      <p:sp>
+        <p:nvSpPr>
+          <p:cNvPr id="3" name="TextBox 2"/>
+          <p:cNvSpPr txBox="1"/>
+          <p:nvPr/>
+        </p:nvSpPr>
+        <p:spPr>
+          <a:xfrm>
+            <a:off x="2870200" y="1862667"/>
+            <a:ext cx="1656223" cy="369332"/>
+          </a:xfrm>
+          <a:prstGeom prst="rect">
+            <a:avLst/>
+          </a:prstGeom>
+          <a:noFill/>
+        </p:spPr>
+        <p:txBody>
+          <a:bodyPr wrap="none" rtlCol="0">
+            <a:spAutoFit/>
+          </a:bodyPr>
+          <a:lstStyle/>
+          <a:p>
+            <a:r>
+              <a:rPr lang="en-US" altLang="ko-KR"/>
+              <a:t>- </a:t>
+            </a:r>
+            <a:r>
+              <a:rPr lang="ko-KR" altLang="en-US"/>
+              <a:t>주요특징 </a:t>
+            </a:r>
+            <a:r>
+              <a:rPr lang="en-US" altLang="ko-KR" smtClean="0"/>
+              <a:t>(</a:t>
+            </a:r>
+            <a:r>
+              <a:rPr lang="ko-KR" altLang="en-US" smtClean="0"/>
+              <a:t>웹</a:t>
+            </a:r>
+            <a:r>
+              <a:rPr lang="en-US" altLang="ko-KR" smtClean="0"/>
+              <a:t>)</a:t>
+            </a:r>
+            <a:endParaRPr lang="ko-KR" altLang="en-US"/>
+          </a:p>
+        </p:txBody>
+      </p:sp>
+    </p:spTree>
+    <p:extLst>
+      <p:ext uri="{BB962C8B-B14F-4D97-AF65-F5344CB8AC3E}">
+        <p14:creationId xmlns:p14="http://schemas.microsoft.com/office/powerpoint/2010/main" val="3522876138"/>
+      </p:ext>
+    </p:extLst>
+  </p:cSld>
+  <p:clrMapOvr>
+    <a:masterClrMapping/>
+  </p:clrMapOvr>
+  <p:timing>
+    <p:tnLst>
+      <p:par>
+        <p:cTn id="1" dur="indefinite" restart="never" nodeType="tmRoot"/>
+      </p:par>
+    </p:tnLst>
+  </p:timing>
+</p:sld>
+</file>
+
+<file path=ppt/slides/slide9.xml><?xml version="1.0" encoding="utf-8"?>
 <p:sld xmlns:a="http://schemas.openxmlformats.org/drawingml/2006/main" xmlns:r="http://schemas.openxmlformats.org/officeDocument/2006/relationships" xmlns:p="http://schemas.openxmlformats.org/presentationml/2006/main">
   <p:cSld>
     <p:spTree>
@@ -3150,207 +7385,6 @@
     <p:extLst>
       <p:ext uri="{BB962C8B-B14F-4D97-AF65-F5344CB8AC3E}">
         <p14:creationId xmlns:p14="http://schemas.microsoft.com/office/powerpoint/2010/main" val="3644766600"/>
-      </p:ext>
-    </p:extLst>
-  </p:cSld>
-  <p:clrMapOvr>
-    <a:masterClrMapping/>
-  </p:clrMapOvr>
-  <p:timing>
-    <p:tnLst>
-      <p:par>
-        <p:cTn id="1" dur="indefinite" restart="never" nodeType="tmRoot"/>
-      </p:par>
-    </p:tnLst>
-  </p:timing>
-</p:sld>
-</file>
-
-<file path=ppt/slides/slide4.xml><?xml version="1.0" encoding="utf-8"?>
-<p:sld xmlns:a="http://schemas.openxmlformats.org/drawingml/2006/main" xmlns:r="http://schemas.openxmlformats.org/officeDocument/2006/relationships" xmlns:p="http://schemas.openxmlformats.org/presentationml/2006/main">
-  <p:cSld>
-    <p:spTree>
-      <p:nvGrpSpPr>
-        <p:cNvPr id="1" name=""/>
-        <p:cNvGrpSpPr/>
-        <p:nvPr/>
-      </p:nvGrpSpPr>
-      <p:grpSpPr>
-        <a:xfrm>
-          <a:off x="0" y="0"/>
-          <a:ext cx="0" cy="0"/>
-          <a:chOff x="0" y="0"/>
-          <a:chExt cx="0" cy="0"/>
-        </a:xfrm>
-      </p:grpSpPr>
-      <p:pic>
-        <p:nvPicPr>
-          <p:cNvPr id="4" name="그림 3"/>
-          <p:cNvPicPr>
-            <a:picLocks noChangeAspect="1"/>
-          </p:cNvPicPr>
-          <p:nvPr/>
-        </p:nvPicPr>
-        <p:blipFill>
-          <a:blip r:embed="rId2">
-            <a:extLst>
-              <a:ext uri="{28A0092B-C50C-407E-A947-70E740481C1C}">
-                <a14:useLocalDpi xmlns:a14="http://schemas.microsoft.com/office/drawing/2010/main" val="0"/>
-              </a:ext>
-            </a:extLst>
-          </a:blip>
-          <a:stretch>
-            <a:fillRect/>
-          </a:stretch>
-        </p:blipFill>
-        <p:spPr>
-          <a:xfrm>
-            <a:off x="0" y="0"/>
-            <a:ext cx="9144000" cy="6858000"/>
-          </a:xfrm>
-          <a:prstGeom prst="rect">
-            <a:avLst/>
-          </a:prstGeom>
-        </p:spPr>
-      </p:pic>
-    </p:spTree>
-    <p:extLst>
-      <p:ext uri="{BB962C8B-B14F-4D97-AF65-F5344CB8AC3E}">
-        <p14:creationId xmlns:p14="http://schemas.microsoft.com/office/powerpoint/2010/main" val="2328924898"/>
-      </p:ext>
-    </p:extLst>
-  </p:cSld>
-  <p:clrMapOvr>
-    <a:masterClrMapping/>
-  </p:clrMapOvr>
-  <p:timing>
-    <p:tnLst>
-      <p:par>
-        <p:cTn id="1" dur="indefinite" restart="never" nodeType="tmRoot"/>
-      </p:par>
-    </p:tnLst>
-  </p:timing>
-</p:sld>
-</file>
-
-<file path=ppt/slides/slide5.xml><?xml version="1.0" encoding="utf-8"?>
-<p:sld xmlns:a="http://schemas.openxmlformats.org/drawingml/2006/main" xmlns:r="http://schemas.openxmlformats.org/officeDocument/2006/relationships" xmlns:p="http://schemas.openxmlformats.org/presentationml/2006/main">
-  <p:cSld>
-    <p:spTree>
-      <p:nvGrpSpPr>
-        <p:cNvPr id="1" name=""/>
-        <p:cNvGrpSpPr/>
-        <p:nvPr/>
-      </p:nvGrpSpPr>
-      <p:grpSpPr>
-        <a:xfrm>
-          <a:off x="0" y="0"/>
-          <a:ext cx="0" cy="0"/>
-          <a:chOff x="0" y="0"/>
-          <a:chExt cx="0" cy="0"/>
-        </a:xfrm>
-      </p:grpSpPr>
-      <p:pic>
-        <p:nvPicPr>
-          <p:cNvPr id="4" name="그림 3"/>
-          <p:cNvPicPr>
-            <a:picLocks noChangeAspect="1"/>
-          </p:cNvPicPr>
-          <p:nvPr/>
-        </p:nvPicPr>
-        <p:blipFill>
-          <a:blip r:embed="rId2">
-            <a:extLst>
-              <a:ext uri="{28A0092B-C50C-407E-A947-70E740481C1C}">
-                <a14:useLocalDpi xmlns:a14="http://schemas.microsoft.com/office/drawing/2010/main" val="0"/>
-              </a:ext>
-            </a:extLst>
-          </a:blip>
-          <a:stretch>
-            <a:fillRect/>
-          </a:stretch>
-        </p:blipFill>
-        <p:spPr>
-          <a:xfrm>
-            <a:off x="0" y="0"/>
-            <a:ext cx="9144000" cy="6858000"/>
-          </a:xfrm>
-          <a:prstGeom prst="rect">
-            <a:avLst/>
-          </a:prstGeom>
-        </p:spPr>
-      </p:pic>
-    </p:spTree>
-    <p:extLst>
-      <p:ext uri="{BB962C8B-B14F-4D97-AF65-F5344CB8AC3E}">
-        <p14:creationId xmlns:p14="http://schemas.microsoft.com/office/powerpoint/2010/main" val="2120961085"/>
-      </p:ext>
-    </p:extLst>
-  </p:cSld>
-  <p:clrMapOvr>
-    <a:masterClrMapping/>
-  </p:clrMapOvr>
-  <p:timing>
-    <p:tnLst>
-      <p:par>
-        <p:cTn id="1" dur="indefinite" restart="never" nodeType="tmRoot"/>
-      </p:par>
-    </p:tnLst>
-  </p:timing>
-</p:sld>
-</file>
-
-<file path=ppt/slides/slide6.xml><?xml version="1.0" encoding="utf-8"?>
-<p:sld xmlns:a="http://schemas.openxmlformats.org/drawingml/2006/main" xmlns:r="http://schemas.openxmlformats.org/officeDocument/2006/relationships" xmlns:p="http://schemas.openxmlformats.org/presentationml/2006/main">
-  <p:cSld>
-    <p:spTree>
-      <p:nvGrpSpPr>
-        <p:cNvPr id="1" name=""/>
-        <p:cNvGrpSpPr/>
-        <p:nvPr/>
-      </p:nvGrpSpPr>
-      <p:grpSpPr>
-        <a:xfrm>
-          <a:off x="0" y="0"/>
-          <a:ext cx="0" cy="0"/>
-          <a:chOff x="0" y="0"/>
-          <a:chExt cx="0" cy="0"/>
-        </a:xfrm>
-      </p:grpSpPr>
-      <p:pic>
-        <p:nvPicPr>
-          <p:cNvPr id="5" name="그림 4"/>
-          <p:cNvPicPr>
-            <a:picLocks noChangeAspect="1"/>
-          </p:cNvPicPr>
-          <p:nvPr/>
-        </p:nvPicPr>
-        <p:blipFill>
-          <a:blip r:embed="rId2">
-            <a:extLst>
-              <a:ext uri="{28A0092B-C50C-407E-A947-70E740481C1C}">
-                <a14:useLocalDpi xmlns:a14="http://schemas.microsoft.com/office/drawing/2010/main" val="0"/>
-              </a:ext>
-            </a:extLst>
-          </a:blip>
-          <a:stretch>
-            <a:fillRect/>
-          </a:stretch>
-        </p:blipFill>
-        <p:spPr>
-          <a:xfrm>
-            <a:off x="8636" y="4310"/>
-            <a:ext cx="9161253" cy="6870940"/>
-          </a:xfrm>
-          <a:prstGeom prst="rect">
-            <a:avLst/>
-          </a:prstGeom>
-        </p:spPr>
-      </p:pic>
-    </p:spTree>
-    <p:extLst>
-      <p:ext uri="{BB962C8B-B14F-4D97-AF65-F5344CB8AC3E}">
-        <p14:creationId xmlns:p14="http://schemas.microsoft.com/office/powerpoint/2010/main" val="2751446017"/>
       </p:ext>
     </p:extLst>
   </p:cSld>
@@ -3622,7 +7656,7 @@
   <a:extraClrSchemeLst/>
   <a:extLst>
     <a:ext uri="{05A4C25C-085E-4340-85A3-A5531E510DB2}">
-      <thm15:themeFamily xmlns:thm15="http://schemas.microsoft.com/office/thememl/2012/main" name="Office Theme" id="{62F939B6-93AF-4DB8-9C6B-D6C7DFDC589F}" vid="{4A3C46E8-61CC-4603-A589-7422A47A8E4A}"/>
+      <thm15:themeFamily xmlns="" xmlns:thm15="http://schemas.microsoft.com/office/thememl/2012/main" name="Office Theme" id="{62F939B6-93AF-4DB8-9C6B-D6C7DFDC589F}" vid="{4A3C46E8-61CC-4603-A589-7422A47A8E4A}"/>
     </a:ext>
   </a:extLst>
 </a:theme>

--- a/project_2/ppt/project_hes.pptx
+++ b/project_2/ppt/project_hes.pptx
@@ -9,10 +9,10 @@
     <p:sldId id="267" r:id="rId3"/>
     <p:sldId id="258" r:id="rId4"/>
     <p:sldId id="268" r:id="rId5"/>
-    <p:sldId id="271" r:id="rId6"/>
-    <p:sldId id="266" r:id="rId7"/>
-    <p:sldId id="269" r:id="rId8"/>
-    <p:sldId id="270" r:id="rId9"/>
+    <p:sldId id="266" r:id="rId6"/>
+    <p:sldId id="276" r:id="rId7"/>
+    <p:sldId id="277" r:id="rId8"/>
+    <p:sldId id="271" r:id="rId9"/>
     <p:sldId id="259" r:id="rId10"/>
     <p:sldId id="262" r:id="rId11"/>
     <p:sldId id="263" r:id="rId12"/>
@@ -255,7 +255,7 @@
           <a:p>
             <a:fld id="{0BC0D2BD-574B-4AA1-AA71-746D41872FD6}" type="datetimeFigureOut">
               <a:rPr lang="ko-KR" altLang="en-US" smtClean="0"/>
-              <a:t>2018-07-31</a:t>
+              <a:t>2018-08-02</a:t>
             </a:fld>
             <a:endParaRPr lang="ko-KR" altLang="en-US"/>
           </a:p>
@@ -425,7 +425,7 @@
           <a:p>
             <a:fld id="{0BC0D2BD-574B-4AA1-AA71-746D41872FD6}" type="datetimeFigureOut">
               <a:rPr lang="ko-KR" altLang="en-US" smtClean="0"/>
-              <a:t>2018-07-31</a:t>
+              <a:t>2018-08-02</a:t>
             </a:fld>
             <a:endParaRPr lang="ko-KR" altLang="en-US"/>
           </a:p>
@@ -605,7 +605,7 @@
           <a:p>
             <a:fld id="{0BC0D2BD-574B-4AA1-AA71-746D41872FD6}" type="datetimeFigureOut">
               <a:rPr lang="ko-KR" altLang="en-US" smtClean="0"/>
-              <a:t>2018-07-31</a:t>
+              <a:t>2018-08-02</a:t>
             </a:fld>
             <a:endParaRPr lang="ko-KR" altLang="en-US"/>
           </a:p>
@@ -775,7 +775,7 @@
           <a:p>
             <a:fld id="{0BC0D2BD-574B-4AA1-AA71-746D41872FD6}" type="datetimeFigureOut">
               <a:rPr lang="ko-KR" altLang="en-US" smtClean="0"/>
-              <a:t>2018-07-31</a:t>
+              <a:t>2018-08-02</a:t>
             </a:fld>
             <a:endParaRPr lang="ko-KR" altLang="en-US"/>
           </a:p>
@@ -1019,7 +1019,7 @@
           <a:p>
             <a:fld id="{0BC0D2BD-574B-4AA1-AA71-746D41872FD6}" type="datetimeFigureOut">
               <a:rPr lang="ko-KR" altLang="en-US" smtClean="0"/>
-              <a:t>2018-07-31</a:t>
+              <a:t>2018-08-02</a:t>
             </a:fld>
             <a:endParaRPr lang="ko-KR" altLang="en-US"/>
           </a:p>
@@ -1251,7 +1251,7 @@
           <a:p>
             <a:fld id="{0BC0D2BD-574B-4AA1-AA71-746D41872FD6}" type="datetimeFigureOut">
               <a:rPr lang="ko-KR" altLang="en-US" smtClean="0"/>
-              <a:t>2018-07-31</a:t>
+              <a:t>2018-08-02</a:t>
             </a:fld>
             <a:endParaRPr lang="ko-KR" altLang="en-US"/>
           </a:p>
@@ -1618,7 +1618,7 @@
           <a:p>
             <a:fld id="{0BC0D2BD-574B-4AA1-AA71-746D41872FD6}" type="datetimeFigureOut">
               <a:rPr lang="ko-KR" altLang="en-US" smtClean="0"/>
-              <a:t>2018-07-31</a:t>
+              <a:t>2018-08-02</a:t>
             </a:fld>
             <a:endParaRPr lang="ko-KR" altLang="en-US"/>
           </a:p>
@@ -1736,7 +1736,7 @@
           <a:p>
             <a:fld id="{0BC0D2BD-574B-4AA1-AA71-746D41872FD6}" type="datetimeFigureOut">
               <a:rPr lang="ko-KR" altLang="en-US" smtClean="0"/>
-              <a:t>2018-07-31</a:t>
+              <a:t>2018-08-02</a:t>
             </a:fld>
             <a:endParaRPr lang="ko-KR" altLang="en-US"/>
           </a:p>
@@ -1831,7 +1831,7 @@
           <a:p>
             <a:fld id="{0BC0D2BD-574B-4AA1-AA71-746D41872FD6}" type="datetimeFigureOut">
               <a:rPr lang="ko-KR" altLang="en-US" smtClean="0"/>
-              <a:t>2018-07-31</a:t>
+              <a:t>2018-08-02</a:t>
             </a:fld>
             <a:endParaRPr lang="ko-KR" altLang="en-US"/>
           </a:p>
@@ -2108,7 +2108,7 @@
           <a:p>
             <a:fld id="{0BC0D2BD-574B-4AA1-AA71-746D41872FD6}" type="datetimeFigureOut">
               <a:rPr lang="ko-KR" altLang="en-US" smtClean="0"/>
-              <a:t>2018-07-31</a:t>
+              <a:t>2018-08-02</a:t>
             </a:fld>
             <a:endParaRPr lang="ko-KR" altLang="en-US"/>
           </a:p>
@@ -2365,7 +2365,7 @@
           <a:p>
             <a:fld id="{0BC0D2BD-574B-4AA1-AA71-746D41872FD6}" type="datetimeFigureOut">
               <a:rPr lang="ko-KR" altLang="en-US" smtClean="0"/>
-              <a:t>2018-07-31</a:t>
+              <a:t>2018-08-02</a:t>
             </a:fld>
             <a:endParaRPr lang="ko-KR" altLang="en-US"/>
           </a:p>
@@ -2578,7 +2578,7 @@
           <a:p>
             <a:fld id="{0BC0D2BD-574B-4AA1-AA71-746D41872FD6}" type="datetimeFigureOut">
               <a:rPr lang="ko-KR" altLang="en-US" smtClean="0"/>
-              <a:t>2018-07-31</a:t>
+              <a:t>2018-08-02</a:t>
             </a:fld>
             <a:endParaRPr lang="ko-KR" altLang="en-US"/>
           </a:p>
@@ -3408,10 +3408,10 @@
                 <a:latin typeface="Noto Sans CJK KR Medium" pitchFamily="34" charset="-127"/>
                 <a:ea typeface="Noto Sans CJK KR Medium" pitchFamily="34" charset="-127"/>
               </a:rPr>
-              <a:t>오프라인으로 </a:t>
-            </a:r>
-            <a:r>
-              <a:rPr lang="ko-KR" altLang="en-US" sz="4000" smtClean="0">
+              <a:t>오프라인으로 퍼스널 컬러진단이 가능하다</a:t>
+            </a:r>
+            <a:r>
+              <a:rPr lang="en-US" altLang="ko-KR" sz="4000" smtClean="0">
                 <a:solidFill>
                   <a:schemeClr val="tx1">
                     <a:lumMod val="75000"/>
@@ -3421,44 +3421,8 @@
                 <a:latin typeface="Noto Sans CJK KR Medium" pitchFamily="34" charset="-127"/>
                 <a:ea typeface="Noto Sans CJK KR Medium" pitchFamily="34" charset="-127"/>
               </a:rPr>
-              <a:t>퍼스널 컬러진단이 </a:t>
-            </a:r>
-            <a:r>
-              <a:rPr lang="ko-KR" altLang="en-US" sz="4000" smtClean="0">
-                <a:solidFill>
-                  <a:schemeClr val="tx1">
-                    <a:lumMod val="75000"/>
-                    <a:lumOff val="25000"/>
-                  </a:schemeClr>
-                </a:solidFill>
-                <a:latin typeface="Noto Sans CJK KR Medium" pitchFamily="34" charset="-127"/>
-                <a:ea typeface="Noto Sans CJK KR Medium" pitchFamily="34" charset="-127"/>
-              </a:rPr>
-              <a:t>가능하다</a:t>
-            </a:r>
-            <a:r>
-              <a:rPr lang="en-US" altLang="ko-KR" sz="4000" smtClean="0">
-                <a:solidFill>
-                  <a:schemeClr val="tx1">
-                    <a:lumMod val="75000"/>
-                    <a:lumOff val="25000"/>
-                  </a:schemeClr>
-                </a:solidFill>
-                <a:latin typeface="Noto Sans CJK KR Medium" pitchFamily="34" charset="-127"/>
-                <a:ea typeface="Noto Sans CJK KR Medium" pitchFamily="34" charset="-127"/>
-              </a:rPr>
               <a:t>.</a:t>
             </a:r>
-            <a:endParaRPr lang="en-US" altLang="ko-KR" sz="4000" smtClean="0">
-              <a:solidFill>
-                <a:schemeClr val="tx1">
-                  <a:lumMod val="75000"/>
-                  <a:lumOff val="25000"/>
-                </a:schemeClr>
-              </a:solidFill>
-              <a:latin typeface="Noto Sans CJK KR Medium" pitchFamily="34" charset="-127"/>
-              <a:ea typeface="Noto Sans CJK KR Medium" pitchFamily="34" charset="-127"/>
-            </a:endParaRPr>
           </a:p>
           <a:p>
             <a:pPr marR="0" lvl="0" algn="l" defTabSz="914400" rtl="0" eaLnBrk="1" fontAlgn="auto" latinLnBrk="1" hangingPunct="1">
@@ -3502,10 +3466,10 @@
                 <a:latin typeface="Noto Sans CJK KR Medium" pitchFamily="34" charset="-127"/>
                 <a:ea typeface="Noto Sans CJK KR Medium" pitchFamily="34" charset="-127"/>
               </a:rPr>
-              <a:t>진단 결과에 </a:t>
-            </a:r>
-            <a:r>
-              <a:rPr lang="ko-KR" altLang="en-US" sz="4000" smtClean="0">
+              <a:t>진단 결과에 따른 헤어</a:t>
+            </a:r>
+            <a:r>
+              <a:rPr lang="en-US" altLang="ko-KR" sz="4000" smtClean="0">
                 <a:solidFill>
                   <a:schemeClr val="tx1">
                     <a:lumMod val="75000"/>
@@ -3515,10 +3479,10 @@
                 <a:latin typeface="Noto Sans CJK KR Medium" pitchFamily="34" charset="-127"/>
                 <a:ea typeface="Noto Sans CJK KR Medium" pitchFamily="34" charset="-127"/>
               </a:rPr>
-              <a:t>따른 헤어</a:t>
-            </a:r>
-            <a:r>
-              <a:rPr lang="en-US" altLang="ko-KR" sz="4000" smtClean="0">
+              <a:t>, </a:t>
+            </a:r>
+            <a:r>
+              <a:rPr lang="ko-KR" altLang="en-US" sz="4000" smtClean="0">
                 <a:solidFill>
                   <a:schemeClr val="tx1">
                     <a:lumMod val="75000"/>
@@ -3528,10 +3492,10 @@
                 <a:latin typeface="Noto Sans CJK KR Medium" pitchFamily="34" charset="-127"/>
                 <a:ea typeface="Noto Sans CJK KR Medium" pitchFamily="34" charset="-127"/>
               </a:rPr>
-              <a:t>, </a:t>
-            </a:r>
-            <a:r>
-              <a:rPr lang="ko-KR" altLang="en-US" sz="4000" smtClean="0">
+              <a:t>메이크업</a:t>
+            </a:r>
+            <a:r>
+              <a:rPr lang="en-US" altLang="ko-KR" sz="4000" smtClean="0">
                 <a:solidFill>
                   <a:schemeClr val="tx1">
                     <a:lumMod val="75000"/>
@@ -3541,10 +3505,10 @@
                 <a:latin typeface="Noto Sans CJK KR Medium" pitchFamily="34" charset="-127"/>
                 <a:ea typeface="Noto Sans CJK KR Medium" pitchFamily="34" charset="-127"/>
               </a:rPr>
-              <a:t>메이크업</a:t>
-            </a:r>
-            <a:r>
-              <a:rPr lang="en-US" altLang="ko-KR" sz="4000" smtClean="0">
+              <a:t>, </a:t>
+            </a:r>
+            <a:r>
+              <a:rPr lang="ko-KR" altLang="en-US" sz="4000" smtClean="0">
                 <a:solidFill>
                   <a:schemeClr val="tx1">
                     <a:lumMod val="75000"/>
@@ -3554,10 +3518,10 @@
                 <a:latin typeface="Noto Sans CJK KR Medium" pitchFamily="34" charset="-127"/>
                 <a:ea typeface="Noto Sans CJK KR Medium" pitchFamily="34" charset="-127"/>
               </a:rPr>
-              <a:t>, </a:t>
-            </a:r>
-            <a:r>
-              <a:rPr lang="ko-KR" altLang="en-US" sz="4000" smtClean="0">
+              <a:t>코디 등을 추천해준다</a:t>
+            </a:r>
+            <a:r>
+              <a:rPr lang="en-US" altLang="ko-KR" sz="4000" smtClean="0">
                 <a:solidFill>
                   <a:schemeClr val="tx1">
                     <a:lumMod val="75000"/>
@@ -3567,44 +3531,8 @@
                 <a:latin typeface="Noto Sans CJK KR Medium" pitchFamily="34" charset="-127"/>
                 <a:ea typeface="Noto Sans CJK KR Medium" pitchFamily="34" charset="-127"/>
               </a:rPr>
-              <a:t>코디 등을 </a:t>
-            </a:r>
-            <a:r>
-              <a:rPr lang="ko-KR" altLang="en-US" sz="4000" smtClean="0">
-                <a:solidFill>
-                  <a:schemeClr val="tx1">
-                    <a:lumMod val="75000"/>
-                    <a:lumOff val="25000"/>
-                  </a:schemeClr>
-                </a:solidFill>
-                <a:latin typeface="Noto Sans CJK KR Medium" pitchFamily="34" charset="-127"/>
-                <a:ea typeface="Noto Sans CJK KR Medium" pitchFamily="34" charset="-127"/>
-              </a:rPr>
-              <a:t>추천해준다</a:t>
-            </a:r>
-            <a:r>
-              <a:rPr lang="en-US" altLang="ko-KR" sz="4000" smtClean="0">
-                <a:solidFill>
-                  <a:schemeClr val="tx1">
-                    <a:lumMod val="75000"/>
-                    <a:lumOff val="25000"/>
-                  </a:schemeClr>
-                </a:solidFill>
-                <a:latin typeface="Noto Sans CJK KR Medium" pitchFamily="34" charset="-127"/>
-                <a:ea typeface="Noto Sans CJK KR Medium" pitchFamily="34" charset="-127"/>
-              </a:rPr>
               <a:t>.</a:t>
             </a:r>
-            <a:endParaRPr lang="en-US" altLang="ko-KR" sz="4000" smtClean="0">
-              <a:solidFill>
-                <a:schemeClr val="tx1">
-                  <a:lumMod val="75000"/>
-                  <a:lumOff val="25000"/>
-                </a:schemeClr>
-              </a:solidFill>
-              <a:latin typeface="Noto Sans CJK KR Medium" pitchFamily="34" charset="-127"/>
-              <a:ea typeface="Noto Sans CJK KR Medium" pitchFamily="34" charset="-127"/>
-            </a:endParaRPr>
           </a:p>
           <a:p>
             <a:pPr marR="0" lvl="0" algn="l" defTabSz="914400" rtl="0" eaLnBrk="1" fontAlgn="auto" latinLnBrk="1" hangingPunct="1">
@@ -3648,20 +3576,7 @@
                 <a:latin typeface="Noto Sans CJK KR Medium" pitchFamily="34" charset="-127"/>
                 <a:ea typeface="Noto Sans CJK KR Medium" pitchFamily="34" charset="-127"/>
               </a:rPr>
-              <a:t>카메라 </a:t>
-            </a:r>
-            <a:r>
-              <a:rPr lang="ko-KR" altLang="en-US" sz="4000" smtClean="0">
-                <a:solidFill>
-                  <a:schemeClr val="tx1">
-                    <a:lumMod val="75000"/>
-                    <a:lumOff val="25000"/>
-                  </a:schemeClr>
-                </a:solidFill>
-                <a:latin typeface="Noto Sans CJK KR Medium" pitchFamily="34" charset="-127"/>
-                <a:ea typeface="Noto Sans CJK KR Medium" pitchFamily="34" charset="-127"/>
-              </a:rPr>
-              <a:t>기능을 사용해 자신과 어울리는 색을 알아볼 수 있다</a:t>
+              <a:t>카메라 기능을 사용해 자신과 어울리는 색을 알아볼 수 있다</a:t>
             </a:r>
             <a:r>
               <a:rPr lang="en-US" altLang="ko-KR" sz="4000" smtClean="0">
@@ -4065,16 +3980,6 @@
               </a:rPr>
               <a:t>.</a:t>
             </a:r>
-            <a:endParaRPr lang="en-US" altLang="ko-KR" sz="1600" smtClean="0">
-              <a:solidFill>
-                <a:schemeClr val="tx1">
-                  <a:lumMod val="75000"/>
-                  <a:lumOff val="25000"/>
-                </a:schemeClr>
-              </a:solidFill>
-              <a:latin typeface="Noto Sans CJK KR Medium" pitchFamily="34" charset="-127"/>
-              <a:ea typeface="Noto Sans CJK KR Medium" pitchFamily="34" charset="-127"/>
-            </a:endParaRPr>
           </a:p>
           <a:p>
             <a:pPr marR="0" lvl="0" algn="l" defTabSz="914400" rtl="0" eaLnBrk="1" fontAlgn="auto" latinLnBrk="1" hangingPunct="1">
@@ -4179,16 +4084,6 @@
               </a:rPr>
               <a:t>.</a:t>
             </a:r>
-            <a:endParaRPr lang="en-US" altLang="ko-KR" sz="1600" smtClean="0">
-              <a:solidFill>
-                <a:schemeClr val="tx1">
-                  <a:lumMod val="75000"/>
-                  <a:lumOff val="25000"/>
-                </a:schemeClr>
-              </a:solidFill>
-              <a:latin typeface="Noto Sans CJK KR Medium" pitchFamily="34" charset="-127"/>
-              <a:ea typeface="Noto Sans CJK KR Medium" pitchFamily="34" charset="-127"/>
-            </a:endParaRPr>
           </a:p>
           <a:p>
             <a:pPr marR="0" lvl="0" algn="l" defTabSz="914400" rtl="0" eaLnBrk="1" fontAlgn="auto" latinLnBrk="1" hangingPunct="1">
@@ -5425,16 +5320,7 @@
                 </a:solidFill>
                 <a:hlinkClick r:id="rId3"/>
               </a:rPr>
-              <a:t>https://</a:t>
-            </a:r>
-            <a:r>
-              <a:rPr lang="en-US" altLang="ko-KR" sz="1400">
-                <a:solidFill>
-                  <a:schemeClr val="bg1"/>
-                </a:solidFill>
-                <a:hlinkClick r:id="rId3"/>
-              </a:rPr>
-              <a:t>brandchallenge.amorepacific.com</a:t>
+              <a:t>https://brandchallenge.amorepacific.com</a:t>
             </a:r>
             <a:r>
               <a:rPr lang="en-US" altLang="ko-KR" sz="1400" smtClean="0">
@@ -6005,14 +5891,7 @@
                 <a:latin typeface="Noto Sans CJK KR Medium" pitchFamily="34" charset="-127"/>
                 <a:ea typeface="Noto Sans CJK KR Medium" pitchFamily="34" charset="-127"/>
               </a:rPr>
-              <a:t>텍스트 </a:t>
-            </a:r>
-            <a:r>
-              <a:rPr lang="ko-KR" altLang="en-US" sz="1500">
-                <a:latin typeface="Noto Sans CJK KR Medium" pitchFamily="34" charset="-127"/>
-                <a:ea typeface="Noto Sans CJK KR Medium" pitchFamily="34" charset="-127"/>
-              </a:rPr>
-              <a:t>등을 크</a:t>
+              <a:t>텍스트 등을 크</a:t>
             </a:r>
             <a:r>
               <a:rPr lang="ko-KR" altLang="en-US" sz="1500" smtClean="0">
@@ -6165,14 +6044,7 @@
                 <a:latin typeface="Noto Sans CJK KR Medium" pitchFamily="34" charset="-127"/>
                 <a:ea typeface="Noto Sans CJK KR Medium" pitchFamily="34" charset="-127"/>
               </a:rPr>
-              <a:t>여러 채도의 색을 사용함으로 색채감이 </a:t>
-            </a:r>
-            <a:r>
-              <a:rPr lang="ko-KR" altLang="en-US" sz="1500">
-                <a:latin typeface="Noto Sans CJK KR Medium" pitchFamily="34" charset="-127"/>
-                <a:ea typeface="Noto Sans CJK KR Medium" pitchFamily="34" charset="-127"/>
-              </a:rPr>
-              <a:t>있다</a:t>
+              <a:t>여러 채도의 색을 사용함으로 색채감이 있다</a:t>
             </a:r>
             <a:r>
               <a:rPr lang="en-US" altLang="ko-KR" sz="1500" smtClean="0">
@@ -6624,25 +6496,6 @@
       </p:grpSpPr>
       <p:sp>
         <p:nvSpPr>
-          <p:cNvPr id="2" name="제목 1"/>
-          <p:cNvSpPr>
-            <a:spLocks noGrp="1"/>
-          </p:cNvSpPr>
-          <p:nvPr>
-            <p:ph type="title"/>
-          </p:nvPr>
-        </p:nvSpPr>
-        <p:spPr/>
-        <p:txBody>
-          <a:bodyPr/>
-          <a:lstStyle/>
-          <a:p>
-            <a:endParaRPr lang="ko-KR" altLang="en-US"/>
-          </a:p>
-        </p:txBody>
-      </p:sp>
-      <p:sp>
-        <p:nvSpPr>
           <p:cNvPr id="3" name="내용 개체 틀 2"/>
           <p:cNvSpPr>
             <a:spLocks noGrp="1"/>
@@ -6919,25 +6772,36 @@
           <a:chExt cx="0" cy="0"/>
         </a:xfrm>
       </p:grpSpPr>
-      <p:sp>
-        <p:nvSpPr>
-          <p:cNvPr id="2" name="제목 1"/>
-          <p:cNvSpPr>
-            <a:spLocks noGrp="1"/>
-          </p:cNvSpPr>
-          <p:nvPr>
-            <p:ph type="title"/>
-          </p:nvPr>
-        </p:nvSpPr>
-        <p:spPr/>
-        <p:txBody>
-          <a:bodyPr/>
-          <a:lstStyle/>
-          <a:p>
-            <a:endParaRPr lang="ko-KR" altLang="en-US"/>
-          </a:p>
-        </p:txBody>
-      </p:sp>
+      <p:pic>
+        <p:nvPicPr>
+          <p:cNvPr id="5" name="그림 4"/>
+          <p:cNvPicPr>
+            <a:picLocks noChangeAspect="1"/>
+          </p:cNvPicPr>
+          <p:nvPr/>
+        </p:nvPicPr>
+        <p:blipFill>
+          <a:blip r:embed="rId2">
+            <a:extLst>
+              <a:ext uri="{28A0092B-C50C-407E-A947-70E740481C1C}">
+                <a14:useLocalDpi xmlns:a14="http://schemas.microsoft.com/office/drawing/2010/main" val="0"/>
+              </a:ext>
+            </a:extLst>
+          </a:blip>
+          <a:stretch>
+            <a:fillRect/>
+          </a:stretch>
+        </p:blipFill>
+        <p:spPr>
+          <a:xfrm>
+            <a:off x="0" y="-128118"/>
+            <a:ext cx="9144000" cy="6858000"/>
+          </a:xfrm>
+          <a:prstGeom prst="rect">
+            <a:avLst/>
+          </a:prstGeom>
+        </p:spPr>
+      </p:pic>
       <p:sp>
         <p:nvSpPr>
           <p:cNvPr id="3" name="내용 개체 틀 2"/>
@@ -6953,40 +6817,346 @@
           <a:bodyPr/>
           <a:lstStyle/>
           <a:p>
-            <a:r>
-              <a:rPr lang="ko-KR" altLang="en-US" smtClean="0"/>
-              <a:t>기획의도 및 컨셉</a:t>
-            </a:r>
-            <a:endParaRPr lang="en-US" altLang="ko-KR" smtClean="0"/>
-          </a:p>
-          <a:p>
-            <a:endParaRPr lang="en-US" altLang="ko-KR"/>
-          </a:p>
-          <a:p>
             <a:pPr marL="0" indent="0">
               <a:buNone/>
             </a:pPr>
-            <a:r>
-              <a:rPr lang="en-US" altLang="ko-KR" smtClean="0"/>
-              <a:t>(</a:t>
-            </a:r>
-            <a:r>
-              <a:rPr lang="ko-KR" altLang="en-US" smtClean="0"/>
-              <a:t>모바일 샷</a:t>
-            </a:r>
-            <a:r>
-              <a:rPr lang="en-US" altLang="ko-KR" smtClean="0"/>
+            <a:endParaRPr lang="en-US" altLang="ko-KR"/>
+          </a:p>
+          <a:p>
+            <a:pPr marL="0" indent="0">
+              <a:buNone/>
+            </a:pPr>
+            <a:endParaRPr lang="ko-KR" altLang="en-US"/>
+          </a:p>
+        </p:txBody>
+      </p:sp>
+      <p:pic>
+        <p:nvPicPr>
+          <p:cNvPr id="4" name="Picture 5" descr="C:\Users\Administrator\Desktop\뉴스.png"/>
+          <p:cNvPicPr>
+            <a:picLocks noChangeAspect="1" noChangeArrowheads="1"/>
+          </p:cNvPicPr>
+          <p:nvPr/>
+        </p:nvPicPr>
+        <p:blipFill>
+          <a:blip r:embed="rId3">
+            <a:extLst>
+              <a:ext uri="{28A0092B-C50C-407E-A947-70E740481C1C}">
+                <a14:useLocalDpi xmlns:a14="http://schemas.microsoft.com/office/drawing/2010/main" val="0"/>
+              </a:ext>
+            </a:extLst>
+          </a:blip>
+          <a:srcRect/>
+          <a:stretch>
+            <a:fillRect/>
+          </a:stretch>
+        </p:blipFill>
+        <p:spPr bwMode="auto">
+          <a:xfrm>
+            <a:off x="1727197" y="-889110"/>
+            <a:ext cx="5875867" cy="5875868"/>
+          </a:xfrm>
+          <a:prstGeom prst="rect">
+            <a:avLst/>
+          </a:prstGeom>
+          <a:noFill/>
+          <a:extLst>
+            <a:ext uri="{909E8E84-426E-40DD-AFC4-6F175D3DCCD1}">
+              <a14:hiddenFill xmlns:a14="http://schemas.microsoft.com/office/drawing/2010/main">
+                <a:solidFill>
+                  <a:srgbClr val="FFFFFF"/>
+                </a:solidFill>
+              </a14:hiddenFill>
+            </a:ext>
+          </a:extLst>
+        </p:spPr>
+      </p:pic>
+      <p:cxnSp>
+        <p:nvCxnSpPr>
+          <p:cNvPr id="6" name="직선 연결선 5"/>
+          <p:cNvCxnSpPr/>
+          <p:nvPr/>
+        </p:nvCxnSpPr>
+        <p:spPr>
+          <a:xfrm>
+            <a:off x="4817566" y="463116"/>
+            <a:ext cx="0" cy="584775"/>
+          </a:xfrm>
+          <a:prstGeom prst="line">
+            <a:avLst/>
+          </a:prstGeom>
+          <a:ln w="28575">
+            <a:solidFill>
+              <a:schemeClr val="bg1"/>
+            </a:solidFill>
+          </a:ln>
+        </p:spPr>
+        <p:style>
+          <a:lnRef idx="1">
+            <a:schemeClr val="accent1"/>
+          </a:lnRef>
+          <a:fillRef idx="0">
+            <a:schemeClr val="accent1"/>
+          </a:fillRef>
+          <a:effectRef idx="0">
+            <a:schemeClr val="accent1"/>
+          </a:effectRef>
+          <a:fontRef idx="minor">
+            <a:schemeClr val="tx1"/>
+          </a:fontRef>
+        </p:style>
+      </p:cxnSp>
+      <p:sp>
+        <p:nvSpPr>
+          <p:cNvPr id="7" name="TextBox 6"/>
+          <p:cNvSpPr txBox="1"/>
+          <p:nvPr/>
+        </p:nvSpPr>
+        <p:spPr>
+          <a:xfrm>
+            <a:off x="5712507" y="463115"/>
+            <a:ext cx="2421461" cy="584775"/>
+          </a:xfrm>
+          <a:prstGeom prst="rect">
+            <a:avLst/>
+          </a:prstGeom>
+          <a:noFill/>
+        </p:spPr>
+        <p:txBody>
+          <a:bodyPr wrap="square" rtlCol="0">
+            <a:spAutoFit/>
+          </a:bodyPr>
+          <a:lstStyle/>
+          <a:p>
+            <a:r>
+              <a:rPr lang="en-US" altLang="ko-KR" sz="3200" smtClean="0">
+                <a:solidFill>
+                  <a:schemeClr val="bg1"/>
+                </a:solidFill>
+                <a:latin typeface="Noto Sans CJK KR Medium" pitchFamily="34" charset="-127"/>
+                <a:ea typeface="Noto Sans CJK KR Medium" pitchFamily="34" charset="-127"/>
+              </a:rPr>
+              <a:t> 1. </a:t>
+            </a:r>
+            <a:r>
+              <a:rPr lang="ko-KR" altLang="en-US" sz="3200" smtClean="0">
+                <a:solidFill>
+                  <a:schemeClr val="bg1"/>
+                </a:solidFill>
+                <a:latin typeface="Noto Sans CJK KR Medium" pitchFamily="34" charset="-127"/>
+                <a:ea typeface="Noto Sans CJK KR Medium" pitchFamily="34" charset="-127"/>
+              </a:rPr>
+              <a:t>기획의도 </a:t>
+            </a:r>
+            <a:endParaRPr lang="en-US" altLang="ko-KR" sz="3200" smtClean="0">
+              <a:solidFill>
+                <a:schemeClr val="bg1"/>
+              </a:solidFill>
+              <a:latin typeface="Noto Sans CJK KR Medium" pitchFamily="34" charset="-127"/>
+              <a:ea typeface="Noto Sans CJK KR Medium" pitchFamily="34" charset="-127"/>
+            </a:endParaRPr>
+          </a:p>
+        </p:txBody>
+      </p:sp>
+      <p:sp>
+        <p:nvSpPr>
+          <p:cNvPr id="9" name="TextBox 8"/>
+          <p:cNvSpPr txBox="1"/>
+          <p:nvPr/>
+        </p:nvSpPr>
+        <p:spPr>
+          <a:xfrm>
+            <a:off x="1600200" y="4020235"/>
+            <a:ext cx="5896166" cy="646331"/>
+          </a:xfrm>
+          <a:prstGeom prst="rect">
+            <a:avLst/>
+          </a:prstGeom>
+          <a:noFill/>
+        </p:spPr>
+        <p:txBody>
+          <a:bodyPr wrap="none" rtlCol="0">
+            <a:spAutoFit/>
+          </a:bodyPr>
+          <a:lstStyle/>
+          <a:p>
+            <a:pPr marL="285750" indent="-285750">
+              <a:buFontTx/>
+              <a:buChar char="-"/>
+            </a:pPr>
+            <a:r>
+              <a:rPr lang="ko-KR" altLang="en-US" smtClean="0">
+                <a:latin typeface="Noto Sans CJK KR Medium" pitchFamily="34" charset="-127"/>
+                <a:ea typeface="Noto Sans CJK KR Medium" pitchFamily="34" charset="-127"/>
+              </a:rPr>
+              <a:t>퍼스널컬러에 대한 사람들의 관심이 대두되면서</a:t>
+            </a:r>
+            <a:r>
+              <a:rPr lang="en-US" altLang="ko-KR" smtClean="0">
+                <a:latin typeface="Noto Sans CJK KR Medium" pitchFamily="34" charset="-127"/>
+                <a:ea typeface="Noto Sans CJK KR Medium" pitchFamily="34" charset="-127"/>
+              </a:rPr>
               <a:t>, </a:t>
             </a:r>
-            <a:r>
-              <a:rPr lang="ko-KR" altLang="en-US" smtClean="0"/>
-              <a:t>웹 샷 두개 같이 </a:t>
-            </a:r>
-            <a:r>
-              <a:rPr lang="en-US" altLang="ko-KR" smtClean="0"/>
-              <a:t>)</a:t>
-            </a:r>
-            <a:endParaRPr lang="ko-KR" altLang="en-US"/>
+            <a:endParaRPr lang="en-US" altLang="ko-KR">
+              <a:latin typeface="Noto Sans CJK KR Medium" pitchFamily="34" charset="-127"/>
+              <a:ea typeface="Noto Sans CJK KR Medium" pitchFamily="34" charset="-127"/>
+            </a:endParaRPr>
+          </a:p>
+          <a:p>
+            <a:r>
+              <a:rPr lang="en-US" altLang="ko-KR">
+                <a:latin typeface="Noto Sans CJK KR Medium" pitchFamily="34" charset="-127"/>
+                <a:ea typeface="Noto Sans CJK KR Medium" pitchFamily="34" charset="-127"/>
+              </a:rPr>
+              <a:t> </a:t>
+            </a:r>
+            <a:r>
+              <a:rPr lang="en-US" altLang="ko-KR" smtClean="0">
+                <a:latin typeface="Noto Sans CJK KR Medium" pitchFamily="34" charset="-127"/>
+                <a:ea typeface="Noto Sans CJK KR Medium" pitchFamily="34" charset="-127"/>
+              </a:rPr>
+              <a:t>    </a:t>
+            </a:r>
+            <a:r>
+              <a:rPr lang="ko-KR" altLang="en-US" smtClean="0">
+                <a:latin typeface="Noto Sans CJK KR Medium" pitchFamily="34" charset="-127"/>
+                <a:ea typeface="Noto Sans CJK KR Medium" pitchFamily="34" charset="-127"/>
+              </a:rPr>
+              <a:t>자신의 퍼스널컬러를 진단 받고 싶어하는 사람들이 늘어남</a:t>
+            </a:r>
+            <a:r>
+              <a:rPr lang="en-US" altLang="ko-KR" smtClean="0">
+                <a:latin typeface="Noto Sans CJK KR Medium" pitchFamily="34" charset="-127"/>
+                <a:ea typeface="Noto Sans CJK KR Medium" pitchFamily="34" charset="-127"/>
+              </a:rPr>
+              <a:t>.</a:t>
+            </a:r>
+            <a:endParaRPr lang="ko-KR" altLang="en-US">
+              <a:latin typeface="Noto Sans CJK KR Medium" pitchFamily="34" charset="-127"/>
+              <a:ea typeface="Noto Sans CJK KR Medium" pitchFamily="34" charset="-127"/>
+            </a:endParaRPr>
+          </a:p>
+        </p:txBody>
+      </p:sp>
+      <p:sp>
+        <p:nvSpPr>
+          <p:cNvPr id="10" name="TextBox 9"/>
+          <p:cNvSpPr txBox="1"/>
+          <p:nvPr/>
+        </p:nvSpPr>
+        <p:spPr>
+          <a:xfrm>
+            <a:off x="1600200" y="4909263"/>
+            <a:ext cx="6333785" cy="646331"/>
+          </a:xfrm>
+          <a:prstGeom prst="rect">
+            <a:avLst/>
+          </a:prstGeom>
+          <a:noFill/>
+        </p:spPr>
+        <p:txBody>
+          <a:bodyPr wrap="none" rtlCol="0">
+            <a:spAutoFit/>
+          </a:bodyPr>
+          <a:lstStyle/>
+          <a:p>
+            <a:pPr marL="285750" indent="-285750">
+              <a:buFontTx/>
+              <a:buChar char="-"/>
+            </a:pPr>
+            <a:r>
+              <a:rPr lang="ko-KR" altLang="en-US" smtClean="0">
+                <a:latin typeface="Noto Sans CJK KR Medium" pitchFamily="34" charset="-127"/>
+                <a:ea typeface="Noto Sans CJK KR Medium" pitchFamily="34" charset="-127"/>
+              </a:rPr>
+              <a:t>전문가의 퍼스널컬러 현장진단에 비해 비용 없는 간단한 절차로</a:t>
+            </a:r>
+            <a:endParaRPr lang="en-US" altLang="ko-KR" smtClean="0">
+              <a:latin typeface="Noto Sans CJK KR Medium" pitchFamily="34" charset="-127"/>
+              <a:ea typeface="Noto Sans CJK KR Medium" pitchFamily="34" charset="-127"/>
+            </a:endParaRPr>
+          </a:p>
+          <a:p>
+            <a:r>
+              <a:rPr lang="en-US" altLang="ko-KR" smtClean="0">
+                <a:latin typeface="Noto Sans CJK KR Medium" pitchFamily="34" charset="-127"/>
+                <a:ea typeface="Noto Sans CJK KR Medium" pitchFamily="34" charset="-127"/>
+              </a:rPr>
+              <a:t>      </a:t>
+            </a:r>
+            <a:r>
+              <a:rPr lang="ko-KR" altLang="en-US" smtClean="0">
+                <a:latin typeface="Noto Sans CJK KR Medium" pitchFamily="34" charset="-127"/>
+                <a:ea typeface="Noto Sans CJK KR Medium" pitchFamily="34" charset="-127"/>
+              </a:rPr>
+              <a:t>퍼스널컬러 자가진단을 돕고자 함</a:t>
+            </a:r>
+            <a:r>
+              <a:rPr lang="en-US" altLang="ko-KR">
+                <a:latin typeface="Noto Sans CJK KR Medium" pitchFamily="34" charset="-127"/>
+                <a:ea typeface="Noto Sans CJK KR Medium" pitchFamily="34" charset="-127"/>
+              </a:rPr>
+              <a:t>.</a:t>
+            </a:r>
+            <a:r>
+              <a:rPr lang="ko-KR" altLang="en-US" smtClean="0">
+                <a:latin typeface="Noto Sans CJK KR Medium" pitchFamily="34" charset="-127"/>
+                <a:ea typeface="Noto Sans CJK KR Medium" pitchFamily="34" charset="-127"/>
+              </a:rPr>
+              <a:t> </a:t>
+            </a:r>
+            <a:endParaRPr lang="ko-KR" altLang="en-US">
+              <a:latin typeface="Noto Sans CJK KR Medium" pitchFamily="34" charset="-127"/>
+              <a:ea typeface="Noto Sans CJK KR Medium" pitchFamily="34" charset="-127"/>
+            </a:endParaRPr>
+          </a:p>
+        </p:txBody>
+      </p:sp>
+      <p:sp>
+        <p:nvSpPr>
+          <p:cNvPr id="11" name="TextBox 10"/>
+          <p:cNvSpPr txBox="1"/>
+          <p:nvPr/>
+        </p:nvSpPr>
+        <p:spPr>
+          <a:xfrm>
+            <a:off x="1600200" y="5841999"/>
+            <a:ext cx="4293163" cy="369332"/>
+          </a:xfrm>
+          <a:prstGeom prst="rect">
+            <a:avLst/>
+          </a:prstGeom>
+          <a:noFill/>
+        </p:spPr>
+        <p:txBody>
+          <a:bodyPr wrap="none" rtlCol="0">
+            <a:spAutoFit/>
+          </a:bodyPr>
+          <a:lstStyle/>
+          <a:p>
+            <a:pPr marL="285750" indent="-285750">
+              <a:buFontTx/>
+              <a:buChar char="-"/>
+            </a:pPr>
+            <a:r>
+              <a:rPr lang="ko-KR" altLang="en-US" smtClean="0">
+                <a:latin typeface="Noto Sans CJK KR Medium" pitchFamily="34" charset="-127"/>
+                <a:ea typeface="Noto Sans CJK KR Medium" pitchFamily="34" charset="-127"/>
+              </a:rPr>
+              <a:t>퍼스널컬러에 대한정보를 제공하고자 함</a:t>
+            </a:r>
+            <a:r>
+              <a:rPr lang="en-US" altLang="ko-KR" smtClean="0">
+                <a:latin typeface="Noto Sans CJK KR Medium" pitchFamily="34" charset="-127"/>
+                <a:ea typeface="Noto Sans CJK KR Medium" pitchFamily="34" charset="-127"/>
+              </a:rPr>
+              <a:t>.</a:t>
+            </a:r>
+            <a:endParaRPr lang="ko-KR" altLang="en-US">
+              <a:latin typeface="Noto Sans CJK KR Medium" pitchFamily="34" charset="-127"/>
+              <a:ea typeface="Noto Sans CJK KR Medium" pitchFamily="34" charset="-127"/>
+            </a:endParaRPr>
           </a:p>
         </p:txBody>
       </p:sp>
@@ -7027,52 +7197,896 @@
           <a:chExt cx="0" cy="0"/>
         </a:xfrm>
       </p:grpSpPr>
-      <p:sp>
-        <p:nvSpPr>
-          <p:cNvPr id="2" name="제목 1"/>
-          <p:cNvSpPr>
-            <a:spLocks noGrp="1"/>
-          </p:cNvSpPr>
-          <p:nvPr>
-            <p:ph type="title"/>
-          </p:nvPr>
-        </p:nvSpPr>
-        <p:spPr/>
-        <p:txBody>
-          <a:bodyPr/>
+      <p:pic>
+        <p:nvPicPr>
+          <p:cNvPr id="6" name="그림 5"/>
+          <p:cNvPicPr>
+            <a:picLocks noChangeAspect="1"/>
+          </p:cNvPicPr>
+          <p:nvPr/>
+        </p:nvPicPr>
+        <p:blipFill>
+          <a:blip r:embed="rId2">
+            <a:extLst>
+              <a:ext uri="{28A0092B-C50C-407E-A947-70E740481C1C}">
+                <a14:useLocalDpi xmlns:a14="http://schemas.microsoft.com/office/drawing/2010/main" val="0"/>
+              </a:ext>
+            </a:extLst>
+          </a:blip>
+          <a:stretch>
+            <a:fillRect/>
+          </a:stretch>
+        </p:blipFill>
+        <p:spPr>
+          <a:xfrm>
+            <a:off x="0" y="-51918"/>
+            <a:ext cx="9144000" cy="6858000"/>
+          </a:xfrm>
+          <a:prstGeom prst="rect">
+            <a:avLst/>
+          </a:prstGeom>
+        </p:spPr>
+      </p:pic>
+      <p:sp>
+        <p:nvSpPr>
+          <p:cNvPr id="4" name="TextBox 3"/>
+          <p:cNvSpPr txBox="1"/>
+          <p:nvPr/>
+        </p:nvSpPr>
+        <p:spPr>
+          <a:xfrm>
+            <a:off x="2893449" y="1858229"/>
+            <a:ext cx="6095276" cy="4247317"/>
+          </a:xfrm>
+          <a:prstGeom prst="rect">
+            <a:avLst/>
+          </a:prstGeom>
+          <a:noFill/>
+        </p:spPr>
+        <p:txBody>
+          <a:bodyPr wrap="square" rtlCol="0">
+            <a:spAutoFit/>
+          </a:bodyPr>
           <a:lstStyle/>
           <a:p>
-            <a:endParaRPr lang="ko-KR" altLang="en-US"/>
-          </a:p>
-        </p:txBody>
-      </p:sp>
-      <p:sp>
-        <p:nvSpPr>
-          <p:cNvPr id="3" name="내용 개체 틀 2"/>
-          <p:cNvSpPr>
-            <a:spLocks noGrp="1"/>
-          </p:cNvSpPr>
-          <p:nvPr>
-            <p:ph idx="1"/>
-          </p:nvPr>
-        </p:nvSpPr>
-        <p:spPr/>
-        <p:txBody>
-          <a:bodyPr/>
+            <a:pPr marL="285750" indent="-285750">
+              <a:buFontTx/>
+              <a:buChar char="-"/>
+            </a:pPr>
+            <a:r>
+              <a:rPr lang="ko-KR" altLang="en-US" smtClean="0">
+                <a:solidFill>
+                  <a:schemeClr val="tx1">
+                    <a:lumMod val="75000"/>
+                    <a:lumOff val="25000"/>
+                  </a:schemeClr>
+                </a:solidFill>
+                <a:latin typeface="Noto Sans CJK KR Medium" pitchFamily="34" charset="-127"/>
+                <a:ea typeface="Noto Sans CJK KR Medium" pitchFamily="34" charset="-127"/>
+              </a:rPr>
+              <a:t>개개인의 얼굴에 생기가 돌고 활기차 보이도록 하는 컬러를 말한다</a:t>
+            </a:r>
+            <a:r>
+              <a:rPr lang="en-US" altLang="ko-KR" smtClean="0">
+                <a:solidFill>
+                  <a:schemeClr val="tx1">
+                    <a:lumMod val="75000"/>
+                    <a:lumOff val="25000"/>
+                  </a:schemeClr>
+                </a:solidFill>
+                <a:latin typeface="Noto Sans CJK KR Medium" pitchFamily="34" charset="-127"/>
+                <a:ea typeface="Noto Sans CJK KR Medium" pitchFamily="34" charset="-127"/>
+              </a:rPr>
+              <a:t>.</a:t>
+            </a:r>
+          </a:p>
+          <a:p>
+            <a:r>
+              <a:rPr lang="en-US" altLang="ko-KR" smtClean="0">
+                <a:solidFill>
+                  <a:schemeClr val="tx1">
+                    <a:lumMod val="75000"/>
+                    <a:lumOff val="25000"/>
+                  </a:schemeClr>
+                </a:solidFill>
+                <a:latin typeface="Noto Sans CJK KR Medium" pitchFamily="34" charset="-127"/>
+                <a:ea typeface="Noto Sans CJK KR Medium" pitchFamily="34" charset="-127"/>
+              </a:rPr>
+              <a:t> </a:t>
+            </a:r>
+          </a:p>
+          <a:p>
+            <a:pPr marL="285750" indent="-285750">
+              <a:buFontTx/>
+              <a:buChar char="-"/>
+            </a:pPr>
+            <a:r>
+              <a:rPr lang="ko-KR" altLang="en-US" smtClean="0">
+                <a:solidFill>
+                  <a:schemeClr val="tx1">
+                    <a:lumMod val="75000"/>
+                    <a:lumOff val="25000"/>
+                  </a:schemeClr>
+                </a:solidFill>
+                <a:latin typeface="Noto Sans CJK KR Medium" pitchFamily="34" charset="-127"/>
+                <a:ea typeface="Noto Sans CJK KR Medium" pitchFamily="34" charset="-127"/>
+              </a:rPr>
+              <a:t>신체의 색은 크게 웜톤과 쿨톤으로 나눠진다</a:t>
+            </a:r>
+            <a:r>
+              <a:rPr lang="en-US" altLang="ko-KR" smtClean="0">
+                <a:solidFill>
+                  <a:schemeClr val="tx1">
+                    <a:lumMod val="75000"/>
+                    <a:lumOff val="25000"/>
+                  </a:schemeClr>
+                </a:solidFill>
+                <a:latin typeface="Noto Sans CJK KR Medium" pitchFamily="34" charset="-127"/>
+                <a:ea typeface="Noto Sans CJK KR Medium" pitchFamily="34" charset="-127"/>
+              </a:rPr>
+              <a:t>.</a:t>
+            </a:r>
+          </a:p>
+          <a:p>
+            <a:endParaRPr lang="en-US" altLang="ko-KR" smtClean="0">
+              <a:solidFill>
+                <a:schemeClr val="tx1">
+                  <a:lumMod val="75000"/>
+                  <a:lumOff val="25000"/>
+                </a:schemeClr>
+              </a:solidFill>
+              <a:latin typeface="Noto Sans CJK KR Medium" pitchFamily="34" charset="-127"/>
+              <a:ea typeface="Noto Sans CJK KR Medium" pitchFamily="34" charset="-127"/>
+            </a:endParaRPr>
+          </a:p>
+          <a:p>
+            <a:pPr marL="285750" indent="-285750">
+              <a:buFontTx/>
+              <a:buChar char="-"/>
+            </a:pPr>
+            <a:r>
+              <a:rPr lang="ko-KR" altLang="en-US" smtClean="0">
+                <a:solidFill>
+                  <a:schemeClr val="tx1">
+                    <a:lumMod val="75000"/>
+                    <a:lumOff val="25000"/>
+                  </a:schemeClr>
+                </a:solidFill>
+                <a:latin typeface="Noto Sans CJK KR Medium" pitchFamily="34" charset="-127"/>
+                <a:ea typeface="Noto Sans CJK KR Medium" pitchFamily="34" charset="-127"/>
+              </a:rPr>
+              <a:t>미국</a:t>
+            </a:r>
+            <a:r>
+              <a:rPr lang="en-US" altLang="ko-KR" smtClean="0">
+                <a:solidFill>
+                  <a:schemeClr val="tx1">
+                    <a:lumMod val="75000"/>
+                    <a:lumOff val="25000"/>
+                  </a:schemeClr>
+                </a:solidFill>
+                <a:latin typeface="Noto Sans CJK KR Medium" pitchFamily="34" charset="-127"/>
+                <a:ea typeface="Noto Sans CJK KR Medium" pitchFamily="34" charset="-127"/>
+              </a:rPr>
+              <a:t>, </a:t>
+            </a:r>
+            <a:r>
+              <a:rPr lang="ko-KR" altLang="en-US" smtClean="0">
+                <a:solidFill>
+                  <a:schemeClr val="tx1">
+                    <a:lumMod val="75000"/>
+                    <a:lumOff val="25000"/>
+                  </a:schemeClr>
+                </a:solidFill>
+                <a:latin typeface="Noto Sans CJK KR Medium" pitchFamily="34" charset="-127"/>
+                <a:ea typeface="Noto Sans CJK KR Medium" pitchFamily="34" charset="-127"/>
+              </a:rPr>
+              <a:t>일본</a:t>
+            </a:r>
+            <a:r>
+              <a:rPr lang="en-US" altLang="ko-KR" smtClean="0">
+                <a:solidFill>
+                  <a:schemeClr val="tx1">
+                    <a:lumMod val="75000"/>
+                    <a:lumOff val="25000"/>
+                  </a:schemeClr>
+                </a:solidFill>
+                <a:latin typeface="Noto Sans CJK KR Medium" pitchFamily="34" charset="-127"/>
+                <a:ea typeface="Noto Sans CJK KR Medium" pitchFamily="34" charset="-127"/>
+              </a:rPr>
+              <a:t>, </a:t>
+            </a:r>
+            <a:r>
+              <a:rPr lang="ko-KR" altLang="en-US" smtClean="0">
+                <a:solidFill>
+                  <a:schemeClr val="tx1">
+                    <a:lumMod val="75000"/>
+                    <a:lumOff val="25000"/>
+                  </a:schemeClr>
+                </a:solidFill>
+                <a:latin typeface="Noto Sans CJK KR Medium" pitchFamily="34" charset="-127"/>
+                <a:ea typeface="Noto Sans CJK KR Medium" pitchFamily="34" charset="-127"/>
+              </a:rPr>
+              <a:t>유럽 등에서는 </a:t>
+            </a:r>
+            <a:r>
+              <a:rPr lang="en-US" altLang="ko-KR" smtClean="0">
+                <a:solidFill>
+                  <a:schemeClr val="tx1">
+                    <a:lumMod val="75000"/>
+                    <a:lumOff val="25000"/>
+                  </a:schemeClr>
+                </a:solidFill>
+                <a:latin typeface="Noto Sans CJK KR Medium" pitchFamily="34" charset="-127"/>
+                <a:ea typeface="Noto Sans CJK KR Medium" pitchFamily="34" charset="-127"/>
+              </a:rPr>
+              <a:t>4</a:t>
+            </a:r>
+            <a:r>
+              <a:rPr lang="ko-KR" altLang="en-US" smtClean="0">
+                <a:solidFill>
+                  <a:schemeClr val="tx1">
+                    <a:lumMod val="75000"/>
+                    <a:lumOff val="25000"/>
+                  </a:schemeClr>
+                </a:solidFill>
+                <a:latin typeface="Noto Sans CJK KR Medium" pitchFamily="34" charset="-127"/>
+                <a:ea typeface="Noto Sans CJK KR Medium" pitchFamily="34" charset="-127"/>
+              </a:rPr>
+              <a:t>계절의 이미지에 비유하여 </a:t>
+            </a:r>
+            <a:endParaRPr lang="en-US" altLang="ko-KR" smtClean="0">
+              <a:solidFill>
+                <a:schemeClr val="tx1">
+                  <a:lumMod val="75000"/>
+                  <a:lumOff val="25000"/>
+                </a:schemeClr>
+              </a:solidFill>
+              <a:latin typeface="Noto Sans CJK KR Medium" pitchFamily="34" charset="-127"/>
+              <a:ea typeface="Noto Sans CJK KR Medium" pitchFamily="34" charset="-127"/>
+            </a:endParaRPr>
+          </a:p>
+          <a:p>
+            <a:r>
+              <a:rPr lang="en-US" altLang="ko-KR" smtClean="0">
+                <a:solidFill>
+                  <a:schemeClr val="tx1">
+                    <a:lumMod val="75000"/>
+                    <a:lumOff val="25000"/>
+                  </a:schemeClr>
+                </a:solidFill>
+                <a:latin typeface="Noto Sans CJK KR Medium" pitchFamily="34" charset="-127"/>
+                <a:ea typeface="Noto Sans CJK KR Medium" pitchFamily="34" charset="-127"/>
+              </a:rPr>
+              <a:t>      </a:t>
+            </a:r>
+            <a:r>
+              <a:rPr lang="ko-KR" altLang="en-US" smtClean="0">
+                <a:solidFill>
+                  <a:schemeClr val="tx1">
+                    <a:lumMod val="75000"/>
+                    <a:lumOff val="25000"/>
+                  </a:schemeClr>
+                </a:solidFill>
+                <a:latin typeface="Noto Sans CJK KR Medium" pitchFamily="34" charset="-127"/>
+                <a:ea typeface="Noto Sans CJK KR Medium" pitchFamily="34" charset="-127"/>
+              </a:rPr>
+              <a:t>신체 색을 분류하는 방법을 활용하고 있다</a:t>
+            </a:r>
+            <a:r>
+              <a:rPr lang="en-US" altLang="ko-KR" smtClean="0">
+                <a:solidFill>
+                  <a:schemeClr val="tx1">
+                    <a:lumMod val="75000"/>
+                    <a:lumOff val="25000"/>
+                  </a:schemeClr>
+                </a:solidFill>
+                <a:latin typeface="Noto Sans CJK KR Medium" pitchFamily="34" charset="-127"/>
+                <a:ea typeface="Noto Sans CJK KR Medium" pitchFamily="34" charset="-127"/>
+              </a:rPr>
+              <a:t>.</a:t>
+            </a:r>
+          </a:p>
+          <a:p>
+            <a:r>
+              <a:rPr lang="en-US" altLang="ko-KR" smtClean="0">
+                <a:solidFill>
+                  <a:schemeClr val="tx1">
+                    <a:lumMod val="75000"/>
+                    <a:lumOff val="25000"/>
+                  </a:schemeClr>
+                </a:solidFill>
+                <a:latin typeface="Noto Sans CJK KR Medium" pitchFamily="34" charset="-127"/>
+                <a:ea typeface="Noto Sans CJK KR Medium" pitchFamily="34" charset="-127"/>
+              </a:rPr>
+              <a:t>  </a:t>
+            </a:r>
+          </a:p>
+          <a:p>
+            <a:pPr marL="285750" indent="-285750">
+              <a:buFontTx/>
+              <a:buChar char="-"/>
+            </a:pPr>
+            <a:r>
+              <a:rPr lang="ko-KR" altLang="en-US" smtClean="0">
+                <a:solidFill>
+                  <a:schemeClr val="tx1">
+                    <a:lumMod val="75000"/>
+                    <a:lumOff val="25000"/>
+                  </a:schemeClr>
+                </a:solidFill>
+                <a:latin typeface="Noto Sans CJK KR Medium" pitchFamily="34" charset="-127"/>
+                <a:ea typeface="Noto Sans CJK KR Medium" pitchFamily="34" charset="-127"/>
+              </a:rPr>
+              <a:t>봄</a:t>
+            </a:r>
+            <a:r>
+              <a:rPr lang="en-US" altLang="ko-KR" smtClean="0">
+                <a:solidFill>
+                  <a:schemeClr val="tx1">
+                    <a:lumMod val="75000"/>
+                    <a:lumOff val="25000"/>
+                  </a:schemeClr>
+                </a:solidFill>
+                <a:latin typeface="Noto Sans CJK KR Medium" pitchFamily="34" charset="-127"/>
+                <a:ea typeface="Noto Sans CJK KR Medium" pitchFamily="34" charset="-127"/>
+              </a:rPr>
+              <a:t>, </a:t>
+            </a:r>
+            <a:r>
+              <a:rPr lang="ko-KR" altLang="en-US" smtClean="0">
+                <a:solidFill>
+                  <a:schemeClr val="tx1">
+                    <a:lumMod val="75000"/>
+                    <a:lumOff val="25000"/>
+                  </a:schemeClr>
+                </a:solidFill>
+                <a:latin typeface="Noto Sans CJK KR Medium" pitchFamily="34" charset="-127"/>
+                <a:ea typeface="Noto Sans CJK KR Medium" pitchFamily="34" charset="-127"/>
+              </a:rPr>
+              <a:t>여름</a:t>
+            </a:r>
+            <a:r>
+              <a:rPr lang="en-US" altLang="ko-KR" smtClean="0">
+                <a:solidFill>
+                  <a:schemeClr val="tx1">
+                    <a:lumMod val="75000"/>
+                    <a:lumOff val="25000"/>
+                  </a:schemeClr>
+                </a:solidFill>
+                <a:latin typeface="Noto Sans CJK KR Medium" pitchFamily="34" charset="-127"/>
+                <a:ea typeface="Noto Sans CJK KR Medium" pitchFamily="34" charset="-127"/>
+              </a:rPr>
+              <a:t>, </a:t>
+            </a:r>
+            <a:r>
+              <a:rPr lang="ko-KR" altLang="en-US" smtClean="0">
+                <a:solidFill>
+                  <a:schemeClr val="tx1">
+                    <a:lumMod val="75000"/>
+                    <a:lumOff val="25000"/>
+                  </a:schemeClr>
+                </a:solidFill>
+                <a:latin typeface="Noto Sans CJK KR Medium" pitchFamily="34" charset="-127"/>
+                <a:ea typeface="Noto Sans CJK KR Medium" pitchFamily="34" charset="-127"/>
+              </a:rPr>
+              <a:t>가을</a:t>
+            </a:r>
+            <a:r>
+              <a:rPr lang="en-US" altLang="ko-KR" smtClean="0">
+                <a:solidFill>
+                  <a:schemeClr val="tx1">
+                    <a:lumMod val="75000"/>
+                    <a:lumOff val="25000"/>
+                  </a:schemeClr>
+                </a:solidFill>
+                <a:latin typeface="Noto Sans CJK KR Medium" pitchFamily="34" charset="-127"/>
+                <a:ea typeface="Noto Sans CJK KR Medium" pitchFamily="34" charset="-127"/>
+              </a:rPr>
+              <a:t>, </a:t>
+            </a:r>
+            <a:r>
+              <a:rPr lang="ko-KR" altLang="en-US" smtClean="0">
+                <a:solidFill>
+                  <a:schemeClr val="tx1">
+                    <a:lumMod val="75000"/>
+                    <a:lumOff val="25000"/>
+                  </a:schemeClr>
+                </a:solidFill>
+                <a:latin typeface="Noto Sans CJK KR Medium" pitchFamily="34" charset="-127"/>
+                <a:ea typeface="Noto Sans CJK KR Medium" pitchFamily="34" charset="-127"/>
+              </a:rPr>
+              <a:t>겨울의 이미지에서 보여지는 색채를 이용하여 </a:t>
+            </a:r>
+            <a:endParaRPr lang="en-US" altLang="ko-KR" smtClean="0">
+              <a:solidFill>
+                <a:schemeClr val="tx1">
+                  <a:lumMod val="75000"/>
+                  <a:lumOff val="25000"/>
+                </a:schemeClr>
+              </a:solidFill>
+              <a:latin typeface="Noto Sans CJK KR Medium" pitchFamily="34" charset="-127"/>
+              <a:ea typeface="Noto Sans CJK KR Medium" pitchFamily="34" charset="-127"/>
+            </a:endParaRPr>
+          </a:p>
+          <a:p>
+            <a:r>
+              <a:rPr lang="en-US" altLang="ko-KR" smtClean="0">
+                <a:solidFill>
+                  <a:schemeClr val="tx1">
+                    <a:lumMod val="75000"/>
+                    <a:lumOff val="25000"/>
+                  </a:schemeClr>
+                </a:solidFill>
+                <a:latin typeface="Noto Sans CJK KR Medium" pitchFamily="34" charset="-127"/>
+                <a:ea typeface="Noto Sans CJK KR Medium" pitchFamily="34" charset="-127"/>
+              </a:rPr>
+              <a:t>     </a:t>
+            </a:r>
+            <a:r>
+              <a:rPr lang="ko-KR" altLang="en-US" smtClean="0">
+                <a:solidFill>
+                  <a:schemeClr val="tx1">
+                    <a:lumMod val="75000"/>
+                    <a:lumOff val="25000"/>
+                  </a:schemeClr>
+                </a:solidFill>
+                <a:latin typeface="Noto Sans CJK KR Medium" pitchFamily="34" charset="-127"/>
+                <a:ea typeface="Noto Sans CJK KR Medium" pitchFamily="34" charset="-127"/>
+              </a:rPr>
+              <a:t>개인의 개성 있는 이미지를 연출한다고 볼 수 있다</a:t>
+            </a:r>
+            <a:r>
+              <a:rPr lang="en-US" altLang="ko-KR" smtClean="0">
+                <a:solidFill>
+                  <a:schemeClr val="tx1">
+                    <a:lumMod val="75000"/>
+                    <a:lumOff val="25000"/>
+                  </a:schemeClr>
+                </a:solidFill>
+                <a:latin typeface="Noto Sans CJK KR Medium" pitchFamily="34" charset="-127"/>
+                <a:ea typeface="Noto Sans CJK KR Medium" pitchFamily="34" charset="-127"/>
+              </a:rPr>
+              <a:t>. </a:t>
+            </a:r>
+          </a:p>
+          <a:p>
+            <a:pPr marL="285750" indent="-285750">
+              <a:buFontTx/>
+              <a:buChar char="-"/>
+            </a:pPr>
+            <a:endParaRPr lang="en-US" altLang="ko-KR" smtClean="0">
+              <a:solidFill>
+                <a:schemeClr val="tx1">
+                  <a:lumMod val="75000"/>
+                  <a:lumOff val="25000"/>
+                </a:schemeClr>
+              </a:solidFill>
+              <a:latin typeface="Noto Sans CJK KR Medium" pitchFamily="34" charset="-127"/>
+              <a:ea typeface="Noto Sans CJK KR Medium" pitchFamily="34" charset="-127"/>
+            </a:endParaRPr>
+          </a:p>
+          <a:p>
+            <a:r>
+              <a:rPr lang="en-US" altLang="ko-KR" smtClean="0">
+                <a:solidFill>
+                  <a:schemeClr val="tx1">
+                    <a:lumMod val="75000"/>
+                    <a:lumOff val="25000"/>
+                  </a:schemeClr>
+                </a:solidFill>
+                <a:latin typeface="Noto Sans CJK KR Medium" pitchFamily="34" charset="-127"/>
+                <a:ea typeface="Noto Sans CJK KR Medium" pitchFamily="34" charset="-127"/>
+              </a:rPr>
+              <a:t>-    </a:t>
+            </a:r>
+            <a:r>
+              <a:rPr lang="ko-KR" altLang="en-US" smtClean="0">
+                <a:solidFill>
+                  <a:schemeClr val="tx1">
+                    <a:lumMod val="75000"/>
+                    <a:lumOff val="25000"/>
+                  </a:schemeClr>
+                </a:solidFill>
+                <a:latin typeface="Noto Sans CJK KR Medium" pitchFamily="34" charset="-127"/>
+                <a:ea typeface="Noto Sans CJK KR Medium" pitchFamily="34" charset="-127"/>
+              </a:rPr>
+              <a:t>퍼스널 컬러 판단 기준 </a:t>
+            </a:r>
+            <a:r>
+              <a:rPr lang="en-US" altLang="ko-KR" smtClean="0">
+                <a:solidFill>
+                  <a:schemeClr val="tx1">
+                    <a:lumMod val="75000"/>
+                    <a:lumOff val="25000"/>
+                  </a:schemeClr>
+                </a:solidFill>
+                <a:latin typeface="Noto Sans CJK KR Medium" pitchFamily="34" charset="-127"/>
+                <a:ea typeface="Noto Sans CJK KR Medium" pitchFamily="34" charset="-127"/>
+              </a:rPr>
+              <a:t>: </a:t>
+            </a:r>
+            <a:r>
+              <a:rPr lang="ko-KR" altLang="en-US" smtClean="0">
+                <a:solidFill>
+                  <a:schemeClr val="tx1">
+                    <a:lumMod val="75000"/>
+                    <a:lumOff val="25000"/>
+                  </a:schemeClr>
+                </a:solidFill>
+                <a:latin typeface="Noto Sans CJK KR Medium" pitchFamily="34" charset="-127"/>
+                <a:ea typeface="Noto Sans CJK KR Medium" pitchFamily="34" charset="-127"/>
+              </a:rPr>
+              <a:t>머리카락 색</a:t>
+            </a:r>
+            <a:r>
+              <a:rPr lang="en-US" altLang="ko-KR" smtClean="0">
+                <a:solidFill>
+                  <a:schemeClr val="tx1">
+                    <a:lumMod val="75000"/>
+                    <a:lumOff val="25000"/>
+                  </a:schemeClr>
+                </a:solidFill>
+                <a:latin typeface="Noto Sans CJK KR Medium" pitchFamily="34" charset="-127"/>
+                <a:ea typeface="Noto Sans CJK KR Medium" pitchFamily="34" charset="-127"/>
+              </a:rPr>
+              <a:t>,  </a:t>
+            </a:r>
+            <a:r>
+              <a:rPr lang="ko-KR" altLang="en-US" smtClean="0">
+                <a:solidFill>
+                  <a:schemeClr val="tx1">
+                    <a:lumMod val="75000"/>
+                    <a:lumOff val="25000"/>
+                  </a:schemeClr>
+                </a:solidFill>
+                <a:latin typeface="Noto Sans CJK KR Medium" pitchFamily="34" charset="-127"/>
+                <a:ea typeface="Noto Sans CJK KR Medium" pitchFamily="34" charset="-127"/>
+              </a:rPr>
+              <a:t>눈동자 색</a:t>
+            </a:r>
+            <a:r>
+              <a:rPr lang="en-US" altLang="ko-KR" smtClean="0">
+                <a:solidFill>
+                  <a:schemeClr val="tx1">
+                    <a:lumMod val="75000"/>
+                    <a:lumOff val="25000"/>
+                  </a:schemeClr>
+                </a:solidFill>
+                <a:latin typeface="Noto Sans CJK KR Medium" pitchFamily="34" charset="-127"/>
+                <a:ea typeface="Noto Sans CJK KR Medium" pitchFamily="34" charset="-127"/>
+              </a:rPr>
+              <a:t>, </a:t>
+            </a:r>
+            <a:r>
+              <a:rPr lang="ko-KR" altLang="en-US" smtClean="0">
+                <a:solidFill>
+                  <a:schemeClr val="tx1">
+                    <a:lumMod val="75000"/>
+                    <a:lumOff val="25000"/>
+                  </a:schemeClr>
+                </a:solidFill>
+                <a:latin typeface="Noto Sans CJK KR Medium" pitchFamily="34" charset="-127"/>
+                <a:ea typeface="Noto Sans CJK KR Medium" pitchFamily="34" charset="-127"/>
+              </a:rPr>
+              <a:t>피부 색</a:t>
+            </a:r>
+            <a:r>
+              <a:rPr lang="en-US" altLang="ko-KR" smtClean="0">
+                <a:solidFill>
+                  <a:schemeClr val="tx1">
+                    <a:lumMod val="75000"/>
+                    <a:lumOff val="25000"/>
+                  </a:schemeClr>
+                </a:solidFill>
+                <a:latin typeface="Noto Sans CJK KR Medium" pitchFamily="34" charset="-127"/>
+                <a:ea typeface="Noto Sans CJK KR Medium" pitchFamily="34" charset="-127"/>
+              </a:rPr>
+              <a:t> </a:t>
+            </a:r>
+          </a:p>
+          <a:p>
+            <a:r>
+              <a:rPr lang="en-US" altLang="ko-KR" smtClean="0">
+                <a:solidFill>
+                  <a:schemeClr val="tx1">
+                    <a:lumMod val="75000"/>
+                    <a:lumOff val="25000"/>
+                  </a:schemeClr>
+                </a:solidFill>
+                <a:latin typeface="Noto Sans CJK KR Medium" pitchFamily="34" charset="-127"/>
+                <a:ea typeface="Noto Sans CJK KR Medium" pitchFamily="34" charset="-127"/>
+              </a:rPr>
+              <a:t>                                                      (</a:t>
+            </a:r>
+            <a:r>
+              <a:rPr lang="en-US" altLang="ko-KR" smtClean="0">
+                <a:solidFill>
+                  <a:srgbClr val="E87652"/>
+                </a:solidFill>
+                <a:latin typeface="Noto Sans CJK KR Medium" pitchFamily="34" charset="-127"/>
+                <a:ea typeface="Noto Sans CJK KR Medium" pitchFamily="34" charset="-127"/>
+              </a:rPr>
+              <a:t>H</a:t>
+            </a:r>
+            <a:r>
+              <a:rPr lang="en-US" altLang="ko-KR" smtClean="0">
+                <a:solidFill>
+                  <a:schemeClr val="tx1">
+                    <a:lumMod val="75000"/>
+                    <a:lumOff val="25000"/>
+                  </a:schemeClr>
+                </a:solidFill>
+                <a:latin typeface="Noto Sans CJK KR Medium" pitchFamily="34" charset="-127"/>
+                <a:ea typeface="Noto Sans CJK KR Medium" pitchFamily="34" charset="-127"/>
+              </a:rPr>
+              <a:t>air)           (</a:t>
+            </a:r>
+            <a:r>
+              <a:rPr lang="en-US" altLang="ko-KR" smtClean="0">
+                <a:solidFill>
+                  <a:srgbClr val="E87652"/>
+                </a:solidFill>
+                <a:latin typeface="Noto Sans CJK KR Medium" pitchFamily="34" charset="-127"/>
+                <a:ea typeface="Noto Sans CJK KR Medium" pitchFamily="34" charset="-127"/>
+              </a:rPr>
+              <a:t>E</a:t>
+            </a:r>
+            <a:r>
+              <a:rPr lang="en-US" altLang="ko-KR" smtClean="0">
+                <a:solidFill>
+                  <a:schemeClr val="tx1">
+                    <a:lumMod val="75000"/>
+                    <a:lumOff val="25000"/>
+                  </a:schemeClr>
+                </a:solidFill>
+                <a:latin typeface="Noto Sans CJK KR Medium" pitchFamily="34" charset="-127"/>
+                <a:ea typeface="Noto Sans CJK KR Medium" pitchFamily="34" charset="-127"/>
+              </a:rPr>
+              <a:t>yes)     (</a:t>
+            </a:r>
+            <a:r>
+              <a:rPr lang="en-US" altLang="ko-KR" smtClean="0">
+                <a:solidFill>
+                  <a:srgbClr val="E87652"/>
+                </a:solidFill>
+                <a:latin typeface="Noto Sans CJK KR Medium" pitchFamily="34" charset="-127"/>
+                <a:ea typeface="Noto Sans CJK KR Medium" pitchFamily="34" charset="-127"/>
+              </a:rPr>
+              <a:t>S</a:t>
+            </a:r>
+            <a:r>
+              <a:rPr lang="en-US" altLang="ko-KR" smtClean="0">
+                <a:solidFill>
+                  <a:schemeClr val="tx1">
+                    <a:lumMod val="75000"/>
+                    <a:lumOff val="25000"/>
+                  </a:schemeClr>
+                </a:solidFill>
+                <a:latin typeface="Noto Sans CJK KR Medium" pitchFamily="34" charset="-127"/>
+                <a:ea typeface="Noto Sans CJK KR Medium" pitchFamily="34" charset="-127"/>
+              </a:rPr>
+              <a:t>kin)                                        </a:t>
+            </a:r>
+          </a:p>
+          <a:p>
+            <a:pPr marL="285750" indent="-285750">
+              <a:buFontTx/>
+              <a:buChar char="-"/>
+            </a:pPr>
+            <a:endParaRPr lang="en-US" altLang="ko-KR">
+              <a:solidFill>
+                <a:schemeClr val="tx1">
+                  <a:lumMod val="75000"/>
+                  <a:lumOff val="25000"/>
+                </a:schemeClr>
+              </a:solidFill>
+              <a:latin typeface="Noto Sans CJK KR Medium" pitchFamily="34" charset="-127"/>
+              <a:ea typeface="Noto Sans CJK KR Medium" pitchFamily="34" charset="-127"/>
+            </a:endParaRPr>
+          </a:p>
+          <a:p>
+            <a:pPr marL="285750" indent="-285750">
+              <a:buFontTx/>
+              <a:buChar char="-"/>
+            </a:pPr>
+            <a:endParaRPr lang="en-US" altLang="ko-KR">
+              <a:solidFill>
+                <a:schemeClr val="tx1">
+                  <a:lumMod val="75000"/>
+                  <a:lumOff val="25000"/>
+                </a:schemeClr>
+              </a:solidFill>
+              <a:latin typeface="Noto Sans CJK KR Medium" pitchFamily="34" charset="-127"/>
+              <a:ea typeface="Noto Sans CJK KR Medium" pitchFamily="34" charset="-127"/>
+            </a:endParaRPr>
+          </a:p>
+        </p:txBody>
+      </p:sp>
+      <p:sp>
+        <p:nvSpPr>
+          <p:cNvPr id="3" name="TextBox 2"/>
+          <p:cNvSpPr txBox="1"/>
+          <p:nvPr/>
+        </p:nvSpPr>
+        <p:spPr>
+          <a:xfrm>
+            <a:off x="5007470" y="471583"/>
+            <a:ext cx="4572000" cy="584775"/>
+          </a:xfrm>
+          <a:prstGeom prst="rect">
+            <a:avLst/>
+          </a:prstGeom>
+          <a:noFill/>
+        </p:spPr>
+        <p:txBody>
+          <a:bodyPr wrap="square" rtlCol="0">
+            <a:spAutoFit/>
+          </a:bodyPr>
           <a:lstStyle/>
           <a:p>
             <a:r>
-              <a:rPr lang="ko-KR" altLang="en-US" smtClean="0"/>
-              <a:t>페르소나</a:t>
-            </a:r>
-            <a:endParaRPr lang="ko-KR" altLang="en-US"/>
-          </a:p>
-        </p:txBody>
-      </p:sp>
+              <a:rPr lang="en-US" altLang="ko-KR" sz="3200" smtClean="0">
+                <a:solidFill>
+                  <a:schemeClr val="bg1"/>
+                </a:solidFill>
+                <a:latin typeface="Noto Sans CJK KR Medium" pitchFamily="34" charset="-127"/>
+                <a:ea typeface="Noto Sans CJK KR Medium" pitchFamily="34" charset="-127"/>
+              </a:rPr>
+              <a:t>1-1. </a:t>
+            </a:r>
+            <a:r>
+              <a:rPr lang="ko-KR" altLang="en-US" sz="3200" smtClean="0">
+                <a:solidFill>
+                  <a:schemeClr val="bg1"/>
+                </a:solidFill>
+                <a:latin typeface="Noto Sans CJK KR Medium" pitchFamily="34" charset="-127"/>
+                <a:ea typeface="Noto Sans CJK KR Medium" pitchFamily="34" charset="-127"/>
+              </a:rPr>
+              <a:t>퍼스널 컬러란</a:t>
+            </a:r>
+            <a:r>
+              <a:rPr lang="en-US" altLang="ko-KR" sz="3200" smtClean="0">
+                <a:solidFill>
+                  <a:schemeClr val="bg1"/>
+                </a:solidFill>
+                <a:latin typeface="Noto Sans CJK KR Medium" pitchFamily="34" charset="-127"/>
+                <a:ea typeface="Noto Sans CJK KR Medium" pitchFamily="34" charset="-127"/>
+              </a:rPr>
+              <a:t>?</a:t>
+            </a:r>
+            <a:endParaRPr lang="en-US" altLang="ko-KR" sz="3200" smtClean="0">
+              <a:solidFill>
+                <a:schemeClr val="bg1"/>
+              </a:solidFill>
+              <a:latin typeface="Noto Sans CJK KR Medium" pitchFamily="34" charset="-127"/>
+              <a:ea typeface="Noto Sans CJK KR Medium" pitchFamily="34" charset="-127"/>
+            </a:endParaRPr>
+          </a:p>
+        </p:txBody>
+      </p:sp>
+      <p:sp>
+        <p:nvSpPr>
+          <p:cNvPr id="5" name="TextBox 4"/>
+          <p:cNvSpPr txBox="1"/>
+          <p:nvPr/>
+        </p:nvSpPr>
+        <p:spPr>
+          <a:xfrm>
+            <a:off x="708964" y="1379428"/>
+            <a:ext cx="400169" cy="707886"/>
+          </a:xfrm>
+          <a:prstGeom prst="rect">
+            <a:avLst/>
+          </a:prstGeom>
+          <a:noFill/>
+        </p:spPr>
+        <p:txBody>
+          <a:bodyPr wrap="square" rtlCol="0">
+            <a:spAutoFit/>
+          </a:bodyPr>
+          <a:lstStyle/>
+          <a:p>
+            <a:r>
+              <a:rPr lang="en-US" altLang="ko-KR" sz="4000">
+                <a:solidFill>
+                  <a:schemeClr val="bg1"/>
+                </a:solidFill>
+                <a:latin typeface="Noto Sans CJK KR Medium" pitchFamily="34" charset="-127"/>
+                <a:ea typeface="Noto Sans CJK KR Medium" pitchFamily="34" charset="-127"/>
+              </a:rPr>
+              <a:t>+</a:t>
+            </a:r>
+            <a:endParaRPr lang="en-US" altLang="ko-KR" sz="4000" smtClean="0">
+              <a:solidFill>
+                <a:schemeClr val="bg1"/>
+              </a:solidFill>
+              <a:latin typeface="Noto Sans CJK KR Medium" pitchFamily="34" charset="-127"/>
+              <a:ea typeface="Noto Sans CJK KR Medium" pitchFamily="34" charset="-127"/>
+            </a:endParaRPr>
+          </a:p>
+        </p:txBody>
+      </p:sp>
+      <p:cxnSp>
+        <p:nvCxnSpPr>
+          <p:cNvPr id="10" name="직선 연결선 9"/>
+          <p:cNvCxnSpPr/>
+          <p:nvPr/>
+        </p:nvCxnSpPr>
+        <p:spPr>
+          <a:xfrm>
+            <a:off x="4470419" y="463116"/>
+            <a:ext cx="0" cy="584775"/>
+          </a:xfrm>
+          <a:prstGeom prst="line">
+            <a:avLst/>
+          </a:prstGeom>
+          <a:ln w="28575">
+            <a:solidFill>
+              <a:schemeClr val="bg1"/>
+            </a:solidFill>
+          </a:ln>
+        </p:spPr>
+        <p:style>
+          <a:lnRef idx="1">
+            <a:schemeClr val="accent1"/>
+          </a:lnRef>
+          <a:fillRef idx="0">
+            <a:schemeClr val="accent1"/>
+          </a:fillRef>
+          <a:effectRef idx="0">
+            <a:schemeClr val="accent1"/>
+          </a:effectRef>
+          <a:fontRef idx="minor">
+            <a:schemeClr val="tx1"/>
+          </a:fontRef>
+        </p:style>
+      </p:cxnSp>
+      <p:pic>
+        <p:nvPicPr>
+          <p:cNvPr id="1026" name="Picture 2" descr="C:\Users\Administrator\Desktop\e16eec673963eb7bb2cdb46e28212868.jpg"/>
+          <p:cNvPicPr>
+            <a:picLocks noChangeAspect="1" noChangeArrowheads="1"/>
+          </p:cNvPicPr>
+          <p:nvPr/>
+        </p:nvPicPr>
+        <p:blipFill>
+          <a:blip r:embed="rId3">
+            <a:extLst>
+              <a:ext uri="{28A0092B-C50C-407E-A947-70E740481C1C}">
+                <a14:useLocalDpi xmlns:a14="http://schemas.microsoft.com/office/drawing/2010/main" val="0"/>
+              </a:ext>
+            </a:extLst>
+          </a:blip>
+          <a:srcRect/>
+          <a:stretch>
+            <a:fillRect/>
+          </a:stretch>
+        </p:blipFill>
+        <p:spPr bwMode="auto">
+          <a:xfrm>
+            <a:off x="71203" y="2393859"/>
+            <a:ext cx="2749633" cy="2744758"/>
+          </a:xfrm>
+          <a:prstGeom prst="rect">
+            <a:avLst/>
+          </a:prstGeom>
+          <a:noFill/>
+          <a:extLst>
+            <a:ext uri="{909E8E84-426E-40DD-AFC4-6F175D3DCCD1}">
+              <a14:hiddenFill xmlns:a14="http://schemas.microsoft.com/office/drawing/2010/main">
+                <a:solidFill>
+                  <a:srgbClr val="FFFFFF"/>
+                </a:solidFill>
+              </a14:hiddenFill>
+            </a:ext>
+          </a:extLst>
+        </p:spPr>
+      </p:pic>
     </p:spTree>
     <p:extLst>
       <p:ext uri="{BB962C8B-B14F-4D97-AF65-F5344CB8AC3E}">
-        <p14:creationId xmlns:p14="http://schemas.microsoft.com/office/powerpoint/2010/main" val="2408449676"/>
+        <p14:creationId xmlns:p14="http://schemas.microsoft.com/office/powerpoint/2010/main" val="1778162791"/>
       </p:ext>
     </p:extLst>
   </p:cSld>
@@ -7106,16 +8120,109 @@
           <a:chExt cx="0" cy="0"/>
         </a:xfrm>
       </p:grpSpPr>
-      <p:sp>
-        <p:nvSpPr>
-          <p:cNvPr id="4" name="TextBox 3"/>
+      <p:pic>
+        <p:nvPicPr>
+          <p:cNvPr id="5" name="그림 4"/>
+          <p:cNvPicPr>
+            <a:picLocks noChangeAspect="1"/>
+          </p:cNvPicPr>
+          <p:nvPr/>
+        </p:nvPicPr>
+        <p:blipFill>
+          <a:blip r:embed="rId2">
+            <a:extLst>
+              <a:ext uri="{28A0092B-C50C-407E-A947-70E740481C1C}">
+                <a14:useLocalDpi xmlns:a14="http://schemas.microsoft.com/office/drawing/2010/main" val="0"/>
+              </a:ext>
+            </a:extLst>
+          </a:blip>
+          <a:stretch>
+            <a:fillRect/>
+          </a:stretch>
+        </p:blipFill>
+        <p:spPr>
+          <a:xfrm>
+            <a:off x="0" y="-9583"/>
+            <a:ext cx="9144000" cy="6858000"/>
+          </a:xfrm>
+          <a:prstGeom prst="rect">
+            <a:avLst/>
+          </a:prstGeom>
+        </p:spPr>
+      </p:pic>
+      <p:sp>
+        <p:nvSpPr>
+          <p:cNvPr id="3" name="내용 개체 틀 2"/>
+          <p:cNvSpPr>
+            <a:spLocks noGrp="1"/>
+          </p:cNvSpPr>
+          <p:nvPr>
+            <p:ph idx="1"/>
+          </p:nvPr>
+        </p:nvSpPr>
+        <p:spPr/>
+        <p:txBody>
+          <a:bodyPr/>
+          <a:lstStyle/>
+          <a:p>
+            <a:pPr marL="0" indent="0">
+              <a:buNone/>
+            </a:pPr>
+            <a:endParaRPr lang="en-US" altLang="ko-KR"/>
+          </a:p>
+          <a:p>
+            <a:pPr marL="0" indent="0">
+              <a:buNone/>
+            </a:pPr>
+            <a:endParaRPr lang="ko-KR" altLang="en-US"/>
+          </a:p>
+        </p:txBody>
+      </p:sp>
+      <p:cxnSp>
+        <p:nvCxnSpPr>
+          <p:cNvPr id="6" name="직선 연결선 5"/>
+          <p:cNvCxnSpPr/>
+          <p:nvPr/>
+        </p:nvCxnSpPr>
+        <p:spPr>
+          <a:xfrm>
+            <a:off x="4817566" y="463116"/>
+            <a:ext cx="0" cy="584775"/>
+          </a:xfrm>
+          <a:prstGeom prst="line">
+            <a:avLst/>
+          </a:prstGeom>
+          <a:ln w="28575">
+            <a:solidFill>
+              <a:schemeClr val="bg1"/>
+            </a:solidFill>
+          </a:ln>
+        </p:spPr>
+        <p:style>
+          <a:lnRef idx="1">
+            <a:schemeClr val="accent1"/>
+          </a:lnRef>
+          <a:fillRef idx="0">
+            <a:schemeClr val="accent1"/>
+          </a:fillRef>
+          <a:effectRef idx="0">
+            <a:schemeClr val="accent1"/>
+          </a:effectRef>
+          <a:fontRef idx="minor">
+            <a:schemeClr val="tx1"/>
+          </a:fontRef>
+        </p:style>
+      </p:cxnSp>
+      <p:sp>
+        <p:nvSpPr>
+          <p:cNvPr id="7" name="TextBox 6"/>
           <p:cNvSpPr txBox="1"/>
           <p:nvPr/>
         </p:nvSpPr>
         <p:spPr>
           <a:xfrm>
-            <a:off x="2937933" y="2980267"/>
-            <a:ext cx="4142481" cy="923330"/>
+            <a:off x="4817566" y="319024"/>
+            <a:ext cx="2421461" cy="584775"/>
           </a:xfrm>
           <a:prstGeom prst="rect">
             <a:avLst/>
@@ -7123,35 +8230,282 @@
           <a:noFill/>
         </p:spPr>
         <p:txBody>
-          <a:bodyPr wrap="none" rtlCol="0">
+          <a:bodyPr wrap="square" rtlCol="0">
             <a:spAutoFit/>
           </a:bodyPr>
           <a:lstStyle/>
           <a:p>
             <a:r>
-              <a:rPr lang="ko-KR" altLang="en-US" smtClean="0"/>
-              <a:t>퍼스널 컬러란</a:t>
-            </a:r>
-            <a:r>
-              <a:rPr lang="en-US" altLang="ko-KR" smtClean="0"/>
-              <a:t>?</a:t>
-            </a:r>
-          </a:p>
-          <a:p>
-            <a:endParaRPr lang="en-US" altLang="ko-KR"/>
-          </a:p>
-          <a:p>
-            <a:r>
-              <a:rPr lang="ko-KR" altLang="en-US"/>
-              <a:t>이에 대한 사람들의 관심이 커짐을 시사</a:t>
-            </a:r>
+              <a:rPr lang="en-US" altLang="ko-KR" sz="3200" smtClean="0">
+                <a:solidFill>
+                  <a:schemeClr val="bg1"/>
+                </a:solidFill>
+                <a:latin typeface="Noto Sans CJK KR Medium" pitchFamily="34" charset="-127"/>
+                <a:ea typeface="Noto Sans CJK KR Medium" pitchFamily="34" charset="-127"/>
+              </a:rPr>
+              <a:t> 2. </a:t>
+            </a:r>
+            <a:r>
+              <a:rPr lang="ko-KR" altLang="en-US" sz="3200" smtClean="0">
+                <a:solidFill>
+                  <a:schemeClr val="bg1"/>
+                </a:solidFill>
+                <a:latin typeface="Noto Sans CJK KR Medium" pitchFamily="34" charset="-127"/>
+                <a:ea typeface="Noto Sans CJK KR Medium" pitchFamily="34" charset="-127"/>
+              </a:rPr>
+              <a:t>컨셉</a:t>
+            </a:r>
+            <a:r>
+              <a:rPr lang="ko-KR" altLang="en-US" sz="3200" smtClean="0">
+                <a:solidFill>
+                  <a:schemeClr val="bg1"/>
+                </a:solidFill>
+                <a:latin typeface="Noto Sans CJK KR Medium" pitchFamily="34" charset="-127"/>
+                <a:ea typeface="Noto Sans CJK KR Medium" pitchFamily="34" charset="-127"/>
+              </a:rPr>
+              <a:t> </a:t>
+            </a:r>
+            <a:endParaRPr lang="en-US" altLang="ko-KR" sz="3200" smtClean="0">
+              <a:solidFill>
+                <a:schemeClr val="bg1"/>
+              </a:solidFill>
+              <a:latin typeface="Noto Sans CJK KR Medium" pitchFamily="34" charset="-127"/>
+              <a:ea typeface="Noto Sans CJK KR Medium" pitchFamily="34" charset="-127"/>
+            </a:endParaRPr>
+          </a:p>
+        </p:txBody>
+      </p:sp>
+      <p:sp>
+        <p:nvSpPr>
+          <p:cNvPr id="2" name="직사각형 1"/>
+          <p:cNvSpPr/>
+          <p:nvPr/>
+        </p:nvSpPr>
+        <p:spPr>
+          <a:xfrm>
+            <a:off x="584212" y="1481658"/>
+            <a:ext cx="2963333" cy="4351867"/>
+          </a:xfrm>
+          <a:prstGeom prst="rect">
+            <a:avLst/>
+          </a:prstGeom>
+          <a:solidFill>
+            <a:schemeClr val="bg1"/>
+          </a:solidFill>
+          <a:ln>
+            <a:noFill/>
+          </a:ln>
+        </p:spPr>
+        <p:style>
+          <a:lnRef idx="2">
+            <a:schemeClr val="accent1">
+              <a:shade val="50000"/>
+            </a:schemeClr>
+          </a:lnRef>
+          <a:fillRef idx="1">
+            <a:schemeClr val="accent1"/>
+          </a:fillRef>
+          <a:effectRef idx="0">
+            <a:schemeClr val="accent1"/>
+          </a:effectRef>
+          <a:fontRef idx="minor">
+            <a:schemeClr val="lt1"/>
+          </a:fontRef>
+        </p:style>
+        <p:txBody>
+          <a:bodyPr rtlCol="0" anchor="ctr"/>
+          <a:lstStyle/>
+          <a:p>
+            <a:pPr algn="ctr"/>
+            <a:endParaRPr lang="ko-KR" altLang="en-US"/>
+          </a:p>
+        </p:txBody>
+      </p:sp>
+      <p:pic>
+        <p:nvPicPr>
+          <p:cNvPr id="2050" name="Picture 2" descr="C:\Users\Administrator\Desktop\mobile_title.png"/>
+          <p:cNvPicPr>
+            <a:picLocks noChangeAspect="1" noChangeArrowheads="1"/>
+          </p:cNvPicPr>
+          <p:nvPr/>
+        </p:nvPicPr>
+        <p:blipFill>
+          <a:blip r:embed="rId3" cstate="print">
+            <a:extLst>
+              <a:ext uri="{28A0092B-C50C-407E-A947-70E740481C1C}">
+                <a14:useLocalDpi xmlns:a14="http://schemas.microsoft.com/office/drawing/2010/main" val="0"/>
+              </a:ext>
+            </a:extLst>
+          </a:blip>
+          <a:srcRect/>
+          <a:stretch>
+            <a:fillRect/>
+          </a:stretch>
+        </p:blipFill>
+        <p:spPr bwMode="auto">
+          <a:xfrm>
+            <a:off x="804339" y="1528590"/>
+            <a:ext cx="2329917" cy="4135602"/>
+          </a:xfrm>
+          <a:prstGeom prst="rect">
+            <a:avLst/>
+          </a:prstGeom>
+          <a:noFill/>
+          <a:extLst>
+            <a:ext uri="{909E8E84-426E-40DD-AFC4-6F175D3DCCD1}">
+              <a14:hiddenFill xmlns:a14="http://schemas.microsoft.com/office/drawing/2010/main">
+                <a:solidFill>
+                  <a:srgbClr val="FFFFFF"/>
+                </a:solidFill>
+              </a14:hiddenFill>
+            </a:ext>
+          </a:extLst>
+        </p:spPr>
+      </p:pic>
+      <p:sp>
+        <p:nvSpPr>
+          <p:cNvPr id="10" name="TextBox 9"/>
+          <p:cNvSpPr txBox="1"/>
+          <p:nvPr/>
+        </p:nvSpPr>
+        <p:spPr>
+          <a:xfrm>
+            <a:off x="755128" y="5865670"/>
+            <a:ext cx="3174999" cy="523220"/>
+          </a:xfrm>
+          <a:prstGeom prst="rect">
+            <a:avLst/>
+          </a:prstGeom>
+          <a:noFill/>
+        </p:spPr>
+        <p:txBody>
+          <a:bodyPr wrap="square" rtlCol="0">
+            <a:spAutoFit/>
+          </a:bodyPr>
+          <a:lstStyle/>
+          <a:p>
+            <a:r>
+              <a:rPr lang="en-US" altLang="ko-KR" sz="2800" smtClean="0">
+                <a:solidFill>
+                  <a:schemeClr val="bg1"/>
+                </a:solidFill>
+              </a:rPr>
+              <a:t>Ver. Mobile Web</a:t>
+            </a:r>
+            <a:endParaRPr lang="ko-KR" altLang="en-US" sz="2800">
+              <a:solidFill>
+                <a:schemeClr val="bg1"/>
+              </a:solidFill>
+            </a:endParaRPr>
+          </a:p>
+        </p:txBody>
+      </p:sp>
+      <p:pic>
+        <p:nvPicPr>
+          <p:cNvPr id="14" name="그림 13"/>
+          <p:cNvPicPr>
+            <a:picLocks noChangeAspect="1"/>
+          </p:cNvPicPr>
+          <p:nvPr/>
+        </p:nvPicPr>
+        <p:blipFill>
+          <a:blip r:embed="rId4" cstate="print">
+            <a:extLst>
+              <a:ext uri="{28A0092B-C50C-407E-A947-70E740481C1C}">
+                <a14:useLocalDpi xmlns:a14="http://schemas.microsoft.com/office/drawing/2010/main" val="0"/>
+              </a:ext>
+            </a:extLst>
+          </a:blip>
+          <a:stretch>
+            <a:fillRect/>
+          </a:stretch>
+        </p:blipFill>
+        <p:spPr>
+          <a:xfrm>
+            <a:off x="3708402" y="-802379"/>
+            <a:ext cx="4495800" cy="3249231"/>
+          </a:xfrm>
+          <a:prstGeom prst="rect">
+            <a:avLst/>
+          </a:prstGeom>
+        </p:spPr>
+      </p:pic>
+      <p:sp>
+        <p:nvSpPr>
+          <p:cNvPr id="13" name="TextBox 12"/>
+          <p:cNvSpPr txBox="1"/>
+          <p:nvPr/>
+        </p:nvSpPr>
+        <p:spPr>
+          <a:xfrm>
+            <a:off x="4048660" y="319024"/>
+            <a:ext cx="4572000" cy="584775"/>
+          </a:xfrm>
+          <a:prstGeom prst="rect">
+            <a:avLst/>
+          </a:prstGeom>
+          <a:noFill/>
+        </p:spPr>
+        <p:txBody>
+          <a:bodyPr wrap="square" rtlCol="0">
+            <a:spAutoFit/>
+          </a:bodyPr>
+          <a:lstStyle/>
+          <a:p>
+            <a:r>
+              <a:rPr lang="en-US" altLang="ko-KR" sz="3200" smtClean="0">
+                <a:solidFill>
+                  <a:schemeClr val="bg1"/>
+                </a:solidFill>
+                <a:latin typeface="Noto Sans CJK KR Medium" pitchFamily="34" charset="-127"/>
+                <a:ea typeface="Noto Sans CJK KR Medium" pitchFamily="34" charset="-127"/>
+              </a:rPr>
+              <a:t>2-1. </a:t>
+            </a:r>
+            <a:r>
+              <a:rPr lang="ko-KR" altLang="en-US" sz="3200" smtClean="0">
+                <a:solidFill>
+                  <a:schemeClr val="bg1"/>
+                </a:solidFill>
+                <a:latin typeface="Noto Sans CJK KR Medium" pitchFamily="34" charset="-127"/>
+                <a:ea typeface="Noto Sans CJK KR Medium" pitchFamily="34" charset="-127"/>
+              </a:rPr>
+              <a:t>컨셉 </a:t>
+            </a:r>
+            <a:r>
+              <a:rPr lang="en-US" altLang="ko-KR" sz="3200" smtClean="0">
+                <a:solidFill>
+                  <a:schemeClr val="bg1"/>
+                </a:solidFill>
+                <a:latin typeface="Noto Sans CJK KR Medium" pitchFamily="34" charset="-127"/>
+                <a:ea typeface="Noto Sans CJK KR Medium" pitchFamily="34" charset="-127"/>
+              </a:rPr>
+              <a:t>– </a:t>
+            </a:r>
+            <a:r>
+              <a:rPr lang="ko-KR" altLang="en-US" sz="3200" smtClean="0">
+                <a:solidFill>
+                  <a:schemeClr val="bg1"/>
+                </a:solidFill>
+                <a:latin typeface="Noto Sans CJK KR Medium" pitchFamily="34" charset="-127"/>
+                <a:ea typeface="Noto Sans CJK KR Medium" pitchFamily="34" charset="-127"/>
+              </a:rPr>
+              <a:t>모바일 웹</a:t>
+            </a:r>
+            <a:endParaRPr lang="en-US" altLang="ko-KR" sz="3200" smtClean="0">
+              <a:solidFill>
+                <a:schemeClr val="bg1"/>
+              </a:solidFill>
+              <a:latin typeface="Noto Sans CJK KR Medium" pitchFamily="34" charset="-127"/>
+              <a:ea typeface="Noto Sans CJK KR Medium" pitchFamily="34" charset="-127"/>
+            </a:endParaRPr>
           </a:p>
         </p:txBody>
       </p:sp>
     </p:spTree>
     <p:extLst>
       <p:ext uri="{BB962C8B-B14F-4D97-AF65-F5344CB8AC3E}">
-        <p14:creationId xmlns:p14="http://schemas.microsoft.com/office/powerpoint/2010/main" val="1778162791"/>
+        <p14:creationId xmlns:p14="http://schemas.microsoft.com/office/powerpoint/2010/main" val="1623658248"/>
       </p:ext>
     </p:extLst>
   </p:cSld>
@@ -7185,16 +8539,109 @@
           <a:chExt cx="0" cy="0"/>
         </a:xfrm>
       </p:grpSpPr>
-      <p:sp>
-        <p:nvSpPr>
-          <p:cNvPr id="3" name="TextBox 2"/>
+      <p:pic>
+        <p:nvPicPr>
+          <p:cNvPr id="5" name="그림 4"/>
+          <p:cNvPicPr>
+            <a:picLocks noChangeAspect="1"/>
+          </p:cNvPicPr>
+          <p:nvPr/>
+        </p:nvPicPr>
+        <p:blipFill>
+          <a:blip r:embed="rId2">
+            <a:extLst>
+              <a:ext uri="{28A0092B-C50C-407E-A947-70E740481C1C}">
+                <a14:useLocalDpi xmlns:a14="http://schemas.microsoft.com/office/drawing/2010/main" val="0"/>
+              </a:ext>
+            </a:extLst>
+          </a:blip>
+          <a:stretch>
+            <a:fillRect/>
+          </a:stretch>
+        </p:blipFill>
+        <p:spPr>
+          <a:xfrm>
+            <a:off x="0" y="-51918"/>
+            <a:ext cx="9144000" cy="6858000"/>
+          </a:xfrm>
+          <a:prstGeom prst="rect">
+            <a:avLst/>
+          </a:prstGeom>
+        </p:spPr>
+      </p:pic>
+      <p:sp>
+        <p:nvSpPr>
+          <p:cNvPr id="3" name="내용 개체 틀 2"/>
+          <p:cNvSpPr>
+            <a:spLocks noGrp="1"/>
+          </p:cNvSpPr>
+          <p:nvPr>
+            <p:ph idx="1"/>
+          </p:nvPr>
+        </p:nvSpPr>
+        <p:spPr/>
+        <p:txBody>
+          <a:bodyPr/>
+          <a:lstStyle/>
+          <a:p>
+            <a:pPr marL="0" indent="0">
+              <a:buNone/>
+            </a:pPr>
+            <a:endParaRPr lang="en-US" altLang="ko-KR"/>
+          </a:p>
+          <a:p>
+            <a:pPr marL="0" indent="0">
+              <a:buNone/>
+            </a:pPr>
+            <a:endParaRPr lang="ko-KR" altLang="en-US"/>
+          </a:p>
+        </p:txBody>
+      </p:sp>
+      <p:cxnSp>
+        <p:nvCxnSpPr>
+          <p:cNvPr id="6" name="직선 연결선 5"/>
+          <p:cNvCxnSpPr/>
+          <p:nvPr/>
+        </p:nvCxnSpPr>
+        <p:spPr>
+          <a:xfrm>
+            <a:off x="4817566" y="463116"/>
+            <a:ext cx="0" cy="584775"/>
+          </a:xfrm>
+          <a:prstGeom prst="line">
+            <a:avLst/>
+          </a:prstGeom>
+          <a:ln w="28575">
+            <a:solidFill>
+              <a:schemeClr val="bg1"/>
+            </a:solidFill>
+          </a:ln>
+        </p:spPr>
+        <p:style>
+          <a:lnRef idx="1">
+            <a:schemeClr val="accent1"/>
+          </a:lnRef>
+          <a:fillRef idx="0">
+            <a:schemeClr val="accent1"/>
+          </a:fillRef>
+          <a:effectRef idx="0">
+            <a:schemeClr val="accent1"/>
+          </a:effectRef>
+          <a:fontRef idx="minor">
+            <a:schemeClr val="tx1"/>
+          </a:fontRef>
+        </p:style>
+      </p:cxnSp>
+      <p:sp>
+        <p:nvSpPr>
+          <p:cNvPr id="7" name="TextBox 6"/>
           <p:cNvSpPr txBox="1"/>
           <p:nvPr/>
         </p:nvSpPr>
         <p:spPr>
           <a:xfrm>
-            <a:off x="2870200" y="1862667"/>
-            <a:ext cx="2188420" cy="369332"/>
+            <a:off x="4817566" y="319024"/>
+            <a:ext cx="2421461" cy="584775"/>
           </a:xfrm>
           <a:prstGeom prst="rect">
             <a:avLst/>
@@ -7202,39 +8649,245 @@
           <a:noFill/>
         </p:spPr>
         <p:txBody>
-          <a:bodyPr wrap="none" rtlCol="0">
+          <a:bodyPr wrap="square" rtlCol="0">
             <a:spAutoFit/>
           </a:bodyPr>
           <a:lstStyle/>
           <a:p>
             <a:r>
-              <a:rPr lang="en-US" altLang="ko-KR"/>
-              <a:t>- </a:t>
-            </a:r>
-            <a:r>
-              <a:rPr lang="ko-KR" altLang="en-US"/>
-              <a:t>주요특징 </a:t>
-            </a:r>
-            <a:r>
-              <a:rPr lang="en-US" altLang="ko-KR"/>
-              <a:t>(</a:t>
-            </a:r>
-            <a:r>
-              <a:rPr lang="ko-KR" altLang="en-US" smtClean="0"/>
-              <a:t>모바일</a:t>
-            </a:r>
-            <a:r>
-              <a:rPr lang="en-US" altLang="ko-KR" smtClean="0"/>
-              <a:t>)</a:t>
-            </a:r>
-            <a:endParaRPr lang="ko-KR" altLang="en-US"/>
+              <a:rPr lang="en-US" altLang="ko-KR" sz="3200" smtClean="0">
+                <a:solidFill>
+                  <a:schemeClr val="bg1"/>
+                </a:solidFill>
+                <a:latin typeface="Noto Sans CJK KR Medium" pitchFamily="34" charset="-127"/>
+                <a:ea typeface="Noto Sans CJK KR Medium" pitchFamily="34" charset="-127"/>
+              </a:rPr>
+              <a:t> 2. </a:t>
+            </a:r>
+            <a:r>
+              <a:rPr lang="ko-KR" altLang="en-US" sz="3200" smtClean="0">
+                <a:solidFill>
+                  <a:schemeClr val="bg1"/>
+                </a:solidFill>
+                <a:latin typeface="Noto Sans CJK KR Medium" pitchFamily="34" charset="-127"/>
+                <a:ea typeface="Noto Sans CJK KR Medium" pitchFamily="34" charset="-127"/>
+              </a:rPr>
+              <a:t>컨셉</a:t>
+            </a:r>
+            <a:r>
+              <a:rPr lang="ko-KR" altLang="en-US" sz="3200" smtClean="0">
+                <a:solidFill>
+                  <a:schemeClr val="bg1"/>
+                </a:solidFill>
+                <a:latin typeface="Noto Sans CJK KR Medium" pitchFamily="34" charset="-127"/>
+                <a:ea typeface="Noto Sans CJK KR Medium" pitchFamily="34" charset="-127"/>
+              </a:rPr>
+              <a:t> </a:t>
+            </a:r>
+            <a:endParaRPr lang="en-US" altLang="ko-KR" sz="3200" smtClean="0">
+              <a:solidFill>
+                <a:schemeClr val="bg1"/>
+              </a:solidFill>
+              <a:latin typeface="Noto Sans CJK KR Medium" pitchFamily="34" charset="-127"/>
+              <a:ea typeface="Noto Sans CJK KR Medium" pitchFamily="34" charset="-127"/>
+            </a:endParaRPr>
+          </a:p>
+        </p:txBody>
+      </p:sp>
+      <p:pic>
+        <p:nvPicPr>
+          <p:cNvPr id="3074" name="Picture 2" descr="C:\Users\Administrator\Desktop\hes_web_ex.png"/>
+          <p:cNvPicPr>
+            <a:picLocks noChangeAspect="1" noChangeArrowheads="1"/>
+          </p:cNvPicPr>
+          <p:nvPr/>
+        </p:nvPicPr>
+        <p:blipFill>
+          <a:blip r:embed="rId3" cstate="print">
+            <a:extLst>
+              <a:ext uri="{28A0092B-C50C-407E-A947-70E740481C1C}">
+                <a14:useLocalDpi xmlns:a14="http://schemas.microsoft.com/office/drawing/2010/main" val="0"/>
+              </a:ext>
+            </a:extLst>
+          </a:blip>
+          <a:srcRect/>
+          <a:stretch>
+            <a:fillRect/>
+          </a:stretch>
+        </p:blipFill>
+        <p:spPr bwMode="auto">
+          <a:xfrm>
+            <a:off x="1984111" y="2076093"/>
+            <a:ext cx="5328174" cy="3330109"/>
+          </a:xfrm>
+          <a:prstGeom prst="rect">
+            <a:avLst/>
+          </a:prstGeom>
+          <a:ln>
+            <a:noFill/>
+          </a:ln>
+          <a:effectLst>
+            <a:outerShdw blurRad="292100" dist="139700" dir="2700000" algn="tl" rotWithShape="0">
+              <a:srgbClr val="333333">
+                <a:alpha val="65000"/>
+              </a:srgbClr>
+            </a:outerShdw>
+          </a:effectLst>
+          <a:extLst>
+            <a:ext uri="{909E8E84-426E-40DD-AFC4-6F175D3DCCD1}">
+              <a14:hiddenFill xmlns:a14="http://schemas.microsoft.com/office/drawing/2010/main">
+                <a:solidFill>
+                  <a:srgbClr val="FFFFFF"/>
+                </a:solidFill>
+              </a14:hiddenFill>
+            </a:ext>
+          </a:extLst>
+        </p:spPr>
+      </p:pic>
+      <p:sp>
+        <p:nvSpPr>
+          <p:cNvPr id="4" name="TextBox 3"/>
+          <p:cNvSpPr txBox="1"/>
+          <p:nvPr/>
+        </p:nvSpPr>
+        <p:spPr>
+          <a:xfrm>
+            <a:off x="965201" y="1359798"/>
+            <a:ext cx="2353732" cy="584775"/>
+          </a:xfrm>
+          <a:prstGeom prst="rect">
+            <a:avLst/>
+          </a:prstGeom>
+          <a:noFill/>
+        </p:spPr>
+        <p:txBody>
+          <a:bodyPr wrap="square" rtlCol="0">
+            <a:spAutoFit/>
+          </a:bodyPr>
+          <a:lstStyle/>
+          <a:p>
+            <a:r>
+              <a:rPr lang="en-US" altLang="ko-KR" sz="3200" smtClean="0">
+                <a:solidFill>
+                  <a:schemeClr val="bg1"/>
+                </a:solidFill>
+              </a:rPr>
+              <a:t>Ver. WEB</a:t>
+            </a:r>
+            <a:endParaRPr lang="ko-KR" altLang="en-US" sz="3200">
+              <a:solidFill>
+                <a:schemeClr val="bg1"/>
+              </a:solidFill>
+            </a:endParaRPr>
+          </a:p>
+        </p:txBody>
+      </p:sp>
+      <p:pic>
+        <p:nvPicPr>
+          <p:cNvPr id="11" name="그림 10"/>
+          <p:cNvPicPr>
+            <a:picLocks noChangeAspect="1"/>
+          </p:cNvPicPr>
+          <p:nvPr/>
+        </p:nvPicPr>
+        <p:blipFill>
+          <a:blip r:embed="rId4" cstate="print">
+            <a:extLst>
+              <a:ext uri="{28A0092B-C50C-407E-A947-70E740481C1C}">
+                <a14:useLocalDpi xmlns:a14="http://schemas.microsoft.com/office/drawing/2010/main" val="0"/>
+              </a:ext>
+            </a:extLst>
+          </a:blip>
+          <a:stretch>
+            <a:fillRect/>
+          </a:stretch>
+        </p:blipFill>
+        <p:spPr>
+          <a:xfrm>
+            <a:off x="3640666" y="-810846"/>
+            <a:ext cx="3403608" cy="3249231"/>
+          </a:xfrm>
+          <a:prstGeom prst="rect">
+            <a:avLst/>
+          </a:prstGeom>
+        </p:spPr>
+      </p:pic>
+      <p:sp>
+        <p:nvSpPr>
+          <p:cNvPr id="10" name="TextBox 9"/>
+          <p:cNvSpPr txBox="1"/>
+          <p:nvPr/>
+        </p:nvSpPr>
+        <p:spPr>
+          <a:xfrm>
+            <a:off x="4048660" y="319024"/>
+            <a:ext cx="4572000" cy="584775"/>
+          </a:xfrm>
+          <a:prstGeom prst="rect">
+            <a:avLst/>
+          </a:prstGeom>
+          <a:noFill/>
+        </p:spPr>
+        <p:txBody>
+          <a:bodyPr wrap="square" rtlCol="0">
+            <a:spAutoFit/>
+          </a:bodyPr>
+          <a:lstStyle/>
+          <a:p>
+            <a:r>
+              <a:rPr lang="en-US" altLang="ko-KR" sz="3200" smtClean="0">
+                <a:solidFill>
+                  <a:schemeClr val="bg1"/>
+                </a:solidFill>
+                <a:latin typeface="Noto Sans CJK KR Medium" pitchFamily="34" charset="-127"/>
+                <a:ea typeface="Noto Sans CJK KR Medium" pitchFamily="34" charset="-127"/>
+              </a:rPr>
+              <a:t>2-1. </a:t>
+            </a:r>
+            <a:r>
+              <a:rPr lang="ko-KR" altLang="en-US" sz="3200" smtClean="0">
+                <a:solidFill>
+                  <a:schemeClr val="bg1"/>
+                </a:solidFill>
+                <a:latin typeface="Noto Sans CJK KR Medium" pitchFamily="34" charset="-127"/>
+                <a:ea typeface="Noto Sans CJK KR Medium" pitchFamily="34" charset="-127"/>
+              </a:rPr>
+              <a:t>컨셉 </a:t>
+            </a:r>
+            <a:r>
+              <a:rPr lang="en-US" altLang="ko-KR" sz="3200" smtClean="0">
+                <a:solidFill>
+                  <a:schemeClr val="bg1"/>
+                </a:solidFill>
+                <a:latin typeface="Noto Sans CJK KR Medium" pitchFamily="34" charset="-127"/>
+                <a:ea typeface="Noto Sans CJK KR Medium" pitchFamily="34" charset="-127"/>
+              </a:rPr>
+              <a:t>– </a:t>
+            </a:r>
+            <a:r>
+              <a:rPr lang="ko-KR" altLang="en-US" sz="3200" smtClean="0">
+                <a:solidFill>
+                  <a:schemeClr val="bg1"/>
+                </a:solidFill>
+                <a:latin typeface="Noto Sans CJK KR Medium" pitchFamily="34" charset="-127"/>
+                <a:ea typeface="Noto Sans CJK KR Medium" pitchFamily="34" charset="-127"/>
+              </a:rPr>
+              <a:t>웹</a:t>
+            </a:r>
+            <a:endParaRPr lang="en-US" altLang="ko-KR" sz="3200" smtClean="0">
+              <a:solidFill>
+                <a:schemeClr val="bg1"/>
+              </a:solidFill>
+              <a:latin typeface="Noto Sans CJK KR Medium" pitchFamily="34" charset="-127"/>
+              <a:ea typeface="Noto Sans CJK KR Medium" pitchFamily="34" charset="-127"/>
+            </a:endParaRPr>
           </a:p>
         </p:txBody>
       </p:sp>
     </p:spTree>
     <p:extLst>
       <p:ext uri="{BB962C8B-B14F-4D97-AF65-F5344CB8AC3E}">
-        <p14:creationId xmlns:p14="http://schemas.microsoft.com/office/powerpoint/2010/main" val="2803932066"/>
+        <p14:creationId xmlns:p14="http://schemas.microsoft.com/office/powerpoint/2010/main" val="3374785694"/>
       </p:ext>
     </p:extLst>
   </p:cSld>
@@ -7270,45 +8923,41 @@
       </p:grpSpPr>
       <p:sp>
         <p:nvSpPr>
-          <p:cNvPr id="3" name="TextBox 2"/>
-          <p:cNvSpPr txBox="1"/>
-          <p:nvPr/>
-        </p:nvSpPr>
-        <p:spPr>
-          <a:xfrm>
-            <a:off x="2870200" y="1862667"/>
-            <a:ext cx="1656223" cy="369332"/>
-          </a:xfrm>
-          <a:prstGeom prst="rect">
-            <a:avLst/>
-          </a:prstGeom>
-          <a:noFill/>
-        </p:spPr>
-        <p:txBody>
-          <a:bodyPr wrap="none" rtlCol="0">
-            <a:spAutoFit/>
-          </a:bodyPr>
+          <p:cNvPr id="2" name="제목 1"/>
+          <p:cNvSpPr>
+            <a:spLocks noGrp="1"/>
+          </p:cNvSpPr>
+          <p:nvPr>
+            <p:ph type="title"/>
+          </p:nvPr>
+        </p:nvSpPr>
+        <p:spPr/>
+        <p:txBody>
+          <a:bodyPr/>
           <a:lstStyle/>
           <a:p>
-            <a:r>
-              <a:rPr lang="en-US" altLang="ko-KR"/>
-              <a:t>- </a:t>
-            </a:r>
-            <a:r>
-              <a:rPr lang="ko-KR" altLang="en-US"/>
-              <a:t>주요특징 </a:t>
-            </a:r>
-            <a:r>
-              <a:rPr lang="en-US" altLang="ko-KR" smtClean="0"/>
-              <a:t>(</a:t>
-            </a:r>
+            <a:endParaRPr lang="ko-KR" altLang="en-US"/>
+          </a:p>
+        </p:txBody>
+      </p:sp>
+      <p:sp>
+        <p:nvSpPr>
+          <p:cNvPr id="3" name="내용 개체 틀 2"/>
+          <p:cNvSpPr>
+            <a:spLocks noGrp="1"/>
+          </p:cNvSpPr>
+          <p:nvPr>
+            <p:ph idx="1"/>
+          </p:nvPr>
+        </p:nvSpPr>
+        <p:spPr/>
+        <p:txBody>
+          <a:bodyPr/>
+          <a:lstStyle/>
+          <a:p>
             <a:r>
               <a:rPr lang="ko-KR" altLang="en-US" smtClean="0"/>
-              <a:t>웹</a:t>
-            </a:r>
-            <a:r>
-              <a:rPr lang="en-US" altLang="ko-KR" smtClean="0"/>
-              <a:t>)</a:t>
+              <a:t>페르소나</a:t>
             </a:r>
             <a:endParaRPr lang="ko-KR" altLang="en-US"/>
           </a:p>
@@ -7317,7 +8966,7 @@
     </p:spTree>
     <p:extLst>
       <p:ext uri="{BB962C8B-B14F-4D97-AF65-F5344CB8AC3E}">
-        <p14:creationId xmlns:p14="http://schemas.microsoft.com/office/powerpoint/2010/main" val="3522876138"/>
+        <p14:creationId xmlns:p14="http://schemas.microsoft.com/office/powerpoint/2010/main" val="2408449676"/>
       </p:ext>
     </p:extLst>
   </p:cSld>
@@ -7656,7 +9305,7 @@
   <a:extraClrSchemeLst/>
   <a:extLst>
     <a:ext uri="{05A4C25C-085E-4340-85A3-A5531E510DB2}">
-      <thm15:themeFamily xmlns="" xmlns:thm15="http://schemas.microsoft.com/office/thememl/2012/main" name="Office Theme" id="{62F939B6-93AF-4DB8-9C6B-D6C7DFDC589F}" vid="{4A3C46E8-61CC-4603-A589-7422A47A8E4A}"/>
+      <thm15:themeFamily xmlns:thm15="http://schemas.microsoft.com/office/thememl/2012/main" xmlns="" name="Office Theme" id="{62F939B6-93AF-4DB8-9C6B-D6C7DFDC589F}" vid="{4A3C46E8-61CC-4603-A589-7422A47A8E4A}"/>
     </a:ext>
   </a:extLst>
 </a:theme>

--- a/project_2/ppt/project_hes.pptx
+++ b/project_2/ppt/project_hes.pptx
@@ -10,9 +10,9 @@
     <p:sldId id="258" r:id="rId4"/>
     <p:sldId id="268" r:id="rId5"/>
     <p:sldId id="266" r:id="rId6"/>
-    <p:sldId id="276" r:id="rId7"/>
-    <p:sldId id="277" r:id="rId8"/>
-    <p:sldId id="271" r:id="rId9"/>
+    <p:sldId id="271" r:id="rId7"/>
+    <p:sldId id="276" r:id="rId8"/>
+    <p:sldId id="277" r:id="rId9"/>
     <p:sldId id="259" r:id="rId10"/>
     <p:sldId id="262" r:id="rId11"/>
     <p:sldId id="263" r:id="rId12"/>
@@ -255,7 +255,7 @@
           <a:p>
             <a:fld id="{0BC0D2BD-574B-4AA1-AA71-746D41872FD6}" type="datetimeFigureOut">
               <a:rPr lang="ko-KR" altLang="en-US" smtClean="0"/>
-              <a:t>2018-08-02</a:t>
+              <a:t>2018-08-03</a:t>
             </a:fld>
             <a:endParaRPr lang="ko-KR" altLang="en-US"/>
           </a:p>
@@ -425,7 +425,7 @@
           <a:p>
             <a:fld id="{0BC0D2BD-574B-4AA1-AA71-746D41872FD6}" type="datetimeFigureOut">
               <a:rPr lang="ko-KR" altLang="en-US" smtClean="0"/>
-              <a:t>2018-08-02</a:t>
+              <a:t>2018-08-03</a:t>
             </a:fld>
             <a:endParaRPr lang="ko-KR" altLang="en-US"/>
           </a:p>
@@ -605,7 +605,7 @@
           <a:p>
             <a:fld id="{0BC0D2BD-574B-4AA1-AA71-746D41872FD6}" type="datetimeFigureOut">
               <a:rPr lang="ko-KR" altLang="en-US" smtClean="0"/>
-              <a:t>2018-08-02</a:t>
+              <a:t>2018-08-03</a:t>
             </a:fld>
             <a:endParaRPr lang="ko-KR" altLang="en-US"/>
           </a:p>
@@ -775,7 +775,7 @@
           <a:p>
             <a:fld id="{0BC0D2BD-574B-4AA1-AA71-746D41872FD6}" type="datetimeFigureOut">
               <a:rPr lang="ko-KR" altLang="en-US" smtClean="0"/>
-              <a:t>2018-08-02</a:t>
+              <a:t>2018-08-03</a:t>
             </a:fld>
             <a:endParaRPr lang="ko-KR" altLang="en-US"/>
           </a:p>
@@ -1019,7 +1019,7 @@
           <a:p>
             <a:fld id="{0BC0D2BD-574B-4AA1-AA71-746D41872FD6}" type="datetimeFigureOut">
               <a:rPr lang="ko-KR" altLang="en-US" smtClean="0"/>
-              <a:t>2018-08-02</a:t>
+              <a:t>2018-08-03</a:t>
             </a:fld>
             <a:endParaRPr lang="ko-KR" altLang="en-US"/>
           </a:p>
@@ -1251,7 +1251,7 @@
           <a:p>
             <a:fld id="{0BC0D2BD-574B-4AA1-AA71-746D41872FD6}" type="datetimeFigureOut">
               <a:rPr lang="ko-KR" altLang="en-US" smtClean="0"/>
-              <a:t>2018-08-02</a:t>
+              <a:t>2018-08-03</a:t>
             </a:fld>
             <a:endParaRPr lang="ko-KR" altLang="en-US"/>
           </a:p>
@@ -1618,7 +1618,7 @@
           <a:p>
             <a:fld id="{0BC0D2BD-574B-4AA1-AA71-746D41872FD6}" type="datetimeFigureOut">
               <a:rPr lang="ko-KR" altLang="en-US" smtClean="0"/>
-              <a:t>2018-08-02</a:t>
+              <a:t>2018-08-03</a:t>
             </a:fld>
             <a:endParaRPr lang="ko-KR" altLang="en-US"/>
           </a:p>
@@ -1736,7 +1736,7 @@
           <a:p>
             <a:fld id="{0BC0D2BD-574B-4AA1-AA71-746D41872FD6}" type="datetimeFigureOut">
               <a:rPr lang="ko-KR" altLang="en-US" smtClean="0"/>
-              <a:t>2018-08-02</a:t>
+              <a:t>2018-08-03</a:t>
             </a:fld>
             <a:endParaRPr lang="ko-KR" altLang="en-US"/>
           </a:p>
@@ -1831,7 +1831,7 @@
           <a:p>
             <a:fld id="{0BC0D2BD-574B-4AA1-AA71-746D41872FD6}" type="datetimeFigureOut">
               <a:rPr lang="ko-KR" altLang="en-US" smtClean="0"/>
-              <a:t>2018-08-02</a:t>
+              <a:t>2018-08-03</a:t>
             </a:fld>
             <a:endParaRPr lang="ko-KR" altLang="en-US"/>
           </a:p>
@@ -2108,7 +2108,7 @@
           <a:p>
             <a:fld id="{0BC0D2BD-574B-4AA1-AA71-746D41872FD6}" type="datetimeFigureOut">
               <a:rPr lang="ko-KR" altLang="en-US" smtClean="0"/>
-              <a:t>2018-08-02</a:t>
+              <a:t>2018-08-03</a:t>
             </a:fld>
             <a:endParaRPr lang="ko-KR" altLang="en-US"/>
           </a:p>
@@ -2365,7 +2365,7 @@
           <a:p>
             <a:fld id="{0BC0D2BD-574B-4AA1-AA71-746D41872FD6}" type="datetimeFigureOut">
               <a:rPr lang="ko-KR" altLang="en-US" smtClean="0"/>
-              <a:t>2018-08-02</a:t>
+              <a:t>2018-08-03</a:t>
             </a:fld>
             <a:endParaRPr lang="ko-KR" altLang="en-US"/>
           </a:p>
@@ -2578,7 +2578,7 @@
           <a:p>
             <a:fld id="{0BC0D2BD-574B-4AA1-AA71-746D41872FD6}" type="datetimeFigureOut">
               <a:rPr lang="ko-KR" altLang="en-US" smtClean="0"/>
-              <a:t>2018-08-02</a:t>
+              <a:t>2018-08-03</a:t>
             </a:fld>
             <a:endParaRPr lang="ko-KR" altLang="en-US"/>
           </a:p>
@@ -3362,6 +3362,8 @@
                 <a:solidFill>
                   <a:srgbClr val="EBBEC0"/>
                 </a:solidFill>
+                <a:latin typeface="나눔스퀘어OTF Bold" pitchFamily="34" charset="-127"/>
+                <a:ea typeface="나눔스퀘어OTF Bold" pitchFamily="34" charset="-127"/>
               </a:rPr>
               <a:t>*</a:t>
             </a:r>
@@ -3392,8 +3394,8 @@
                     <a:lumOff val="25000"/>
                   </a:schemeClr>
                 </a:solidFill>
-                <a:latin typeface="Noto Sans CJK KR Medium" pitchFamily="34" charset="-127"/>
-                <a:ea typeface="Noto Sans CJK KR Medium" pitchFamily="34" charset="-127"/>
+                <a:latin typeface="나눔스퀘어OTF Bold" pitchFamily="34" charset="-127"/>
+                <a:ea typeface="나눔스퀘어OTF Bold" pitchFamily="34" charset="-127"/>
               </a:rPr>
               <a:t>- </a:t>
             </a:r>
@@ -3405,8 +3407,8 @@
                     <a:lumOff val="25000"/>
                   </a:schemeClr>
                 </a:solidFill>
-                <a:latin typeface="Noto Sans CJK KR Medium" pitchFamily="34" charset="-127"/>
-                <a:ea typeface="Noto Sans CJK KR Medium" pitchFamily="34" charset="-127"/>
+                <a:latin typeface="나눔스퀘어OTF Bold" pitchFamily="34" charset="-127"/>
+                <a:ea typeface="나눔스퀘어OTF Bold" pitchFamily="34" charset="-127"/>
               </a:rPr>
               <a:t>오프라인으로 퍼스널 컬러진단이 가능하다</a:t>
             </a:r>
@@ -3418,8 +3420,8 @@
                     <a:lumOff val="25000"/>
                   </a:schemeClr>
                 </a:solidFill>
-                <a:latin typeface="Noto Sans CJK KR Medium" pitchFamily="34" charset="-127"/>
-                <a:ea typeface="Noto Sans CJK KR Medium" pitchFamily="34" charset="-127"/>
+                <a:latin typeface="나눔스퀘어OTF Bold" pitchFamily="34" charset="-127"/>
+                <a:ea typeface="나눔스퀘어OTF Bold" pitchFamily="34" charset="-127"/>
               </a:rPr>
               <a:t>.</a:t>
             </a:r>
@@ -3450,8 +3452,8 @@
                     <a:lumOff val="25000"/>
                   </a:schemeClr>
                 </a:solidFill>
-                <a:latin typeface="Noto Sans CJK KR Medium" pitchFamily="34" charset="-127"/>
-                <a:ea typeface="Noto Sans CJK KR Medium" pitchFamily="34" charset="-127"/>
+                <a:latin typeface="나눔스퀘어OTF Bold" pitchFamily="34" charset="-127"/>
+                <a:ea typeface="나눔스퀘어OTF Bold" pitchFamily="34" charset="-127"/>
               </a:rPr>
               <a:t>- </a:t>
             </a:r>
@@ -3463,8 +3465,8 @@
                     <a:lumOff val="25000"/>
                   </a:schemeClr>
                 </a:solidFill>
-                <a:latin typeface="Noto Sans CJK KR Medium" pitchFamily="34" charset="-127"/>
-                <a:ea typeface="Noto Sans CJK KR Medium" pitchFamily="34" charset="-127"/>
+                <a:latin typeface="나눔스퀘어OTF Bold" pitchFamily="34" charset="-127"/>
+                <a:ea typeface="나눔스퀘어OTF Bold" pitchFamily="34" charset="-127"/>
               </a:rPr>
               <a:t>진단 결과에 따른 헤어</a:t>
             </a:r>
@@ -3476,8 +3478,8 @@
                     <a:lumOff val="25000"/>
                   </a:schemeClr>
                 </a:solidFill>
-                <a:latin typeface="Noto Sans CJK KR Medium" pitchFamily="34" charset="-127"/>
-                <a:ea typeface="Noto Sans CJK KR Medium" pitchFamily="34" charset="-127"/>
+                <a:latin typeface="나눔스퀘어OTF Bold" pitchFamily="34" charset="-127"/>
+                <a:ea typeface="나눔스퀘어OTF Bold" pitchFamily="34" charset="-127"/>
               </a:rPr>
               <a:t>, </a:t>
             </a:r>
@@ -3489,8 +3491,8 @@
                     <a:lumOff val="25000"/>
                   </a:schemeClr>
                 </a:solidFill>
-                <a:latin typeface="Noto Sans CJK KR Medium" pitchFamily="34" charset="-127"/>
-                <a:ea typeface="Noto Sans CJK KR Medium" pitchFamily="34" charset="-127"/>
+                <a:latin typeface="나눔스퀘어OTF Bold" pitchFamily="34" charset="-127"/>
+                <a:ea typeface="나눔스퀘어OTF Bold" pitchFamily="34" charset="-127"/>
               </a:rPr>
               <a:t>메이크업</a:t>
             </a:r>
@@ -3502,8 +3504,8 @@
                     <a:lumOff val="25000"/>
                   </a:schemeClr>
                 </a:solidFill>
-                <a:latin typeface="Noto Sans CJK KR Medium" pitchFamily="34" charset="-127"/>
-                <a:ea typeface="Noto Sans CJK KR Medium" pitchFamily="34" charset="-127"/>
+                <a:latin typeface="나눔스퀘어OTF Bold" pitchFamily="34" charset="-127"/>
+                <a:ea typeface="나눔스퀘어OTF Bold" pitchFamily="34" charset="-127"/>
               </a:rPr>
               <a:t>, </a:t>
             </a:r>
@@ -3515,8 +3517,8 @@
                     <a:lumOff val="25000"/>
                   </a:schemeClr>
                 </a:solidFill>
-                <a:latin typeface="Noto Sans CJK KR Medium" pitchFamily="34" charset="-127"/>
-                <a:ea typeface="Noto Sans CJK KR Medium" pitchFamily="34" charset="-127"/>
+                <a:latin typeface="나눔스퀘어OTF Bold" pitchFamily="34" charset="-127"/>
+                <a:ea typeface="나눔스퀘어OTF Bold" pitchFamily="34" charset="-127"/>
               </a:rPr>
               <a:t>코디 등을 추천해준다</a:t>
             </a:r>
@@ -3528,8 +3530,8 @@
                     <a:lumOff val="25000"/>
                   </a:schemeClr>
                 </a:solidFill>
-                <a:latin typeface="Noto Sans CJK KR Medium" pitchFamily="34" charset="-127"/>
-                <a:ea typeface="Noto Sans CJK KR Medium" pitchFamily="34" charset="-127"/>
+                <a:latin typeface="나눔스퀘어OTF Bold" pitchFamily="34" charset="-127"/>
+                <a:ea typeface="나눔스퀘어OTF Bold" pitchFamily="34" charset="-127"/>
               </a:rPr>
               <a:t>.</a:t>
             </a:r>
@@ -3560,8 +3562,8 @@
                     <a:lumOff val="25000"/>
                   </a:schemeClr>
                 </a:solidFill>
-                <a:latin typeface="Noto Sans CJK KR Medium" pitchFamily="34" charset="-127"/>
-                <a:ea typeface="Noto Sans CJK KR Medium" pitchFamily="34" charset="-127"/>
+                <a:latin typeface="나눔스퀘어OTF Bold" pitchFamily="34" charset="-127"/>
+                <a:ea typeface="나눔스퀘어OTF Bold" pitchFamily="34" charset="-127"/>
               </a:rPr>
               <a:t>- </a:t>
             </a:r>
@@ -3573,8 +3575,8 @@
                     <a:lumOff val="25000"/>
                   </a:schemeClr>
                 </a:solidFill>
-                <a:latin typeface="Noto Sans CJK KR Medium" pitchFamily="34" charset="-127"/>
-                <a:ea typeface="Noto Sans CJK KR Medium" pitchFamily="34" charset="-127"/>
+                <a:latin typeface="나눔스퀘어OTF Bold" pitchFamily="34" charset="-127"/>
+                <a:ea typeface="나눔스퀘어OTF Bold" pitchFamily="34" charset="-127"/>
               </a:rPr>
               <a:t>카메라 기능을 사용해 자신과 어울리는 색을 알아볼 수 있다</a:t>
             </a:r>
@@ -3586,8 +3588,8 @@
                     <a:lumOff val="25000"/>
                   </a:schemeClr>
                 </a:solidFill>
-                <a:latin typeface="Noto Sans CJK KR Medium" pitchFamily="34" charset="-127"/>
-                <a:ea typeface="Noto Sans CJK KR Medium" pitchFamily="34" charset="-127"/>
+                <a:latin typeface="나눔스퀘어OTF Bold" pitchFamily="34" charset="-127"/>
+                <a:ea typeface="나눔스퀘어OTF Bold" pitchFamily="34" charset="-127"/>
               </a:rPr>
               <a:t>.</a:t>
             </a:r>
@@ -3604,8 +3606,8 @@
               <a:effectLst/>
               <a:uLnTx/>
               <a:uFillTx/>
-              <a:latin typeface="Noto Sans CJK KR Medium" pitchFamily="34" charset="-127"/>
-              <a:ea typeface="Noto Sans CJK KR Medium" pitchFamily="34" charset="-127"/>
+              <a:latin typeface="나눔스퀘어OTF Bold" pitchFamily="34" charset="-127"/>
+              <a:ea typeface="나눔스퀘어OTF Bold" pitchFamily="34" charset="-127"/>
             </a:endParaRPr>
           </a:p>
         </p:txBody>
@@ -3811,8 +3813,8 @@
                     <a:lumOff val="25000"/>
                   </a:schemeClr>
                 </a:solidFill>
-                <a:latin typeface="Noto Sans CJK KR Medium" pitchFamily="34" charset="-127"/>
-                <a:ea typeface="Noto Sans CJK KR Medium" pitchFamily="34" charset="-127"/>
+                <a:latin typeface="나눔스퀘어OTF Bold" pitchFamily="34" charset="-127"/>
+                <a:ea typeface="나눔스퀘어OTF Bold" pitchFamily="34" charset="-127"/>
               </a:rPr>
               <a:t>- </a:t>
             </a:r>
@@ -3824,8 +3826,8 @@
                     <a:lumOff val="25000"/>
                   </a:schemeClr>
                 </a:solidFill>
-                <a:latin typeface="Noto Sans CJK KR Medium" pitchFamily="34" charset="-127"/>
-                <a:ea typeface="Noto Sans CJK KR Medium" pitchFamily="34" charset="-127"/>
+                <a:latin typeface="나눔스퀘어OTF Bold" pitchFamily="34" charset="-127"/>
+                <a:ea typeface="나눔스퀘어OTF Bold" pitchFamily="34" charset="-127"/>
               </a:rPr>
               <a:t>다양한 컨텐츠로 이루어져 있다</a:t>
             </a:r>
@@ -3837,8 +3839,8 @@
                     <a:lumOff val="25000"/>
                   </a:schemeClr>
                 </a:solidFill>
-                <a:latin typeface="Noto Sans CJK KR Medium" pitchFamily="34" charset="-127"/>
-                <a:ea typeface="Noto Sans CJK KR Medium" pitchFamily="34" charset="-127"/>
+                <a:latin typeface="나눔스퀘어OTF Bold" pitchFamily="34" charset="-127"/>
+                <a:ea typeface="나눔스퀘어OTF Bold" pitchFamily="34" charset="-127"/>
               </a:rPr>
               <a:t>.</a:t>
             </a:r>
@@ -3867,8 +3869,8 @@
                     <a:lumOff val="25000"/>
                   </a:schemeClr>
                 </a:solidFill>
-                <a:latin typeface="Noto Sans CJK KR Medium" pitchFamily="34" charset="-127"/>
-                <a:ea typeface="Noto Sans CJK KR Medium" pitchFamily="34" charset="-127"/>
+                <a:latin typeface="나눔스퀘어OTF Bold" pitchFamily="34" charset="-127"/>
+                <a:ea typeface="나눔스퀘어OTF Bold" pitchFamily="34" charset="-127"/>
               </a:rPr>
               <a:t>- </a:t>
             </a:r>
@@ -3880,8 +3882,8 @@
                     <a:lumOff val="25000"/>
                   </a:schemeClr>
                 </a:solidFill>
-                <a:latin typeface="Noto Sans CJK KR Medium" pitchFamily="34" charset="-127"/>
-                <a:ea typeface="Noto Sans CJK KR Medium" pitchFamily="34" charset="-127"/>
+                <a:latin typeface="나눔스퀘어OTF Bold" pitchFamily="34" charset="-127"/>
+                <a:ea typeface="나눔스퀘어OTF Bold" pitchFamily="34" charset="-127"/>
               </a:rPr>
               <a:t>키워드 검색을 통해 원하는 정보를 쉽게 찾을 수 있다</a:t>
             </a:r>
@@ -3893,8 +3895,8 @@
                     <a:lumOff val="25000"/>
                   </a:schemeClr>
                 </a:solidFill>
-                <a:latin typeface="Noto Sans CJK KR Medium" pitchFamily="34" charset="-127"/>
-                <a:ea typeface="Noto Sans CJK KR Medium" pitchFamily="34" charset="-127"/>
+                <a:latin typeface="나눔스퀘어OTF Bold" pitchFamily="34" charset="-127"/>
+                <a:ea typeface="나눔스퀘어OTF Bold" pitchFamily="34" charset="-127"/>
               </a:rPr>
               <a:t>.</a:t>
             </a:r>
@@ -3923,8 +3925,8 @@
                     <a:lumOff val="25000"/>
                   </a:schemeClr>
                 </a:solidFill>
-                <a:latin typeface="Noto Sans CJK KR Medium" pitchFamily="34" charset="-127"/>
-                <a:ea typeface="Noto Sans CJK KR Medium" pitchFamily="34" charset="-127"/>
+                <a:latin typeface="나눔스퀘어OTF Bold" pitchFamily="34" charset="-127"/>
+                <a:ea typeface="나눔스퀘어OTF Bold" pitchFamily="34" charset="-127"/>
               </a:rPr>
               <a:t>- </a:t>
             </a:r>
@@ -3936,8 +3938,8 @@
                     <a:lumOff val="25000"/>
                   </a:schemeClr>
                 </a:solidFill>
-                <a:latin typeface="Noto Sans CJK KR Medium" pitchFamily="34" charset="-127"/>
-                <a:ea typeface="Noto Sans CJK KR Medium" pitchFamily="34" charset="-127"/>
+                <a:latin typeface="나눔스퀘어OTF Bold" pitchFamily="34" charset="-127"/>
+                <a:ea typeface="나눔스퀘어OTF Bold" pitchFamily="34" charset="-127"/>
               </a:rPr>
               <a:t>전문가의 자료를 근거로 하여</a:t>
             </a:r>
@@ -3949,8 +3951,8 @@
                     <a:lumOff val="25000"/>
                   </a:schemeClr>
                 </a:solidFill>
-                <a:latin typeface="Noto Sans CJK KR Medium" pitchFamily="34" charset="-127"/>
-                <a:ea typeface="Noto Sans CJK KR Medium" pitchFamily="34" charset="-127"/>
+                <a:latin typeface="나눔스퀘어OTF Bold" pitchFamily="34" charset="-127"/>
+                <a:ea typeface="나눔스퀘어OTF Bold" pitchFamily="34" charset="-127"/>
               </a:rPr>
               <a:t>, </a:t>
             </a:r>
@@ -3962,8 +3964,8 @@
                     <a:lumOff val="25000"/>
                   </a:schemeClr>
                 </a:solidFill>
-                <a:latin typeface="Noto Sans CJK KR Medium" pitchFamily="34" charset="-127"/>
-                <a:ea typeface="Noto Sans CJK KR Medium" pitchFamily="34" charset="-127"/>
+                <a:latin typeface="나눔스퀘어OTF Bold" pitchFamily="34" charset="-127"/>
+                <a:ea typeface="나눔스퀘어OTF Bold" pitchFamily="34" charset="-127"/>
               </a:rPr>
               <a:t>신뢰도가 높아보인다</a:t>
             </a:r>
@@ -3975,8 +3977,8 @@
                     <a:lumOff val="25000"/>
                   </a:schemeClr>
                 </a:solidFill>
-                <a:latin typeface="Noto Sans CJK KR Medium" pitchFamily="34" charset="-127"/>
-                <a:ea typeface="Noto Sans CJK KR Medium" pitchFamily="34" charset="-127"/>
+                <a:latin typeface="나눔스퀘어OTF Bold" pitchFamily="34" charset="-127"/>
+                <a:ea typeface="나눔스퀘어OTF Bold" pitchFamily="34" charset="-127"/>
               </a:rPr>
               <a:t>.</a:t>
             </a:r>
@@ -4007,8 +4009,8 @@
                     <a:lumOff val="25000"/>
                   </a:schemeClr>
                 </a:solidFill>
-                <a:latin typeface="Noto Sans CJK KR Medium" pitchFamily="34" charset="-127"/>
-                <a:ea typeface="Noto Sans CJK KR Medium" pitchFamily="34" charset="-127"/>
+                <a:latin typeface="나눔스퀘어OTF Bold" pitchFamily="34" charset="-127"/>
+                <a:ea typeface="나눔스퀘어OTF Bold" pitchFamily="34" charset="-127"/>
               </a:rPr>
               <a:t>- </a:t>
             </a:r>
@@ -4020,8 +4022,8 @@
                     <a:lumOff val="25000"/>
                   </a:schemeClr>
                 </a:solidFill>
-                <a:latin typeface="Noto Sans CJK KR Medium" pitchFamily="34" charset="-127"/>
-                <a:ea typeface="Noto Sans CJK KR Medium" pitchFamily="34" charset="-127"/>
+                <a:latin typeface="나눔스퀘어OTF Bold" pitchFamily="34" charset="-127"/>
+                <a:ea typeface="나눔스퀘어OTF Bold" pitchFamily="34" charset="-127"/>
               </a:rPr>
               <a:t>어플과 웹사이트에 대해 </a:t>
             </a:r>
@@ -4030,8 +4032,8 @@
                 <a:solidFill>
                   <a:schemeClr val="bg1"/>
                 </a:solidFill>
-                <a:latin typeface="Noto Sans CJK KR Medium" pitchFamily="34" charset="-127"/>
-                <a:ea typeface="Noto Sans CJK KR Medium" pitchFamily="34" charset="-127"/>
+                <a:latin typeface="나눔스퀘어OTF Bold" pitchFamily="34" charset="-127"/>
+                <a:ea typeface="나눔스퀘어OTF Bold" pitchFamily="34" charset="-127"/>
               </a:rPr>
               <a:t>문의할 수 있는 수단</a:t>
             </a:r>
@@ -4043,8 +4045,8 @@
                     <a:lumOff val="25000"/>
                   </a:schemeClr>
                 </a:solidFill>
-                <a:latin typeface="Noto Sans CJK KR Medium" pitchFamily="34" charset="-127"/>
-                <a:ea typeface="Noto Sans CJK KR Medium" pitchFamily="34" charset="-127"/>
+                <a:latin typeface="나눔스퀘어OTF Bold" pitchFamily="34" charset="-127"/>
+                <a:ea typeface="나눔스퀘어OTF Bold" pitchFamily="34" charset="-127"/>
               </a:rPr>
               <a:t>이</a:t>
             </a:r>
@@ -4053,8 +4055,8 @@
                 <a:solidFill>
                   <a:schemeClr val="bg1"/>
                 </a:solidFill>
-                <a:latin typeface="Noto Sans CJK KR Medium" pitchFamily="34" charset="-127"/>
-                <a:ea typeface="Noto Sans CJK KR Medium" pitchFamily="34" charset="-127"/>
+                <a:latin typeface="나눔스퀘어OTF Bold" pitchFamily="34" charset="-127"/>
+                <a:ea typeface="나눔스퀘어OTF Bold" pitchFamily="34" charset="-127"/>
               </a:rPr>
               <a:t> </a:t>
             </a:r>
@@ -4066,8 +4068,8 @@
                     <a:lumOff val="25000"/>
                   </a:schemeClr>
                 </a:solidFill>
-                <a:latin typeface="Noto Sans CJK KR Medium" pitchFamily="34" charset="-127"/>
-                <a:ea typeface="Noto Sans CJK KR Medium" pitchFamily="34" charset="-127"/>
+                <a:latin typeface="나눔스퀘어OTF Bold" pitchFamily="34" charset="-127"/>
+                <a:ea typeface="나눔스퀘어OTF Bold" pitchFamily="34" charset="-127"/>
               </a:rPr>
               <a:t>다양하다</a:t>
             </a:r>
@@ -4079,8 +4081,8 @@
                     <a:lumOff val="25000"/>
                   </a:schemeClr>
                 </a:solidFill>
-                <a:latin typeface="Noto Sans CJK KR Medium" pitchFamily="34" charset="-127"/>
-                <a:ea typeface="Noto Sans CJK KR Medium" pitchFamily="34" charset="-127"/>
+                <a:latin typeface="나눔스퀘어OTF Bold" pitchFamily="34" charset="-127"/>
+                <a:ea typeface="나눔스퀘어OTF Bold" pitchFamily="34" charset="-127"/>
               </a:rPr>
               <a:t>.</a:t>
             </a:r>
@@ -4131,7 +4133,7 @@
         <p:spPr>
           <a:xfrm>
             <a:off x="5054552" y="5883987"/>
-            <a:ext cx="2978701" cy="246221"/>
+            <a:ext cx="2863284" cy="246221"/>
           </a:xfrm>
           <a:prstGeom prst="rect">
             <a:avLst/>
@@ -4152,6 +4154,8 @@
                     <a:lumOff val="35000"/>
                   </a:schemeClr>
                 </a:solidFill>
+                <a:latin typeface="나눔스퀘어OTF Bold" pitchFamily="34" charset="-127"/>
+                <a:ea typeface="나눔스퀘어OTF Bold" pitchFamily="34" charset="-127"/>
               </a:rPr>
               <a:t>[</a:t>
             </a:r>
@@ -4163,6 +4167,8 @@
                     <a:lumOff val="35000"/>
                   </a:schemeClr>
                 </a:solidFill>
+                <a:latin typeface="나눔스퀘어OTF Bold" pitchFamily="34" charset="-127"/>
+                <a:ea typeface="나눔스퀘어OTF Bold" pitchFamily="34" charset="-127"/>
               </a:rPr>
               <a:t>그림</a:t>
             </a:r>
@@ -4174,6 +4180,8 @@
                     <a:lumOff val="35000"/>
                   </a:schemeClr>
                 </a:solidFill>
+                <a:latin typeface="나눔스퀘어OTF Bold" pitchFamily="34" charset="-127"/>
+                <a:ea typeface="나눔스퀘어OTF Bold" pitchFamily="34" charset="-127"/>
               </a:rPr>
               <a:t>1. </a:t>
             </a:r>
@@ -4185,6 +4193,8 @@
                     <a:lumOff val="35000"/>
                   </a:schemeClr>
                 </a:solidFill>
+                <a:latin typeface="나눔스퀘어OTF Bold" pitchFamily="34" charset="-127"/>
+                <a:ea typeface="나눔스퀘어OTF Bold" pitchFamily="34" charset="-127"/>
               </a:rPr>
               <a:t>아이컬러 모바일 앱 고객지원 탭</a:t>
             </a:r>
@@ -4196,6 +4206,8 @@
                     <a:lumOff val="35000"/>
                   </a:schemeClr>
                 </a:solidFill>
+                <a:latin typeface="나눔스퀘어OTF Bold" pitchFamily="34" charset="-127"/>
+                <a:ea typeface="나눔스퀘어OTF Bold" pitchFamily="34" charset="-127"/>
               </a:rPr>
               <a:t>&gt;</a:t>
             </a:r>
@@ -4207,6 +4219,8 @@
                     <a:lumOff val="35000"/>
                   </a:schemeClr>
                 </a:solidFill>
+                <a:latin typeface="나눔스퀘어OTF Bold" pitchFamily="34" charset="-127"/>
+                <a:ea typeface="나눔스퀘어OTF Bold" pitchFamily="34" charset="-127"/>
               </a:rPr>
               <a:t>문의수단</a:t>
             </a:r>
@@ -4218,6 +4232,8 @@
                     <a:lumOff val="35000"/>
                   </a:schemeClr>
                 </a:solidFill>
+                <a:latin typeface="나눔스퀘어OTF Bold" pitchFamily="34" charset="-127"/>
+                <a:ea typeface="나눔스퀘어OTF Bold" pitchFamily="34" charset="-127"/>
               </a:rPr>
               <a:t>]</a:t>
             </a:r>
@@ -4228,6 +4244,8 @@
                   <a:lumOff val="35000"/>
                 </a:schemeClr>
               </a:solidFill>
+              <a:latin typeface="나눔스퀘어OTF Bold" pitchFamily="34" charset="-127"/>
+              <a:ea typeface="나눔스퀘어OTF Bold" pitchFamily="34" charset="-127"/>
             </a:endParaRPr>
           </a:p>
         </p:txBody>
@@ -4674,8 +4692,8 @@
                     <a:lumMod val="10000"/>
                   </a:schemeClr>
                 </a:solidFill>
-                <a:latin typeface="Noto Sans CJK KR Medium" pitchFamily="34" charset="-127"/>
-                <a:ea typeface="Noto Sans CJK KR Medium" pitchFamily="34" charset="-127"/>
+                <a:latin typeface="나눔스퀘어OTF Bold" pitchFamily="34" charset="-127"/>
+                <a:ea typeface="나눔스퀘어OTF Bold" pitchFamily="34" charset="-127"/>
               </a:rPr>
               <a:t>- </a:t>
             </a:r>
@@ -4686,8 +4704,8 @@
                     <a:lumMod val="10000"/>
                   </a:schemeClr>
                 </a:solidFill>
-                <a:latin typeface="Noto Sans CJK KR Medium" pitchFamily="34" charset="-127"/>
-                <a:ea typeface="Noto Sans CJK KR Medium" pitchFamily="34" charset="-127"/>
+                <a:latin typeface="나눔스퀘어OTF Bold" pitchFamily="34" charset="-127"/>
+                <a:ea typeface="나눔스퀘어OTF Bold" pitchFamily="34" charset="-127"/>
               </a:rPr>
               <a:t>퍼스널컬러를 진단하기 위해 </a:t>
             </a:r>
@@ -4698,8 +4716,8 @@
                     <a:lumMod val="10000"/>
                   </a:schemeClr>
                 </a:solidFill>
-                <a:latin typeface="Noto Sans CJK KR Medium" pitchFamily="34" charset="-127"/>
-                <a:ea typeface="Noto Sans CJK KR Medium" pitchFamily="34" charset="-127"/>
+                <a:latin typeface="나눔스퀘어OTF Bold" pitchFamily="34" charset="-127"/>
+                <a:ea typeface="나눔스퀘어OTF Bold" pitchFamily="34" charset="-127"/>
               </a:rPr>
               <a:t>‘</a:t>
             </a:r>
@@ -4710,8 +4728,8 @@
                     <a:lumMod val="10000"/>
                   </a:schemeClr>
                 </a:solidFill>
-                <a:latin typeface="Noto Sans CJK KR Medium" pitchFamily="34" charset="-127"/>
-                <a:ea typeface="Noto Sans CJK KR Medium" pitchFamily="34" charset="-127"/>
+                <a:latin typeface="나눔스퀘어OTF Bold" pitchFamily="34" charset="-127"/>
+                <a:ea typeface="나눔스퀘어OTF Bold" pitchFamily="34" charset="-127"/>
               </a:rPr>
               <a:t>컬러카드</a:t>
             </a:r>
@@ -4722,8 +4740,8 @@
                     <a:lumMod val="10000"/>
                   </a:schemeClr>
                 </a:solidFill>
-                <a:latin typeface="Noto Sans CJK KR Medium" pitchFamily="34" charset="-127"/>
-                <a:ea typeface="Noto Sans CJK KR Medium" pitchFamily="34" charset="-127"/>
+                <a:latin typeface="나눔스퀘어OTF Bold" pitchFamily="34" charset="-127"/>
+                <a:ea typeface="나눔스퀘어OTF Bold" pitchFamily="34" charset="-127"/>
               </a:rPr>
               <a:t>’</a:t>
             </a:r>
@@ -4734,8 +4752,8 @@
                     <a:lumMod val="10000"/>
                   </a:schemeClr>
                 </a:solidFill>
-                <a:latin typeface="Noto Sans CJK KR Medium" pitchFamily="34" charset="-127"/>
-                <a:ea typeface="Noto Sans CJK KR Medium" pitchFamily="34" charset="-127"/>
+                <a:latin typeface="나눔스퀘어OTF Bold" pitchFamily="34" charset="-127"/>
+                <a:ea typeface="나눔스퀘어OTF Bold" pitchFamily="34" charset="-127"/>
               </a:rPr>
               <a:t>를 필수로 소지해야한다</a:t>
             </a:r>
@@ -4746,8 +4764,8 @@
                     <a:lumMod val="10000"/>
                   </a:schemeClr>
                 </a:solidFill>
-                <a:latin typeface="Noto Sans CJK KR Medium" pitchFamily="34" charset="-127"/>
-                <a:ea typeface="Noto Sans CJK KR Medium" pitchFamily="34" charset="-127"/>
+                <a:latin typeface="나눔스퀘어OTF Bold" pitchFamily="34" charset="-127"/>
+                <a:ea typeface="나눔스퀘어OTF Bold" pitchFamily="34" charset="-127"/>
               </a:rPr>
               <a:t>.</a:t>
             </a:r>
@@ -4775,8 +4793,8 @@
                     <a:lumMod val="10000"/>
                   </a:schemeClr>
                 </a:solidFill>
-                <a:latin typeface="Noto Sans CJK KR Medium" pitchFamily="34" charset="-127"/>
-                <a:ea typeface="Noto Sans CJK KR Medium" pitchFamily="34" charset="-127"/>
+                <a:latin typeface="나눔스퀘어OTF Bold" pitchFamily="34" charset="-127"/>
+                <a:ea typeface="나눔스퀘어OTF Bold" pitchFamily="34" charset="-127"/>
               </a:rPr>
               <a:t>- </a:t>
             </a:r>
@@ -4787,8 +4805,8 @@
                     <a:lumMod val="10000"/>
                   </a:schemeClr>
                 </a:solidFill>
-                <a:latin typeface="Noto Sans CJK KR Medium" pitchFamily="34" charset="-127"/>
-                <a:ea typeface="Noto Sans CJK KR Medium" pitchFamily="34" charset="-127"/>
+                <a:latin typeface="나눔스퀘어OTF Bold" pitchFamily="34" charset="-127"/>
+                <a:ea typeface="나눔스퀘어OTF Bold" pitchFamily="34" charset="-127"/>
               </a:rPr>
               <a:t>사진으로 분석하기 때문에</a:t>
             </a:r>
@@ -4799,8 +4817,8 @@
                     <a:lumMod val="10000"/>
                   </a:schemeClr>
                 </a:solidFill>
-                <a:latin typeface="Noto Sans CJK KR Medium" pitchFamily="34" charset="-127"/>
-                <a:ea typeface="Noto Sans CJK KR Medium" pitchFamily="34" charset="-127"/>
+                <a:latin typeface="나눔스퀘어OTF Bold" pitchFamily="34" charset="-127"/>
+                <a:ea typeface="나눔스퀘어OTF Bold" pitchFamily="34" charset="-127"/>
               </a:rPr>
               <a:t>, </a:t>
             </a:r>
@@ -4811,8 +4829,8 @@
                     <a:lumMod val="10000"/>
                   </a:schemeClr>
                 </a:solidFill>
-                <a:latin typeface="Noto Sans CJK KR Medium" pitchFamily="34" charset="-127"/>
-                <a:ea typeface="Noto Sans CJK KR Medium" pitchFamily="34" charset="-127"/>
+                <a:latin typeface="나눔스퀘어OTF Bold" pitchFamily="34" charset="-127"/>
+                <a:ea typeface="나눔스퀘어OTF Bold" pitchFamily="34" charset="-127"/>
               </a:rPr>
               <a:t>전문가의 현장 진단과 다를 수 있다</a:t>
             </a:r>
@@ -4823,8 +4841,8 @@
                     <a:lumMod val="10000"/>
                   </a:schemeClr>
                 </a:solidFill>
-                <a:latin typeface="Noto Sans CJK KR Medium" pitchFamily="34" charset="-127"/>
-                <a:ea typeface="Noto Sans CJK KR Medium" pitchFamily="34" charset="-127"/>
+                <a:latin typeface="나눔스퀘어OTF Bold" pitchFamily="34" charset="-127"/>
+                <a:ea typeface="나눔스퀘어OTF Bold" pitchFamily="34" charset="-127"/>
               </a:rPr>
               <a:t>.</a:t>
             </a:r>
@@ -4846,8 +4864,8 @@
                     <a:lumMod val="10000"/>
                   </a:schemeClr>
                 </a:solidFill>
-                <a:latin typeface="Noto Sans CJK KR Medium" pitchFamily="34" charset="-127"/>
-                <a:ea typeface="Noto Sans CJK KR Medium" pitchFamily="34" charset="-127"/>
+                <a:latin typeface="나눔스퀘어OTF Bold" pitchFamily="34" charset="-127"/>
+                <a:ea typeface="나눔스퀘어OTF Bold" pitchFamily="34" charset="-127"/>
               </a:rPr>
               <a:t>- </a:t>
             </a:r>
@@ -4858,8 +4876,8 @@
                     <a:lumMod val="10000"/>
                   </a:schemeClr>
                 </a:solidFill>
-                <a:latin typeface="Noto Sans CJK KR Medium" pitchFamily="34" charset="-127"/>
-                <a:ea typeface="Noto Sans CJK KR Medium" pitchFamily="34" charset="-127"/>
+                <a:latin typeface="나눔스퀘어OTF Bold" pitchFamily="34" charset="-127"/>
+                <a:ea typeface="나눔스퀘어OTF Bold" pitchFamily="34" charset="-127"/>
               </a:rPr>
               <a:t>컨텐츠를 어플로만 확인 할 수 있다</a:t>
             </a:r>
@@ -4870,8 +4888,8 @@
                     <a:lumMod val="10000"/>
                   </a:schemeClr>
                 </a:solidFill>
-                <a:latin typeface="Noto Sans CJK KR Medium" pitchFamily="34" charset="-127"/>
-                <a:ea typeface="Noto Sans CJK KR Medium" pitchFamily="34" charset="-127"/>
+                <a:latin typeface="나눔스퀘어OTF Bold" pitchFamily="34" charset="-127"/>
+                <a:ea typeface="나눔스퀘어OTF Bold" pitchFamily="34" charset="-127"/>
               </a:rPr>
               <a:t>.</a:t>
             </a:r>
@@ -4891,8 +4909,8 @@
                 <a:solidFill>
                   <a:schemeClr val="bg1"/>
                 </a:solidFill>
-                <a:latin typeface="Noto Sans CJK KR Medium" pitchFamily="34" charset="-127"/>
-                <a:ea typeface="Noto Sans CJK KR Medium" pitchFamily="34" charset="-127"/>
+                <a:latin typeface="나눔스퀘어OTF Bold" pitchFamily="34" charset="-127"/>
+                <a:ea typeface="나눔스퀘어OTF Bold" pitchFamily="34" charset="-127"/>
               </a:rPr>
               <a:t>(</a:t>
             </a:r>
@@ -4901,8 +4919,8 @@
                 <a:solidFill>
                   <a:schemeClr val="bg1"/>
                 </a:solidFill>
-                <a:latin typeface="Noto Sans CJK KR Medium" pitchFamily="34" charset="-127"/>
-                <a:ea typeface="Noto Sans CJK KR Medium" pitchFamily="34" charset="-127"/>
+                <a:latin typeface="나눔스퀘어OTF Bold" pitchFamily="34" charset="-127"/>
+                <a:ea typeface="나눔스퀘어OTF Bold" pitchFamily="34" charset="-127"/>
               </a:rPr>
               <a:t>웹에는 어플소개</a:t>
             </a:r>
@@ -4911,8 +4929,8 @@
                 <a:solidFill>
                   <a:schemeClr val="bg1"/>
                 </a:solidFill>
-                <a:latin typeface="Noto Sans CJK KR Medium" pitchFamily="34" charset="-127"/>
-                <a:ea typeface="Noto Sans CJK KR Medium" pitchFamily="34" charset="-127"/>
+                <a:latin typeface="나눔스퀘어OTF Bold" pitchFamily="34" charset="-127"/>
+                <a:ea typeface="나눔스퀘어OTF Bold" pitchFamily="34" charset="-127"/>
               </a:rPr>
               <a:t>, </a:t>
             </a:r>
@@ -4921,8 +4939,8 @@
                 <a:solidFill>
                   <a:schemeClr val="bg1"/>
                 </a:solidFill>
-                <a:latin typeface="Noto Sans CJK KR Medium" pitchFamily="34" charset="-127"/>
-                <a:ea typeface="Noto Sans CJK KR Medium" pitchFamily="34" charset="-127"/>
+                <a:latin typeface="나눔스퀘어OTF Bold" pitchFamily="34" charset="-127"/>
+                <a:ea typeface="나눔스퀘어OTF Bold" pitchFamily="34" charset="-127"/>
               </a:rPr>
               <a:t>사용방법</a:t>
             </a:r>
@@ -4931,8 +4949,8 @@
                 <a:solidFill>
                   <a:schemeClr val="bg1"/>
                 </a:solidFill>
-                <a:latin typeface="Noto Sans CJK KR Medium" pitchFamily="34" charset="-127"/>
-                <a:ea typeface="Noto Sans CJK KR Medium" pitchFamily="34" charset="-127"/>
+                <a:latin typeface="나눔스퀘어OTF Bold" pitchFamily="34" charset="-127"/>
+                <a:ea typeface="나눔스퀘어OTF Bold" pitchFamily="34" charset="-127"/>
               </a:rPr>
               <a:t>, </a:t>
             </a:r>
@@ -4941,8 +4959,8 @@
                 <a:solidFill>
                   <a:schemeClr val="bg1"/>
                 </a:solidFill>
-                <a:latin typeface="Noto Sans CJK KR Medium" pitchFamily="34" charset="-127"/>
-                <a:ea typeface="Noto Sans CJK KR Medium" pitchFamily="34" charset="-127"/>
+                <a:latin typeface="나눔스퀘어OTF Bold" pitchFamily="34" charset="-127"/>
+                <a:ea typeface="나눔스퀘어OTF Bold" pitchFamily="34" charset="-127"/>
               </a:rPr>
               <a:t>다운로드 등에 대한 내용만 포함</a:t>
             </a:r>
@@ -4951,8 +4969,8 @@
                 <a:solidFill>
                   <a:schemeClr val="bg1"/>
                 </a:solidFill>
-                <a:latin typeface="Noto Sans CJK KR Medium" pitchFamily="34" charset="-127"/>
-                <a:ea typeface="Noto Sans CJK KR Medium" pitchFamily="34" charset="-127"/>
+                <a:latin typeface="나눔스퀘어OTF Bold" pitchFamily="34" charset="-127"/>
+                <a:ea typeface="나눔스퀘어OTF Bold" pitchFamily="34" charset="-127"/>
               </a:rPr>
               <a:t>)</a:t>
             </a:r>
@@ -4985,8 +5003,8 @@
               <a:effectLst/>
               <a:uLnTx/>
               <a:uFillTx/>
-              <a:latin typeface="Noto Sans CJK KR Medium" pitchFamily="34" charset="-127"/>
-              <a:ea typeface="Noto Sans CJK KR Medium" pitchFamily="34" charset="-127"/>
+              <a:latin typeface="나눔스퀘어OTF Bold" pitchFamily="34" charset="-127"/>
+              <a:ea typeface="나눔스퀘어OTF Bold" pitchFamily="34" charset="-127"/>
             </a:endParaRPr>
           </a:p>
         </p:txBody>
@@ -5034,7 +5052,7 @@
         <p:spPr>
           <a:xfrm>
             <a:off x="5336900" y="4929217"/>
-            <a:ext cx="2244525" cy="246221"/>
+            <a:ext cx="2135521" cy="246221"/>
           </a:xfrm>
           <a:prstGeom prst="rect">
             <a:avLst/>
@@ -5047,13 +5065,15 @@
           <a:lstStyle/>
           <a:p>
             <a:r>
-              <a:rPr lang="en-US" altLang="ko-KR" sz="1000">
+              <a:rPr lang="en-US" altLang="ko-KR" sz="1000" smtClean="0">
                 <a:solidFill>
                   <a:schemeClr val="tx1">
                     <a:lumMod val="65000"/>
                     <a:lumOff val="35000"/>
                   </a:schemeClr>
                 </a:solidFill>
+                <a:latin typeface="나눔스퀘어OTF Bold" pitchFamily="34" charset="-127"/>
+                <a:ea typeface="나눔스퀘어OTF Bold" pitchFamily="34" charset="-127"/>
               </a:rPr>
               <a:t>[</a:t>
             </a:r>
@@ -5065,6 +5085,8 @@
                     <a:lumOff val="35000"/>
                   </a:schemeClr>
                 </a:solidFill>
+                <a:latin typeface="나눔스퀘어OTF Bold" pitchFamily="34" charset="-127"/>
+                <a:ea typeface="나눔스퀘어OTF Bold" pitchFamily="34" charset="-127"/>
               </a:rPr>
               <a:t>그림</a:t>
             </a:r>
@@ -5076,6 +5098,8 @@
                     <a:lumOff val="35000"/>
                   </a:schemeClr>
                 </a:solidFill>
+                <a:latin typeface="나눔스퀘어OTF Bold" pitchFamily="34" charset="-127"/>
+                <a:ea typeface="나눔스퀘어OTF Bold" pitchFamily="34" charset="-127"/>
               </a:rPr>
               <a:t>2. </a:t>
             </a:r>
@@ -5087,6 +5111,8 @@
                     <a:lumOff val="35000"/>
                   </a:schemeClr>
                 </a:solidFill>
+                <a:latin typeface="나눔스퀘어OTF Bold" pitchFamily="34" charset="-127"/>
+                <a:ea typeface="나눔스퀘어OTF Bold" pitchFamily="34" charset="-127"/>
               </a:rPr>
               <a:t>아이컬러 웹사이트 카테고리</a:t>
             </a:r>
@@ -5098,6 +5124,8 @@
                     <a:lumOff val="35000"/>
                   </a:schemeClr>
                 </a:solidFill>
+                <a:latin typeface="나눔스퀘어OTF Bold" pitchFamily="34" charset="-127"/>
+                <a:ea typeface="나눔스퀘어OTF Bold" pitchFamily="34" charset="-127"/>
               </a:rPr>
               <a:t>]</a:t>
             </a:r>
@@ -5108,6 +5136,8 @@
                   <a:lumOff val="35000"/>
                 </a:schemeClr>
               </a:solidFill>
+              <a:latin typeface="나눔스퀘어OTF Bold" pitchFamily="34" charset="-127"/>
+              <a:ea typeface="나눔스퀘어OTF Bold" pitchFamily="34" charset="-127"/>
             </a:endParaRPr>
           </a:p>
         </p:txBody>
@@ -5515,6 +5545,8 @@
                 <a:solidFill>
                   <a:srgbClr val="EBBEC0"/>
                 </a:solidFill>
+                <a:latin typeface="나눔스퀘어OTF Bold" pitchFamily="34" charset="-127"/>
+                <a:ea typeface="나눔스퀘어OTF Bold" pitchFamily="34" charset="-127"/>
               </a:rPr>
               <a:t>*</a:t>
             </a:r>
@@ -5550,8 +5582,8 @@
                 <a:effectLst/>
                 <a:uLnTx/>
                 <a:uFillTx/>
-                <a:latin typeface="Noto Sans CJK KR Medium" pitchFamily="34" charset="-127"/>
-                <a:ea typeface="Noto Sans CJK KR Medium" pitchFamily="34" charset="-127"/>
+                <a:latin typeface="나눔스퀘어OTF Bold" pitchFamily="34" charset="-127"/>
+                <a:ea typeface="나눔스퀘어OTF Bold" pitchFamily="34" charset="-127"/>
               </a:rPr>
               <a:t>- Brand Challenge 2018 </a:t>
             </a:r>
@@ -5568,8 +5600,8 @@
                 <a:effectLst/>
                 <a:uLnTx/>
                 <a:uFillTx/>
-                <a:latin typeface="Noto Sans CJK KR Medium" pitchFamily="34" charset="-127"/>
-                <a:ea typeface="Noto Sans CJK KR Medium" pitchFamily="34" charset="-127"/>
+                <a:latin typeface="나눔스퀘어OTF Bold" pitchFamily="34" charset="-127"/>
+                <a:ea typeface="나눔스퀘어OTF Bold" pitchFamily="34" charset="-127"/>
               </a:rPr>
               <a:t>출품작</a:t>
             </a:r>
@@ -5585,8 +5617,8 @@
               <a:effectLst/>
               <a:uLnTx/>
               <a:uFillTx/>
-              <a:latin typeface="Noto Sans CJK KR Medium" pitchFamily="34" charset="-127"/>
-              <a:ea typeface="Noto Sans CJK KR Medium" pitchFamily="34" charset="-127"/>
+              <a:latin typeface="나눔스퀘어OTF Bold" pitchFamily="34" charset="-127"/>
+              <a:ea typeface="나눔스퀘어OTF Bold" pitchFamily="34" charset="-127"/>
             </a:endParaRPr>
           </a:p>
           <a:p>
@@ -5620,8 +5652,8 @@
                 <a:effectLst/>
                 <a:uLnTx/>
                 <a:uFillTx/>
-                <a:latin typeface="Noto Sans CJK KR Medium" pitchFamily="34" charset="-127"/>
-                <a:ea typeface="Noto Sans CJK KR Medium" pitchFamily="34" charset="-127"/>
+                <a:latin typeface="나눔스퀘어OTF Bold" pitchFamily="34" charset="-127"/>
+                <a:ea typeface="나눔스퀘어OTF Bold" pitchFamily="34" charset="-127"/>
               </a:rPr>
               <a:t>-</a:t>
             </a:r>
@@ -5638,8 +5670,8 @@
                 <a:effectLst/>
                 <a:uLnTx/>
                 <a:uFillTx/>
-                <a:latin typeface="Noto Sans CJK KR Medium" pitchFamily="34" charset="-127"/>
-                <a:ea typeface="Noto Sans CJK KR Medium" pitchFamily="34" charset="-127"/>
+                <a:latin typeface="나눔스퀘어OTF Bold" pitchFamily="34" charset="-127"/>
+                <a:ea typeface="나눔스퀘어OTF Bold" pitchFamily="34" charset="-127"/>
               </a:rPr>
               <a:t>브랜드 </a:t>
             </a:r>
@@ -5656,8 +5688,8 @@
                 <a:effectLst/>
                 <a:uLnTx/>
                 <a:uFillTx/>
-                <a:latin typeface="Noto Sans CJK KR Medium" pitchFamily="34" charset="-127"/>
-                <a:ea typeface="Noto Sans CJK KR Medium" pitchFamily="34" charset="-127"/>
+                <a:latin typeface="나눔스퀘어OTF Bold" pitchFamily="34" charset="-127"/>
+                <a:ea typeface="나눔스퀘어OTF Bold" pitchFamily="34" charset="-127"/>
               </a:rPr>
               <a:t>‘</a:t>
             </a:r>
@@ -5674,8 +5706,8 @@
                 <a:effectLst/>
                 <a:uLnTx/>
                 <a:uFillTx/>
-                <a:latin typeface="Noto Sans CJK KR Medium" pitchFamily="34" charset="-127"/>
-                <a:ea typeface="Noto Sans CJK KR Medium" pitchFamily="34" charset="-127"/>
+                <a:latin typeface="나눔스퀘어OTF Bold" pitchFamily="34" charset="-127"/>
+                <a:ea typeface="나눔스퀘어OTF Bold" pitchFamily="34" charset="-127"/>
               </a:rPr>
               <a:t>아모레퍼시픽</a:t>
             </a:r>
@@ -5692,8 +5724,8 @@
                 <a:effectLst/>
                 <a:uLnTx/>
                 <a:uFillTx/>
-                <a:latin typeface="Noto Sans CJK KR Medium" pitchFamily="34" charset="-127"/>
-                <a:ea typeface="Noto Sans CJK KR Medium" pitchFamily="34" charset="-127"/>
+                <a:latin typeface="나눔스퀘어OTF Bold" pitchFamily="34" charset="-127"/>
+                <a:ea typeface="나눔스퀘어OTF Bold" pitchFamily="34" charset="-127"/>
               </a:rPr>
               <a:t>’</a:t>
             </a:r>
@@ -5704,8 +5736,8 @@
                     <a:lumMod val="10000"/>
                   </a:schemeClr>
                 </a:solidFill>
-                <a:latin typeface="Noto Sans CJK KR Medium" pitchFamily="34" charset="-127"/>
-                <a:ea typeface="Noto Sans CJK KR Medium" pitchFamily="34" charset="-127"/>
+                <a:latin typeface="나눔스퀘어OTF Bold" pitchFamily="34" charset="-127"/>
+                <a:ea typeface="나눔스퀘어OTF Bold" pitchFamily="34" charset="-127"/>
               </a:rPr>
               <a:t>을 주제로 했다</a:t>
             </a:r>
@@ -5716,8 +5748,8 @@
                     <a:lumMod val="10000"/>
                   </a:schemeClr>
                 </a:solidFill>
-                <a:latin typeface="Noto Sans CJK KR Medium" pitchFamily="34" charset="-127"/>
-                <a:ea typeface="Noto Sans CJK KR Medium" pitchFamily="34" charset="-127"/>
+                <a:latin typeface="나눔스퀘어OTF Bold" pitchFamily="34" charset="-127"/>
+                <a:ea typeface="나눔스퀘어OTF Bold" pitchFamily="34" charset="-127"/>
               </a:rPr>
               <a:t>.</a:t>
             </a:r>
@@ -5733,8 +5765,8 @@
               <a:effectLst/>
               <a:uLnTx/>
               <a:uFillTx/>
-              <a:latin typeface="Noto Sans CJK KR Medium" pitchFamily="34" charset="-127"/>
-              <a:ea typeface="Noto Sans CJK KR Medium" pitchFamily="34" charset="-127"/>
+              <a:latin typeface="나눔스퀘어OTF Bold" pitchFamily="34" charset="-127"/>
+              <a:ea typeface="나눔스퀘어OTF Bold" pitchFamily="34" charset="-127"/>
             </a:endParaRPr>
           </a:p>
         </p:txBody>
@@ -5844,6 +5876,8 @@
                 <a:solidFill>
                   <a:srgbClr val="EBBEC0"/>
                 </a:solidFill>
+                <a:latin typeface="나눔스퀘어OTF Bold" pitchFamily="34" charset="-127"/>
+                <a:ea typeface="나눔스퀘어OTF Bold" pitchFamily="34" charset="-127"/>
               </a:rPr>
               <a:t>merit</a:t>
             </a:r>
@@ -5855,8 +5889,8 @@
               </a:lnSpc>
             </a:pPr>
             <a:endParaRPr lang="en-US" altLang="ko-KR" sz="1600" smtClean="0">
-              <a:latin typeface="Noto Sans CJK KR Medium" pitchFamily="34" charset="-127"/>
-              <a:ea typeface="Noto Sans CJK KR Medium" pitchFamily="34" charset="-127"/>
+              <a:latin typeface="나눔스퀘어OTF Bold" pitchFamily="34" charset="-127"/>
+              <a:ea typeface="나눔스퀘어OTF Bold" pitchFamily="34" charset="-127"/>
             </a:endParaRPr>
           </a:p>
           <a:p>
@@ -5867,42 +5901,42 @@
             </a:pPr>
             <a:r>
               <a:rPr lang="en-US" altLang="ko-KR" sz="1500" smtClean="0">
-                <a:latin typeface="Noto Sans CJK KR Medium" pitchFamily="34" charset="-127"/>
-                <a:ea typeface="Noto Sans CJK KR Medium" pitchFamily="34" charset="-127"/>
+                <a:latin typeface="나눔스퀘어OTF Bold" pitchFamily="34" charset="-127"/>
+                <a:ea typeface="나눔스퀘어OTF Bold" pitchFamily="34" charset="-127"/>
               </a:rPr>
               <a:t>- </a:t>
             </a:r>
             <a:r>
               <a:rPr lang="ko-KR" altLang="en-US" sz="1500" smtClean="0">
-                <a:latin typeface="Noto Sans CJK KR Medium" pitchFamily="34" charset="-127"/>
-                <a:ea typeface="Noto Sans CJK KR Medium" pitchFamily="34" charset="-127"/>
+                <a:latin typeface="나눔스퀘어OTF Bold" pitchFamily="34" charset="-127"/>
+                <a:ea typeface="나눔스퀘어OTF Bold" pitchFamily="34" charset="-127"/>
               </a:rPr>
               <a:t>레이아웃</a:t>
             </a:r>
             <a:r>
               <a:rPr lang="en-US" altLang="ko-KR" sz="1500">
-                <a:latin typeface="Noto Sans CJK KR Medium" pitchFamily="34" charset="-127"/>
-                <a:ea typeface="Noto Sans CJK KR Medium" pitchFamily="34" charset="-127"/>
+                <a:latin typeface="나눔스퀘어OTF Bold" pitchFamily="34" charset="-127"/>
+                <a:ea typeface="나눔스퀘어OTF Bold" pitchFamily="34" charset="-127"/>
               </a:rPr>
               <a:t>, </a:t>
             </a:r>
             <a:r>
               <a:rPr lang="ko-KR" altLang="en-US" sz="1500">
-                <a:latin typeface="Noto Sans CJK KR Medium" pitchFamily="34" charset="-127"/>
-                <a:ea typeface="Noto Sans CJK KR Medium" pitchFamily="34" charset="-127"/>
+                <a:latin typeface="나눔스퀘어OTF Bold" pitchFamily="34" charset="-127"/>
+                <a:ea typeface="나눔스퀘어OTF Bold" pitchFamily="34" charset="-127"/>
               </a:rPr>
               <a:t>텍스트 등을 크</a:t>
             </a:r>
             <a:r>
               <a:rPr lang="ko-KR" altLang="en-US" sz="1500" smtClean="0">
-                <a:latin typeface="Noto Sans CJK KR Medium" pitchFamily="34" charset="-127"/>
-                <a:ea typeface="Noto Sans CJK KR Medium" pitchFamily="34" charset="-127"/>
+                <a:latin typeface="나눔스퀘어OTF Bold" pitchFamily="34" charset="-127"/>
+                <a:ea typeface="나눔스퀘어OTF Bold" pitchFamily="34" charset="-127"/>
               </a:rPr>
               <a:t>게 배치하여 </a:t>
             </a:r>
             <a:endParaRPr lang="en-US" altLang="ko-KR" sz="1500" smtClean="0">
-              <a:latin typeface="Noto Sans CJK KR Medium" pitchFamily="34" charset="-127"/>
-              <a:ea typeface="Noto Sans CJK KR Medium" pitchFamily="34" charset="-127"/>
+              <a:latin typeface="나눔스퀘어OTF Bold" pitchFamily="34" charset="-127"/>
+              <a:ea typeface="나눔스퀘어OTF Bold" pitchFamily="34" charset="-127"/>
             </a:endParaRPr>
           </a:p>
           <a:p>
@@ -5913,58 +5947,58 @@
             </a:pPr>
             <a:r>
               <a:rPr lang="en-US" altLang="ko-KR" sz="1500">
-                <a:latin typeface="Noto Sans CJK KR Medium" pitchFamily="34" charset="-127"/>
-                <a:ea typeface="Noto Sans CJK KR Medium" pitchFamily="34" charset="-127"/>
+                <a:latin typeface="나눔스퀘어OTF Bold" pitchFamily="34" charset="-127"/>
+                <a:ea typeface="나눔스퀘어OTF Bold" pitchFamily="34" charset="-127"/>
               </a:rPr>
               <a:t> </a:t>
             </a:r>
             <a:r>
               <a:rPr lang="en-US" altLang="ko-KR" sz="1500" smtClean="0">
-                <a:latin typeface="Noto Sans CJK KR Medium" pitchFamily="34" charset="-127"/>
-                <a:ea typeface="Noto Sans CJK KR Medium" pitchFamily="34" charset="-127"/>
+                <a:latin typeface="나눔스퀘어OTF Bold" pitchFamily="34" charset="-127"/>
+                <a:ea typeface="나눔스퀘어OTF Bold" pitchFamily="34" charset="-127"/>
               </a:rPr>
               <a:t>  </a:t>
             </a:r>
             <a:r>
               <a:rPr lang="ko-KR" altLang="en-US" sz="1500" smtClean="0">
-                <a:latin typeface="Noto Sans CJK KR Medium" pitchFamily="34" charset="-127"/>
-                <a:ea typeface="Noto Sans CJK KR Medium" pitchFamily="34" charset="-127"/>
+                <a:latin typeface="나눔스퀘어OTF Bold" pitchFamily="34" charset="-127"/>
+                <a:ea typeface="나눔스퀘어OTF Bold" pitchFamily="34" charset="-127"/>
               </a:rPr>
               <a:t>가독성이 높다</a:t>
             </a:r>
             <a:r>
               <a:rPr lang="en-US" altLang="ko-KR" sz="1500" smtClean="0">
-                <a:latin typeface="Noto Sans CJK KR Medium" pitchFamily="34" charset="-127"/>
-                <a:ea typeface="Noto Sans CJK KR Medium" pitchFamily="34" charset="-127"/>
+                <a:latin typeface="나눔스퀘어OTF Bold" pitchFamily="34" charset="-127"/>
+                <a:ea typeface="나눔스퀘어OTF Bold" pitchFamily="34" charset="-127"/>
               </a:rPr>
               <a:t>.</a:t>
             </a:r>
           </a:p>
           <a:p>
             <a:endParaRPr lang="en-US" altLang="ko-KR" sz="1500">
-              <a:latin typeface="Noto Sans CJK KR Medium" pitchFamily="34" charset="-127"/>
-              <a:ea typeface="Noto Sans CJK KR Medium" pitchFamily="34" charset="-127"/>
+              <a:latin typeface="나눔스퀘어OTF Bold" pitchFamily="34" charset="-127"/>
+              <a:ea typeface="나눔스퀘어OTF Bold" pitchFamily="34" charset="-127"/>
             </a:endParaRPr>
           </a:p>
           <a:p>
             <a:r>
               <a:rPr lang="en-US" altLang="ko-KR" sz="1500" smtClean="0">
-                <a:latin typeface="Noto Sans CJK KR Medium" pitchFamily="34" charset="-127"/>
-                <a:ea typeface="Noto Sans CJK KR Medium" pitchFamily="34" charset="-127"/>
+                <a:latin typeface="나눔스퀘어OTF Bold" pitchFamily="34" charset="-127"/>
+                <a:ea typeface="나눔스퀘어OTF Bold" pitchFamily="34" charset="-127"/>
               </a:rPr>
               <a:t>- </a:t>
             </a:r>
             <a:r>
               <a:rPr lang="ko-KR" altLang="en-US" sz="1500" smtClean="0">
-                <a:latin typeface="Noto Sans CJK KR Medium" pitchFamily="34" charset="-127"/>
-                <a:ea typeface="Noto Sans CJK KR Medium" pitchFamily="34" charset="-127"/>
+                <a:latin typeface="나눔스퀘어OTF Bold" pitchFamily="34" charset="-127"/>
+                <a:ea typeface="나눔스퀘어OTF Bold" pitchFamily="34" charset="-127"/>
               </a:rPr>
               <a:t>순차적으로 나오는 배경이 깔끔하다</a:t>
             </a:r>
             <a:r>
               <a:rPr lang="en-US" altLang="ko-KR" sz="1500" smtClean="0">
-                <a:latin typeface="Noto Sans CJK KR Medium" pitchFamily="34" charset="-127"/>
-                <a:ea typeface="Noto Sans CJK KR Medium" pitchFamily="34" charset="-127"/>
+                <a:latin typeface="나눔스퀘어OTF Bold" pitchFamily="34" charset="-127"/>
+                <a:ea typeface="나눔스퀘어OTF Bold" pitchFamily="34" charset="-127"/>
               </a:rPr>
               <a:t>.</a:t>
             </a:r>
@@ -5975,8 +6009,8 @@
               <a:buChar char="-"/>
             </a:pPr>
             <a:endParaRPr lang="en-US" altLang="ko-KR" sz="1500" smtClean="0">
-              <a:latin typeface="Noto Sans CJK KR Medium" pitchFamily="34" charset="-127"/>
-              <a:ea typeface="Noto Sans CJK KR Medium" pitchFamily="34" charset="-127"/>
+              <a:latin typeface="나눔스퀘어OTF Bold" pitchFamily="34" charset="-127"/>
+              <a:ea typeface="나눔스퀘어OTF Bold" pitchFamily="34" charset="-127"/>
             </a:endParaRPr>
           </a:p>
           <a:p>
@@ -5988,42 +6022,42 @@
                     <a:lumOff val="25000"/>
                   </a:schemeClr>
                 </a:solidFill>
-                <a:latin typeface="Noto Sans CJK KR Medium" pitchFamily="34" charset="-127"/>
-                <a:ea typeface="Noto Sans CJK KR Medium" pitchFamily="34" charset="-127"/>
+                <a:latin typeface="나눔스퀘어OTF Bold" pitchFamily="34" charset="-127"/>
+                <a:ea typeface="나눔스퀘어OTF Bold" pitchFamily="34" charset="-127"/>
               </a:rPr>
               <a:t>-  </a:t>
             </a:r>
             <a:r>
               <a:rPr lang="ko-KR" altLang="en-US" sz="1500" smtClean="0">
-                <a:latin typeface="Noto Sans CJK KR Medium" pitchFamily="34" charset="-127"/>
-                <a:ea typeface="Noto Sans CJK KR Medium" pitchFamily="34" charset="-127"/>
+                <a:latin typeface="나눔스퀘어OTF Bold" pitchFamily="34" charset="-127"/>
+                <a:ea typeface="나눔스퀘어OTF Bold" pitchFamily="34" charset="-127"/>
               </a:rPr>
               <a:t>스킨</a:t>
             </a:r>
             <a:r>
               <a:rPr lang="ko-KR" altLang="en-US" sz="1500">
-                <a:latin typeface="Noto Sans CJK KR Medium" pitchFamily="34" charset="-127"/>
-                <a:ea typeface="Noto Sans CJK KR Medium" pitchFamily="34" charset="-127"/>
+                <a:latin typeface="나눔스퀘어OTF Bold" pitchFamily="34" charset="-127"/>
+                <a:ea typeface="나눔스퀘어OTF Bold" pitchFamily="34" charset="-127"/>
               </a:rPr>
               <a:t>톤</a:t>
             </a:r>
             <a:r>
               <a:rPr lang="ko-KR" altLang="en-US" sz="1500" smtClean="0">
-                <a:latin typeface="Noto Sans CJK KR Medium" pitchFamily="34" charset="-127"/>
-                <a:ea typeface="Noto Sans CJK KR Medium" pitchFamily="34" charset="-127"/>
+                <a:latin typeface="나눔스퀘어OTF Bold" pitchFamily="34" charset="-127"/>
+                <a:ea typeface="나눔스퀘어OTF Bold" pitchFamily="34" charset="-127"/>
               </a:rPr>
               <a:t>을 </a:t>
             </a:r>
             <a:r>
               <a:rPr lang="ko-KR" altLang="en-US" sz="1500">
-                <a:latin typeface="Noto Sans CJK KR Medium" pitchFamily="34" charset="-127"/>
-                <a:ea typeface="Noto Sans CJK KR Medium" pitchFamily="34" charset="-127"/>
+                <a:latin typeface="나눔스퀘어OTF Bold" pitchFamily="34" charset="-127"/>
+                <a:ea typeface="나눔스퀘어OTF Bold" pitchFamily="34" charset="-127"/>
               </a:rPr>
               <a:t>메인 컬러로 잡고 디자인하긴 했지만 </a:t>
             </a:r>
             <a:endParaRPr lang="en-US" altLang="ko-KR" sz="1500">
-              <a:latin typeface="Noto Sans CJK KR Medium" pitchFamily="34" charset="-127"/>
-              <a:ea typeface="Noto Sans CJK KR Medium" pitchFamily="34" charset="-127"/>
+              <a:latin typeface="나눔스퀘어OTF Bold" pitchFamily="34" charset="-127"/>
+              <a:ea typeface="나눔스퀘어OTF Bold" pitchFamily="34" charset="-127"/>
             </a:endParaRPr>
           </a:p>
           <a:p>
@@ -6034,22 +6068,22 @@
             </a:pPr>
             <a:r>
               <a:rPr lang="en-US" altLang="ko-KR" sz="1500">
-                <a:latin typeface="Noto Sans CJK KR Medium" pitchFamily="34" charset="-127"/>
-                <a:ea typeface="Noto Sans CJK KR Medium" pitchFamily="34" charset="-127"/>
+                <a:latin typeface="나눔스퀘어OTF Bold" pitchFamily="34" charset="-127"/>
+                <a:ea typeface="나눔스퀘어OTF Bold" pitchFamily="34" charset="-127"/>
               </a:rPr>
               <a:t>   </a:t>
             </a:r>
             <a:r>
               <a:rPr lang="ko-KR" altLang="en-US" sz="1500">
-                <a:latin typeface="Noto Sans CJK KR Medium" pitchFamily="34" charset="-127"/>
-                <a:ea typeface="Noto Sans CJK KR Medium" pitchFamily="34" charset="-127"/>
+                <a:latin typeface="나눔스퀘어OTF Bold" pitchFamily="34" charset="-127"/>
+                <a:ea typeface="나눔스퀘어OTF Bold" pitchFamily="34" charset="-127"/>
               </a:rPr>
               <a:t>여러 채도의 색을 사용함으로 색채감이 있다</a:t>
             </a:r>
             <a:r>
               <a:rPr lang="en-US" altLang="ko-KR" sz="1500" smtClean="0">
-                <a:latin typeface="Noto Sans CJK KR Medium" pitchFamily="34" charset="-127"/>
-                <a:ea typeface="Noto Sans CJK KR Medium" pitchFamily="34" charset="-127"/>
+                <a:latin typeface="나눔스퀘어OTF Bold" pitchFamily="34" charset="-127"/>
+                <a:ea typeface="나눔스퀘어OTF Bold" pitchFamily="34" charset="-127"/>
               </a:rPr>
               <a:t>.</a:t>
             </a:r>
@@ -6057,14 +6091,14 @@
           <a:p>
             <a:r>
               <a:rPr lang="en-US" altLang="ko-KR" sz="1500" smtClean="0">
-                <a:latin typeface="Noto Sans CJK KR Medium" pitchFamily="34" charset="-127"/>
-                <a:ea typeface="Noto Sans CJK KR Medium" pitchFamily="34" charset="-127"/>
+                <a:latin typeface="나눔스퀘어OTF Bold" pitchFamily="34" charset="-127"/>
+                <a:ea typeface="나눔스퀘어OTF Bold" pitchFamily="34" charset="-127"/>
               </a:rPr>
               <a:t>    </a:t>
             </a:r>
             <a:endParaRPr lang="en-US" altLang="ko-KR" sz="1500">
-              <a:latin typeface="Noto Sans CJK KR Medium" pitchFamily="34" charset="-127"/>
-              <a:ea typeface="Noto Sans CJK KR Medium" pitchFamily="34" charset="-127"/>
+              <a:latin typeface="나눔스퀘어OTF Bold" pitchFamily="34" charset="-127"/>
+              <a:ea typeface="나눔스퀘어OTF Bold" pitchFamily="34" charset="-127"/>
             </a:endParaRPr>
           </a:p>
           <a:p>
@@ -6073,8 +6107,8 @@
                 <a:solidFill>
                   <a:schemeClr val="bg1"/>
                 </a:solidFill>
-                <a:latin typeface="Noto Sans CJK KR Medium" pitchFamily="34" charset="-127"/>
-                <a:ea typeface="Noto Sans CJK KR Medium" pitchFamily="34" charset="-127"/>
+                <a:latin typeface="나눔스퀘어OTF Bold" pitchFamily="34" charset="-127"/>
+                <a:ea typeface="나눔스퀘어OTF Bold" pitchFamily="34" charset="-127"/>
               </a:rPr>
               <a:t>- </a:t>
             </a:r>
@@ -6083,8 +6117,8 @@
                 <a:solidFill>
                   <a:schemeClr val="bg1"/>
                 </a:solidFill>
-                <a:latin typeface="Noto Sans CJK KR Medium" pitchFamily="34" charset="-127"/>
-                <a:ea typeface="Noto Sans CJK KR Medium" pitchFamily="34" charset="-127"/>
+                <a:latin typeface="나눔스퀘어OTF Bold" pitchFamily="34" charset="-127"/>
+                <a:ea typeface="나눔스퀘어OTF Bold" pitchFamily="34" charset="-127"/>
               </a:rPr>
               <a:t>한 페이지로 엮어두어 한 눈에 알아볼 수 있다</a:t>
             </a:r>
@@ -6093,8 +6127,8 @@
                 <a:solidFill>
                   <a:schemeClr val="bg1"/>
                 </a:solidFill>
-                <a:latin typeface="Noto Sans CJK KR Medium" pitchFamily="34" charset="-127"/>
-                <a:ea typeface="Noto Sans CJK KR Medium" pitchFamily="34" charset="-127"/>
+                <a:latin typeface="나눔스퀘어OTF Bold" pitchFamily="34" charset="-127"/>
+                <a:ea typeface="나눔스퀘어OTF Bold" pitchFamily="34" charset="-127"/>
               </a:rPr>
               <a:t>.</a:t>
             </a:r>
@@ -6130,8 +6164,8 @@
               <a:effectLst/>
               <a:uLnTx/>
               <a:uFillTx/>
-              <a:latin typeface="Noto Sans CJK KR Medium" pitchFamily="34" charset="-127"/>
-              <a:ea typeface="Noto Sans CJK KR Medium" pitchFamily="34" charset="-127"/>
+              <a:latin typeface="나눔스퀘어OTF Bold" pitchFamily="34" charset="-127"/>
+              <a:ea typeface="나눔스퀘어OTF Bold" pitchFamily="34" charset="-127"/>
             </a:endParaRPr>
           </a:p>
         </p:txBody>
@@ -6494,26 +6528,130 @@
           <a:chExt cx="0" cy="0"/>
         </a:xfrm>
       </p:grpSpPr>
-      <p:sp>
-        <p:nvSpPr>
-          <p:cNvPr id="3" name="내용 개체 틀 2"/>
-          <p:cNvSpPr>
-            <a:spLocks noGrp="1"/>
-          </p:cNvSpPr>
-          <p:nvPr>
-            <p:ph idx="1"/>
-          </p:nvPr>
-        </p:nvSpPr>
-        <p:spPr/>
-        <p:txBody>
-          <a:bodyPr/>
+      <p:pic>
+        <p:nvPicPr>
+          <p:cNvPr id="4" name="그림 3"/>
+          <p:cNvPicPr>
+            <a:picLocks noChangeAspect="1"/>
+          </p:cNvPicPr>
+          <p:nvPr/>
+        </p:nvPicPr>
+        <p:blipFill>
+          <a:blip r:embed="rId2">
+            <a:extLst>
+              <a:ext uri="{28A0092B-C50C-407E-A947-70E740481C1C}">
+                <a14:useLocalDpi xmlns:a14="http://schemas.microsoft.com/office/drawing/2010/main" val="0"/>
+              </a:ext>
+            </a:extLst>
+          </a:blip>
+          <a:stretch>
+            <a:fillRect/>
+          </a:stretch>
+        </p:blipFill>
+        <p:spPr>
+          <a:xfrm>
+            <a:off x="1" y="0"/>
+            <a:ext cx="9144000" cy="6858000"/>
+          </a:xfrm>
+          <a:prstGeom prst="rect">
+            <a:avLst/>
+          </a:prstGeom>
+        </p:spPr>
+      </p:pic>
+      <p:cxnSp>
+        <p:nvCxnSpPr>
+          <p:cNvPr id="5" name="직선 연결선 4"/>
+          <p:cNvCxnSpPr/>
+          <p:nvPr/>
+        </p:nvCxnSpPr>
+        <p:spPr>
+          <a:xfrm>
+            <a:off x="4817566" y="463116"/>
+            <a:ext cx="0" cy="584775"/>
+          </a:xfrm>
+          <a:prstGeom prst="line">
+            <a:avLst/>
+          </a:prstGeom>
+          <a:ln w="28575">
+            <a:solidFill>
+              <a:schemeClr val="bg1"/>
+            </a:solidFill>
+          </a:ln>
+        </p:spPr>
+        <p:style>
+          <a:lnRef idx="1">
+            <a:schemeClr val="accent1"/>
+          </a:lnRef>
+          <a:fillRef idx="0">
+            <a:schemeClr val="accent1"/>
+          </a:fillRef>
+          <a:effectRef idx="0">
+            <a:schemeClr val="accent1"/>
+          </a:effectRef>
+          <a:fontRef idx="minor">
+            <a:schemeClr val="tx1"/>
+          </a:fontRef>
+        </p:style>
+      </p:cxnSp>
+      <p:sp>
+        <p:nvSpPr>
+          <p:cNvPr id="6" name="TextBox 5"/>
+          <p:cNvSpPr txBox="1"/>
+          <p:nvPr/>
+        </p:nvSpPr>
+        <p:spPr>
+          <a:xfrm>
+            <a:off x="5712507" y="463115"/>
+            <a:ext cx="2421461" cy="584775"/>
+          </a:xfrm>
+          <a:prstGeom prst="rect">
+            <a:avLst/>
+          </a:prstGeom>
+          <a:noFill/>
+        </p:spPr>
+        <p:txBody>
+          <a:bodyPr wrap="square" rtlCol="0">
+            <a:spAutoFit/>
+          </a:bodyPr>
           <a:lstStyle/>
           <a:p>
             <a:r>
-              <a:rPr lang="ko-KR" altLang="en-US" smtClean="0"/>
+              <a:rPr lang="en-US" altLang="ko-KR" sz="3200" smtClean="0">
+                <a:solidFill>
+                  <a:schemeClr val="bg1"/>
+                </a:solidFill>
+                <a:latin typeface="나눔스퀘어OTF Bold" pitchFamily="34" charset="-127"/>
+                <a:ea typeface="나눔스퀘어OTF Bold" pitchFamily="34" charset="-127"/>
+              </a:rPr>
+              <a:t> </a:t>
+            </a:r>
+            <a:r>
+              <a:rPr lang="en-US" altLang="ko-KR" sz="3200" smtClean="0">
+                <a:solidFill>
+                  <a:schemeClr val="bg1"/>
+                </a:solidFill>
+                <a:latin typeface="나눔스퀘어OTF Bold" pitchFamily="34" charset="-127"/>
+                <a:ea typeface="나눔스퀘어OTF Bold" pitchFamily="34" charset="-127"/>
+              </a:rPr>
+              <a:t>3. </a:t>
+            </a:r>
+            <a:r>
+              <a:rPr lang="ko-KR" altLang="en-US" sz="3200" smtClean="0">
+                <a:solidFill>
+                  <a:schemeClr val="bg1"/>
+                </a:solidFill>
+                <a:latin typeface="나눔스퀘어OTF Bold" pitchFamily="34" charset="-127"/>
+                <a:ea typeface="나눔스퀘어OTF Bold" pitchFamily="34" charset="-127"/>
+              </a:rPr>
               <a:t>흐름도</a:t>
             </a:r>
-            <a:endParaRPr lang="ko-KR" altLang="en-US"/>
+            <a:endParaRPr lang="en-US" altLang="ko-KR" sz="3200" smtClean="0">
+              <a:solidFill>
+                <a:schemeClr val="bg1"/>
+              </a:solidFill>
+              <a:latin typeface="나눔스퀘어OTF Bold" pitchFamily="34" charset="-127"/>
+              <a:ea typeface="나눔스퀘어OTF Bold" pitchFamily="34" charset="-127"/>
+            </a:endParaRPr>
           </a:p>
         </p:txBody>
       </p:sp>
@@ -6933,8 +7071,8 @@
                 <a:solidFill>
                   <a:schemeClr val="bg1"/>
                 </a:solidFill>
-                <a:latin typeface="Noto Sans CJK KR Medium" pitchFamily="34" charset="-127"/>
-                <a:ea typeface="Noto Sans CJK KR Medium" pitchFamily="34" charset="-127"/>
+                <a:latin typeface="나눔스퀘어OTF Bold" pitchFamily="34" charset="-127"/>
+                <a:ea typeface="나눔스퀘어OTF Bold" pitchFamily="34" charset="-127"/>
               </a:rPr>
               <a:t> 1. </a:t>
             </a:r>
@@ -6943,8 +7081,8 @@
                 <a:solidFill>
                   <a:schemeClr val="bg1"/>
                 </a:solidFill>
-                <a:latin typeface="Noto Sans CJK KR Medium" pitchFamily="34" charset="-127"/>
-                <a:ea typeface="Noto Sans CJK KR Medium" pitchFamily="34" charset="-127"/>
+                <a:latin typeface="나눔스퀘어OTF Bold" pitchFamily="34" charset="-127"/>
+                <a:ea typeface="나눔스퀘어OTF Bold" pitchFamily="34" charset="-127"/>
               </a:rPr>
               <a:t>기획의도 </a:t>
             </a:r>
@@ -6952,8 +7090,8 @@
               <a:solidFill>
                 <a:schemeClr val="bg1"/>
               </a:solidFill>
-              <a:latin typeface="Noto Sans CJK KR Medium" pitchFamily="34" charset="-127"/>
-              <a:ea typeface="Noto Sans CJK KR Medium" pitchFamily="34" charset="-127"/>
+              <a:latin typeface="나눔스퀘어OTF Bold" pitchFamily="34" charset="-127"/>
+              <a:ea typeface="나눔스퀘어OTF Bold" pitchFamily="34" charset="-127"/>
             </a:endParaRPr>
           </a:p>
         </p:txBody>
@@ -6986,55 +7124,55 @@
             </a:pPr>
             <a:r>
               <a:rPr lang="ko-KR" altLang="en-US" smtClean="0">
-                <a:latin typeface="Noto Sans CJK KR Medium" pitchFamily="34" charset="-127"/>
-                <a:ea typeface="Noto Sans CJK KR Medium" pitchFamily="34" charset="-127"/>
+                <a:latin typeface="나눔스퀘어OTF Bold" pitchFamily="34" charset="-127"/>
+                <a:ea typeface="나눔스퀘어OTF Bold" pitchFamily="34" charset="-127"/>
               </a:rPr>
               <a:t>퍼스널컬러에 대한 사람들의 관심이 대두되면서</a:t>
             </a:r>
             <a:r>
               <a:rPr lang="en-US" altLang="ko-KR" smtClean="0">
-                <a:latin typeface="Noto Sans CJK KR Medium" pitchFamily="34" charset="-127"/>
-                <a:ea typeface="Noto Sans CJK KR Medium" pitchFamily="34" charset="-127"/>
+                <a:latin typeface="나눔스퀘어OTF Bold" pitchFamily="34" charset="-127"/>
+                <a:ea typeface="나눔스퀘어OTF Bold" pitchFamily="34" charset="-127"/>
               </a:rPr>
               <a:t>, </a:t>
             </a:r>
             <a:endParaRPr lang="en-US" altLang="ko-KR">
-              <a:latin typeface="Noto Sans CJK KR Medium" pitchFamily="34" charset="-127"/>
-              <a:ea typeface="Noto Sans CJK KR Medium" pitchFamily="34" charset="-127"/>
+              <a:latin typeface="나눔스퀘어OTF Bold" pitchFamily="34" charset="-127"/>
+              <a:ea typeface="나눔스퀘어OTF Bold" pitchFamily="34" charset="-127"/>
             </a:endParaRPr>
           </a:p>
           <a:p>
             <a:r>
               <a:rPr lang="en-US" altLang="ko-KR">
-                <a:latin typeface="Noto Sans CJK KR Medium" pitchFamily="34" charset="-127"/>
-                <a:ea typeface="Noto Sans CJK KR Medium" pitchFamily="34" charset="-127"/>
+                <a:latin typeface="나눔스퀘어OTF Bold" pitchFamily="34" charset="-127"/>
+                <a:ea typeface="나눔스퀘어OTF Bold" pitchFamily="34" charset="-127"/>
               </a:rPr>
               <a:t> </a:t>
             </a:r>
             <a:r>
               <a:rPr lang="en-US" altLang="ko-KR" smtClean="0">
-                <a:latin typeface="Noto Sans CJK KR Medium" pitchFamily="34" charset="-127"/>
-                <a:ea typeface="Noto Sans CJK KR Medium" pitchFamily="34" charset="-127"/>
+                <a:latin typeface="나눔스퀘어OTF Bold" pitchFamily="34" charset="-127"/>
+                <a:ea typeface="나눔스퀘어OTF Bold" pitchFamily="34" charset="-127"/>
               </a:rPr>
               <a:t>    </a:t>
             </a:r>
             <a:r>
               <a:rPr lang="ko-KR" altLang="en-US" smtClean="0">
-                <a:latin typeface="Noto Sans CJK KR Medium" pitchFamily="34" charset="-127"/>
-                <a:ea typeface="Noto Sans CJK KR Medium" pitchFamily="34" charset="-127"/>
+                <a:latin typeface="나눔스퀘어OTF Bold" pitchFamily="34" charset="-127"/>
+                <a:ea typeface="나눔스퀘어OTF Bold" pitchFamily="34" charset="-127"/>
               </a:rPr>
               <a:t>자신의 퍼스널컬러를 진단 받고 싶어하는 사람들이 늘어남</a:t>
             </a:r>
             <a:r>
               <a:rPr lang="en-US" altLang="ko-KR" smtClean="0">
-                <a:latin typeface="Noto Sans CJK KR Medium" pitchFamily="34" charset="-127"/>
-                <a:ea typeface="Noto Sans CJK KR Medium" pitchFamily="34" charset="-127"/>
+                <a:latin typeface="나눔스퀘어OTF Bold" pitchFamily="34" charset="-127"/>
+                <a:ea typeface="나눔스퀘어OTF Bold" pitchFamily="34" charset="-127"/>
               </a:rPr>
               <a:t>.</a:t>
             </a:r>
             <a:endParaRPr lang="ko-KR" altLang="en-US">
-              <a:latin typeface="Noto Sans CJK KR Medium" pitchFamily="34" charset="-127"/>
-              <a:ea typeface="Noto Sans CJK KR Medium" pitchFamily="34" charset="-127"/>
+              <a:latin typeface="나눔스퀘어OTF Bold" pitchFamily="34" charset="-127"/>
+              <a:ea typeface="나눔스퀘어OTF Bold" pitchFamily="34" charset="-127"/>
             </a:endParaRPr>
           </a:p>
         </p:txBody>
@@ -7067,48 +7205,48 @@
             </a:pPr>
             <a:r>
               <a:rPr lang="ko-KR" altLang="en-US" smtClean="0">
-                <a:latin typeface="Noto Sans CJK KR Medium" pitchFamily="34" charset="-127"/>
-                <a:ea typeface="Noto Sans CJK KR Medium" pitchFamily="34" charset="-127"/>
+                <a:latin typeface="나눔스퀘어OTF Bold" pitchFamily="34" charset="-127"/>
+                <a:ea typeface="나눔스퀘어OTF Bold" pitchFamily="34" charset="-127"/>
               </a:rPr>
               <a:t>전문가의 퍼스널컬러 현장진단에 비해 비용 없는 간단한 절차로</a:t>
             </a:r>
             <a:endParaRPr lang="en-US" altLang="ko-KR" smtClean="0">
-              <a:latin typeface="Noto Sans CJK KR Medium" pitchFamily="34" charset="-127"/>
-              <a:ea typeface="Noto Sans CJK KR Medium" pitchFamily="34" charset="-127"/>
+              <a:latin typeface="나눔스퀘어OTF Bold" pitchFamily="34" charset="-127"/>
+              <a:ea typeface="나눔스퀘어OTF Bold" pitchFamily="34" charset="-127"/>
             </a:endParaRPr>
           </a:p>
           <a:p>
             <a:r>
               <a:rPr lang="en-US" altLang="ko-KR" smtClean="0">
-                <a:latin typeface="Noto Sans CJK KR Medium" pitchFamily="34" charset="-127"/>
-                <a:ea typeface="Noto Sans CJK KR Medium" pitchFamily="34" charset="-127"/>
+                <a:latin typeface="나눔스퀘어OTF Bold" pitchFamily="34" charset="-127"/>
+                <a:ea typeface="나눔스퀘어OTF Bold" pitchFamily="34" charset="-127"/>
               </a:rPr>
               <a:t>      </a:t>
             </a:r>
             <a:r>
               <a:rPr lang="ko-KR" altLang="en-US" smtClean="0">
-                <a:latin typeface="Noto Sans CJK KR Medium" pitchFamily="34" charset="-127"/>
-                <a:ea typeface="Noto Sans CJK KR Medium" pitchFamily="34" charset="-127"/>
+                <a:latin typeface="나눔스퀘어OTF Bold" pitchFamily="34" charset="-127"/>
+                <a:ea typeface="나눔스퀘어OTF Bold" pitchFamily="34" charset="-127"/>
               </a:rPr>
               <a:t>퍼스널컬러 자가진단을 돕고자 함</a:t>
             </a:r>
             <a:r>
               <a:rPr lang="en-US" altLang="ko-KR">
-                <a:latin typeface="Noto Sans CJK KR Medium" pitchFamily="34" charset="-127"/>
-                <a:ea typeface="Noto Sans CJK KR Medium" pitchFamily="34" charset="-127"/>
+                <a:latin typeface="나눔스퀘어OTF Bold" pitchFamily="34" charset="-127"/>
+                <a:ea typeface="나눔스퀘어OTF Bold" pitchFamily="34" charset="-127"/>
               </a:rPr>
               <a:t>.</a:t>
             </a:r>
             <a:r>
               <a:rPr lang="ko-KR" altLang="en-US" smtClean="0">
-                <a:latin typeface="Noto Sans CJK KR Medium" pitchFamily="34" charset="-127"/>
-                <a:ea typeface="Noto Sans CJK KR Medium" pitchFamily="34" charset="-127"/>
+                <a:latin typeface="나눔스퀘어OTF Bold" pitchFamily="34" charset="-127"/>
+                <a:ea typeface="나눔스퀘어OTF Bold" pitchFamily="34" charset="-127"/>
               </a:rPr>
               <a:t> </a:t>
             </a:r>
             <a:endParaRPr lang="ko-KR" altLang="en-US">
-              <a:latin typeface="Noto Sans CJK KR Medium" pitchFamily="34" charset="-127"/>
-              <a:ea typeface="Noto Sans CJK KR Medium" pitchFamily="34" charset="-127"/>
+              <a:latin typeface="나눔스퀘어OTF Bold" pitchFamily="34" charset="-127"/>
+              <a:ea typeface="나눔스퀘어OTF Bold" pitchFamily="34" charset="-127"/>
             </a:endParaRPr>
           </a:p>
         </p:txBody>
@@ -7122,7 +7260,7 @@
         <p:spPr>
           <a:xfrm>
             <a:off x="1600200" y="5841999"/>
-            <a:ext cx="4293163" cy="369332"/>
+            <a:ext cx="4283545" cy="369332"/>
           </a:xfrm>
           <a:prstGeom prst="rect">
             <a:avLst/>
@@ -7141,21 +7279,21 @@
             </a:pPr>
             <a:r>
               <a:rPr lang="ko-KR" altLang="en-US" smtClean="0">
-                <a:latin typeface="Noto Sans CJK KR Medium" pitchFamily="34" charset="-127"/>
-                <a:ea typeface="Noto Sans CJK KR Medium" pitchFamily="34" charset="-127"/>
+                <a:latin typeface="나눔스퀘어OTF Bold" pitchFamily="34" charset="-127"/>
+                <a:ea typeface="나눔스퀘어OTF Bold" pitchFamily="34" charset="-127"/>
               </a:rPr>
               <a:t>퍼스널컬러에 대한정보를 제공하고자 함</a:t>
             </a:r>
             <a:r>
               <a:rPr lang="en-US" altLang="ko-KR" smtClean="0">
-                <a:latin typeface="Noto Sans CJK KR Medium" pitchFamily="34" charset="-127"/>
-                <a:ea typeface="Noto Sans CJK KR Medium" pitchFamily="34" charset="-127"/>
+                <a:latin typeface="나눔스퀘어OTF Bold" pitchFamily="34" charset="-127"/>
+                <a:ea typeface="나눔스퀘어OTF Bold" pitchFamily="34" charset="-127"/>
               </a:rPr>
               <a:t>.</a:t>
             </a:r>
             <a:endParaRPr lang="ko-KR" altLang="en-US">
-              <a:latin typeface="Noto Sans CJK KR Medium" pitchFamily="34" charset="-127"/>
-              <a:ea typeface="Noto Sans CJK KR Medium" pitchFamily="34" charset="-127"/>
+              <a:latin typeface="나눔스퀘어OTF Bold" pitchFamily="34" charset="-127"/>
+              <a:ea typeface="나눔스퀘어OTF Bold" pitchFamily="34" charset="-127"/>
             </a:endParaRPr>
           </a:p>
         </p:txBody>
@@ -7261,8 +7399,8 @@
                     <a:lumOff val="25000"/>
                   </a:schemeClr>
                 </a:solidFill>
-                <a:latin typeface="Noto Sans CJK KR Medium" pitchFamily="34" charset="-127"/>
-                <a:ea typeface="Noto Sans CJK KR Medium" pitchFamily="34" charset="-127"/>
+                <a:latin typeface="나눔스퀘어OTF Bold" pitchFamily="34" charset="-127"/>
+                <a:ea typeface="나눔스퀘어OTF Bold" pitchFamily="34" charset="-127"/>
               </a:rPr>
               <a:t>개개인의 얼굴에 생기가 돌고 활기차 보이도록 하는 컬러를 말한다</a:t>
             </a:r>
@@ -7274,8 +7412,8 @@
                     <a:lumOff val="25000"/>
                   </a:schemeClr>
                 </a:solidFill>
-                <a:latin typeface="Noto Sans CJK KR Medium" pitchFamily="34" charset="-127"/>
-                <a:ea typeface="Noto Sans CJK KR Medium" pitchFamily="34" charset="-127"/>
+                <a:latin typeface="나눔스퀘어OTF Bold" pitchFamily="34" charset="-127"/>
+                <a:ea typeface="나눔스퀘어OTF Bold" pitchFamily="34" charset="-127"/>
               </a:rPr>
               <a:t>.</a:t>
             </a:r>
@@ -7289,8 +7427,8 @@
                     <a:lumOff val="25000"/>
                   </a:schemeClr>
                 </a:solidFill>
-                <a:latin typeface="Noto Sans CJK KR Medium" pitchFamily="34" charset="-127"/>
-                <a:ea typeface="Noto Sans CJK KR Medium" pitchFamily="34" charset="-127"/>
+                <a:latin typeface="나눔스퀘어OTF Bold" pitchFamily="34" charset="-127"/>
+                <a:ea typeface="나눔스퀘어OTF Bold" pitchFamily="34" charset="-127"/>
               </a:rPr>
               <a:t> </a:t>
             </a:r>
@@ -7308,8 +7446,8 @@
                     <a:lumOff val="25000"/>
                   </a:schemeClr>
                 </a:solidFill>
-                <a:latin typeface="Noto Sans CJK KR Medium" pitchFamily="34" charset="-127"/>
-                <a:ea typeface="Noto Sans CJK KR Medium" pitchFamily="34" charset="-127"/>
+                <a:latin typeface="나눔스퀘어OTF Bold" pitchFamily="34" charset="-127"/>
+                <a:ea typeface="나눔스퀘어OTF Bold" pitchFamily="34" charset="-127"/>
               </a:rPr>
               <a:t>신체의 색은 크게 웜톤과 쿨톤으로 나눠진다</a:t>
             </a:r>
@@ -7321,8 +7459,8 @@
                     <a:lumOff val="25000"/>
                   </a:schemeClr>
                 </a:solidFill>
-                <a:latin typeface="Noto Sans CJK KR Medium" pitchFamily="34" charset="-127"/>
-                <a:ea typeface="Noto Sans CJK KR Medium" pitchFamily="34" charset="-127"/>
+                <a:latin typeface="나눔스퀘어OTF Bold" pitchFamily="34" charset="-127"/>
+                <a:ea typeface="나눔스퀘어OTF Bold" pitchFamily="34" charset="-127"/>
               </a:rPr>
               <a:t>.</a:t>
             </a:r>
@@ -7335,8 +7473,8 @@
                   <a:lumOff val="25000"/>
                 </a:schemeClr>
               </a:solidFill>
-              <a:latin typeface="Noto Sans CJK KR Medium" pitchFamily="34" charset="-127"/>
-              <a:ea typeface="Noto Sans CJK KR Medium" pitchFamily="34" charset="-127"/>
+              <a:latin typeface="나눔스퀘어OTF Bold" pitchFamily="34" charset="-127"/>
+              <a:ea typeface="나눔스퀘어OTF Bold" pitchFamily="34" charset="-127"/>
             </a:endParaRPr>
           </a:p>
           <a:p>
@@ -7352,8 +7490,8 @@
                     <a:lumOff val="25000"/>
                   </a:schemeClr>
                 </a:solidFill>
-                <a:latin typeface="Noto Sans CJK KR Medium" pitchFamily="34" charset="-127"/>
-                <a:ea typeface="Noto Sans CJK KR Medium" pitchFamily="34" charset="-127"/>
+                <a:latin typeface="나눔스퀘어OTF Bold" pitchFamily="34" charset="-127"/>
+                <a:ea typeface="나눔스퀘어OTF Bold" pitchFamily="34" charset="-127"/>
               </a:rPr>
               <a:t>미국</a:t>
             </a:r>
@@ -7365,8 +7503,8 @@
                     <a:lumOff val="25000"/>
                   </a:schemeClr>
                 </a:solidFill>
-                <a:latin typeface="Noto Sans CJK KR Medium" pitchFamily="34" charset="-127"/>
-                <a:ea typeface="Noto Sans CJK KR Medium" pitchFamily="34" charset="-127"/>
+                <a:latin typeface="나눔스퀘어OTF Bold" pitchFamily="34" charset="-127"/>
+                <a:ea typeface="나눔스퀘어OTF Bold" pitchFamily="34" charset="-127"/>
               </a:rPr>
               <a:t>, </a:t>
             </a:r>
@@ -7378,8 +7516,8 @@
                     <a:lumOff val="25000"/>
                   </a:schemeClr>
                 </a:solidFill>
-                <a:latin typeface="Noto Sans CJK KR Medium" pitchFamily="34" charset="-127"/>
-                <a:ea typeface="Noto Sans CJK KR Medium" pitchFamily="34" charset="-127"/>
+                <a:latin typeface="나눔스퀘어OTF Bold" pitchFamily="34" charset="-127"/>
+                <a:ea typeface="나눔스퀘어OTF Bold" pitchFamily="34" charset="-127"/>
               </a:rPr>
               <a:t>일본</a:t>
             </a:r>
@@ -7391,8 +7529,8 @@
                     <a:lumOff val="25000"/>
                   </a:schemeClr>
                 </a:solidFill>
-                <a:latin typeface="Noto Sans CJK KR Medium" pitchFamily="34" charset="-127"/>
-                <a:ea typeface="Noto Sans CJK KR Medium" pitchFamily="34" charset="-127"/>
+                <a:latin typeface="나눔스퀘어OTF Bold" pitchFamily="34" charset="-127"/>
+                <a:ea typeface="나눔스퀘어OTF Bold" pitchFamily="34" charset="-127"/>
               </a:rPr>
               <a:t>, </a:t>
             </a:r>
@@ -7404,8 +7542,8 @@
                     <a:lumOff val="25000"/>
                   </a:schemeClr>
                 </a:solidFill>
-                <a:latin typeface="Noto Sans CJK KR Medium" pitchFamily="34" charset="-127"/>
-                <a:ea typeface="Noto Sans CJK KR Medium" pitchFamily="34" charset="-127"/>
+                <a:latin typeface="나눔스퀘어OTF Bold" pitchFamily="34" charset="-127"/>
+                <a:ea typeface="나눔스퀘어OTF Bold" pitchFamily="34" charset="-127"/>
               </a:rPr>
               <a:t>유럽 등에서는 </a:t>
             </a:r>
@@ -7417,8 +7555,8 @@
                     <a:lumOff val="25000"/>
                   </a:schemeClr>
                 </a:solidFill>
-                <a:latin typeface="Noto Sans CJK KR Medium" pitchFamily="34" charset="-127"/>
-                <a:ea typeface="Noto Sans CJK KR Medium" pitchFamily="34" charset="-127"/>
+                <a:latin typeface="나눔스퀘어OTF Bold" pitchFamily="34" charset="-127"/>
+                <a:ea typeface="나눔스퀘어OTF Bold" pitchFamily="34" charset="-127"/>
               </a:rPr>
               <a:t>4</a:t>
             </a:r>
@@ -7430,8 +7568,8 @@
                     <a:lumOff val="25000"/>
                   </a:schemeClr>
                 </a:solidFill>
-                <a:latin typeface="Noto Sans CJK KR Medium" pitchFamily="34" charset="-127"/>
-                <a:ea typeface="Noto Sans CJK KR Medium" pitchFamily="34" charset="-127"/>
+                <a:latin typeface="나눔스퀘어OTF Bold" pitchFamily="34" charset="-127"/>
+                <a:ea typeface="나눔스퀘어OTF Bold" pitchFamily="34" charset="-127"/>
               </a:rPr>
               <a:t>계절의 이미지에 비유하여 </a:t>
             </a:r>
@@ -7442,8 +7580,8 @@
                   <a:lumOff val="25000"/>
                 </a:schemeClr>
               </a:solidFill>
-              <a:latin typeface="Noto Sans CJK KR Medium" pitchFamily="34" charset="-127"/>
-              <a:ea typeface="Noto Sans CJK KR Medium" pitchFamily="34" charset="-127"/>
+              <a:latin typeface="나눔스퀘어OTF Bold" pitchFamily="34" charset="-127"/>
+              <a:ea typeface="나눔스퀘어OTF Bold" pitchFamily="34" charset="-127"/>
             </a:endParaRPr>
           </a:p>
           <a:p>
@@ -7455,8 +7593,8 @@
                     <a:lumOff val="25000"/>
                   </a:schemeClr>
                 </a:solidFill>
-                <a:latin typeface="Noto Sans CJK KR Medium" pitchFamily="34" charset="-127"/>
-                <a:ea typeface="Noto Sans CJK KR Medium" pitchFamily="34" charset="-127"/>
+                <a:latin typeface="나눔스퀘어OTF Bold" pitchFamily="34" charset="-127"/>
+                <a:ea typeface="나눔스퀘어OTF Bold" pitchFamily="34" charset="-127"/>
               </a:rPr>
               <a:t>      </a:t>
             </a:r>
@@ -7468,8 +7606,8 @@
                     <a:lumOff val="25000"/>
                   </a:schemeClr>
                 </a:solidFill>
-                <a:latin typeface="Noto Sans CJK KR Medium" pitchFamily="34" charset="-127"/>
-                <a:ea typeface="Noto Sans CJK KR Medium" pitchFamily="34" charset="-127"/>
+                <a:latin typeface="나눔스퀘어OTF Bold" pitchFamily="34" charset="-127"/>
+                <a:ea typeface="나눔스퀘어OTF Bold" pitchFamily="34" charset="-127"/>
               </a:rPr>
               <a:t>신체 색을 분류하는 방법을 활용하고 있다</a:t>
             </a:r>
@@ -7481,8 +7619,8 @@
                     <a:lumOff val="25000"/>
                   </a:schemeClr>
                 </a:solidFill>
-                <a:latin typeface="Noto Sans CJK KR Medium" pitchFamily="34" charset="-127"/>
-                <a:ea typeface="Noto Sans CJK KR Medium" pitchFamily="34" charset="-127"/>
+                <a:latin typeface="나눔스퀘어OTF Bold" pitchFamily="34" charset="-127"/>
+                <a:ea typeface="나눔스퀘어OTF Bold" pitchFamily="34" charset="-127"/>
               </a:rPr>
               <a:t>.</a:t>
             </a:r>
@@ -7496,8 +7634,8 @@
                     <a:lumOff val="25000"/>
                   </a:schemeClr>
                 </a:solidFill>
-                <a:latin typeface="Noto Sans CJK KR Medium" pitchFamily="34" charset="-127"/>
-                <a:ea typeface="Noto Sans CJK KR Medium" pitchFamily="34" charset="-127"/>
+                <a:latin typeface="나눔스퀘어OTF Bold" pitchFamily="34" charset="-127"/>
+                <a:ea typeface="나눔스퀘어OTF Bold" pitchFamily="34" charset="-127"/>
               </a:rPr>
               <a:t>  </a:t>
             </a:r>
@@ -7515,8 +7653,8 @@
                     <a:lumOff val="25000"/>
                   </a:schemeClr>
                 </a:solidFill>
-                <a:latin typeface="Noto Sans CJK KR Medium" pitchFamily="34" charset="-127"/>
-                <a:ea typeface="Noto Sans CJK KR Medium" pitchFamily="34" charset="-127"/>
+                <a:latin typeface="나눔스퀘어OTF Bold" pitchFamily="34" charset="-127"/>
+                <a:ea typeface="나눔스퀘어OTF Bold" pitchFamily="34" charset="-127"/>
               </a:rPr>
               <a:t>봄</a:t>
             </a:r>
@@ -7528,8 +7666,8 @@
                     <a:lumOff val="25000"/>
                   </a:schemeClr>
                 </a:solidFill>
-                <a:latin typeface="Noto Sans CJK KR Medium" pitchFamily="34" charset="-127"/>
-                <a:ea typeface="Noto Sans CJK KR Medium" pitchFamily="34" charset="-127"/>
+                <a:latin typeface="나눔스퀘어OTF Bold" pitchFamily="34" charset="-127"/>
+                <a:ea typeface="나눔스퀘어OTF Bold" pitchFamily="34" charset="-127"/>
               </a:rPr>
               <a:t>, </a:t>
             </a:r>
@@ -7541,8 +7679,8 @@
                     <a:lumOff val="25000"/>
                   </a:schemeClr>
                 </a:solidFill>
-                <a:latin typeface="Noto Sans CJK KR Medium" pitchFamily="34" charset="-127"/>
-                <a:ea typeface="Noto Sans CJK KR Medium" pitchFamily="34" charset="-127"/>
+                <a:latin typeface="나눔스퀘어OTF Bold" pitchFamily="34" charset="-127"/>
+                <a:ea typeface="나눔스퀘어OTF Bold" pitchFamily="34" charset="-127"/>
               </a:rPr>
               <a:t>여름</a:t>
             </a:r>
@@ -7554,8 +7692,8 @@
                     <a:lumOff val="25000"/>
                   </a:schemeClr>
                 </a:solidFill>
-                <a:latin typeface="Noto Sans CJK KR Medium" pitchFamily="34" charset="-127"/>
-                <a:ea typeface="Noto Sans CJK KR Medium" pitchFamily="34" charset="-127"/>
+                <a:latin typeface="나눔스퀘어OTF Bold" pitchFamily="34" charset="-127"/>
+                <a:ea typeface="나눔스퀘어OTF Bold" pitchFamily="34" charset="-127"/>
               </a:rPr>
               <a:t>, </a:t>
             </a:r>
@@ -7567,8 +7705,8 @@
                     <a:lumOff val="25000"/>
                   </a:schemeClr>
                 </a:solidFill>
-                <a:latin typeface="Noto Sans CJK KR Medium" pitchFamily="34" charset="-127"/>
-                <a:ea typeface="Noto Sans CJK KR Medium" pitchFamily="34" charset="-127"/>
+                <a:latin typeface="나눔스퀘어OTF Bold" pitchFamily="34" charset="-127"/>
+                <a:ea typeface="나눔스퀘어OTF Bold" pitchFamily="34" charset="-127"/>
               </a:rPr>
               <a:t>가을</a:t>
             </a:r>
@@ -7580,8 +7718,8 @@
                     <a:lumOff val="25000"/>
                   </a:schemeClr>
                 </a:solidFill>
-                <a:latin typeface="Noto Sans CJK KR Medium" pitchFamily="34" charset="-127"/>
-                <a:ea typeface="Noto Sans CJK KR Medium" pitchFamily="34" charset="-127"/>
+                <a:latin typeface="나눔스퀘어OTF Bold" pitchFamily="34" charset="-127"/>
+                <a:ea typeface="나눔스퀘어OTF Bold" pitchFamily="34" charset="-127"/>
               </a:rPr>
               <a:t>, </a:t>
             </a:r>
@@ -7593,8 +7731,8 @@
                     <a:lumOff val="25000"/>
                   </a:schemeClr>
                 </a:solidFill>
-                <a:latin typeface="Noto Sans CJK KR Medium" pitchFamily="34" charset="-127"/>
-                <a:ea typeface="Noto Sans CJK KR Medium" pitchFamily="34" charset="-127"/>
+                <a:latin typeface="나눔스퀘어OTF Bold" pitchFamily="34" charset="-127"/>
+                <a:ea typeface="나눔스퀘어OTF Bold" pitchFamily="34" charset="-127"/>
               </a:rPr>
               <a:t>겨울의 이미지에서 보여지는 색채를 이용하여 </a:t>
             </a:r>
@@ -7605,8 +7743,8 @@
                   <a:lumOff val="25000"/>
                 </a:schemeClr>
               </a:solidFill>
-              <a:latin typeface="Noto Sans CJK KR Medium" pitchFamily="34" charset="-127"/>
-              <a:ea typeface="Noto Sans CJK KR Medium" pitchFamily="34" charset="-127"/>
+              <a:latin typeface="나눔스퀘어OTF Bold" pitchFamily="34" charset="-127"/>
+              <a:ea typeface="나눔스퀘어OTF Bold" pitchFamily="34" charset="-127"/>
             </a:endParaRPr>
           </a:p>
           <a:p>
@@ -7618,8 +7756,8 @@
                     <a:lumOff val="25000"/>
                   </a:schemeClr>
                 </a:solidFill>
-                <a:latin typeface="Noto Sans CJK KR Medium" pitchFamily="34" charset="-127"/>
-                <a:ea typeface="Noto Sans CJK KR Medium" pitchFamily="34" charset="-127"/>
+                <a:latin typeface="나눔스퀘어OTF Bold" pitchFamily="34" charset="-127"/>
+                <a:ea typeface="나눔스퀘어OTF Bold" pitchFamily="34" charset="-127"/>
               </a:rPr>
               <a:t>     </a:t>
             </a:r>
@@ -7631,8 +7769,8 @@
                     <a:lumOff val="25000"/>
                   </a:schemeClr>
                 </a:solidFill>
-                <a:latin typeface="Noto Sans CJK KR Medium" pitchFamily="34" charset="-127"/>
-                <a:ea typeface="Noto Sans CJK KR Medium" pitchFamily="34" charset="-127"/>
+                <a:latin typeface="나눔스퀘어OTF Bold" pitchFamily="34" charset="-127"/>
+                <a:ea typeface="나눔스퀘어OTF Bold" pitchFamily="34" charset="-127"/>
               </a:rPr>
               <a:t>개인의 개성 있는 이미지를 연출한다고 볼 수 있다</a:t>
             </a:r>
@@ -7644,8 +7782,8 @@
                     <a:lumOff val="25000"/>
                   </a:schemeClr>
                 </a:solidFill>
-                <a:latin typeface="Noto Sans CJK KR Medium" pitchFamily="34" charset="-127"/>
-                <a:ea typeface="Noto Sans CJK KR Medium" pitchFamily="34" charset="-127"/>
+                <a:latin typeface="나눔스퀘어OTF Bold" pitchFamily="34" charset="-127"/>
+                <a:ea typeface="나눔스퀘어OTF Bold" pitchFamily="34" charset="-127"/>
               </a:rPr>
               <a:t>. </a:t>
             </a:r>
@@ -7662,8 +7800,8 @@
                   <a:lumOff val="25000"/>
                 </a:schemeClr>
               </a:solidFill>
-              <a:latin typeface="Noto Sans CJK KR Medium" pitchFamily="34" charset="-127"/>
-              <a:ea typeface="Noto Sans CJK KR Medium" pitchFamily="34" charset="-127"/>
+              <a:latin typeface="나눔스퀘어OTF Bold" pitchFamily="34" charset="-127"/>
+              <a:ea typeface="나눔스퀘어OTF Bold" pitchFamily="34" charset="-127"/>
             </a:endParaRPr>
           </a:p>
           <a:p>
@@ -7675,8 +7813,8 @@
                     <a:lumOff val="25000"/>
                   </a:schemeClr>
                 </a:solidFill>
-                <a:latin typeface="Noto Sans CJK KR Medium" pitchFamily="34" charset="-127"/>
-                <a:ea typeface="Noto Sans CJK KR Medium" pitchFamily="34" charset="-127"/>
+                <a:latin typeface="나눔스퀘어OTF Bold" pitchFamily="34" charset="-127"/>
+                <a:ea typeface="나눔스퀘어OTF Bold" pitchFamily="34" charset="-127"/>
               </a:rPr>
               <a:t>-    </a:t>
             </a:r>
@@ -7688,8 +7826,8 @@
                     <a:lumOff val="25000"/>
                   </a:schemeClr>
                 </a:solidFill>
-                <a:latin typeface="Noto Sans CJK KR Medium" pitchFamily="34" charset="-127"/>
-                <a:ea typeface="Noto Sans CJK KR Medium" pitchFamily="34" charset="-127"/>
+                <a:latin typeface="나눔스퀘어OTF Bold" pitchFamily="34" charset="-127"/>
+                <a:ea typeface="나눔스퀘어OTF Bold" pitchFamily="34" charset="-127"/>
               </a:rPr>
               <a:t>퍼스널 컬러 판단 기준 </a:t>
             </a:r>
@@ -7701,8 +7839,8 @@
                     <a:lumOff val="25000"/>
                   </a:schemeClr>
                 </a:solidFill>
-                <a:latin typeface="Noto Sans CJK KR Medium" pitchFamily="34" charset="-127"/>
-                <a:ea typeface="Noto Sans CJK KR Medium" pitchFamily="34" charset="-127"/>
+                <a:latin typeface="나눔스퀘어OTF Bold" pitchFamily="34" charset="-127"/>
+                <a:ea typeface="나눔스퀘어OTF Bold" pitchFamily="34" charset="-127"/>
               </a:rPr>
               <a:t>: </a:t>
             </a:r>
@@ -7714,8 +7852,8 @@
                     <a:lumOff val="25000"/>
                   </a:schemeClr>
                 </a:solidFill>
-                <a:latin typeface="Noto Sans CJK KR Medium" pitchFamily="34" charset="-127"/>
-                <a:ea typeface="Noto Sans CJK KR Medium" pitchFamily="34" charset="-127"/>
+                <a:latin typeface="나눔스퀘어OTF Bold" pitchFamily="34" charset="-127"/>
+                <a:ea typeface="나눔스퀘어OTF Bold" pitchFamily="34" charset="-127"/>
               </a:rPr>
               <a:t>머리카락 색</a:t>
             </a:r>
@@ -7727,8 +7865,8 @@
                     <a:lumOff val="25000"/>
                   </a:schemeClr>
                 </a:solidFill>
-                <a:latin typeface="Noto Sans CJK KR Medium" pitchFamily="34" charset="-127"/>
-                <a:ea typeface="Noto Sans CJK KR Medium" pitchFamily="34" charset="-127"/>
+                <a:latin typeface="나눔스퀘어OTF Bold" pitchFamily="34" charset="-127"/>
+                <a:ea typeface="나눔스퀘어OTF Bold" pitchFamily="34" charset="-127"/>
               </a:rPr>
               <a:t>,  </a:t>
             </a:r>
@@ -7740,8 +7878,8 @@
                     <a:lumOff val="25000"/>
                   </a:schemeClr>
                 </a:solidFill>
-                <a:latin typeface="Noto Sans CJK KR Medium" pitchFamily="34" charset="-127"/>
-                <a:ea typeface="Noto Sans CJK KR Medium" pitchFamily="34" charset="-127"/>
+                <a:latin typeface="나눔스퀘어OTF Bold" pitchFamily="34" charset="-127"/>
+                <a:ea typeface="나눔스퀘어OTF Bold" pitchFamily="34" charset="-127"/>
               </a:rPr>
               <a:t>눈동자 색</a:t>
             </a:r>
@@ -7753,8 +7891,8 @@
                     <a:lumOff val="25000"/>
                   </a:schemeClr>
                 </a:solidFill>
-                <a:latin typeface="Noto Sans CJK KR Medium" pitchFamily="34" charset="-127"/>
-                <a:ea typeface="Noto Sans CJK KR Medium" pitchFamily="34" charset="-127"/>
+                <a:latin typeface="나눔스퀘어OTF Bold" pitchFamily="34" charset="-127"/>
+                <a:ea typeface="나눔스퀘어OTF Bold" pitchFamily="34" charset="-127"/>
               </a:rPr>
               <a:t>, </a:t>
             </a:r>
@@ -7766,8 +7904,8 @@
                     <a:lumOff val="25000"/>
                   </a:schemeClr>
                 </a:solidFill>
-                <a:latin typeface="Noto Sans CJK KR Medium" pitchFamily="34" charset="-127"/>
-                <a:ea typeface="Noto Sans CJK KR Medium" pitchFamily="34" charset="-127"/>
+                <a:latin typeface="나눔스퀘어OTF Bold" pitchFamily="34" charset="-127"/>
+                <a:ea typeface="나눔스퀘어OTF Bold" pitchFamily="34" charset="-127"/>
               </a:rPr>
               <a:t>피부 색</a:t>
             </a:r>
@@ -7779,8 +7917,8 @@
                     <a:lumOff val="25000"/>
                   </a:schemeClr>
                 </a:solidFill>
-                <a:latin typeface="Noto Sans CJK KR Medium" pitchFamily="34" charset="-127"/>
-                <a:ea typeface="Noto Sans CJK KR Medium" pitchFamily="34" charset="-127"/>
+                <a:latin typeface="나눔스퀘어OTF Bold" pitchFamily="34" charset="-127"/>
+                <a:ea typeface="나눔스퀘어OTF Bold" pitchFamily="34" charset="-127"/>
               </a:rPr>
               <a:t> </a:t>
             </a:r>
@@ -7794,8 +7932,8 @@
                     <a:lumOff val="25000"/>
                   </a:schemeClr>
                 </a:solidFill>
-                <a:latin typeface="Noto Sans CJK KR Medium" pitchFamily="34" charset="-127"/>
-                <a:ea typeface="Noto Sans CJK KR Medium" pitchFamily="34" charset="-127"/>
+                <a:latin typeface="나눔스퀘어OTF Bold" pitchFamily="34" charset="-127"/>
+                <a:ea typeface="나눔스퀘어OTF Bold" pitchFamily="34" charset="-127"/>
               </a:rPr>
               <a:t>                                                      (</a:t>
             </a:r>
@@ -7804,8 +7942,8 @@
                 <a:solidFill>
                   <a:srgbClr val="E87652"/>
                 </a:solidFill>
-                <a:latin typeface="Noto Sans CJK KR Medium" pitchFamily="34" charset="-127"/>
-                <a:ea typeface="Noto Sans CJK KR Medium" pitchFamily="34" charset="-127"/>
+                <a:latin typeface="나눔스퀘어OTF Bold" pitchFamily="34" charset="-127"/>
+                <a:ea typeface="나눔스퀘어OTF Bold" pitchFamily="34" charset="-127"/>
               </a:rPr>
               <a:t>H</a:t>
             </a:r>
@@ -7817,8 +7955,8 @@
                     <a:lumOff val="25000"/>
                   </a:schemeClr>
                 </a:solidFill>
-                <a:latin typeface="Noto Sans CJK KR Medium" pitchFamily="34" charset="-127"/>
-                <a:ea typeface="Noto Sans CJK KR Medium" pitchFamily="34" charset="-127"/>
+                <a:latin typeface="나눔스퀘어OTF Bold" pitchFamily="34" charset="-127"/>
+                <a:ea typeface="나눔스퀘어OTF Bold" pitchFamily="34" charset="-127"/>
               </a:rPr>
               <a:t>air)           (</a:t>
             </a:r>
@@ -7827,8 +7965,8 @@
                 <a:solidFill>
                   <a:srgbClr val="E87652"/>
                 </a:solidFill>
-                <a:latin typeface="Noto Sans CJK KR Medium" pitchFamily="34" charset="-127"/>
-                <a:ea typeface="Noto Sans CJK KR Medium" pitchFamily="34" charset="-127"/>
+                <a:latin typeface="나눔스퀘어OTF Bold" pitchFamily="34" charset="-127"/>
+                <a:ea typeface="나눔스퀘어OTF Bold" pitchFamily="34" charset="-127"/>
               </a:rPr>
               <a:t>E</a:t>
             </a:r>
@@ -7840,8 +7978,8 @@
                     <a:lumOff val="25000"/>
                   </a:schemeClr>
                 </a:solidFill>
-                <a:latin typeface="Noto Sans CJK KR Medium" pitchFamily="34" charset="-127"/>
-                <a:ea typeface="Noto Sans CJK KR Medium" pitchFamily="34" charset="-127"/>
+                <a:latin typeface="나눔스퀘어OTF Bold" pitchFamily="34" charset="-127"/>
+                <a:ea typeface="나눔스퀘어OTF Bold" pitchFamily="34" charset="-127"/>
               </a:rPr>
               <a:t>yes)     (</a:t>
             </a:r>
@@ -7850,8 +7988,8 @@
                 <a:solidFill>
                   <a:srgbClr val="E87652"/>
                 </a:solidFill>
-                <a:latin typeface="Noto Sans CJK KR Medium" pitchFamily="34" charset="-127"/>
-                <a:ea typeface="Noto Sans CJK KR Medium" pitchFamily="34" charset="-127"/>
+                <a:latin typeface="나눔스퀘어OTF Bold" pitchFamily="34" charset="-127"/>
+                <a:ea typeface="나눔스퀘어OTF Bold" pitchFamily="34" charset="-127"/>
               </a:rPr>
               <a:t>S</a:t>
             </a:r>
@@ -7863,8 +8001,8 @@
                     <a:lumOff val="25000"/>
                   </a:schemeClr>
                 </a:solidFill>
-                <a:latin typeface="Noto Sans CJK KR Medium" pitchFamily="34" charset="-127"/>
-                <a:ea typeface="Noto Sans CJK KR Medium" pitchFamily="34" charset="-127"/>
+                <a:latin typeface="나눔스퀘어OTF Bold" pitchFamily="34" charset="-127"/>
+                <a:ea typeface="나눔스퀘어OTF Bold" pitchFamily="34" charset="-127"/>
               </a:rPr>
               <a:t>kin)                                        </a:t>
             </a:r>
@@ -7881,8 +8019,8 @@
                   <a:lumOff val="25000"/>
                 </a:schemeClr>
               </a:solidFill>
-              <a:latin typeface="Noto Sans CJK KR Medium" pitchFamily="34" charset="-127"/>
-              <a:ea typeface="Noto Sans CJK KR Medium" pitchFamily="34" charset="-127"/>
+              <a:latin typeface="나눔스퀘어OTF Bold" pitchFamily="34" charset="-127"/>
+              <a:ea typeface="나눔스퀘어OTF Bold" pitchFamily="34" charset="-127"/>
             </a:endParaRPr>
           </a:p>
           <a:p>
@@ -7897,8 +8035,8 @@
                   <a:lumOff val="25000"/>
                 </a:schemeClr>
               </a:solidFill>
-              <a:latin typeface="Noto Sans CJK KR Medium" pitchFamily="34" charset="-127"/>
-              <a:ea typeface="Noto Sans CJK KR Medium" pitchFamily="34" charset="-127"/>
+              <a:latin typeface="나눔스퀘어OTF Bold" pitchFamily="34" charset="-127"/>
+              <a:ea typeface="나눔스퀘어OTF Bold" pitchFamily="34" charset="-127"/>
             </a:endParaRPr>
           </a:p>
         </p:txBody>
@@ -7926,22 +8064,32 @@
           <a:lstStyle/>
           <a:p>
             <a:r>
+              <a:rPr lang="en-US" altLang="ko-KR" sz="3200">
+                <a:solidFill>
+                  <a:schemeClr val="bg1"/>
+                </a:solidFill>
+                <a:latin typeface="나눔스퀘어OTF Bold" pitchFamily="34" charset="-127"/>
+                <a:ea typeface="나눔스퀘어OTF Bold" pitchFamily="34" charset="-127"/>
+              </a:rPr>
+              <a:t>2</a:t>
+            </a:r>
+            <a:r>
               <a:rPr lang="en-US" altLang="ko-KR" sz="3200" smtClean="0">
                 <a:solidFill>
                   <a:schemeClr val="bg1"/>
                 </a:solidFill>
-                <a:latin typeface="Noto Sans CJK KR Medium" pitchFamily="34" charset="-127"/>
-                <a:ea typeface="Noto Sans CJK KR Medium" pitchFamily="34" charset="-127"/>
-              </a:rPr>
-              <a:t>1-1. </a:t>
+                <a:latin typeface="나눔스퀘어OTF Bold" pitchFamily="34" charset="-127"/>
+                <a:ea typeface="나눔스퀘어OTF Bold" pitchFamily="34" charset="-127"/>
+              </a:rPr>
+              <a:t>. </a:t>
             </a:r>
             <a:r>
               <a:rPr lang="ko-KR" altLang="en-US" sz="3200" smtClean="0">
                 <a:solidFill>
                   <a:schemeClr val="bg1"/>
                 </a:solidFill>
-                <a:latin typeface="Noto Sans CJK KR Medium" pitchFamily="34" charset="-127"/>
-                <a:ea typeface="Noto Sans CJK KR Medium" pitchFamily="34" charset="-127"/>
+                <a:latin typeface="나눔스퀘어OTF Bold" pitchFamily="34" charset="-127"/>
+                <a:ea typeface="나눔스퀘어OTF Bold" pitchFamily="34" charset="-127"/>
               </a:rPr>
               <a:t>퍼스널 컬러란</a:t>
             </a:r>
@@ -7950,18 +8098,11 @@
                 <a:solidFill>
                   <a:schemeClr val="bg1"/>
                 </a:solidFill>
-                <a:latin typeface="Noto Sans CJK KR Medium" pitchFamily="34" charset="-127"/>
-                <a:ea typeface="Noto Sans CJK KR Medium" pitchFamily="34" charset="-127"/>
+                <a:latin typeface="나눔스퀘어OTF Bold" pitchFamily="34" charset="-127"/>
+                <a:ea typeface="나눔스퀘어OTF Bold" pitchFamily="34" charset="-127"/>
               </a:rPr>
               <a:t>?</a:t>
             </a:r>
-            <a:endParaRPr lang="en-US" altLang="ko-KR" sz="3200" smtClean="0">
-              <a:solidFill>
-                <a:schemeClr val="bg1"/>
-              </a:solidFill>
-              <a:latin typeface="Noto Sans CJK KR Medium" pitchFamily="34" charset="-127"/>
-              <a:ea typeface="Noto Sans CJK KR Medium" pitchFamily="34" charset="-127"/>
-            </a:endParaRPr>
           </a:p>
         </p:txBody>
       </p:sp>
@@ -8122,7 +8263,7 @@
       </p:grpSpPr>
       <p:pic>
         <p:nvPicPr>
-          <p:cNvPr id="5" name="그림 4"/>
+          <p:cNvPr id="4" name="그림 3"/>
           <p:cNvPicPr>
             <a:picLocks noChangeAspect="1"/>
           </p:cNvPicPr>
@@ -8142,7 +8283,7 @@
         </p:blipFill>
         <p:spPr>
           <a:xfrm>
-            <a:off x="0" y="-9583"/>
+            <a:off x="0" y="-51918"/>
             <a:ext cx="9144000" cy="6858000"/>
           </a:xfrm>
           <a:prstGeom prst="rect">
@@ -8152,7 +8293,7 @@
       </p:pic>
       <p:sp>
         <p:nvSpPr>
-          <p:cNvPr id="3" name="내용 개체 틀 2"/>
+          <p:cNvPr id="5" name="내용 개체 틀 4"/>
           <p:cNvSpPr>
             <a:spLocks noGrp="1"/>
           </p:cNvSpPr>
@@ -8165,28 +8306,81 @@
           <a:bodyPr/>
           <a:lstStyle/>
           <a:p>
-            <a:pPr marL="0" indent="0">
-              <a:buNone/>
-            </a:pPr>
-            <a:endParaRPr lang="en-US" altLang="ko-KR"/>
-          </a:p>
-          <a:p>
-            <a:pPr marL="0" indent="0">
-              <a:buNone/>
-            </a:pPr>
             <a:endParaRPr lang="ko-KR" altLang="en-US"/>
+          </a:p>
+        </p:txBody>
+      </p:sp>
+      <p:sp>
+        <p:nvSpPr>
+          <p:cNvPr id="6" name="TextBox 5"/>
+          <p:cNvSpPr txBox="1"/>
+          <p:nvPr/>
+        </p:nvSpPr>
+        <p:spPr>
+          <a:xfrm>
+            <a:off x="5007470" y="471583"/>
+            <a:ext cx="4572000" cy="584775"/>
+          </a:xfrm>
+          <a:prstGeom prst="rect">
+            <a:avLst/>
+          </a:prstGeom>
+          <a:noFill/>
+        </p:spPr>
+        <p:txBody>
+          <a:bodyPr wrap="square" rtlCol="0">
+            <a:spAutoFit/>
+          </a:bodyPr>
+          <a:lstStyle/>
+          <a:p>
+            <a:r>
+              <a:rPr lang="en-US" altLang="ko-KR" sz="3200" smtClean="0">
+                <a:solidFill>
+                  <a:schemeClr val="bg1"/>
+                </a:solidFill>
+                <a:latin typeface="나눔스퀘어OTF Bold" pitchFamily="34" charset="-127"/>
+                <a:ea typeface="나눔스퀘어OTF Bold" pitchFamily="34" charset="-127"/>
+              </a:rPr>
+              <a:t>3. </a:t>
+            </a:r>
+            <a:r>
+              <a:rPr lang="ko-KR" altLang="en-US" sz="3200" smtClean="0">
+                <a:solidFill>
+                  <a:schemeClr val="bg1"/>
+                </a:solidFill>
+                <a:latin typeface="나눔스퀘어OTF Bold" pitchFamily="34" charset="-127"/>
+                <a:ea typeface="나눔스퀘어OTF Bold" pitchFamily="34" charset="-127"/>
+              </a:rPr>
+              <a:t>페르소</a:t>
+            </a:r>
+            <a:r>
+              <a:rPr lang="ko-KR" altLang="en-US" sz="3200">
+                <a:solidFill>
+                  <a:schemeClr val="bg1"/>
+                </a:solidFill>
+                <a:latin typeface="나눔스퀘어OTF Bold" pitchFamily="34" charset="-127"/>
+                <a:ea typeface="나눔스퀘어OTF Bold" pitchFamily="34" charset="-127"/>
+              </a:rPr>
+              <a:t>나</a:t>
+            </a:r>
+            <a:endParaRPr lang="en-US" altLang="ko-KR" sz="3200" smtClean="0">
+              <a:solidFill>
+                <a:schemeClr val="bg1"/>
+              </a:solidFill>
+              <a:latin typeface="나눔스퀘어OTF Bold" pitchFamily="34" charset="-127"/>
+              <a:ea typeface="나눔스퀘어OTF Bold" pitchFamily="34" charset="-127"/>
+            </a:endParaRPr>
           </a:p>
         </p:txBody>
       </p:sp>
       <p:cxnSp>
         <p:nvCxnSpPr>
-          <p:cNvPr id="6" name="직선 연결선 5"/>
+          <p:cNvPr id="7" name="직선 연결선 6"/>
           <p:cNvCxnSpPr/>
           <p:nvPr/>
         </p:nvCxnSpPr>
         <p:spPr>
           <a:xfrm>
-            <a:off x="4817566" y="463116"/>
+            <a:off x="4470419" y="463116"/>
             <a:ext cx="0" cy="584775"/>
           </a:xfrm>
           <a:prstGeom prst="line">
@@ -8213,299 +8407,10 @@
           </a:fontRef>
         </p:style>
       </p:cxnSp>
-      <p:sp>
-        <p:nvSpPr>
-          <p:cNvPr id="7" name="TextBox 6"/>
-          <p:cNvSpPr txBox="1"/>
-          <p:nvPr/>
-        </p:nvSpPr>
-        <p:spPr>
-          <a:xfrm>
-            <a:off x="4817566" y="319024"/>
-            <a:ext cx="2421461" cy="584775"/>
-          </a:xfrm>
-          <a:prstGeom prst="rect">
-            <a:avLst/>
-          </a:prstGeom>
-          <a:noFill/>
-        </p:spPr>
-        <p:txBody>
-          <a:bodyPr wrap="square" rtlCol="0">
-            <a:spAutoFit/>
-          </a:bodyPr>
-          <a:lstStyle/>
-          <a:p>
-            <a:r>
-              <a:rPr lang="en-US" altLang="ko-KR" sz="3200" smtClean="0">
-                <a:solidFill>
-                  <a:schemeClr val="bg1"/>
-                </a:solidFill>
-                <a:latin typeface="Noto Sans CJK KR Medium" pitchFamily="34" charset="-127"/>
-                <a:ea typeface="Noto Sans CJK KR Medium" pitchFamily="34" charset="-127"/>
-              </a:rPr>
-              <a:t> 2. </a:t>
-            </a:r>
-            <a:r>
-              <a:rPr lang="ko-KR" altLang="en-US" sz="3200" smtClean="0">
-                <a:solidFill>
-                  <a:schemeClr val="bg1"/>
-                </a:solidFill>
-                <a:latin typeface="Noto Sans CJK KR Medium" pitchFamily="34" charset="-127"/>
-                <a:ea typeface="Noto Sans CJK KR Medium" pitchFamily="34" charset="-127"/>
-              </a:rPr>
-              <a:t>컨셉</a:t>
-            </a:r>
-            <a:r>
-              <a:rPr lang="ko-KR" altLang="en-US" sz="3200" smtClean="0">
-                <a:solidFill>
-                  <a:schemeClr val="bg1"/>
-                </a:solidFill>
-                <a:latin typeface="Noto Sans CJK KR Medium" pitchFamily="34" charset="-127"/>
-                <a:ea typeface="Noto Sans CJK KR Medium" pitchFamily="34" charset="-127"/>
-              </a:rPr>
-              <a:t> </a:t>
-            </a:r>
-            <a:endParaRPr lang="en-US" altLang="ko-KR" sz="3200" smtClean="0">
-              <a:solidFill>
-                <a:schemeClr val="bg1"/>
-              </a:solidFill>
-              <a:latin typeface="Noto Sans CJK KR Medium" pitchFamily="34" charset="-127"/>
-              <a:ea typeface="Noto Sans CJK KR Medium" pitchFamily="34" charset="-127"/>
-            </a:endParaRPr>
-          </a:p>
-        </p:txBody>
-      </p:sp>
-      <p:sp>
-        <p:nvSpPr>
-          <p:cNvPr id="2" name="직사각형 1"/>
-          <p:cNvSpPr/>
-          <p:nvPr/>
-        </p:nvSpPr>
-        <p:spPr>
-          <a:xfrm>
-            <a:off x="584212" y="1481658"/>
-            <a:ext cx="2963333" cy="4351867"/>
-          </a:xfrm>
-          <a:prstGeom prst="rect">
-            <a:avLst/>
-          </a:prstGeom>
-          <a:solidFill>
-            <a:schemeClr val="bg1"/>
-          </a:solidFill>
-          <a:ln>
-            <a:noFill/>
-          </a:ln>
-        </p:spPr>
-        <p:style>
-          <a:lnRef idx="2">
-            <a:schemeClr val="accent1">
-              <a:shade val="50000"/>
-            </a:schemeClr>
-          </a:lnRef>
-          <a:fillRef idx="1">
-            <a:schemeClr val="accent1"/>
-          </a:fillRef>
-          <a:effectRef idx="0">
-            <a:schemeClr val="accent1"/>
-          </a:effectRef>
-          <a:fontRef idx="minor">
-            <a:schemeClr val="lt1"/>
-          </a:fontRef>
-        </p:style>
-        <p:txBody>
-          <a:bodyPr rtlCol="0" anchor="ctr"/>
-          <a:lstStyle/>
-          <a:p>
-            <a:pPr algn="ctr"/>
-            <a:endParaRPr lang="ko-KR" altLang="en-US"/>
-          </a:p>
-        </p:txBody>
-      </p:sp>
-      <p:pic>
-        <p:nvPicPr>
-          <p:cNvPr id="2050" name="Picture 2" descr="C:\Users\Administrator\Desktop\mobile_title.png"/>
-          <p:cNvPicPr>
-            <a:picLocks noChangeAspect="1" noChangeArrowheads="1"/>
-          </p:cNvPicPr>
-          <p:nvPr/>
-        </p:nvPicPr>
-        <p:blipFill>
-          <a:blip r:embed="rId3" cstate="print">
-            <a:extLst>
-              <a:ext uri="{28A0092B-C50C-407E-A947-70E740481C1C}">
-                <a14:useLocalDpi xmlns:a14="http://schemas.microsoft.com/office/drawing/2010/main" val="0"/>
-              </a:ext>
-            </a:extLst>
-          </a:blip>
-          <a:srcRect/>
-          <a:stretch>
-            <a:fillRect/>
-          </a:stretch>
-        </p:blipFill>
-        <p:spPr bwMode="auto">
-          <a:xfrm>
-            <a:off x="804339" y="1528590"/>
-            <a:ext cx="2329917" cy="4135602"/>
-          </a:xfrm>
-          <a:prstGeom prst="rect">
-            <a:avLst/>
-          </a:prstGeom>
-          <a:noFill/>
-          <a:extLst>
-            <a:ext uri="{909E8E84-426E-40DD-AFC4-6F175D3DCCD1}">
-              <a14:hiddenFill xmlns:a14="http://schemas.microsoft.com/office/drawing/2010/main">
-                <a:solidFill>
-                  <a:srgbClr val="FFFFFF"/>
-                </a:solidFill>
-              </a14:hiddenFill>
-            </a:ext>
-          </a:extLst>
-        </p:spPr>
-      </p:pic>
-      <p:sp>
-        <p:nvSpPr>
-          <p:cNvPr id="10" name="TextBox 9"/>
-          <p:cNvSpPr txBox="1"/>
-          <p:nvPr/>
-        </p:nvSpPr>
-        <p:spPr>
-          <a:xfrm>
-            <a:off x="755128" y="5865670"/>
-            <a:ext cx="3174999" cy="523220"/>
-          </a:xfrm>
-          <a:prstGeom prst="rect">
-            <a:avLst/>
-          </a:prstGeom>
-          <a:noFill/>
-        </p:spPr>
-        <p:txBody>
-          <a:bodyPr wrap="square" rtlCol="0">
-            <a:spAutoFit/>
-          </a:bodyPr>
-          <a:lstStyle/>
-          <a:p>
-            <a:r>
-              <a:rPr lang="en-US" altLang="ko-KR" sz="2800" smtClean="0">
-                <a:solidFill>
-                  <a:schemeClr val="bg1"/>
-                </a:solidFill>
-              </a:rPr>
-              <a:t>Ver. Mobile Web</a:t>
-            </a:r>
-            <a:endParaRPr lang="ko-KR" altLang="en-US" sz="2800">
-              <a:solidFill>
-                <a:schemeClr val="bg1"/>
-              </a:solidFill>
-            </a:endParaRPr>
-          </a:p>
-        </p:txBody>
-      </p:sp>
-      <p:pic>
-        <p:nvPicPr>
-          <p:cNvPr id="14" name="그림 13"/>
-          <p:cNvPicPr>
-            <a:picLocks noChangeAspect="1"/>
-          </p:cNvPicPr>
-          <p:nvPr/>
-        </p:nvPicPr>
-        <p:blipFill>
-          <a:blip r:embed="rId4" cstate="print">
-            <a:extLst>
-              <a:ext uri="{28A0092B-C50C-407E-A947-70E740481C1C}">
-                <a14:useLocalDpi xmlns:a14="http://schemas.microsoft.com/office/drawing/2010/main" val="0"/>
-              </a:ext>
-            </a:extLst>
-          </a:blip>
-          <a:stretch>
-            <a:fillRect/>
-          </a:stretch>
-        </p:blipFill>
-        <p:spPr>
-          <a:xfrm>
-            <a:off x="3708402" y="-802379"/>
-            <a:ext cx="4495800" cy="3249231"/>
-          </a:xfrm>
-          <a:prstGeom prst="rect">
-            <a:avLst/>
-          </a:prstGeom>
-        </p:spPr>
-      </p:pic>
-      <p:sp>
-        <p:nvSpPr>
-          <p:cNvPr id="13" name="TextBox 12"/>
-          <p:cNvSpPr txBox="1"/>
-          <p:nvPr/>
-        </p:nvSpPr>
-        <p:spPr>
-          <a:xfrm>
-            <a:off x="4048660" y="319024"/>
-            <a:ext cx="4572000" cy="584775"/>
-          </a:xfrm>
-          <a:prstGeom prst="rect">
-            <a:avLst/>
-          </a:prstGeom>
-          <a:noFill/>
-        </p:spPr>
-        <p:txBody>
-          <a:bodyPr wrap="square" rtlCol="0">
-            <a:spAutoFit/>
-          </a:bodyPr>
-          <a:lstStyle/>
-          <a:p>
-            <a:r>
-              <a:rPr lang="en-US" altLang="ko-KR" sz="3200" smtClean="0">
-                <a:solidFill>
-                  <a:schemeClr val="bg1"/>
-                </a:solidFill>
-                <a:latin typeface="Noto Sans CJK KR Medium" pitchFamily="34" charset="-127"/>
-                <a:ea typeface="Noto Sans CJK KR Medium" pitchFamily="34" charset="-127"/>
-              </a:rPr>
-              <a:t>2-1. </a:t>
-            </a:r>
-            <a:r>
-              <a:rPr lang="ko-KR" altLang="en-US" sz="3200" smtClean="0">
-                <a:solidFill>
-                  <a:schemeClr val="bg1"/>
-                </a:solidFill>
-                <a:latin typeface="Noto Sans CJK KR Medium" pitchFamily="34" charset="-127"/>
-                <a:ea typeface="Noto Sans CJK KR Medium" pitchFamily="34" charset="-127"/>
-              </a:rPr>
-              <a:t>컨셉 </a:t>
-            </a:r>
-            <a:r>
-              <a:rPr lang="en-US" altLang="ko-KR" sz="3200" smtClean="0">
-                <a:solidFill>
-                  <a:schemeClr val="bg1"/>
-                </a:solidFill>
-                <a:latin typeface="Noto Sans CJK KR Medium" pitchFamily="34" charset="-127"/>
-                <a:ea typeface="Noto Sans CJK KR Medium" pitchFamily="34" charset="-127"/>
-              </a:rPr>
-              <a:t>– </a:t>
-            </a:r>
-            <a:r>
-              <a:rPr lang="ko-KR" altLang="en-US" sz="3200" smtClean="0">
-                <a:solidFill>
-                  <a:schemeClr val="bg1"/>
-                </a:solidFill>
-                <a:latin typeface="Noto Sans CJK KR Medium" pitchFamily="34" charset="-127"/>
-                <a:ea typeface="Noto Sans CJK KR Medium" pitchFamily="34" charset="-127"/>
-              </a:rPr>
-              <a:t>모바일 웹</a:t>
-            </a:r>
-            <a:endParaRPr lang="en-US" altLang="ko-KR" sz="3200" smtClean="0">
-              <a:solidFill>
-                <a:schemeClr val="bg1"/>
-              </a:solidFill>
-              <a:latin typeface="Noto Sans CJK KR Medium" pitchFamily="34" charset="-127"/>
-              <a:ea typeface="Noto Sans CJK KR Medium" pitchFamily="34" charset="-127"/>
-            </a:endParaRPr>
-          </a:p>
-        </p:txBody>
-      </p:sp>
     </p:spTree>
     <p:extLst>
       <p:ext uri="{BB962C8B-B14F-4D97-AF65-F5344CB8AC3E}">
-        <p14:creationId xmlns:p14="http://schemas.microsoft.com/office/powerpoint/2010/main" val="1623658248"/>
+        <p14:creationId xmlns:p14="http://schemas.microsoft.com/office/powerpoint/2010/main" val="2408449676"/>
       </p:ext>
     </p:extLst>
   </p:cSld>
@@ -8561,7 +8466,7 @@
         </p:blipFill>
         <p:spPr>
           <a:xfrm>
-            <a:off x="0" y="-51918"/>
+            <a:off x="0" y="-9583"/>
             <a:ext cx="9144000" cy="6858000"/>
           </a:xfrm>
           <a:prstGeom prst="rect">
@@ -8672,17 +8577,7 @@
                 <a:latin typeface="Noto Sans CJK KR Medium" pitchFamily="34" charset="-127"/>
                 <a:ea typeface="Noto Sans CJK KR Medium" pitchFamily="34" charset="-127"/>
               </a:rPr>
-              <a:t>컨셉</a:t>
-            </a:r>
-            <a:r>
-              <a:rPr lang="ko-KR" altLang="en-US" sz="3200" smtClean="0">
-                <a:solidFill>
-                  <a:schemeClr val="bg1"/>
-                </a:solidFill>
-                <a:latin typeface="Noto Sans CJK KR Medium" pitchFamily="34" charset="-127"/>
-                <a:ea typeface="Noto Sans CJK KR Medium" pitchFamily="34" charset="-127"/>
-              </a:rPr>
-              <a:t> </a:t>
+              <a:t>컨셉 </a:t>
             </a:r>
             <a:endParaRPr lang="en-US" altLang="ko-KR" sz="3200" smtClean="0">
               <a:solidFill>
@@ -8694,9 +8589,55 @@
           </a:p>
         </p:txBody>
       </p:sp>
+      <p:sp>
+        <p:nvSpPr>
+          <p:cNvPr id="2" name="직사각형 1"/>
+          <p:cNvSpPr/>
+          <p:nvPr/>
+        </p:nvSpPr>
+        <p:spPr>
+          <a:xfrm>
+            <a:off x="584212" y="1481658"/>
+            <a:ext cx="2963333" cy="4351867"/>
+          </a:xfrm>
+          <a:prstGeom prst="rect">
+            <a:avLst/>
+          </a:prstGeom>
+          <a:solidFill>
+            <a:schemeClr val="bg1"/>
+          </a:solidFill>
+          <a:ln>
+            <a:noFill/>
+          </a:ln>
+        </p:spPr>
+        <p:style>
+          <a:lnRef idx="2">
+            <a:schemeClr val="accent1">
+              <a:shade val="50000"/>
+            </a:schemeClr>
+          </a:lnRef>
+          <a:fillRef idx="1">
+            <a:schemeClr val="accent1"/>
+          </a:fillRef>
+          <a:effectRef idx="0">
+            <a:schemeClr val="accent1"/>
+          </a:effectRef>
+          <a:fontRef idx="minor">
+            <a:schemeClr val="lt1"/>
+          </a:fontRef>
+        </p:style>
+        <p:txBody>
+          <a:bodyPr rtlCol="0" anchor="ctr"/>
+          <a:lstStyle/>
+          <a:p>
+            <a:pPr algn="ctr"/>
+            <a:endParaRPr lang="ko-KR" altLang="en-US"/>
+          </a:p>
+        </p:txBody>
+      </p:sp>
       <p:pic>
         <p:nvPicPr>
-          <p:cNvPr id="3074" name="Picture 2" descr="C:\Users\Administrator\Desktop\hes_web_ex.png"/>
+          <p:cNvPr id="2050" name="Picture 2" descr="C:\Users\Administrator\Desktop\mobile_title.png"/>
           <p:cNvPicPr>
             <a:picLocks noChangeAspect="1" noChangeArrowheads="1"/>
           </p:cNvPicPr>
@@ -8717,48 +8658,39 @@
         </p:blipFill>
         <p:spPr bwMode="auto">
           <a:xfrm>
-            <a:off x="1984111" y="2076093"/>
-            <a:ext cx="5328174" cy="3330109"/>
-          </a:xfrm>
-          <a:prstGeom prst="rect">
-            <a:avLst/>
-          </a:prstGeom>
-          <a:ln>
-            <a:noFill/>
-          </a:ln>
-          <a:effectLst>
-            <a:outerShdw blurRad="292100" dist="139700" dir="2700000" algn="tl" rotWithShape="0">
-              <a:srgbClr val="333333">
-                <a:alpha val="65000"/>
-              </a:srgbClr>
-            </a:outerShdw>
-          </a:effectLst>
-          <a:extLst>
-            <a:ext uri="{909E8E84-426E-40DD-AFC4-6F175D3DCCD1}">
-              <a14:hiddenFill xmlns:a14="http://schemas.microsoft.com/office/drawing/2010/main">
-                <a:solidFill>
-                  <a:srgbClr val="FFFFFF"/>
-                </a:solidFill>
-              </a14:hiddenFill>
-            </a:ext>
-          </a:extLst>
-        </p:spPr>
-      </p:pic>
-      <p:sp>
-        <p:nvSpPr>
-          <p:cNvPr id="4" name="TextBox 3"/>
-          <p:cNvSpPr txBox="1"/>
-          <p:nvPr/>
-        </p:nvSpPr>
-        <p:spPr>
-          <a:xfrm>
-            <a:off x="965201" y="1359798"/>
-            <a:ext cx="2353732" cy="584775"/>
+            <a:off x="804339" y="1528590"/>
+            <a:ext cx="2329917" cy="4135602"/>
           </a:xfrm>
           <a:prstGeom prst="rect">
             <a:avLst/>
           </a:prstGeom>
           <a:noFill/>
+          <a:extLst>
+            <a:ext uri="{909E8E84-426E-40DD-AFC4-6F175D3DCCD1}">
+              <a14:hiddenFill xmlns:a14="http://schemas.microsoft.com/office/drawing/2010/main">
+                <a:solidFill>
+                  <a:srgbClr val="FFFFFF"/>
+                </a:solidFill>
+              </a14:hiddenFill>
+            </a:ext>
+          </a:extLst>
+        </p:spPr>
+      </p:pic>
+      <p:sp>
+        <p:nvSpPr>
+          <p:cNvPr id="10" name="TextBox 9"/>
+          <p:cNvSpPr txBox="1"/>
+          <p:nvPr/>
+        </p:nvSpPr>
+        <p:spPr>
+          <a:xfrm>
+            <a:off x="755128" y="5865670"/>
+            <a:ext cx="3174999" cy="523220"/>
+          </a:xfrm>
+          <a:prstGeom prst="rect">
+            <a:avLst/>
+          </a:prstGeom>
+          <a:noFill/>
         </p:spPr>
         <p:txBody>
           <a:bodyPr wrap="square" rtlCol="0">
@@ -8767,14 +8699,14 @@
           <a:lstStyle/>
           <a:p>
             <a:r>
-              <a:rPr lang="en-US" altLang="ko-KR" sz="3200" smtClean="0">
+              <a:rPr lang="en-US" altLang="ko-KR" sz="2800" smtClean="0">
                 <a:solidFill>
                   <a:schemeClr val="bg1"/>
                 </a:solidFill>
               </a:rPr>
-              <a:t>Ver. WEB</a:t>
-            </a:r>
-            <a:endParaRPr lang="ko-KR" altLang="en-US" sz="3200">
+              <a:t>Ver. Mobile Web</a:t>
+            </a:r>
+            <a:endParaRPr lang="ko-KR" altLang="en-US" sz="2800">
               <a:solidFill>
                 <a:schemeClr val="bg1"/>
               </a:solidFill>
@@ -8784,7 +8716,7 @@
       </p:sp>
       <p:pic>
         <p:nvPicPr>
-          <p:cNvPr id="11" name="그림 10"/>
+          <p:cNvPr id="14" name="그림 13"/>
           <p:cNvPicPr>
             <a:picLocks noChangeAspect="1"/>
           </p:cNvPicPr>
@@ -8804,8 +8736,8 @@
         </p:blipFill>
         <p:spPr>
           <a:xfrm>
-            <a:off x="3640666" y="-810846"/>
-            <a:ext cx="3403608" cy="3249231"/>
+            <a:off x="3708402" y="-802379"/>
+            <a:ext cx="4495800" cy="3249231"/>
           </a:xfrm>
           <a:prstGeom prst="rect">
             <a:avLst/>
@@ -8814,7 +8746,7 @@
       </p:pic>
       <p:sp>
         <p:nvSpPr>
-          <p:cNvPr id="10" name="TextBox 9"/>
+          <p:cNvPr id="13" name="TextBox 12"/>
           <p:cNvSpPr txBox="1"/>
           <p:nvPr/>
         </p:nvSpPr>
@@ -8835,22 +8767,32 @@
           <a:lstStyle/>
           <a:p>
             <a:r>
+              <a:rPr lang="en-US" altLang="ko-KR" sz="3200">
+                <a:solidFill>
+                  <a:schemeClr val="bg1"/>
+                </a:solidFill>
+                <a:latin typeface="나눔스퀘어OTF Bold" pitchFamily="34" charset="-127"/>
+                <a:ea typeface="나눔스퀘어OTF Bold" pitchFamily="34" charset="-127"/>
+              </a:rPr>
+              <a:t>3</a:t>
+            </a:r>
+            <a:r>
               <a:rPr lang="en-US" altLang="ko-KR" sz="3200" smtClean="0">
                 <a:solidFill>
                   <a:schemeClr val="bg1"/>
                 </a:solidFill>
-                <a:latin typeface="Noto Sans CJK KR Medium" pitchFamily="34" charset="-127"/>
-                <a:ea typeface="Noto Sans CJK KR Medium" pitchFamily="34" charset="-127"/>
-              </a:rPr>
-              <a:t>2-1. </a:t>
+                <a:latin typeface="나눔스퀘어OTF Bold" pitchFamily="34" charset="-127"/>
+                <a:ea typeface="나눔스퀘어OTF Bold" pitchFamily="34" charset="-127"/>
+              </a:rPr>
+              <a:t>-1. </a:t>
             </a:r>
             <a:r>
               <a:rPr lang="ko-KR" altLang="en-US" sz="3200" smtClean="0">
                 <a:solidFill>
                   <a:schemeClr val="bg1"/>
                 </a:solidFill>
-                <a:latin typeface="Noto Sans CJK KR Medium" pitchFamily="34" charset="-127"/>
-                <a:ea typeface="Noto Sans CJK KR Medium" pitchFamily="34" charset="-127"/>
+                <a:latin typeface="나눔스퀘어OTF Bold" pitchFamily="34" charset="-127"/>
+                <a:ea typeface="나눔스퀘어OTF Bold" pitchFamily="34" charset="-127"/>
               </a:rPr>
               <a:t>컨셉 </a:t>
             </a:r>
@@ -8859,8 +8801,8 @@
                 <a:solidFill>
                   <a:schemeClr val="bg1"/>
                 </a:solidFill>
-                <a:latin typeface="Noto Sans CJK KR Medium" pitchFamily="34" charset="-127"/>
-                <a:ea typeface="Noto Sans CJK KR Medium" pitchFamily="34" charset="-127"/>
+                <a:latin typeface="나눔스퀘어OTF Bold" pitchFamily="34" charset="-127"/>
+                <a:ea typeface="나눔스퀘어OTF Bold" pitchFamily="34" charset="-127"/>
               </a:rPr>
               <a:t>– </a:t>
             </a:r>
@@ -8869,17 +8811,17 @@
                 <a:solidFill>
                   <a:schemeClr val="bg1"/>
                 </a:solidFill>
-                <a:latin typeface="Noto Sans CJK KR Medium" pitchFamily="34" charset="-127"/>
-                <a:ea typeface="Noto Sans CJK KR Medium" pitchFamily="34" charset="-127"/>
-              </a:rPr>
-              <a:t>웹</a:t>
+                <a:latin typeface="나눔스퀘어OTF Bold" pitchFamily="34" charset="-127"/>
+                <a:ea typeface="나눔스퀘어OTF Bold" pitchFamily="34" charset="-127"/>
+              </a:rPr>
+              <a:t>모바일 웹</a:t>
             </a:r>
             <a:endParaRPr lang="en-US" altLang="ko-KR" sz="3200" smtClean="0">
               <a:solidFill>
                 <a:schemeClr val="bg1"/>
               </a:solidFill>
-              <a:latin typeface="Noto Sans CJK KR Medium" pitchFamily="34" charset="-127"/>
-              <a:ea typeface="Noto Sans CJK KR Medium" pitchFamily="34" charset="-127"/>
+              <a:latin typeface="나눔스퀘어OTF Bold" pitchFamily="34" charset="-127"/>
+              <a:ea typeface="나눔스퀘어OTF Bold" pitchFamily="34" charset="-127"/>
             </a:endParaRPr>
           </a:p>
         </p:txBody>
@@ -8887,7 +8829,7 @@
     </p:spTree>
     <p:extLst>
       <p:ext uri="{BB962C8B-B14F-4D97-AF65-F5344CB8AC3E}">
-        <p14:creationId xmlns:p14="http://schemas.microsoft.com/office/powerpoint/2010/main" val="3374785694"/>
+        <p14:creationId xmlns:p14="http://schemas.microsoft.com/office/powerpoint/2010/main" val="1623658248"/>
       </p:ext>
     </p:extLst>
   </p:cSld>
@@ -8921,25 +8863,36 @@
           <a:chExt cx="0" cy="0"/>
         </a:xfrm>
       </p:grpSpPr>
-      <p:sp>
-        <p:nvSpPr>
-          <p:cNvPr id="2" name="제목 1"/>
-          <p:cNvSpPr>
-            <a:spLocks noGrp="1"/>
-          </p:cNvSpPr>
-          <p:nvPr>
-            <p:ph type="title"/>
-          </p:nvPr>
-        </p:nvSpPr>
-        <p:spPr/>
-        <p:txBody>
-          <a:bodyPr/>
-          <a:lstStyle/>
-          <a:p>
-            <a:endParaRPr lang="ko-KR" altLang="en-US"/>
-          </a:p>
-        </p:txBody>
-      </p:sp>
+      <p:pic>
+        <p:nvPicPr>
+          <p:cNvPr id="5" name="그림 4"/>
+          <p:cNvPicPr>
+            <a:picLocks noChangeAspect="1"/>
+          </p:cNvPicPr>
+          <p:nvPr/>
+        </p:nvPicPr>
+        <p:blipFill>
+          <a:blip r:embed="rId2">
+            <a:extLst>
+              <a:ext uri="{28A0092B-C50C-407E-A947-70E740481C1C}">
+                <a14:useLocalDpi xmlns:a14="http://schemas.microsoft.com/office/drawing/2010/main" val="0"/>
+              </a:ext>
+            </a:extLst>
+          </a:blip>
+          <a:stretch>
+            <a:fillRect/>
+          </a:stretch>
+        </p:blipFill>
+        <p:spPr>
+          <a:xfrm>
+            <a:off x="0" y="-51918"/>
+            <a:ext cx="9144000" cy="6858000"/>
+          </a:xfrm>
+          <a:prstGeom prst="rect">
+            <a:avLst/>
+          </a:prstGeom>
+        </p:spPr>
+      </p:pic>
       <p:sp>
         <p:nvSpPr>
           <p:cNvPr id="3" name="내용 개체 틀 2"/>
@@ -8955,18 +8908,310 @@
           <a:bodyPr/>
           <a:lstStyle/>
           <a:p>
-            <a:r>
-              <a:rPr lang="ko-KR" altLang="en-US" smtClean="0"/>
-              <a:t>페르소나</a:t>
-            </a:r>
+            <a:pPr marL="0" indent="0">
+              <a:buNone/>
+            </a:pPr>
+            <a:endParaRPr lang="en-US" altLang="ko-KR"/>
+          </a:p>
+          <a:p>
+            <a:pPr marL="0" indent="0">
+              <a:buNone/>
+            </a:pPr>
             <a:endParaRPr lang="ko-KR" altLang="en-US"/>
+          </a:p>
+        </p:txBody>
+      </p:sp>
+      <p:cxnSp>
+        <p:nvCxnSpPr>
+          <p:cNvPr id="6" name="직선 연결선 5"/>
+          <p:cNvCxnSpPr/>
+          <p:nvPr/>
+        </p:nvCxnSpPr>
+        <p:spPr>
+          <a:xfrm>
+            <a:off x="4817566" y="463116"/>
+            <a:ext cx="0" cy="584775"/>
+          </a:xfrm>
+          <a:prstGeom prst="line">
+            <a:avLst/>
+          </a:prstGeom>
+          <a:ln w="28575">
+            <a:solidFill>
+              <a:schemeClr val="bg1"/>
+            </a:solidFill>
+          </a:ln>
+        </p:spPr>
+        <p:style>
+          <a:lnRef idx="1">
+            <a:schemeClr val="accent1"/>
+          </a:lnRef>
+          <a:fillRef idx="0">
+            <a:schemeClr val="accent1"/>
+          </a:fillRef>
+          <a:effectRef idx="0">
+            <a:schemeClr val="accent1"/>
+          </a:effectRef>
+          <a:fontRef idx="minor">
+            <a:schemeClr val="tx1"/>
+          </a:fontRef>
+        </p:style>
+      </p:cxnSp>
+      <p:sp>
+        <p:nvSpPr>
+          <p:cNvPr id="7" name="TextBox 6"/>
+          <p:cNvSpPr txBox="1"/>
+          <p:nvPr/>
+        </p:nvSpPr>
+        <p:spPr>
+          <a:xfrm>
+            <a:off x="4817566" y="319024"/>
+            <a:ext cx="2421461" cy="584775"/>
+          </a:xfrm>
+          <a:prstGeom prst="rect">
+            <a:avLst/>
+          </a:prstGeom>
+          <a:noFill/>
+        </p:spPr>
+        <p:txBody>
+          <a:bodyPr wrap="square" rtlCol="0">
+            <a:spAutoFit/>
+          </a:bodyPr>
+          <a:lstStyle/>
+          <a:p>
+            <a:r>
+              <a:rPr lang="en-US" altLang="ko-KR" sz="3200" smtClean="0">
+                <a:solidFill>
+                  <a:schemeClr val="bg1"/>
+                </a:solidFill>
+                <a:latin typeface="Noto Sans CJK KR Medium" pitchFamily="34" charset="-127"/>
+                <a:ea typeface="Noto Sans CJK KR Medium" pitchFamily="34" charset="-127"/>
+              </a:rPr>
+              <a:t> 2. </a:t>
+            </a:r>
+            <a:r>
+              <a:rPr lang="ko-KR" altLang="en-US" sz="3200" smtClean="0">
+                <a:solidFill>
+                  <a:schemeClr val="bg1"/>
+                </a:solidFill>
+                <a:latin typeface="Noto Sans CJK KR Medium" pitchFamily="34" charset="-127"/>
+                <a:ea typeface="Noto Sans CJK KR Medium" pitchFamily="34" charset="-127"/>
+              </a:rPr>
+              <a:t>컨셉 </a:t>
+            </a:r>
+            <a:endParaRPr lang="en-US" altLang="ko-KR" sz="3200" smtClean="0">
+              <a:solidFill>
+                <a:schemeClr val="bg1"/>
+              </a:solidFill>
+              <a:latin typeface="Noto Sans CJK KR Medium" pitchFamily="34" charset="-127"/>
+              <a:ea typeface="Noto Sans CJK KR Medium" pitchFamily="34" charset="-127"/>
+            </a:endParaRPr>
+          </a:p>
+        </p:txBody>
+      </p:sp>
+      <p:pic>
+        <p:nvPicPr>
+          <p:cNvPr id="3074" name="Picture 2" descr="C:\Users\Administrator\Desktop\hes_web_ex.png"/>
+          <p:cNvPicPr>
+            <a:picLocks noChangeAspect="1" noChangeArrowheads="1"/>
+          </p:cNvPicPr>
+          <p:nvPr/>
+        </p:nvPicPr>
+        <p:blipFill>
+          <a:blip r:embed="rId3" cstate="print">
+            <a:extLst>
+              <a:ext uri="{28A0092B-C50C-407E-A947-70E740481C1C}">
+                <a14:useLocalDpi xmlns:a14="http://schemas.microsoft.com/office/drawing/2010/main" val="0"/>
+              </a:ext>
+            </a:extLst>
+          </a:blip>
+          <a:srcRect/>
+          <a:stretch>
+            <a:fillRect/>
+          </a:stretch>
+        </p:blipFill>
+        <p:spPr bwMode="auto">
+          <a:xfrm>
+            <a:off x="1984111" y="2076093"/>
+            <a:ext cx="5328174" cy="3330109"/>
+          </a:xfrm>
+          <a:prstGeom prst="rect">
+            <a:avLst/>
+          </a:prstGeom>
+          <a:ln>
+            <a:noFill/>
+          </a:ln>
+          <a:effectLst>
+            <a:outerShdw blurRad="292100" dist="139700" dir="2700000" algn="tl" rotWithShape="0">
+              <a:srgbClr val="333333">
+                <a:alpha val="65000"/>
+              </a:srgbClr>
+            </a:outerShdw>
+          </a:effectLst>
+          <a:extLst>
+            <a:ext uri="{909E8E84-426E-40DD-AFC4-6F175D3DCCD1}">
+              <a14:hiddenFill xmlns:a14="http://schemas.microsoft.com/office/drawing/2010/main">
+                <a:solidFill>
+                  <a:srgbClr val="FFFFFF"/>
+                </a:solidFill>
+              </a14:hiddenFill>
+            </a:ext>
+          </a:extLst>
+        </p:spPr>
+      </p:pic>
+      <p:sp>
+        <p:nvSpPr>
+          <p:cNvPr id="4" name="TextBox 3"/>
+          <p:cNvSpPr txBox="1"/>
+          <p:nvPr/>
+        </p:nvSpPr>
+        <p:spPr>
+          <a:xfrm>
+            <a:off x="965201" y="1359798"/>
+            <a:ext cx="2353732" cy="584775"/>
+          </a:xfrm>
+          <a:prstGeom prst="rect">
+            <a:avLst/>
+          </a:prstGeom>
+          <a:noFill/>
+        </p:spPr>
+        <p:txBody>
+          <a:bodyPr wrap="square" rtlCol="0">
+            <a:spAutoFit/>
+          </a:bodyPr>
+          <a:lstStyle/>
+          <a:p>
+            <a:r>
+              <a:rPr lang="en-US" altLang="ko-KR" sz="3200" smtClean="0">
+                <a:solidFill>
+                  <a:schemeClr val="bg1"/>
+                </a:solidFill>
+              </a:rPr>
+              <a:t>Ver. WEB</a:t>
+            </a:r>
+            <a:endParaRPr lang="ko-KR" altLang="en-US" sz="3200">
+              <a:solidFill>
+                <a:schemeClr val="bg1"/>
+              </a:solidFill>
+            </a:endParaRPr>
+          </a:p>
+        </p:txBody>
+      </p:sp>
+      <p:pic>
+        <p:nvPicPr>
+          <p:cNvPr id="11" name="그림 10"/>
+          <p:cNvPicPr>
+            <a:picLocks noChangeAspect="1"/>
+          </p:cNvPicPr>
+          <p:nvPr/>
+        </p:nvPicPr>
+        <p:blipFill>
+          <a:blip r:embed="rId4" cstate="print">
+            <a:extLst>
+              <a:ext uri="{28A0092B-C50C-407E-A947-70E740481C1C}">
+                <a14:useLocalDpi xmlns:a14="http://schemas.microsoft.com/office/drawing/2010/main" val="0"/>
+              </a:ext>
+            </a:extLst>
+          </a:blip>
+          <a:stretch>
+            <a:fillRect/>
+          </a:stretch>
+        </p:blipFill>
+        <p:spPr>
+          <a:xfrm>
+            <a:off x="3640666" y="-810846"/>
+            <a:ext cx="3403608" cy="3249231"/>
+          </a:xfrm>
+          <a:prstGeom prst="rect">
+            <a:avLst/>
+          </a:prstGeom>
+        </p:spPr>
+      </p:pic>
+      <p:sp>
+        <p:nvSpPr>
+          <p:cNvPr id="10" name="TextBox 9"/>
+          <p:cNvSpPr txBox="1"/>
+          <p:nvPr/>
+        </p:nvSpPr>
+        <p:spPr>
+          <a:xfrm>
+            <a:off x="4048660" y="319024"/>
+            <a:ext cx="4572000" cy="584775"/>
+          </a:xfrm>
+          <a:prstGeom prst="rect">
+            <a:avLst/>
+          </a:prstGeom>
+          <a:noFill/>
+        </p:spPr>
+        <p:txBody>
+          <a:bodyPr wrap="square" rtlCol="0">
+            <a:spAutoFit/>
+          </a:bodyPr>
+          <a:lstStyle/>
+          <a:p>
+            <a:r>
+              <a:rPr lang="en-US" altLang="ko-KR" sz="3200" smtClean="0">
+                <a:solidFill>
+                  <a:schemeClr val="bg1"/>
+                </a:solidFill>
+                <a:latin typeface="나눔스퀘어OTF Bold" pitchFamily="34" charset="-127"/>
+                <a:ea typeface="나눔스퀘어OTF Bold" pitchFamily="34" charset="-127"/>
+              </a:rPr>
+              <a:t>3</a:t>
+            </a:r>
+            <a:r>
+              <a:rPr lang="en-US" altLang="ko-KR" sz="3200" smtClean="0">
+                <a:solidFill>
+                  <a:schemeClr val="bg1"/>
+                </a:solidFill>
+                <a:latin typeface="나눔스퀘어OTF Bold" pitchFamily="34" charset="-127"/>
+                <a:ea typeface="나눔스퀘어OTF Bold" pitchFamily="34" charset="-127"/>
+              </a:rPr>
+              <a:t>-2. </a:t>
+            </a:r>
+            <a:r>
+              <a:rPr lang="ko-KR" altLang="en-US" sz="3200" smtClean="0">
+                <a:solidFill>
+                  <a:schemeClr val="bg1"/>
+                </a:solidFill>
+                <a:latin typeface="나눔스퀘어OTF Bold" pitchFamily="34" charset="-127"/>
+                <a:ea typeface="나눔스퀘어OTF Bold" pitchFamily="34" charset="-127"/>
+              </a:rPr>
+              <a:t>컨셉 </a:t>
+            </a:r>
+            <a:r>
+              <a:rPr lang="en-US" altLang="ko-KR" sz="3200" smtClean="0">
+                <a:solidFill>
+                  <a:schemeClr val="bg1"/>
+                </a:solidFill>
+                <a:latin typeface="나눔스퀘어OTF Bold" pitchFamily="34" charset="-127"/>
+                <a:ea typeface="나눔스퀘어OTF Bold" pitchFamily="34" charset="-127"/>
+              </a:rPr>
+              <a:t>– </a:t>
+            </a:r>
+            <a:r>
+              <a:rPr lang="ko-KR" altLang="en-US" sz="3200" smtClean="0">
+                <a:solidFill>
+                  <a:schemeClr val="bg1"/>
+                </a:solidFill>
+                <a:latin typeface="나눔스퀘어OTF Bold" pitchFamily="34" charset="-127"/>
+                <a:ea typeface="나눔스퀘어OTF Bold" pitchFamily="34" charset="-127"/>
+              </a:rPr>
+              <a:t>웹</a:t>
+            </a:r>
+            <a:endParaRPr lang="en-US" altLang="ko-KR" sz="3200" smtClean="0">
+              <a:solidFill>
+                <a:schemeClr val="bg1"/>
+              </a:solidFill>
+              <a:latin typeface="나눔스퀘어OTF Bold" pitchFamily="34" charset="-127"/>
+              <a:ea typeface="나눔스퀘어OTF Bold" pitchFamily="34" charset="-127"/>
+            </a:endParaRPr>
           </a:p>
         </p:txBody>
       </p:sp>
     </p:spTree>
     <p:extLst>
       <p:ext uri="{BB962C8B-B14F-4D97-AF65-F5344CB8AC3E}">
-        <p14:creationId xmlns:p14="http://schemas.microsoft.com/office/powerpoint/2010/main" val="2408449676"/>
+        <p14:creationId xmlns:p14="http://schemas.microsoft.com/office/powerpoint/2010/main" val="3374785694"/>
       </p:ext>
     </p:extLst>
   </p:cSld>
@@ -9305,7 +9550,7 @@
   <a:extraClrSchemeLst/>
   <a:extLst>
     <a:ext uri="{05A4C25C-085E-4340-85A3-A5531E510DB2}">
-      <thm15:themeFamily xmlns:thm15="http://schemas.microsoft.com/office/thememl/2012/main" xmlns="" name="Office Theme" id="{62F939B6-93AF-4DB8-9C6B-D6C7DFDC589F}" vid="{4A3C46E8-61CC-4603-A589-7422A47A8E4A}"/>
+      <thm15:themeFamily xmlns="" xmlns:thm15="http://schemas.microsoft.com/office/thememl/2012/main" name="Office Theme" id="{62F939B6-93AF-4DB8-9C6B-D6C7DFDC589F}" vid="{4A3C46E8-61CC-4603-A589-7422A47A8E4A}"/>
     </a:ext>
   </a:extLst>
 </a:theme>
